--- a/Political Sentiment and Social Media.pptx
+++ b/Political Sentiment and Social Media.pptx
@@ -4,9 +4,24 @@
   <p:sldMasterIdLst>
     <p:sldMasterId id="2147483660" r:id="rId1"/>
   </p:sldMasterIdLst>
+  <p:notesMasterIdLst>
+    <p:notesMasterId r:id="rId16"/>
+  </p:notesMasterIdLst>
   <p:sldIdLst>
     <p:sldId id="256" r:id="rId2"/>
     <p:sldId id="257" r:id="rId3"/>
+    <p:sldId id="258" r:id="rId4"/>
+    <p:sldId id="261" r:id="rId5"/>
+    <p:sldId id="259" r:id="rId6"/>
+    <p:sldId id="262" r:id="rId7"/>
+    <p:sldId id="263" r:id="rId8"/>
+    <p:sldId id="267" r:id="rId9"/>
+    <p:sldId id="264" r:id="rId10"/>
+    <p:sldId id="265" r:id="rId11"/>
+    <p:sldId id="266" r:id="rId12"/>
+    <p:sldId id="268" r:id="rId13"/>
+    <p:sldId id="270" r:id="rId14"/>
+    <p:sldId id="269" r:id="rId15"/>
   </p:sldIdLst>
   <p:sldSz cx="12192000" cy="6858000"/>
   <p:notesSz cx="6858000" cy="9144000"/>
@@ -105,15 +120,28 @@
       </a:defRPr>
     </a:lvl9pPr>
   </p:defaultTextStyle>
+  <p:extLst>
+    <p:ext uri="{EFAFB233-063F-42B5-8137-9DF3F51BA10A}">
+      <p15:sldGuideLst xmlns:p15="http://schemas.microsoft.com/office/powerpoint/2012/main"/>
+    </p:ext>
+  </p:extLst>
 </p:presentation>
+</file>
+
+<file path=ppt/revisionInfo.xml><?xml version="1.0" encoding="utf-8"?>
+<p1510:revInfo xmlns:a="http://schemas.openxmlformats.org/drawingml/2006/main" xmlns:r="http://schemas.openxmlformats.org/officeDocument/2006/relationships" xmlns:p1510="http://schemas.microsoft.com/office/powerpoint/2015/10/main">
+  <p1510:revLst>
+    <p1510:client id="{C438439B-0BE1-46A4-BB36-796C843DE454}" v="69" dt="2021-10-12T03:26:06.389"/>
+  </p1510:revLst>
+</p1510:revInfo>
 </file>
 
 <file path=ppt/changesInfos/changesInfo1.xml><?xml version="1.0" encoding="utf-8"?>
 <pc:chgInfo xmlns:a="http://schemas.openxmlformats.org/drawingml/2006/main" xmlns:r="http://schemas.openxmlformats.org/officeDocument/2006/relationships" xmlns:ac="http://schemas.microsoft.com/office/drawing/2013/main/command" xmlns:pc="http://schemas.microsoft.com/office/powerpoint/2013/main/command">
   <pc:docChgLst>
     <pc:chgData name="Noelle Ferrari" userId="a847421d777b2bc0" providerId="LiveId" clId="{C438439B-0BE1-46A4-BB36-796C843DE454}"/>
-    <pc:docChg chg="undo custSel addSld modSld addMainMaster delMainMaster">
-      <pc:chgData name="Noelle Ferrari" userId="a847421d777b2bc0" providerId="LiveId" clId="{C438439B-0BE1-46A4-BB36-796C843DE454}" dt="2021-10-09T20:29:16.361" v="197" actId="1076"/>
+    <pc:docChg chg="undo custSel addSld delSld modSld addMainMaster delMainMaster">
+      <pc:chgData name="Noelle Ferrari" userId="a847421d777b2bc0" providerId="LiveId" clId="{C438439B-0BE1-46A4-BB36-796C843DE454}" dt="2021-10-12T04:21:31.849" v="1441" actId="26606"/>
       <pc:docMkLst>
         <pc:docMk/>
       </pc:docMkLst>
@@ -316,12 +344,20 @@
           </ac:cxnSpMkLst>
         </pc:cxnChg>
       </pc:sldChg>
-      <pc:sldChg chg="addSp delSp modSp new mod">
-        <pc:chgData name="Noelle Ferrari" userId="a847421d777b2bc0" providerId="LiveId" clId="{C438439B-0BE1-46A4-BB36-796C843DE454}" dt="2021-10-09T20:29:16.361" v="197" actId="1076"/>
+      <pc:sldChg chg="addSp delSp modSp new mod modClrScheme chgLayout modNotesTx">
+        <pc:chgData name="Noelle Ferrari" userId="a847421d777b2bc0" providerId="LiveId" clId="{C438439B-0BE1-46A4-BB36-796C843DE454}" dt="2021-10-11T17:42:45.821" v="351" actId="20577"/>
         <pc:sldMkLst>
           <pc:docMk/>
           <pc:sldMk cId="2984044718" sldId="257"/>
         </pc:sldMkLst>
+        <pc:spChg chg="add mod ord">
+          <ac:chgData name="Noelle Ferrari" userId="a847421d777b2bc0" providerId="LiveId" clId="{C438439B-0BE1-46A4-BB36-796C843DE454}" dt="2021-10-11T17:41:28.633" v="205" actId="171"/>
+          <ac:spMkLst>
+            <pc:docMk/>
+            <pc:sldMk cId="2984044718" sldId="257"/>
+            <ac:spMk id="2" creationId="{E213EFEE-7676-4778-9964-0741D215F8F9}"/>
+          </ac:spMkLst>
+        </pc:spChg>
         <pc:spChg chg="del mod">
           <ac:chgData name="Noelle Ferrari" userId="a847421d777b2bc0" providerId="LiveId" clId="{C438439B-0BE1-46A4-BB36-796C843DE454}" dt="2021-10-09T20:22:51.001" v="188" actId="478"/>
           <ac:spMkLst>
@@ -386,6 +422,856 @@
             <ac:picMk id="15" creationId="{A51E4B36-6DFB-42A4-8694-DCA6C818B7A5}"/>
           </ac:picMkLst>
         </pc:picChg>
+      </pc:sldChg>
+      <pc:sldChg chg="addSp delSp modSp new mod setBg modClrScheme chgLayout">
+        <pc:chgData name="Noelle Ferrari" userId="a847421d777b2bc0" providerId="LiveId" clId="{C438439B-0BE1-46A4-BB36-796C843DE454}" dt="2021-10-12T03:26:06.389" v="1086" actId="20577"/>
+        <pc:sldMkLst>
+          <pc:docMk/>
+          <pc:sldMk cId="2639864020" sldId="258"/>
+        </pc:sldMkLst>
+        <pc:spChg chg="add mod">
+          <ac:chgData name="Noelle Ferrari" userId="a847421d777b2bc0" providerId="LiveId" clId="{C438439B-0BE1-46A4-BB36-796C843DE454}" dt="2021-10-11T17:55:20.303" v="889" actId="26606"/>
+          <ac:spMkLst>
+            <pc:docMk/>
+            <pc:sldMk cId="2639864020" sldId="258"/>
+            <ac:spMk id="2" creationId="{98D6D8DC-BBEC-4118-AB07-EF2A55F2143C}"/>
+          </ac:spMkLst>
+        </pc:spChg>
+        <pc:spChg chg="add del mod">
+          <ac:chgData name="Noelle Ferrari" userId="a847421d777b2bc0" providerId="LiveId" clId="{C438439B-0BE1-46A4-BB36-796C843DE454}" dt="2021-10-11T17:55:20.303" v="889" actId="26606"/>
+          <ac:spMkLst>
+            <pc:docMk/>
+            <pc:sldMk cId="2639864020" sldId="258"/>
+            <ac:spMk id="3" creationId="{A3E30649-65B1-4178-B51F-7FFC920E0FFB}"/>
+          </ac:spMkLst>
+        </pc:spChg>
+        <pc:spChg chg="add del">
+          <ac:chgData name="Noelle Ferrari" userId="a847421d777b2bc0" providerId="LiveId" clId="{C438439B-0BE1-46A4-BB36-796C843DE454}" dt="2021-10-11T17:55:16.625" v="886" actId="26606"/>
+          <ac:spMkLst>
+            <pc:docMk/>
+            <pc:sldMk cId="2639864020" sldId="258"/>
+            <ac:spMk id="9" creationId="{F68B2C62-7648-4430-90D5-AE0F252AF113}"/>
+          </ac:spMkLst>
+        </pc:spChg>
+        <pc:spChg chg="add del">
+          <ac:chgData name="Noelle Ferrari" userId="a847421d777b2bc0" providerId="LiveId" clId="{C438439B-0BE1-46A4-BB36-796C843DE454}" dt="2021-10-11T17:55:16.625" v="886" actId="26606"/>
+          <ac:spMkLst>
+            <pc:docMk/>
+            <pc:sldMk cId="2639864020" sldId="258"/>
+            <ac:spMk id="11" creationId="{19604516-F583-413C-8C0B-E7944F332B5A}"/>
+          </ac:spMkLst>
+        </pc:spChg>
+        <pc:spChg chg="add del">
+          <ac:chgData name="Noelle Ferrari" userId="a847421d777b2bc0" providerId="LiveId" clId="{C438439B-0BE1-46A4-BB36-796C843DE454}" dt="2021-10-11T17:55:20.262" v="888" actId="26606"/>
+          <ac:spMkLst>
+            <pc:docMk/>
+            <pc:sldMk cId="2639864020" sldId="258"/>
+            <ac:spMk id="15" creationId="{F68B2C62-7648-4430-90D5-AE0F252AF113}"/>
+          </ac:spMkLst>
+        </pc:spChg>
+        <pc:spChg chg="add">
+          <ac:chgData name="Noelle Ferrari" userId="a847421d777b2bc0" providerId="LiveId" clId="{C438439B-0BE1-46A4-BB36-796C843DE454}" dt="2021-10-11T17:55:20.303" v="889" actId="26606"/>
+          <ac:spMkLst>
+            <pc:docMk/>
+            <pc:sldMk cId="2639864020" sldId="258"/>
+            <ac:spMk id="20" creationId="{F68B2C62-7648-4430-90D5-AE0F252AF113}"/>
+          </ac:spMkLst>
+        </pc:spChg>
+        <pc:spChg chg="add">
+          <ac:chgData name="Noelle Ferrari" userId="a847421d777b2bc0" providerId="LiveId" clId="{C438439B-0BE1-46A4-BB36-796C843DE454}" dt="2021-10-11T17:55:20.303" v="889" actId="26606"/>
+          <ac:spMkLst>
+            <pc:docMk/>
+            <pc:sldMk cId="2639864020" sldId="258"/>
+            <ac:spMk id="21" creationId="{19604516-F583-413C-8C0B-E7944F332B5A}"/>
+          </ac:spMkLst>
+        </pc:spChg>
+        <pc:graphicFrameChg chg="add del">
+          <ac:chgData name="Noelle Ferrari" userId="a847421d777b2bc0" providerId="LiveId" clId="{C438439B-0BE1-46A4-BB36-796C843DE454}" dt="2021-10-11T17:55:16.625" v="886" actId="26606"/>
+          <ac:graphicFrameMkLst>
+            <pc:docMk/>
+            <pc:sldMk cId="2639864020" sldId="258"/>
+            <ac:graphicFrameMk id="5" creationId="{CC0D4A00-BE13-485C-8E6E-F7B4FD9EC5F3}"/>
+          </ac:graphicFrameMkLst>
+        </pc:graphicFrameChg>
+        <pc:graphicFrameChg chg="add del">
+          <ac:chgData name="Noelle Ferrari" userId="a847421d777b2bc0" providerId="LiveId" clId="{C438439B-0BE1-46A4-BB36-796C843DE454}" dt="2021-10-11T17:55:20.262" v="888" actId="26606"/>
+          <ac:graphicFrameMkLst>
+            <pc:docMk/>
+            <pc:sldMk cId="2639864020" sldId="258"/>
+            <ac:graphicFrameMk id="18" creationId="{A31B1DD4-EC81-4528-A0F2-074924B8C5A7}"/>
+          </ac:graphicFrameMkLst>
+        </pc:graphicFrameChg>
+        <pc:graphicFrameChg chg="add mod">
+          <ac:chgData name="Noelle Ferrari" userId="a847421d777b2bc0" providerId="LiveId" clId="{C438439B-0BE1-46A4-BB36-796C843DE454}" dt="2021-10-12T03:26:06.389" v="1086" actId="20577"/>
+          <ac:graphicFrameMkLst>
+            <pc:docMk/>
+            <pc:sldMk cId="2639864020" sldId="258"/>
+            <ac:graphicFrameMk id="23" creationId="{CC0D4A00-BE13-485C-8E6E-F7B4FD9EC5F3}"/>
+          </ac:graphicFrameMkLst>
+        </pc:graphicFrameChg>
+        <pc:cxnChg chg="add del">
+          <ac:chgData name="Noelle Ferrari" userId="a847421d777b2bc0" providerId="LiveId" clId="{C438439B-0BE1-46A4-BB36-796C843DE454}" dt="2021-10-11T17:55:16.625" v="886" actId="26606"/>
+          <ac:cxnSpMkLst>
+            <pc:docMk/>
+            <pc:sldMk cId="2639864020" sldId="258"/>
+            <ac:cxnSpMk id="13" creationId="{4BFD5B9F-5FB6-467D-83D5-DF82F1907354}"/>
+          </ac:cxnSpMkLst>
+        </pc:cxnChg>
+        <pc:cxnChg chg="add del">
+          <ac:chgData name="Noelle Ferrari" userId="a847421d777b2bc0" providerId="LiveId" clId="{C438439B-0BE1-46A4-BB36-796C843DE454}" dt="2021-10-11T17:55:20.262" v="888" actId="26606"/>
+          <ac:cxnSpMkLst>
+            <pc:docMk/>
+            <pc:sldMk cId="2639864020" sldId="258"/>
+            <ac:cxnSpMk id="16" creationId="{AAD0195E-7F27-4D06-9427-0C121D721A14}"/>
+          </ac:cxnSpMkLst>
+        </pc:cxnChg>
+        <pc:cxnChg chg="add del">
+          <ac:chgData name="Noelle Ferrari" userId="a847421d777b2bc0" providerId="LiveId" clId="{C438439B-0BE1-46A4-BB36-796C843DE454}" dt="2021-10-11T17:55:20.262" v="888" actId="26606"/>
+          <ac:cxnSpMkLst>
+            <pc:docMk/>
+            <pc:sldMk cId="2639864020" sldId="258"/>
+            <ac:cxnSpMk id="17" creationId="{9D74C2FC-3228-4FC1-B97B-87AD35508D91}"/>
+          </ac:cxnSpMkLst>
+        </pc:cxnChg>
+        <pc:cxnChg chg="add">
+          <ac:chgData name="Noelle Ferrari" userId="a847421d777b2bc0" providerId="LiveId" clId="{C438439B-0BE1-46A4-BB36-796C843DE454}" dt="2021-10-11T17:55:20.303" v="889" actId="26606"/>
+          <ac:cxnSpMkLst>
+            <pc:docMk/>
+            <pc:sldMk cId="2639864020" sldId="258"/>
+            <ac:cxnSpMk id="22" creationId="{4BFD5B9F-5FB6-467D-83D5-DF82F1907354}"/>
+          </ac:cxnSpMkLst>
+        </pc:cxnChg>
+      </pc:sldChg>
+      <pc:sldChg chg="addSp delSp modSp new mod">
+        <pc:chgData name="Noelle Ferrari" userId="a847421d777b2bc0" providerId="LiveId" clId="{C438439B-0BE1-46A4-BB36-796C843DE454}" dt="2021-10-11T17:50:41.022" v="723" actId="14100"/>
+        <pc:sldMkLst>
+          <pc:docMk/>
+          <pc:sldMk cId="2353937424" sldId="259"/>
+        </pc:sldMkLst>
+        <pc:spChg chg="del">
+          <ac:chgData name="Noelle Ferrari" userId="a847421d777b2bc0" providerId="LiveId" clId="{C438439B-0BE1-46A4-BB36-796C843DE454}" dt="2021-10-11T17:50:29.529" v="719" actId="478"/>
+          <ac:spMkLst>
+            <pc:docMk/>
+            <pc:sldMk cId="2353937424" sldId="259"/>
+            <ac:spMk id="2" creationId="{69D5503E-58CE-480E-AF29-0BCD3B25F3FD}"/>
+          </ac:spMkLst>
+        </pc:spChg>
+        <pc:spChg chg="del">
+          <ac:chgData name="Noelle Ferrari" userId="a847421d777b2bc0" providerId="LiveId" clId="{C438439B-0BE1-46A4-BB36-796C843DE454}" dt="2021-10-11T17:50:32.647" v="720" actId="478"/>
+          <ac:spMkLst>
+            <pc:docMk/>
+            <pc:sldMk cId="2353937424" sldId="259"/>
+            <ac:spMk id="3" creationId="{D8BE9E6A-ECF2-4B4D-9971-1C02B7D79E23}"/>
+          </ac:spMkLst>
+        </pc:spChg>
+        <pc:picChg chg="add mod">
+          <ac:chgData name="Noelle Ferrari" userId="a847421d777b2bc0" providerId="LiveId" clId="{C438439B-0BE1-46A4-BB36-796C843DE454}" dt="2021-10-11T17:50:41.022" v="723" actId="14100"/>
+          <ac:picMkLst>
+            <pc:docMk/>
+            <pc:sldMk cId="2353937424" sldId="259"/>
+            <ac:picMk id="5" creationId="{466B7F85-8459-47C9-8AB7-0098FA161485}"/>
+          </ac:picMkLst>
+        </pc:picChg>
+      </pc:sldChg>
+      <pc:sldChg chg="new del">
+        <pc:chgData name="Noelle Ferrari" userId="a847421d777b2bc0" providerId="LiveId" clId="{C438439B-0BE1-46A4-BB36-796C843DE454}" dt="2021-10-12T03:02:34.668" v="972" actId="2696"/>
+        <pc:sldMkLst>
+          <pc:docMk/>
+          <pc:sldMk cId="1057654464" sldId="260"/>
+        </pc:sldMkLst>
+      </pc:sldChg>
+      <pc:sldChg chg="addSp delSp modSp new mod setBg modClrScheme chgLayout">
+        <pc:chgData name="Noelle Ferrari" userId="a847421d777b2bc0" providerId="LiveId" clId="{C438439B-0BE1-46A4-BB36-796C843DE454}" dt="2021-10-11T18:18:52.174" v="971" actId="26606"/>
+        <pc:sldMkLst>
+          <pc:docMk/>
+          <pc:sldMk cId="3731193904" sldId="261"/>
+        </pc:sldMkLst>
+        <pc:spChg chg="add mod ord">
+          <ac:chgData name="Noelle Ferrari" userId="a847421d777b2bc0" providerId="LiveId" clId="{C438439B-0BE1-46A4-BB36-796C843DE454}" dt="2021-10-11T18:18:52.174" v="971" actId="26606"/>
+          <ac:spMkLst>
+            <pc:docMk/>
+            <pc:sldMk cId="3731193904" sldId="261"/>
+            <ac:spMk id="4" creationId="{DD23A985-E245-4833-A627-2D6BC3B62445}"/>
+          </ac:spMkLst>
+        </pc:spChg>
+        <pc:spChg chg="add del mod ord">
+          <ac:chgData name="Noelle Ferrari" userId="a847421d777b2bc0" providerId="LiveId" clId="{C438439B-0BE1-46A4-BB36-796C843DE454}" dt="2021-10-11T18:18:04.173" v="963" actId="26606"/>
+          <ac:spMkLst>
+            <pc:docMk/>
+            <pc:sldMk cId="3731193904" sldId="261"/>
+            <ac:spMk id="5" creationId="{0D6E87DE-76B4-46A4-91FF-7D7ADA606CA2}"/>
+          </ac:spMkLst>
+        </pc:spChg>
+        <pc:spChg chg="add del">
+          <ac:chgData name="Noelle Ferrari" userId="a847421d777b2bc0" providerId="LiveId" clId="{C438439B-0BE1-46A4-BB36-796C843DE454}" dt="2021-10-11T18:18:52.174" v="971" actId="26606"/>
+          <ac:spMkLst>
+            <pc:docMk/>
+            <pc:sldMk cId="3731193904" sldId="261"/>
+            <ac:spMk id="14" creationId="{33E93247-6229-44AB-A550-739E971E690B}"/>
+          </ac:spMkLst>
+        </pc:spChg>
+        <pc:spChg chg="add">
+          <ac:chgData name="Noelle Ferrari" userId="a847421d777b2bc0" providerId="LiveId" clId="{C438439B-0BE1-46A4-BB36-796C843DE454}" dt="2021-10-11T18:18:52.174" v="971" actId="26606"/>
+          <ac:spMkLst>
+            <pc:docMk/>
+            <pc:sldMk cId="3731193904" sldId="261"/>
+            <ac:spMk id="25" creationId="{33E93247-6229-44AB-A550-739E971E690B}"/>
+          </ac:spMkLst>
+        </pc:spChg>
+        <pc:picChg chg="add mod ord">
+          <ac:chgData name="Noelle Ferrari" userId="a847421d777b2bc0" providerId="LiveId" clId="{C438439B-0BE1-46A4-BB36-796C843DE454}" dt="2021-10-11T18:18:52.174" v="971" actId="26606"/>
+          <ac:picMkLst>
+            <pc:docMk/>
+            <pc:sldMk cId="3731193904" sldId="261"/>
+            <ac:picMk id="3" creationId="{7B742CE7-CA21-470C-AC2B-F89ECEC311CD}"/>
+          </ac:picMkLst>
+        </pc:picChg>
+        <pc:cxnChg chg="add del">
+          <ac:chgData name="Noelle Ferrari" userId="a847421d777b2bc0" providerId="LiveId" clId="{C438439B-0BE1-46A4-BB36-796C843DE454}" dt="2021-10-11T18:18:52.174" v="971" actId="26606"/>
+          <ac:cxnSpMkLst>
+            <pc:docMk/>
+            <pc:sldMk cId="3731193904" sldId="261"/>
+            <ac:cxnSpMk id="10" creationId="{F64F9B95-9045-48D2-B9F3-2927E98F54AA}"/>
+          </ac:cxnSpMkLst>
+        </pc:cxnChg>
+        <pc:cxnChg chg="add del">
+          <ac:chgData name="Noelle Ferrari" userId="a847421d777b2bc0" providerId="LiveId" clId="{C438439B-0BE1-46A4-BB36-796C843DE454}" dt="2021-10-11T18:18:52.174" v="971" actId="26606"/>
+          <ac:cxnSpMkLst>
+            <pc:docMk/>
+            <pc:sldMk cId="3731193904" sldId="261"/>
+            <ac:cxnSpMk id="12" creationId="{085AA86F-6A4D-4BCB-A045-D992CDC2959B}"/>
+          </ac:cxnSpMkLst>
+        </pc:cxnChg>
+        <pc:cxnChg chg="add del">
+          <ac:chgData name="Noelle Ferrari" userId="a847421d777b2bc0" providerId="LiveId" clId="{C438439B-0BE1-46A4-BB36-796C843DE454}" dt="2021-10-11T18:18:52.174" v="971" actId="26606"/>
+          <ac:cxnSpMkLst>
+            <pc:docMk/>
+            <pc:sldMk cId="3731193904" sldId="261"/>
+            <ac:cxnSpMk id="16" creationId="{EE2E603F-4A95-4FE8-BB06-211DFD75DBEF}"/>
+          </ac:cxnSpMkLst>
+        </pc:cxnChg>
+        <pc:cxnChg chg="add">
+          <ac:chgData name="Noelle Ferrari" userId="a847421d777b2bc0" providerId="LiveId" clId="{C438439B-0BE1-46A4-BB36-796C843DE454}" dt="2021-10-11T18:18:52.174" v="971" actId="26606"/>
+          <ac:cxnSpMkLst>
+            <pc:docMk/>
+            <pc:sldMk cId="3731193904" sldId="261"/>
+            <ac:cxnSpMk id="21" creationId="{F64F9B95-9045-48D2-B9F3-2927E98F54AA}"/>
+          </ac:cxnSpMkLst>
+        </pc:cxnChg>
+        <pc:cxnChg chg="add">
+          <ac:chgData name="Noelle Ferrari" userId="a847421d777b2bc0" providerId="LiveId" clId="{C438439B-0BE1-46A4-BB36-796C843DE454}" dt="2021-10-11T18:18:52.174" v="971" actId="26606"/>
+          <ac:cxnSpMkLst>
+            <pc:docMk/>
+            <pc:sldMk cId="3731193904" sldId="261"/>
+            <ac:cxnSpMk id="23" creationId="{085AA86F-6A4D-4BCB-A045-D992CDC2959B}"/>
+          </ac:cxnSpMkLst>
+        </pc:cxnChg>
+        <pc:cxnChg chg="add">
+          <ac:chgData name="Noelle Ferrari" userId="a847421d777b2bc0" providerId="LiveId" clId="{C438439B-0BE1-46A4-BB36-796C843DE454}" dt="2021-10-11T18:18:52.174" v="971" actId="26606"/>
+          <ac:cxnSpMkLst>
+            <pc:docMk/>
+            <pc:sldMk cId="3731193904" sldId="261"/>
+            <ac:cxnSpMk id="27" creationId="{EE2E603F-4A95-4FE8-BB06-211DFD75DBEF}"/>
+          </ac:cxnSpMkLst>
+        </pc:cxnChg>
+      </pc:sldChg>
+      <pc:sldChg chg="addSp delSp modSp new mod setBg modClrScheme chgLayout">
+        <pc:chgData name="Noelle Ferrari" userId="a847421d777b2bc0" providerId="LiveId" clId="{C438439B-0BE1-46A4-BB36-796C843DE454}" dt="2021-10-12T03:05:56.334" v="989" actId="1076"/>
+        <pc:sldMkLst>
+          <pc:docMk/>
+          <pc:sldMk cId="185075833" sldId="262"/>
+        </pc:sldMkLst>
+        <pc:spChg chg="del">
+          <ac:chgData name="Noelle Ferrari" userId="a847421d777b2bc0" providerId="LiveId" clId="{C438439B-0BE1-46A4-BB36-796C843DE454}" dt="2021-10-12T03:02:42.832" v="974" actId="700"/>
+          <ac:spMkLst>
+            <pc:docMk/>
+            <pc:sldMk cId="185075833" sldId="262"/>
+            <ac:spMk id="2" creationId="{F04D45DB-98D8-4E4F-A42E-DBFA7CEBEDA9}"/>
+          </ac:spMkLst>
+        </pc:spChg>
+        <pc:spChg chg="del">
+          <ac:chgData name="Noelle Ferrari" userId="a847421d777b2bc0" providerId="LiveId" clId="{C438439B-0BE1-46A4-BB36-796C843DE454}" dt="2021-10-12T03:02:42.832" v="974" actId="700"/>
+          <ac:spMkLst>
+            <pc:docMk/>
+            <pc:sldMk cId="185075833" sldId="262"/>
+            <ac:spMk id="3" creationId="{B01BD3AA-1CE1-4DB8-A2E5-A39D1236B673}"/>
+          </ac:spMkLst>
+        </pc:spChg>
+        <pc:spChg chg="add mod ord">
+          <ac:chgData name="Noelle Ferrari" userId="a847421d777b2bc0" providerId="LiveId" clId="{C438439B-0BE1-46A4-BB36-796C843DE454}" dt="2021-10-12T03:05:39.682" v="987" actId="26606"/>
+          <ac:spMkLst>
+            <pc:docMk/>
+            <pc:sldMk cId="185075833" sldId="262"/>
+            <ac:spMk id="6" creationId="{C7619A11-F691-4C62-9F18-A4576C89BA5B}"/>
+          </ac:spMkLst>
+        </pc:spChg>
+        <pc:spChg chg="add del mod ord">
+          <ac:chgData name="Noelle Ferrari" userId="a847421d777b2bc0" providerId="LiveId" clId="{C438439B-0BE1-46A4-BB36-796C843DE454}" dt="2021-10-12T03:05:39.682" v="987" actId="26606"/>
+          <ac:spMkLst>
+            <pc:docMk/>
+            <pc:sldMk cId="185075833" sldId="262"/>
+            <ac:spMk id="7" creationId="{1D5A0E90-300C-4613-8177-2F36394A6629}"/>
+          </ac:spMkLst>
+        </pc:spChg>
+        <pc:spChg chg="add">
+          <ac:chgData name="Noelle Ferrari" userId="a847421d777b2bc0" providerId="LiveId" clId="{C438439B-0BE1-46A4-BB36-796C843DE454}" dt="2021-10-12T03:05:39.682" v="987" actId="26606"/>
+          <ac:spMkLst>
+            <pc:docMk/>
+            <pc:sldMk cId="185075833" sldId="262"/>
+            <ac:spMk id="16" creationId="{85CB65D0-496F-4797-A015-C85839E35D1A}"/>
+          </ac:spMkLst>
+        </pc:spChg>
+        <pc:spChg chg="add">
+          <ac:chgData name="Noelle Ferrari" userId="a847421d777b2bc0" providerId="LiveId" clId="{C438439B-0BE1-46A4-BB36-796C843DE454}" dt="2021-10-12T03:05:39.682" v="987" actId="26606"/>
+          <ac:spMkLst>
+            <pc:docMk/>
+            <pc:sldMk cId="185075833" sldId="262"/>
+            <ac:spMk id="18" creationId="{95D2C779-8883-4E5F-A170-0F464918C1B7}"/>
+          </ac:spMkLst>
+        </pc:spChg>
+        <pc:picChg chg="add mod">
+          <ac:chgData name="Noelle Ferrari" userId="a847421d777b2bc0" providerId="LiveId" clId="{C438439B-0BE1-46A4-BB36-796C843DE454}" dt="2021-10-12T03:05:56.334" v="989" actId="1076"/>
+          <ac:picMkLst>
+            <pc:docMk/>
+            <pc:sldMk cId="185075833" sldId="262"/>
+            <ac:picMk id="5" creationId="{E9227A94-8B39-4A38-BDD4-F81C4EF3EDE5}"/>
+          </ac:picMkLst>
+        </pc:picChg>
+        <pc:cxnChg chg="add">
+          <ac:chgData name="Noelle Ferrari" userId="a847421d777b2bc0" providerId="LiveId" clId="{C438439B-0BE1-46A4-BB36-796C843DE454}" dt="2021-10-12T03:05:39.682" v="987" actId="26606"/>
+          <ac:cxnSpMkLst>
+            <pc:docMk/>
+            <pc:sldMk cId="185075833" sldId="262"/>
+            <ac:cxnSpMk id="12" creationId="{F64F9B95-9045-48D2-B9F3-2927E98F54AA}"/>
+          </ac:cxnSpMkLst>
+        </pc:cxnChg>
+        <pc:cxnChg chg="add">
+          <ac:chgData name="Noelle Ferrari" userId="a847421d777b2bc0" providerId="LiveId" clId="{C438439B-0BE1-46A4-BB36-796C843DE454}" dt="2021-10-12T03:05:39.682" v="987" actId="26606"/>
+          <ac:cxnSpMkLst>
+            <pc:docMk/>
+            <pc:sldMk cId="185075833" sldId="262"/>
+            <ac:cxnSpMk id="14" creationId="{085AA86F-6A4D-4BCB-A045-D992CDC2959B}"/>
+          </ac:cxnSpMkLst>
+        </pc:cxnChg>
+        <pc:cxnChg chg="add">
+          <ac:chgData name="Noelle Ferrari" userId="a847421d777b2bc0" providerId="LiveId" clId="{C438439B-0BE1-46A4-BB36-796C843DE454}" dt="2021-10-12T03:05:39.682" v="987" actId="26606"/>
+          <ac:cxnSpMkLst>
+            <pc:docMk/>
+            <pc:sldMk cId="185075833" sldId="262"/>
+            <ac:cxnSpMk id="20" creationId="{BD96A694-258D-4418-A83C-B9BA72FD44B8}"/>
+          </ac:cxnSpMkLst>
+        </pc:cxnChg>
+      </pc:sldChg>
+      <pc:sldChg chg="addSp delSp modSp new mod setBg">
+        <pc:chgData name="Noelle Ferrari" userId="a847421d777b2bc0" providerId="LiveId" clId="{C438439B-0BE1-46A4-BB36-796C843DE454}" dt="2021-10-12T03:07:17.006" v="998" actId="20577"/>
+        <pc:sldMkLst>
+          <pc:docMk/>
+          <pc:sldMk cId="3751760142" sldId="263"/>
+        </pc:sldMkLst>
+        <pc:spChg chg="mod ord">
+          <ac:chgData name="Noelle Ferrari" userId="a847421d777b2bc0" providerId="LiveId" clId="{C438439B-0BE1-46A4-BB36-796C843DE454}" dt="2021-10-12T03:07:17.006" v="998" actId="20577"/>
+          <ac:spMkLst>
+            <pc:docMk/>
+            <pc:sldMk cId="3751760142" sldId="263"/>
+            <ac:spMk id="2" creationId="{E642C27B-7A49-4953-A99E-7AA3126B3357}"/>
+          </ac:spMkLst>
+        </pc:spChg>
+        <pc:spChg chg="del">
+          <ac:chgData name="Noelle Ferrari" userId="a847421d777b2bc0" providerId="LiveId" clId="{C438439B-0BE1-46A4-BB36-796C843DE454}" dt="2021-10-12T03:07:03.972" v="992" actId="26606"/>
+          <ac:spMkLst>
+            <pc:docMk/>
+            <pc:sldMk cId="3751760142" sldId="263"/>
+            <ac:spMk id="3" creationId="{35C3C492-5ACA-44CA-9B99-EFA6241BEDD3}"/>
+          </ac:spMkLst>
+        </pc:spChg>
+        <pc:spChg chg="add">
+          <ac:chgData name="Noelle Ferrari" userId="a847421d777b2bc0" providerId="LiveId" clId="{C438439B-0BE1-46A4-BB36-796C843DE454}" dt="2021-10-12T03:07:03.972" v="992" actId="26606"/>
+          <ac:spMkLst>
+            <pc:docMk/>
+            <pc:sldMk cId="3751760142" sldId="263"/>
+            <ac:spMk id="14" creationId="{85CB65D0-496F-4797-A015-C85839E35D1A}"/>
+          </ac:spMkLst>
+        </pc:spChg>
+        <pc:spChg chg="add">
+          <ac:chgData name="Noelle Ferrari" userId="a847421d777b2bc0" providerId="LiveId" clId="{C438439B-0BE1-46A4-BB36-796C843DE454}" dt="2021-10-12T03:07:03.972" v="992" actId="26606"/>
+          <ac:spMkLst>
+            <pc:docMk/>
+            <pc:sldMk cId="3751760142" sldId="263"/>
+            <ac:spMk id="16" creationId="{95D2C779-8883-4E5F-A170-0F464918C1B7}"/>
+          </ac:spMkLst>
+        </pc:spChg>
+        <pc:picChg chg="add mod">
+          <ac:chgData name="Noelle Ferrari" userId="a847421d777b2bc0" providerId="LiveId" clId="{C438439B-0BE1-46A4-BB36-796C843DE454}" dt="2021-10-12T03:07:03.972" v="992" actId="26606"/>
+          <ac:picMkLst>
+            <pc:docMk/>
+            <pc:sldMk cId="3751760142" sldId="263"/>
+            <ac:picMk id="5" creationId="{D171452C-020D-461C-8040-EE9B54B2C199}"/>
+          </ac:picMkLst>
+        </pc:picChg>
+        <pc:cxnChg chg="add">
+          <ac:chgData name="Noelle Ferrari" userId="a847421d777b2bc0" providerId="LiveId" clId="{C438439B-0BE1-46A4-BB36-796C843DE454}" dt="2021-10-12T03:07:03.972" v="992" actId="26606"/>
+          <ac:cxnSpMkLst>
+            <pc:docMk/>
+            <pc:sldMk cId="3751760142" sldId="263"/>
+            <ac:cxnSpMk id="10" creationId="{F64F9B95-9045-48D2-B9F3-2927E98F54AA}"/>
+          </ac:cxnSpMkLst>
+        </pc:cxnChg>
+        <pc:cxnChg chg="add">
+          <ac:chgData name="Noelle Ferrari" userId="a847421d777b2bc0" providerId="LiveId" clId="{C438439B-0BE1-46A4-BB36-796C843DE454}" dt="2021-10-12T03:07:03.972" v="992" actId="26606"/>
+          <ac:cxnSpMkLst>
+            <pc:docMk/>
+            <pc:sldMk cId="3751760142" sldId="263"/>
+            <ac:cxnSpMk id="12" creationId="{085AA86F-6A4D-4BCB-A045-D992CDC2959B}"/>
+          </ac:cxnSpMkLst>
+        </pc:cxnChg>
+        <pc:cxnChg chg="add">
+          <ac:chgData name="Noelle Ferrari" userId="a847421d777b2bc0" providerId="LiveId" clId="{C438439B-0BE1-46A4-BB36-796C843DE454}" dt="2021-10-12T03:07:03.972" v="992" actId="26606"/>
+          <ac:cxnSpMkLst>
+            <pc:docMk/>
+            <pc:sldMk cId="3751760142" sldId="263"/>
+            <ac:cxnSpMk id="18" creationId="{BD96A694-258D-4418-A83C-B9BA72FD44B8}"/>
+          </ac:cxnSpMkLst>
+        </pc:cxnChg>
+      </pc:sldChg>
+      <pc:sldChg chg="addSp delSp modSp new mod setBg">
+        <pc:chgData name="Noelle Ferrari" userId="a847421d777b2bc0" providerId="LiveId" clId="{C438439B-0BE1-46A4-BB36-796C843DE454}" dt="2021-10-12T03:08:11.167" v="1012" actId="20577"/>
+        <pc:sldMkLst>
+          <pc:docMk/>
+          <pc:sldMk cId="116411090" sldId="264"/>
+        </pc:sldMkLst>
+        <pc:spChg chg="mod ord">
+          <ac:chgData name="Noelle Ferrari" userId="a847421d777b2bc0" providerId="LiveId" clId="{C438439B-0BE1-46A4-BB36-796C843DE454}" dt="2021-10-12T03:08:11.167" v="1012" actId="20577"/>
+          <ac:spMkLst>
+            <pc:docMk/>
+            <pc:sldMk cId="116411090" sldId="264"/>
+            <ac:spMk id="2" creationId="{F6195618-C27A-46BF-8D51-388AE26D38E6}"/>
+          </ac:spMkLst>
+        </pc:spChg>
+        <pc:spChg chg="del">
+          <ac:chgData name="Noelle Ferrari" userId="a847421d777b2bc0" providerId="LiveId" clId="{C438439B-0BE1-46A4-BB36-796C843DE454}" dt="2021-10-12T03:08:05.856" v="1001" actId="26606"/>
+          <ac:spMkLst>
+            <pc:docMk/>
+            <pc:sldMk cId="116411090" sldId="264"/>
+            <ac:spMk id="3" creationId="{851C697C-74AF-4A31-A28F-CB186B059E1D}"/>
+          </ac:spMkLst>
+        </pc:spChg>
+        <pc:spChg chg="add">
+          <ac:chgData name="Noelle Ferrari" userId="a847421d777b2bc0" providerId="LiveId" clId="{C438439B-0BE1-46A4-BB36-796C843DE454}" dt="2021-10-12T03:08:05.856" v="1001" actId="26606"/>
+          <ac:spMkLst>
+            <pc:docMk/>
+            <pc:sldMk cId="116411090" sldId="264"/>
+            <ac:spMk id="14" creationId="{85CB65D0-496F-4797-A015-C85839E35D1A}"/>
+          </ac:spMkLst>
+        </pc:spChg>
+        <pc:spChg chg="add">
+          <ac:chgData name="Noelle Ferrari" userId="a847421d777b2bc0" providerId="LiveId" clId="{C438439B-0BE1-46A4-BB36-796C843DE454}" dt="2021-10-12T03:08:05.856" v="1001" actId="26606"/>
+          <ac:spMkLst>
+            <pc:docMk/>
+            <pc:sldMk cId="116411090" sldId="264"/>
+            <ac:spMk id="16" creationId="{95D2C779-8883-4E5F-A170-0F464918C1B7}"/>
+          </ac:spMkLst>
+        </pc:spChg>
+        <pc:picChg chg="add mod">
+          <ac:chgData name="Noelle Ferrari" userId="a847421d777b2bc0" providerId="LiveId" clId="{C438439B-0BE1-46A4-BB36-796C843DE454}" dt="2021-10-12T03:08:05.856" v="1001" actId="26606"/>
+          <ac:picMkLst>
+            <pc:docMk/>
+            <pc:sldMk cId="116411090" sldId="264"/>
+            <ac:picMk id="5" creationId="{E3C428CD-1587-40EC-99D4-8633296EDC9F}"/>
+          </ac:picMkLst>
+        </pc:picChg>
+        <pc:cxnChg chg="add">
+          <ac:chgData name="Noelle Ferrari" userId="a847421d777b2bc0" providerId="LiveId" clId="{C438439B-0BE1-46A4-BB36-796C843DE454}" dt="2021-10-12T03:08:05.856" v="1001" actId="26606"/>
+          <ac:cxnSpMkLst>
+            <pc:docMk/>
+            <pc:sldMk cId="116411090" sldId="264"/>
+            <ac:cxnSpMk id="10" creationId="{F64F9B95-9045-48D2-B9F3-2927E98F54AA}"/>
+          </ac:cxnSpMkLst>
+        </pc:cxnChg>
+        <pc:cxnChg chg="add">
+          <ac:chgData name="Noelle Ferrari" userId="a847421d777b2bc0" providerId="LiveId" clId="{C438439B-0BE1-46A4-BB36-796C843DE454}" dt="2021-10-12T03:08:05.856" v="1001" actId="26606"/>
+          <ac:cxnSpMkLst>
+            <pc:docMk/>
+            <pc:sldMk cId="116411090" sldId="264"/>
+            <ac:cxnSpMk id="12" creationId="{085AA86F-6A4D-4BCB-A045-D992CDC2959B}"/>
+          </ac:cxnSpMkLst>
+        </pc:cxnChg>
+        <pc:cxnChg chg="add">
+          <ac:chgData name="Noelle Ferrari" userId="a847421d777b2bc0" providerId="LiveId" clId="{C438439B-0BE1-46A4-BB36-796C843DE454}" dt="2021-10-12T03:08:05.856" v="1001" actId="26606"/>
+          <ac:cxnSpMkLst>
+            <pc:docMk/>
+            <pc:sldMk cId="116411090" sldId="264"/>
+            <ac:cxnSpMk id="18" creationId="{BD96A694-258D-4418-A83C-B9BA72FD44B8}"/>
+          </ac:cxnSpMkLst>
+        </pc:cxnChg>
+      </pc:sldChg>
+      <pc:sldChg chg="addSp delSp modSp new mod setBg">
+        <pc:chgData name="Noelle Ferrari" userId="a847421d777b2bc0" providerId="LiveId" clId="{C438439B-0BE1-46A4-BB36-796C843DE454}" dt="2021-10-12T03:09:25.872" v="1029" actId="20577"/>
+        <pc:sldMkLst>
+          <pc:docMk/>
+          <pc:sldMk cId="2458940761" sldId="265"/>
+        </pc:sldMkLst>
+        <pc:spChg chg="mod ord">
+          <ac:chgData name="Noelle Ferrari" userId="a847421d777b2bc0" providerId="LiveId" clId="{C438439B-0BE1-46A4-BB36-796C843DE454}" dt="2021-10-12T03:09:25.872" v="1029" actId="20577"/>
+          <ac:spMkLst>
+            <pc:docMk/>
+            <pc:sldMk cId="2458940761" sldId="265"/>
+            <ac:spMk id="2" creationId="{61FAEC78-E3D8-4D14-B683-10E721BA9628}"/>
+          </ac:spMkLst>
+        </pc:spChg>
+        <pc:spChg chg="del">
+          <ac:chgData name="Noelle Ferrari" userId="a847421d777b2bc0" providerId="LiveId" clId="{C438439B-0BE1-46A4-BB36-796C843DE454}" dt="2021-10-12T03:09:21.556" v="1015" actId="26606"/>
+          <ac:spMkLst>
+            <pc:docMk/>
+            <pc:sldMk cId="2458940761" sldId="265"/>
+            <ac:spMk id="3" creationId="{1C524544-8F72-4B2D-B6F1-76D78410663A}"/>
+          </ac:spMkLst>
+        </pc:spChg>
+        <pc:spChg chg="add">
+          <ac:chgData name="Noelle Ferrari" userId="a847421d777b2bc0" providerId="LiveId" clId="{C438439B-0BE1-46A4-BB36-796C843DE454}" dt="2021-10-12T03:09:21.556" v="1015" actId="26606"/>
+          <ac:spMkLst>
+            <pc:docMk/>
+            <pc:sldMk cId="2458940761" sldId="265"/>
+            <ac:spMk id="14" creationId="{85CB65D0-496F-4797-A015-C85839E35D1A}"/>
+          </ac:spMkLst>
+        </pc:spChg>
+        <pc:spChg chg="add">
+          <ac:chgData name="Noelle Ferrari" userId="a847421d777b2bc0" providerId="LiveId" clId="{C438439B-0BE1-46A4-BB36-796C843DE454}" dt="2021-10-12T03:09:21.556" v="1015" actId="26606"/>
+          <ac:spMkLst>
+            <pc:docMk/>
+            <pc:sldMk cId="2458940761" sldId="265"/>
+            <ac:spMk id="16" creationId="{95D2C779-8883-4E5F-A170-0F464918C1B7}"/>
+          </ac:spMkLst>
+        </pc:spChg>
+        <pc:picChg chg="add mod">
+          <ac:chgData name="Noelle Ferrari" userId="a847421d777b2bc0" providerId="LiveId" clId="{C438439B-0BE1-46A4-BB36-796C843DE454}" dt="2021-10-12T03:09:21.556" v="1015" actId="26606"/>
+          <ac:picMkLst>
+            <pc:docMk/>
+            <pc:sldMk cId="2458940761" sldId="265"/>
+            <ac:picMk id="5" creationId="{0EB9B57C-E973-4260-B6E8-8C9CE7767CCB}"/>
+          </ac:picMkLst>
+        </pc:picChg>
+        <pc:cxnChg chg="add">
+          <ac:chgData name="Noelle Ferrari" userId="a847421d777b2bc0" providerId="LiveId" clId="{C438439B-0BE1-46A4-BB36-796C843DE454}" dt="2021-10-12T03:09:21.556" v="1015" actId="26606"/>
+          <ac:cxnSpMkLst>
+            <pc:docMk/>
+            <pc:sldMk cId="2458940761" sldId="265"/>
+            <ac:cxnSpMk id="10" creationId="{F64F9B95-9045-48D2-B9F3-2927E98F54AA}"/>
+          </ac:cxnSpMkLst>
+        </pc:cxnChg>
+        <pc:cxnChg chg="add">
+          <ac:chgData name="Noelle Ferrari" userId="a847421d777b2bc0" providerId="LiveId" clId="{C438439B-0BE1-46A4-BB36-796C843DE454}" dt="2021-10-12T03:09:21.556" v="1015" actId="26606"/>
+          <ac:cxnSpMkLst>
+            <pc:docMk/>
+            <pc:sldMk cId="2458940761" sldId="265"/>
+            <ac:cxnSpMk id="12" creationId="{085AA86F-6A4D-4BCB-A045-D992CDC2959B}"/>
+          </ac:cxnSpMkLst>
+        </pc:cxnChg>
+        <pc:cxnChg chg="add">
+          <ac:chgData name="Noelle Ferrari" userId="a847421d777b2bc0" providerId="LiveId" clId="{C438439B-0BE1-46A4-BB36-796C843DE454}" dt="2021-10-12T03:09:21.556" v="1015" actId="26606"/>
+          <ac:cxnSpMkLst>
+            <pc:docMk/>
+            <pc:sldMk cId="2458940761" sldId="265"/>
+            <ac:cxnSpMk id="18" creationId="{BD96A694-258D-4418-A83C-B9BA72FD44B8}"/>
+          </ac:cxnSpMkLst>
+        </pc:cxnChg>
+      </pc:sldChg>
+      <pc:sldChg chg="addSp delSp modSp new mod setBg">
+        <pc:chgData name="Noelle Ferrari" userId="a847421d777b2bc0" providerId="LiveId" clId="{C438439B-0BE1-46A4-BB36-796C843DE454}" dt="2021-10-12T03:11:24.675" v="1057" actId="20577"/>
+        <pc:sldMkLst>
+          <pc:docMk/>
+          <pc:sldMk cId="3814263031" sldId="266"/>
+        </pc:sldMkLst>
+        <pc:spChg chg="mod ord">
+          <ac:chgData name="Noelle Ferrari" userId="a847421d777b2bc0" providerId="LiveId" clId="{C438439B-0BE1-46A4-BB36-796C843DE454}" dt="2021-10-12T03:11:24.675" v="1057" actId="20577"/>
+          <ac:spMkLst>
+            <pc:docMk/>
+            <pc:sldMk cId="3814263031" sldId="266"/>
+            <ac:spMk id="2" creationId="{F5BEEE25-74F6-4024-808D-10960EAA6259}"/>
+          </ac:spMkLst>
+        </pc:spChg>
+        <pc:spChg chg="del">
+          <ac:chgData name="Noelle Ferrari" userId="a847421d777b2bc0" providerId="LiveId" clId="{C438439B-0BE1-46A4-BB36-796C843DE454}" dt="2021-10-12T03:11:20.550" v="1044" actId="26606"/>
+          <ac:spMkLst>
+            <pc:docMk/>
+            <pc:sldMk cId="3814263031" sldId="266"/>
+            <ac:spMk id="3" creationId="{03AF647A-A71C-4A3A-B4B4-055E8CFF02B5}"/>
+          </ac:spMkLst>
+        </pc:spChg>
+        <pc:spChg chg="add">
+          <ac:chgData name="Noelle Ferrari" userId="a847421d777b2bc0" providerId="LiveId" clId="{C438439B-0BE1-46A4-BB36-796C843DE454}" dt="2021-10-12T03:11:20.550" v="1044" actId="26606"/>
+          <ac:spMkLst>
+            <pc:docMk/>
+            <pc:sldMk cId="3814263031" sldId="266"/>
+            <ac:spMk id="14" creationId="{85CB65D0-496F-4797-A015-C85839E35D1A}"/>
+          </ac:spMkLst>
+        </pc:spChg>
+        <pc:spChg chg="add">
+          <ac:chgData name="Noelle Ferrari" userId="a847421d777b2bc0" providerId="LiveId" clId="{C438439B-0BE1-46A4-BB36-796C843DE454}" dt="2021-10-12T03:11:20.550" v="1044" actId="26606"/>
+          <ac:spMkLst>
+            <pc:docMk/>
+            <pc:sldMk cId="3814263031" sldId="266"/>
+            <ac:spMk id="16" creationId="{95D2C779-8883-4E5F-A170-0F464918C1B7}"/>
+          </ac:spMkLst>
+        </pc:spChg>
+        <pc:picChg chg="add mod">
+          <ac:chgData name="Noelle Ferrari" userId="a847421d777b2bc0" providerId="LiveId" clId="{C438439B-0BE1-46A4-BB36-796C843DE454}" dt="2021-10-12T03:11:20.550" v="1044" actId="26606"/>
+          <ac:picMkLst>
+            <pc:docMk/>
+            <pc:sldMk cId="3814263031" sldId="266"/>
+            <ac:picMk id="5" creationId="{610B6BDA-1EC9-4C43-B24F-F63F069F6104}"/>
+          </ac:picMkLst>
+        </pc:picChg>
+        <pc:cxnChg chg="add">
+          <ac:chgData name="Noelle Ferrari" userId="a847421d777b2bc0" providerId="LiveId" clId="{C438439B-0BE1-46A4-BB36-796C843DE454}" dt="2021-10-12T03:11:20.550" v="1044" actId="26606"/>
+          <ac:cxnSpMkLst>
+            <pc:docMk/>
+            <pc:sldMk cId="3814263031" sldId="266"/>
+            <ac:cxnSpMk id="10" creationId="{F64F9B95-9045-48D2-B9F3-2927E98F54AA}"/>
+          </ac:cxnSpMkLst>
+        </pc:cxnChg>
+        <pc:cxnChg chg="add">
+          <ac:chgData name="Noelle Ferrari" userId="a847421d777b2bc0" providerId="LiveId" clId="{C438439B-0BE1-46A4-BB36-796C843DE454}" dt="2021-10-12T03:11:20.550" v="1044" actId="26606"/>
+          <ac:cxnSpMkLst>
+            <pc:docMk/>
+            <pc:sldMk cId="3814263031" sldId="266"/>
+            <ac:cxnSpMk id="12" creationId="{085AA86F-6A4D-4BCB-A045-D992CDC2959B}"/>
+          </ac:cxnSpMkLst>
+        </pc:cxnChg>
+        <pc:cxnChg chg="add">
+          <ac:chgData name="Noelle Ferrari" userId="a847421d777b2bc0" providerId="LiveId" clId="{C438439B-0BE1-46A4-BB36-796C843DE454}" dt="2021-10-12T03:11:20.550" v="1044" actId="26606"/>
+          <ac:cxnSpMkLst>
+            <pc:docMk/>
+            <pc:sldMk cId="3814263031" sldId="266"/>
+            <ac:cxnSpMk id="18" creationId="{BD96A694-258D-4418-A83C-B9BA72FD44B8}"/>
+          </ac:cxnSpMkLst>
+        </pc:cxnChg>
+      </pc:sldChg>
+      <pc:sldChg chg="addSp delSp modSp new mod setBg">
+        <pc:chgData name="Noelle Ferrari" userId="a847421d777b2bc0" providerId="LiveId" clId="{C438439B-0BE1-46A4-BB36-796C843DE454}" dt="2021-10-12T03:10:27.794" v="1042" actId="20577"/>
+        <pc:sldMkLst>
+          <pc:docMk/>
+          <pc:sldMk cId="1616218481" sldId="267"/>
+        </pc:sldMkLst>
+        <pc:spChg chg="mod ord">
+          <ac:chgData name="Noelle Ferrari" userId="a847421d777b2bc0" providerId="LiveId" clId="{C438439B-0BE1-46A4-BB36-796C843DE454}" dt="2021-10-12T03:10:27.794" v="1042" actId="20577"/>
+          <ac:spMkLst>
+            <pc:docMk/>
+            <pc:sldMk cId="1616218481" sldId="267"/>
+            <ac:spMk id="2" creationId="{D1FA2D0F-B8D1-421E-B23B-D78AE6F77E62}"/>
+          </ac:spMkLst>
+        </pc:spChg>
+        <pc:spChg chg="del">
+          <ac:chgData name="Noelle Ferrari" userId="a847421d777b2bc0" providerId="LiveId" clId="{C438439B-0BE1-46A4-BB36-796C843DE454}" dt="2021-10-12T03:10:23.579" v="1033" actId="26606"/>
+          <ac:spMkLst>
+            <pc:docMk/>
+            <pc:sldMk cId="1616218481" sldId="267"/>
+            <ac:spMk id="3" creationId="{D5CF8591-7982-4997-9C8E-FBA522F3761D}"/>
+          </ac:spMkLst>
+        </pc:spChg>
+        <pc:spChg chg="add">
+          <ac:chgData name="Noelle Ferrari" userId="a847421d777b2bc0" providerId="LiveId" clId="{C438439B-0BE1-46A4-BB36-796C843DE454}" dt="2021-10-12T03:10:23.579" v="1033" actId="26606"/>
+          <ac:spMkLst>
+            <pc:docMk/>
+            <pc:sldMk cId="1616218481" sldId="267"/>
+            <ac:spMk id="14" creationId="{85CB65D0-496F-4797-A015-C85839E35D1A}"/>
+          </ac:spMkLst>
+        </pc:spChg>
+        <pc:spChg chg="add">
+          <ac:chgData name="Noelle Ferrari" userId="a847421d777b2bc0" providerId="LiveId" clId="{C438439B-0BE1-46A4-BB36-796C843DE454}" dt="2021-10-12T03:10:23.579" v="1033" actId="26606"/>
+          <ac:spMkLst>
+            <pc:docMk/>
+            <pc:sldMk cId="1616218481" sldId="267"/>
+            <ac:spMk id="16" creationId="{95D2C779-8883-4E5F-A170-0F464918C1B7}"/>
+          </ac:spMkLst>
+        </pc:spChg>
+        <pc:picChg chg="add mod">
+          <ac:chgData name="Noelle Ferrari" userId="a847421d777b2bc0" providerId="LiveId" clId="{C438439B-0BE1-46A4-BB36-796C843DE454}" dt="2021-10-12T03:10:23.579" v="1033" actId="26606"/>
+          <ac:picMkLst>
+            <pc:docMk/>
+            <pc:sldMk cId="1616218481" sldId="267"/>
+            <ac:picMk id="5" creationId="{E9E2F786-45E7-4D30-AC7C-E660DEF4B05D}"/>
+          </ac:picMkLst>
+        </pc:picChg>
+        <pc:cxnChg chg="add">
+          <ac:chgData name="Noelle Ferrari" userId="a847421d777b2bc0" providerId="LiveId" clId="{C438439B-0BE1-46A4-BB36-796C843DE454}" dt="2021-10-12T03:10:23.579" v="1033" actId="26606"/>
+          <ac:cxnSpMkLst>
+            <pc:docMk/>
+            <pc:sldMk cId="1616218481" sldId="267"/>
+            <ac:cxnSpMk id="10" creationId="{F64F9B95-9045-48D2-B9F3-2927E98F54AA}"/>
+          </ac:cxnSpMkLst>
+        </pc:cxnChg>
+        <pc:cxnChg chg="add">
+          <ac:chgData name="Noelle Ferrari" userId="a847421d777b2bc0" providerId="LiveId" clId="{C438439B-0BE1-46A4-BB36-796C843DE454}" dt="2021-10-12T03:10:23.579" v="1033" actId="26606"/>
+          <ac:cxnSpMkLst>
+            <pc:docMk/>
+            <pc:sldMk cId="1616218481" sldId="267"/>
+            <ac:cxnSpMk id="12" creationId="{085AA86F-6A4D-4BCB-A045-D992CDC2959B}"/>
+          </ac:cxnSpMkLst>
+        </pc:cxnChg>
+        <pc:cxnChg chg="add">
+          <ac:chgData name="Noelle Ferrari" userId="a847421d777b2bc0" providerId="LiveId" clId="{C438439B-0BE1-46A4-BB36-796C843DE454}" dt="2021-10-12T03:10:23.579" v="1033" actId="26606"/>
+          <ac:cxnSpMkLst>
+            <pc:docMk/>
+            <pc:sldMk cId="1616218481" sldId="267"/>
+            <ac:cxnSpMk id="18" creationId="{BD96A694-258D-4418-A83C-B9BA72FD44B8}"/>
+          </ac:cxnSpMkLst>
+        </pc:cxnChg>
+      </pc:sldChg>
+      <pc:sldChg chg="addSp delSp modSp new mod modClrScheme chgLayout">
+        <pc:chgData name="Noelle Ferrari" userId="a847421d777b2bc0" providerId="LiveId" clId="{C438439B-0BE1-46A4-BB36-796C843DE454}" dt="2021-10-12T04:20:03.882" v="1431" actId="20577"/>
+        <pc:sldMkLst>
+          <pc:docMk/>
+          <pc:sldMk cId="408135899" sldId="268"/>
+        </pc:sldMkLst>
+        <pc:spChg chg="del mod ord">
+          <ac:chgData name="Noelle Ferrari" userId="a847421d777b2bc0" providerId="LiveId" clId="{C438439B-0BE1-46A4-BB36-796C843DE454}" dt="2021-10-12T04:19:59.227" v="1414" actId="700"/>
+          <ac:spMkLst>
+            <pc:docMk/>
+            <pc:sldMk cId="408135899" sldId="268"/>
+            <ac:spMk id="2" creationId="{FDF168AF-31B2-4323-B5A3-39485A9A3620}"/>
+          </ac:spMkLst>
+        </pc:spChg>
+        <pc:spChg chg="del mod ord">
+          <ac:chgData name="Noelle Ferrari" userId="a847421d777b2bc0" providerId="LiveId" clId="{C438439B-0BE1-46A4-BB36-796C843DE454}" dt="2021-10-12T04:19:59.227" v="1414" actId="700"/>
+          <ac:spMkLst>
+            <pc:docMk/>
+            <pc:sldMk cId="408135899" sldId="268"/>
+            <ac:spMk id="3" creationId="{E8057DF4-E64A-4D60-B05C-7DEC1037ABC2}"/>
+          </ac:spMkLst>
+        </pc:spChg>
+        <pc:spChg chg="add mod ord">
+          <ac:chgData name="Noelle Ferrari" userId="a847421d777b2bc0" providerId="LiveId" clId="{C438439B-0BE1-46A4-BB36-796C843DE454}" dt="2021-10-12T04:20:03.882" v="1431" actId="20577"/>
+          <ac:spMkLst>
+            <pc:docMk/>
+            <pc:sldMk cId="408135899" sldId="268"/>
+            <ac:spMk id="4" creationId="{B18F76CD-056A-4F5A-BC9C-9A85318B12F5}"/>
+          </ac:spMkLst>
+        </pc:spChg>
+        <pc:spChg chg="add mod ord">
+          <ac:chgData name="Noelle Ferrari" userId="a847421d777b2bc0" providerId="LiveId" clId="{C438439B-0BE1-46A4-BB36-796C843DE454}" dt="2021-10-12T04:19:59.227" v="1414" actId="700"/>
+          <ac:spMkLst>
+            <pc:docMk/>
+            <pc:sldMk cId="408135899" sldId="268"/>
+            <ac:spMk id="5" creationId="{2D51C9D5-F00D-4F05-A35B-49D25BDC99E4}"/>
+          </ac:spMkLst>
+        </pc:spChg>
+      </pc:sldChg>
+      <pc:sldChg chg="addSp delSp modSp new del mod">
+        <pc:chgData name="Noelle Ferrari" userId="a847421d777b2bc0" providerId="LiveId" clId="{C438439B-0BE1-46A4-BB36-796C843DE454}" dt="2021-10-12T03:38:41.141" v="1412" actId="2696"/>
+        <pc:sldMkLst>
+          <pc:docMk/>
+          <pc:sldMk cId="2245563765" sldId="268"/>
+        </pc:sldMkLst>
+        <pc:spChg chg="del">
+          <ac:chgData name="Noelle Ferrari" userId="a847421d777b2bc0" providerId="LiveId" clId="{C438439B-0BE1-46A4-BB36-796C843DE454}" dt="2021-10-12T03:27:58.552" v="1088" actId="3680"/>
+          <ac:spMkLst>
+            <pc:docMk/>
+            <pc:sldMk cId="2245563765" sldId="268"/>
+            <ac:spMk id="3" creationId="{9FE3B707-0EAA-455A-B783-DDEDD35707DD}"/>
+          </ac:spMkLst>
+        </pc:spChg>
+        <pc:graphicFrameChg chg="add mod ord modGraphic">
+          <ac:chgData name="Noelle Ferrari" userId="a847421d777b2bc0" providerId="LiveId" clId="{C438439B-0BE1-46A4-BB36-796C843DE454}" dt="2021-10-12T03:38:15.808" v="1411" actId="20577"/>
+          <ac:graphicFrameMkLst>
+            <pc:docMk/>
+            <pc:sldMk cId="2245563765" sldId="268"/>
+            <ac:graphicFrameMk id="4" creationId="{A7DBA5E9-CA21-4D04-B363-6B7C99238BB4}"/>
+          </ac:graphicFrameMkLst>
+        </pc:graphicFrameChg>
+      </pc:sldChg>
+      <pc:sldChg chg="addSp delSp modSp new mod modClrScheme chgLayout">
+        <pc:chgData name="Noelle Ferrari" userId="a847421d777b2bc0" providerId="LiveId" clId="{C438439B-0BE1-46A4-BB36-796C843DE454}" dt="2021-10-12T04:20:30.510" v="1438" actId="12788"/>
+        <pc:sldMkLst>
+          <pc:docMk/>
+          <pc:sldMk cId="2746955546" sldId="269"/>
+        </pc:sldMkLst>
+        <pc:spChg chg="del">
+          <ac:chgData name="Noelle Ferrari" userId="a847421d777b2bc0" providerId="LiveId" clId="{C438439B-0BE1-46A4-BB36-796C843DE454}" dt="2021-10-12T04:20:10.343" v="1433" actId="700"/>
+          <ac:spMkLst>
+            <pc:docMk/>
+            <pc:sldMk cId="2746955546" sldId="269"/>
+            <ac:spMk id="2" creationId="{8140306B-42E5-4646-9665-214F2E935074}"/>
+          </ac:spMkLst>
+        </pc:spChg>
+        <pc:spChg chg="del">
+          <ac:chgData name="Noelle Ferrari" userId="a847421d777b2bc0" providerId="LiveId" clId="{C438439B-0BE1-46A4-BB36-796C843DE454}" dt="2021-10-12T04:20:10.343" v="1433" actId="700"/>
+          <ac:spMkLst>
+            <pc:docMk/>
+            <pc:sldMk cId="2746955546" sldId="269"/>
+            <ac:spMk id="3" creationId="{DDFB5717-39DF-443A-850C-265487AB679F}"/>
+          </ac:spMkLst>
+        </pc:spChg>
+        <pc:picChg chg="add mod">
+          <ac:chgData name="Noelle Ferrari" userId="a847421d777b2bc0" providerId="LiveId" clId="{C438439B-0BE1-46A4-BB36-796C843DE454}" dt="2021-10-12T04:20:30.510" v="1438" actId="12788"/>
+          <ac:picMkLst>
+            <pc:docMk/>
+            <pc:sldMk cId="2746955546" sldId="269"/>
+            <ac:picMk id="5" creationId="{F71E82B0-A3D0-4ED3-AFB1-45BF400CDF8C}"/>
+          </ac:picMkLst>
+        </pc:picChg>
+      </pc:sldChg>
+      <pc:sldChg chg="addSp modSp new mod setBg">
+        <pc:chgData name="Noelle Ferrari" userId="a847421d777b2bc0" providerId="LiveId" clId="{C438439B-0BE1-46A4-BB36-796C843DE454}" dt="2021-10-12T04:21:31.849" v="1441" actId="26606"/>
+        <pc:sldMkLst>
+          <pc:docMk/>
+          <pc:sldMk cId="1118105567" sldId="270"/>
+        </pc:sldMkLst>
+        <pc:spChg chg="mod">
+          <ac:chgData name="Noelle Ferrari" userId="a847421d777b2bc0" providerId="LiveId" clId="{C438439B-0BE1-46A4-BB36-796C843DE454}" dt="2021-10-12T04:21:31.849" v="1441" actId="26606"/>
+          <ac:spMkLst>
+            <pc:docMk/>
+            <pc:sldMk cId="1118105567" sldId="270"/>
+            <ac:spMk id="2" creationId="{C47C1090-620E-4C42-A27F-4595E37C0D01}"/>
+          </ac:spMkLst>
+        </pc:spChg>
+        <pc:spChg chg="mod">
+          <ac:chgData name="Noelle Ferrari" userId="a847421d777b2bc0" providerId="LiveId" clId="{C438439B-0BE1-46A4-BB36-796C843DE454}" dt="2021-10-12T04:21:31.849" v="1441" actId="26606"/>
+          <ac:spMkLst>
+            <pc:docMk/>
+            <pc:sldMk cId="1118105567" sldId="270"/>
+            <ac:spMk id="3" creationId="{A27FBDF8-1359-46BF-84F6-AC8736B7D724}"/>
+          </ac:spMkLst>
+        </pc:spChg>
+        <pc:spChg chg="add">
+          <ac:chgData name="Noelle Ferrari" userId="a847421d777b2bc0" providerId="LiveId" clId="{C438439B-0BE1-46A4-BB36-796C843DE454}" dt="2021-10-12T04:21:31.849" v="1441" actId="26606"/>
+          <ac:spMkLst>
+            <pc:docMk/>
+            <pc:sldMk cId="1118105567" sldId="270"/>
+            <ac:spMk id="14" creationId="{33E93247-6229-44AB-A550-739E971E690B}"/>
+          </ac:spMkLst>
+        </pc:spChg>
+        <pc:picChg chg="add mod">
+          <ac:chgData name="Noelle Ferrari" userId="a847421d777b2bc0" providerId="LiveId" clId="{C438439B-0BE1-46A4-BB36-796C843DE454}" dt="2021-10-12T04:21:31.849" v="1441" actId="26606"/>
+          <ac:picMkLst>
+            <pc:docMk/>
+            <pc:sldMk cId="1118105567" sldId="270"/>
+            <ac:picMk id="5" creationId="{44F76E2C-9D21-48F5-9F6A-F43B8052A1B3}"/>
+          </ac:picMkLst>
+        </pc:picChg>
+        <pc:cxnChg chg="add">
+          <ac:chgData name="Noelle Ferrari" userId="a847421d777b2bc0" providerId="LiveId" clId="{C438439B-0BE1-46A4-BB36-796C843DE454}" dt="2021-10-12T04:21:31.849" v="1441" actId="26606"/>
+          <ac:cxnSpMkLst>
+            <pc:docMk/>
+            <pc:sldMk cId="1118105567" sldId="270"/>
+            <ac:cxnSpMk id="10" creationId="{F64F9B95-9045-48D2-B9F3-2927E98F54AA}"/>
+          </ac:cxnSpMkLst>
+        </pc:cxnChg>
+        <pc:cxnChg chg="add">
+          <ac:chgData name="Noelle Ferrari" userId="a847421d777b2bc0" providerId="LiveId" clId="{C438439B-0BE1-46A4-BB36-796C843DE454}" dt="2021-10-12T04:21:31.849" v="1441" actId="26606"/>
+          <ac:cxnSpMkLst>
+            <pc:docMk/>
+            <pc:sldMk cId="1118105567" sldId="270"/>
+            <ac:cxnSpMk id="12" creationId="{085AA86F-6A4D-4BCB-A045-D992CDC2959B}"/>
+          </ac:cxnSpMkLst>
+        </pc:cxnChg>
+        <pc:cxnChg chg="add">
+          <ac:chgData name="Noelle Ferrari" userId="a847421d777b2bc0" providerId="LiveId" clId="{C438439B-0BE1-46A4-BB36-796C843DE454}" dt="2021-10-12T04:21:31.849" v="1441" actId="26606"/>
+          <ac:cxnSpMkLst>
+            <pc:docMk/>
+            <pc:sldMk cId="1118105567" sldId="270"/>
+            <ac:cxnSpMk id="16" creationId="{EE2E603F-4A95-4FE8-BB06-211DFD75DBEF}"/>
+          </ac:cxnSpMkLst>
+        </pc:cxnChg>
       </pc:sldChg>
       <pc:sldMasterChg chg="add del addSldLayout delSldLayout">
         <pc:chgData name="Noelle Ferrari" userId="a847421d777b2bc0" providerId="LiveId" clId="{C438439B-0BE1-46A4-BB36-796C843DE454}" dt="2021-10-09T20:17:46.460" v="61" actId="26606"/>
@@ -479,101 +1365,6 @@
             <pc:docMk/>
             <pc:sldMasterMk cId="1262550696" sldId="2147483648"/>
             <pc:sldLayoutMk cId="2711921985" sldId="2147483659"/>
-          </pc:sldLayoutMkLst>
-        </pc:sldLayoutChg>
-      </pc:sldMasterChg>
-      <pc:sldMasterChg chg="add del replId addSldLayout delSldLayout">
-        <pc:chgData name="Noelle Ferrari" userId="a847421d777b2bc0" providerId="LiveId" clId="{C438439B-0BE1-46A4-BB36-796C843DE454}" dt="2021-10-09T20:17:38.089" v="57" actId="26606"/>
-        <pc:sldMasterMkLst>
-          <pc:docMk/>
-          <pc:sldMasterMk cId="1590753823" sldId="2147483660"/>
-        </pc:sldMasterMkLst>
-        <pc:sldLayoutChg chg="add del">
-          <pc:chgData name="Noelle Ferrari" userId="a847421d777b2bc0" providerId="LiveId" clId="{C438439B-0BE1-46A4-BB36-796C843DE454}" dt="2021-10-09T20:17:38.089" v="57" actId="26606"/>
-          <pc:sldLayoutMkLst>
-            <pc:docMk/>
-            <pc:sldMasterMk cId="1590753823" sldId="2147483660"/>
-            <pc:sldLayoutMk cId="1002576309" sldId="2147483661"/>
-          </pc:sldLayoutMkLst>
-        </pc:sldLayoutChg>
-        <pc:sldLayoutChg chg="add del replId">
-          <pc:chgData name="Noelle Ferrari" userId="a847421d777b2bc0" providerId="LiveId" clId="{C438439B-0BE1-46A4-BB36-796C843DE454}" dt="2021-10-09T20:17:38.089" v="57" actId="26606"/>
-          <pc:sldLayoutMkLst>
-            <pc:docMk/>
-            <pc:sldMasterMk cId="1590753823" sldId="2147483660"/>
-            <pc:sldLayoutMk cId="2247196841" sldId="2147483662"/>
-          </pc:sldLayoutMkLst>
-        </pc:sldLayoutChg>
-        <pc:sldLayoutChg chg="add del replId">
-          <pc:chgData name="Noelle Ferrari" userId="a847421d777b2bc0" providerId="LiveId" clId="{C438439B-0BE1-46A4-BB36-796C843DE454}" dt="2021-10-09T20:17:38.089" v="57" actId="26606"/>
-          <pc:sldLayoutMkLst>
-            <pc:docMk/>
-            <pc:sldMasterMk cId="1590753823" sldId="2147483660"/>
-            <pc:sldLayoutMk cId="1223027119" sldId="2147483663"/>
-          </pc:sldLayoutMkLst>
-        </pc:sldLayoutChg>
-        <pc:sldLayoutChg chg="add del replId">
-          <pc:chgData name="Noelle Ferrari" userId="a847421d777b2bc0" providerId="LiveId" clId="{C438439B-0BE1-46A4-BB36-796C843DE454}" dt="2021-10-09T20:17:38.089" v="57" actId="26606"/>
-          <pc:sldLayoutMkLst>
-            <pc:docMk/>
-            <pc:sldMasterMk cId="1590753823" sldId="2147483660"/>
-            <pc:sldLayoutMk cId="793767507" sldId="2147483664"/>
-          </pc:sldLayoutMkLst>
-        </pc:sldLayoutChg>
-        <pc:sldLayoutChg chg="add del replId">
-          <pc:chgData name="Noelle Ferrari" userId="a847421d777b2bc0" providerId="LiveId" clId="{C438439B-0BE1-46A4-BB36-796C843DE454}" dt="2021-10-09T20:17:38.089" v="57" actId="26606"/>
-          <pc:sldLayoutMkLst>
-            <pc:docMk/>
-            <pc:sldMasterMk cId="1590753823" sldId="2147483660"/>
-            <pc:sldLayoutMk cId="3282828427" sldId="2147483665"/>
-          </pc:sldLayoutMkLst>
-        </pc:sldLayoutChg>
-        <pc:sldLayoutChg chg="add del replId">
-          <pc:chgData name="Noelle Ferrari" userId="a847421d777b2bc0" providerId="LiveId" clId="{C438439B-0BE1-46A4-BB36-796C843DE454}" dt="2021-10-09T20:17:38.089" v="57" actId="26606"/>
-          <pc:sldLayoutMkLst>
-            <pc:docMk/>
-            <pc:sldMasterMk cId="1590753823" sldId="2147483660"/>
-            <pc:sldLayoutMk cId="687372960" sldId="2147483666"/>
-          </pc:sldLayoutMkLst>
-        </pc:sldLayoutChg>
-        <pc:sldLayoutChg chg="add del replId">
-          <pc:chgData name="Noelle Ferrari" userId="a847421d777b2bc0" providerId="LiveId" clId="{C438439B-0BE1-46A4-BB36-796C843DE454}" dt="2021-10-09T20:17:38.089" v="57" actId="26606"/>
-          <pc:sldLayoutMkLst>
-            <pc:docMk/>
-            <pc:sldMasterMk cId="1590753823" sldId="2147483660"/>
-            <pc:sldLayoutMk cId="3255558098" sldId="2147483667"/>
-          </pc:sldLayoutMkLst>
-        </pc:sldLayoutChg>
-        <pc:sldLayoutChg chg="add del replId">
-          <pc:chgData name="Noelle Ferrari" userId="a847421d777b2bc0" providerId="LiveId" clId="{C438439B-0BE1-46A4-BB36-796C843DE454}" dt="2021-10-09T20:17:38.089" v="57" actId="26606"/>
-          <pc:sldLayoutMkLst>
-            <pc:docMk/>
-            <pc:sldMasterMk cId="1590753823" sldId="2147483660"/>
-            <pc:sldLayoutMk cId="966644136" sldId="2147483668"/>
-          </pc:sldLayoutMkLst>
-        </pc:sldLayoutChg>
-        <pc:sldLayoutChg chg="add del replId">
-          <pc:chgData name="Noelle Ferrari" userId="a847421d777b2bc0" providerId="LiveId" clId="{C438439B-0BE1-46A4-BB36-796C843DE454}" dt="2021-10-09T20:17:38.089" v="57" actId="26606"/>
-          <pc:sldLayoutMkLst>
-            <pc:docMk/>
-            <pc:sldMasterMk cId="1590753823" sldId="2147483660"/>
-            <pc:sldLayoutMk cId="836044806" sldId="2147483669"/>
-          </pc:sldLayoutMkLst>
-        </pc:sldLayoutChg>
-        <pc:sldLayoutChg chg="add del replId">
-          <pc:chgData name="Noelle Ferrari" userId="a847421d777b2bc0" providerId="LiveId" clId="{C438439B-0BE1-46A4-BB36-796C843DE454}" dt="2021-10-09T20:17:38.089" v="57" actId="26606"/>
-          <pc:sldLayoutMkLst>
-            <pc:docMk/>
-            <pc:sldMasterMk cId="1590753823" sldId="2147483660"/>
-            <pc:sldLayoutMk cId="3335856040" sldId="2147483670"/>
-          </pc:sldLayoutMkLst>
-        </pc:sldLayoutChg>
-        <pc:sldLayoutChg chg="add del replId">
-          <pc:chgData name="Noelle Ferrari" userId="a847421d777b2bc0" providerId="LiveId" clId="{C438439B-0BE1-46A4-BB36-796C843DE454}" dt="2021-10-09T20:17:38.089" v="57" actId="26606"/>
-          <pc:sldLayoutMkLst>
-            <pc:docMk/>
-            <pc:sldMasterMk cId="1590753823" sldId="2147483660"/>
-            <pc:sldLayoutMk cId="3715640094" sldId="2147483671"/>
           </pc:sldLayoutMkLst>
         </pc:sldLayoutChg>
       </pc:sldMasterChg>
@@ -770,6 +1561,3612 @@
     </pc:docChg>
   </pc:docChgLst>
 </pc:chgInfo>
+</file>
+
+<file path=ppt/diagrams/colors1.xml><?xml version="1.0" encoding="utf-8"?>
+<dgm:colorsDef xmlns:dgm="http://schemas.openxmlformats.org/drawingml/2006/diagram" xmlns:a="http://schemas.openxmlformats.org/drawingml/2006/main" uniqueId="urn:microsoft.com/office/officeart/2005/8/colors/colorful2">
+  <dgm:title val=""/>
+  <dgm:desc val=""/>
+  <dgm:catLst>
+    <dgm:cat type="colorful" pri="10200"/>
+  </dgm:catLst>
+  <dgm:styleLbl name="node0">
+    <dgm:fillClrLst meth="repeat">
+      <a:schemeClr val="accent1"/>
+    </dgm:fillClrLst>
+    <dgm:linClrLst meth="repeat">
+      <a:schemeClr val="lt1"/>
+    </dgm:linClrLst>
+    <dgm:effectClrLst/>
+    <dgm:txLinClrLst/>
+    <dgm:txFillClrLst/>
+    <dgm:txEffectClrLst/>
+  </dgm:styleLbl>
+  <dgm:styleLbl name="node1">
+    <dgm:fillClrLst>
+      <a:schemeClr val="accent2"/>
+      <a:schemeClr val="accent3"/>
+    </dgm:fillClrLst>
+    <dgm:linClrLst meth="repeat">
+      <a:schemeClr val="lt1"/>
+    </dgm:linClrLst>
+    <dgm:effectClrLst/>
+    <dgm:txLinClrLst/>
+    <dgm:txFillClrLst/>
+    <dgm:txEffectClrLst/>
+  </dgm:styleLbl>
+  <dgm:styleLbl name="alignNode1">
+    <dgm:fillClrLst>
+      <a:schemeClr val="accent2"/>
+      <a:schemeClr val="accent3"/>
+    </dgm:fillClrLst>
+    <dgm:linClrLst>
+      <a:schemeClr val="accent2"/>
+      <a:schemeClr val="accent3"/>
+    </dgm:linClrLst>
+    <dgm:effectClrLst/>
+    <dgm:txLinClrLst/>
+    <dgm:txFillClrLst/>
+    <dgm:txEffectClrLst/>
+  </dgm:styleLbl>
+  <dgm:styleLbl name="lnNode1">
+    <dgm:fillClrLst>
+      <a:schemeClr val="accent2"/>
+      <a:schemeClr val="accent3"/>
+    </dgm:fillClrLst>
+    <dgm:linClrLst meth="repeat">
+      <a:schemeClr val="lt1"/>
+    </dgm:linClrLst>
+    <dgm:effectClrLst/>
+    <dgm:txLinClrLst/>
+    <dgm:txFillClrLst/>
+    <dgm:txEffectClrLst/>
+  </dgm:styleLbl>
+  <dgm:styleLbl name="vennNode1">
+    <dgm:fillClrLst>
+      <a:schemeClr val="accent2">
+        <a:alpha val="50000"/>
+      </a:schemeClr>
+      <a:schemeClr val="accent3">
+        <a:alpha val="50000"/>
+      </a:schemeClr>
+    </dgm:fillClrLst>
+    <dgm:linClrLst meth="repeat">
+      <a:schemeClr val="lt1"/>
+    </dgm:linClrLst>
+    <dgm:effectClrLst/>
+    <dgm:txLinClrLst/>
+    <dgm:txFillClrLst/>
+    <dgm:txEffectClrLst/>
+  </dgm:styleLbl>
+  <dgm:styleLbl name="node2">
+    <dgm:fillClrLst>
+      <a:schemeClr val="accent3"/>
+    </dgm:fillClrLst>
+    <dgm:linClrLst meth="repeat">
+      <a:schemeClr val="lt1"/>
+    </dgm:linClrLst>
+    <dgm:effectClrLst/>
+    <dgm:txLinClrLst/>
+    <dgm:txFillClrLst/>
+    <dgm:txEffectClrLst/>
+  </dgm:styleLbl>
+  <dgm:styleLbl name="node3">
+    <dgm:fillClrLst>
+      <a:schemeClr val="accent4"/>
+    </dgm:fillClrLst>
+    <dgm:linClrLst meth="repeat">
+      <a:schemeClr val="lt1"/>
+    </dgm:linClrLst>
+    <dgm:effectClrLst/>
+    <dgm:txLinClrLst/>
+    <dgm:txFillClrLst/>
+    <dgm:txEffectClrLst/>
+  </dgm:styleLbl>
+  <dgm:styleLbl name="node4">
+    <dgm:fillClrLst>
+      <a:schemeClr val="accent5"/>
+    </dgm:fillClrLst>
+    <dgm:linClrLst meth="repeat">
+      <a:schemeClr val="lt1"/>
+    </dgm:linClrLst>
+    <dgm:effectClrLst/>
+    <dgm:txLinClrLst/>
+    <dgm:txFillClrLst/>
+    <dgm:txEffectClrLst/>
+  </dgm:styleLbl>
+  <dgm:styleLbl name="fgImgPlace1">
+    <dgm:fillClrLst>
+      <a:schemeClr val="accent2">
+        <a:tint val="50000"/>
+      </a:schemeClr>
+      <a:schemeClr val="accent3">
+        <a:tint val="50000"/>
+      </a:schemeClr>
+    </dgm:fillClrLst>
+    <dgm:linClrLst meth="repeat">
+      <a:schemeClr val="lt1"/>
+    </dgm:linClrLst>
+    <dgm:effectClrLst/>
+    <dgm:txLinClrLst/>
+    <dgm:txFillClrLst meth="repeat">
+      <a:schemeClr val="lt1"/>
+    </dgm:txFillClrLst>
+    <dgm:txEffectClrLst/>
+  </dgm:styleLbl>
+  <dgm:styleLbl name="alignImgPlace1">
+    <dgm:fillClrLst>
+      <a:schemeClr val="accent2">
+        <a:tint val="50000"/>
+      </a:schemeClr>
+      <a:schemeClr val="accent3">
+        <a:tint val="20000"/>
+      </a:schemeClr>
+    </dgm:fillClrLst>
+    <dgm:linClrLst meth="repeat">
+      <a:schemeClr val="lt1"/>
+    </dgm:linClrLst>
+    <dgm:effectClrLst/>
+    <dgm:txLinClrLst/>
+    <dgm:txFillClrLst meth="repeat">
+      <a:schemeClr val="lt1"/>
+    </dgm:txFillClrLst>
+    <dgm:txEffectClrLst/>
+  </dgm:styleLbl>
+  <dgm:styleLbl name="bgImgPlace1">
+    <dgm:fillClrLst>
+      <a:schemeClr val="accent2">
+        <a:tint val="50000"/>
+      </a:schemeClr>
+      <a:schemeClr val="accent3">
+        <a:tint val="20000"/>
+      </a:schemeClr>
+    </dgm:fillClrLst>
+    <dgm:linClrLst meth="repeat">
+      <a:schemeClr val="lt1"/>
+    </dgm:linClrLst>
+    <dgm:effectClrLst/>
+    <dgm:txLinClrLst/>
+    <dgm:txFillClrLst meth="repeat">
+      <a:schemeClr val="lt1"/>
+    </dgm:txFillClrLst>
+    <dgm:txEffectClrLst/>
+  </dgm:styleLbl>
+  <dgm:styleLbl name="sibTrans2D1">
+    <dgm:fillClrLst>
+      <a:schemeClr val="accent2"/>
+      <a:schemeClr val="accent3"/>
+    </dgm:fillClrLst>
+    <dgm:linClrLst meth="repeat">
+      <a:schemeClr val="lt1"/>
+    </dgm:linClrLst>
+    <dgm:effectClrLst/>
+    <dgm:txLinClrLst/>
+    <dgm:txFillClrLst/>
+    <dgm:txEffectClrLst/>
+  </dgm:styleLbl>
+  <dgm:styleLbl name="fgSibTrans2D1">
+    <dgm:fillClrLst>
+      <a:schemeClr val="accent2"/>
+      <a:schemeClr val="accent3"/>
+    </dgm:fillClrLst>
+    <dgm:linClrLst meth="repeat">
+      <a:schemeClr val="lt1"/>
+    </dgm:linClrLst>
+    <dgm:effectClrLst/>
+    <dgm:txLinClrLst/>
+    <dgm:txFillClrLst meth="repeat">
+      <a:schemeClr val="lt1"/>
+    </dgm:txFillClrLst>
+    <dgm:txEffectClrLst/>
+  </dgm:styleLbl>
+  <dgm:styleLbl name="bgSibTrans2D1">
+    <dgm:fillClrLst>
+      <a:schemeClr val="accent2"/>
+      <a:schemeClr val="accent3"/>
+    </dgm:fillClrLst>
+    <dgm:linClrLst meth="repeat">
+      <a:schemeClr val="lt1"/>
+    </dgm:linClrLst>
+    <dgm:effectClrLst/>
+    <dgm:txLinClrLst/>
+    <dgm:txFillClrLst meth="repeat">
+      <a:schemeClr val="lt1"/>
+    </dgm:txFillClrLst>
+    <dgm:txEffectClrLst/>
+  </dgm:styleLbl>
+  <dgm:styleLbl name="sibTrans1D1">
+    <dgm:fillClrLst/>
+    <dgm:linClrLst>
+      <a:schemeClr val="accent2"/>
+      <a:schemeClr val="accent3"/>
+    </dgm:linClrLst>
+    <dgm:effectClrLst/>
+    <dgm:txLinClrLst/>
+    <dgm:txFillClrLst meth="repeat">
+      <a:schemeClr val="tx1"/>
+    </dgm:txFillClrLst>
+    <dgm:txEffectClrLst/>
+  </dgm:styleLbl>
+  <dgm:styleLbl name="callout">
+    <dgm:fillClrLst meth="repeat">
+      <a:schemeClr val="accent2"/>
+    </dgm:fillClrLst>
+    <dgm:linClrLst meth="repeat">
+      <a:schemeClr val="accent2">
+        <a:tint val="50000"/>
+      </a:schemeClr>
+    </dgm:linClrLst>
+    <dgm:effectClrLst/>
+    <dgm:txLinClrLst/>
+    <dgm:txFillClrLst meth="repeat">
+      <a:schemeClr val="tx1"/>
+    </dgm:txFillClrLst>
+    <dgm:txEffectClrLst/>
+  </dgm:styleLbl>
+  <dgm:styleLbl name="asst0">
+    <dgm:fillClrLst meth="repeat">
+      <a:schemeClr val="accent2"/>
+    </dgm:fillClrLst>
+    <dgm:linClrLst meth="repeat">
+      <a:schemeClr val="lt1">
+        <a:shade val="80000"/>
+      </a:schemeClr>
+    </dgm:linClrLst>
+    <dgm:effectClrLst/>
+    <dgm:txLinClrLst/>
+    <dgm:txFillClrLst/>
+    <dgm:txEffectClrLst/>
+  </dgm:styleLbl>
+  <dgm:styleLbl name="asst1">
+    <dgm:fillClrLst meth="repeat">
+      <a:schemeClr val="accent3"/>
+    </dgm:fillClrLst>
+    <dgm:linClrLst meth="repeat">
+      <a:schemeClr val="lt1">
+        <a:shade val="80000"/>
+      </a:schemeClr>
+    </dgm:linClrLst>
+    <dgm:effectClrLst/>
+    <dgm:txLinClrLst/>
+    <dgm:txFillClrLst/>
+    <dgm:txEffectClrLst/>
+  </dgm:styleLbl>
+  <dgm:styleLbl name="asst2">
+    <dgm:fillClrLst>
+      <a:schemeClr val="accent4"/>
+    </dgm:fillClrLst>
+    <dgm:linClrLst meth="repeat">
+      <a:schemeClr val="lt1"/>
+    </dgm:linClrLst>
+    <dgm:effectClrLst/>
+    <dgm:txLinClrLst/>
+    <dgm:txFillClrLst/>
+    <dgm:txEffectClrLst/>
+  </dgm:styleLbl>
+  <dgm:styleLbl name="asst3">
+    <dgm:fillClrLst>
+      <a:schemeClr val="accent5"/>
+    </dgm:fillClrLst>
+    <dgm:linClrLst meth="repeat">
+      <a:schemeClr val="lt1"/>
+    </dgm:linClrLst>
+    <dgm:effectClrLst/>
+    <dgm:txLinClrLst/>
+    <dgm:txFillClrLst/>
+    <dgm:txEffectClrLst/>
+  </dgm:styleLbl>
+  <dgm:styleLbl name="asst4">
+    <dgm:fillClrLst>
+      <a:schemeClr val="accent6"/>
+    </dgm:fillClrLst>
+    <dgm:linClrLst meth="repeat">
+      <a:schemeClr val="lt1"/>
+    </dgm:linClrLst>
+    <dgm:effectClrLst/>
+    <dgm:txLinClrLst/>
+    <dgm:txFillClrLst/>
+    <dgm:txEffectClrLst/>
+  </dgm:styleLbl>
+  <dgm:styleLbl name="parChTrans2D1">
+    <dgm:fillClrLst meth="repeat">
+      <a:schemeClr val="accent2"/>
+    </dgm:fillClrLst>
+    <dgm:linClrLst meth="repeat">
+      <a:schemeClr val="lt1"/>
+    </dgm:linClrLst>
+    <dgm:effectClrLst/>
+    <dgm:txLinClrLst/>
+    <dgm:txFillClrLst meth="repeat">
+      <a:schemeClr val="lt1"/>
+    </dgm:txFillClrLst>
+    <dgm:txEffectClrLst/>
+  </dgm:styleLbl>
+  <dgm:styleLbl name="parChTrans2D2">
+    <dgm:fillClrLst meth="repeat">
+      <a:schemeClr val="accent3"/>
+    </dgm:fillClrLst>
+    <dgm:linClrLst meth="repeat">
+      <a:schemeClr val="lt1"/>
+    </dgm:linClrLst>
+    <dgm:effectClrLst/>
+    <dgm:txLinClrLst/>
+    <dgm:txFillClrLst/>
+    <dgm:txEffectClrLst/>
+  </dgm:styleLbl>
+  <dgm:styleLbl name="parChTrans2D3">
+    <dgm:fillClrLst meth="repeat">
+      <a:schemeClr val="accent4"/>
+    </dgm:fillClrLst>
+    <dgm:linClrLst meth="repeat">
+      <a:schemeClr val="lt1"/>
+    </dgm:linClrLst>
+    <dgm:effectClrLst/>
+    <dgm:txLinClrLst/>
+    <dgm:txFillClrLst/>
+    <dgm:txEffectClrLst/>
+  </dgm:styleLbl>
+  <dgm:styleLbl name="parChTrans2D4">
+    <dgm:fillClrLst meth="repeat">
+      <a:schemeClr val="accent5"/>
+    </dgm:fillClrLst>
+    <dgm:linClrLst meth="repeat">
+      <a:schemeClr val="lt1"/>
+    </dgm:linClrLst>
+    <dgm:effectClrLst/>
+    <dgm:txLinClrLst/>
+    <dgm:txFillClrLst meth="repeat">
+      <a:schemeClr val="lt1"/>
+    </dgm:txFillClrLst>
+    <dgm:txEffectClrLst/>
+  </dgm:styleLbl>
+  <dgm:styleLbl name="parChTrans1D1">
+    <dgm:fillClrLst meth="repeat">
+      <a:schemeClr val="accent2"/>
+    </dgm:fillClrLst>
+    <dgm:linClrLst meth="repeat">
+      <a:schemeClr val="accent2"/>
+    </dgm:linClrLst>
+    <dgm:effectClrLst/>
+    <dgm:txLinClrLst/>
+    <dgm:txFillClrLst meth="repeat">
+      <a:schemeClr val="tx1"/>
+    </dgm:txFillClrLst>
+    <dgm:txEffectClrLst/>
+  </dgm:styleLbl>
+  <dgm:styleLbl name="parChTrans1D2">
+    <dgm:fillClrLst meth="repeat">
+      <a:schemeClr val="accent2">
+        <a:tint val="90000"/>
+      </a:schemeClr>
+    </dgm:fillClrLst>
+    <dgm:linClrLst meth="repeat">
+      <a:schemeClr val="accent3"/>
+    </dgm:linClrLst>
+    <dgm:effectClrLst/>
+    <dgm:txLinClrLst/>
+    <dgm:txFillClrLst meth="repeat">
+      <a:schemeClr val="tx1"/>
+    </dgm:txFillClrLst>
+    <dgm:txEffectClrLst/>
+  </dgm:styleLbl>
+  <dgm:styleLbl name="parChTrans1D3">
+    <dgm:fillClrLst meth="repeat">
+      <a:schemeClr val="accent2">
+        <a:tint val="70000"/>
+      </a:schemeClr>
+    </dgm:fillClrLst>
+    <dgm:linClrLst meth="repeat">
+      <a:schemeClr val="accent4"/>
+    </dgm:linClrLst>
+    <dgm:effectClrLst/>
+    <dgm:txLinClrLst/>
+    <dgm:txFillClrLst meth="repeat">
+      <a:schemeClr val="tx1"/>
+    </dgm:txFillClrLst>
+    <dgm:txEffectClrLst/>
+  </dgm:styleLbl>
+  <dgm:styleLbl name="parChTrans1D4">
+    <dgm:fillClrLst meth="repeat">
+      <a:schemeClr val="accent2">
+        <a:tint val="50000"/>
+      </a:schemeClr>
+    </dgm:fillClrLst>
+    <dgm:linClrLst meth="repeat">
+      <a:schemeClr val="accent5"/>
+    </dgm:linClrLst>
+    <dgm:effectClrLst/>
+    <dgm:txLinClrLst/>
+    <dgm:txFillClrLst meth="repeat">
+      <a:schemeClr val="tx1"/>
+    </dgm:txFillClrLst>
+    <dgm:txEffectClrLst/>
+  </dgm:styleLbl>
+  <dgm:styleLbl name="fgAcc1">
+    <dgm:fillClrLst meth="repeat">
+      <a:schemeClr val="lt1">
+        <a:alpha val="90000"/>
+      </a:schemeClr>
+    </dgm:fillClrLst>
+    <dgm:linClrLst>
+      <a:schemeClr val="accent2"/>
+      <a:schemeClr val="accent3"/>
+    </dgm:linClrLst>
+    <dgm:effectClrLst/>
+    <dgm:txLinClrLst/>
+    <dgm:txFillClrLst meth="repeat">
+      <a:schemeClr val="dk1"/>
+    </dgm:txFillClrLst>
+    <dgm:txEffectClrLst/>
+  </dgm:styleLbl>
+  <dgm:styleLbl name="conFgAcc1">
+    <dgm:fillClrLst meth="repeat">
+      <a:schemeClr val="lt1">
+        <a:alpha val="90000"/>
+      </a:schemeClr>
+    </dgm:fillClrLst>
+    <dgm:linClrLst>
+      <a:schemeClr val="accent2"/>
+      <a:schemeClr val="accent3"/>
+    </dgm:linClrLst>
+    <dgm:effectClrLst/>
+    <dgm:txLinClrLst/>
+    <dgm:txFillClrLst meth="repeat">
+      <a:schemeClr val="dk1"/>
+    </dgm:txFillClrLst>
+    <dgm:txEffectClrLst/>
+  </dgm:styleLbl>
+  <dgm:styleLbl name="alignAcc1">
+    <dgm:fillClrLst meth="repeat">
+      <a:schemeClr val="lt1">
+        <a:alpha val="90000"/>
+      </a:schemeClr>
+    </dgm:fillClrLst>
+    <dgm:linClrLst>
+      <a:schemeClr val="accent2"/>
+      <a:schemeClr val="accent3"/>
+    </dgm:linClrLst>
+    <dgm:effectClrLst/>
+    <dgm:txLinClrLst/>
+    <dgm:txFillClrLst meth="repeat">
+      <a:schemeClr val="dk1"/>
+    </dgm:txFillClrLst>
+    <dgm:txEffectClrLst/>
+  </dgm:styleLbl>
+  <dgm:styleLbl name="trAlignAcc1">
+    <dgm:fillClrLst meth="repeat">
+      <a:schemeClr val="lt1">
+        <a:alpha val="40000"/>
+      </a:schemeClr>
+    </dgm:fillClrLst>
+    <dgm:linClrLst meth="repeat">
+      <a:schemeClr val="accent2"/>
+    </dgm:linClrLst>
+    <dgm:effectClrLst/>
+    <dgm:txLinClrLst/>
+    <dgm:txFillClrLst meth="repeat">
+      <a:schemeClr val="dk1"/>
+    </dgm:txFillClrLst>
+    <dgm:txEffectClrLst/>
+  </dgm:styleLbl>
+  <dgm:styleLbl name="bgAcc1">
+    <dgm:fillClrLst meth="repeat">
+      <a:schemeClr val="lt1">
+        <a:alpha val="90000"/>
+      </a:schemeClr>
+    </dgm:fillClrLst>
+    <dgm:linClrLst>
+      <a:schemeClr val="accent2"/>
+      <a:schemeClr val="accent3"/>
+    </dgm:linClrLst>
+    <dgm:effectClrLst/>
+    <dgm:txLinClrLst/>
+    <dgm:txFillClrLst meth="repeat">
+      <a:schemeClr val="dk1"/>
+    </dgm:txFillClrLst>
+    <dgm:txEffectClrLst/>
+  </dgm:styleLbl>
+  <dgm:styleLbl name="solidFgAcc1">
+    <dgm:fillClrLst meth="repeat">
+      <a:schemeClr val="lt1"/>
+    </dgm:fillClrLst>
+    <dgm:linClrLst>
+      <a:schemeClr val="accent2"/>
+      <a:schemeClr val="accent3"/>
+    </dgm:linClrLst>
+    <dgm:effectClrLst/>
+    <dgm:txLinClrLst/>
+    <dgm:txFillClrLst meth="repeat">
+      <a:schemeClr val="dk1"/>
+    </dgm:txFillClrLst>
+    <dgm:txEffectClrLst/>
+  </dgm:styleLbl>
+  <dgm:styleLbl name="solidAlignAcc1">
+    <dgm:fillClrLst meth="repeat">
+      <a:schemeClr val="lt1"/>
+    </dgm:fillClrLst>
+    <dgm:linClrLst>
+      <a:schemeClr val="accent2"/>
+      <a:schemeClr val="accent3"/>
+    </dgm:linClrLst>
+    <dgm:effectClrLst/>
+    <dgm:txLinClrLst/>
+    <dgm:txFillClrLst meth="repeat">
+      <a:schemeClr val="dk1"/>
+    </dgm:txFillClrLst>
+    <dgm:txEffectClrLst/>
+  </dgm:styleLbl>
+  <dgm:styleLbl name="solidBgAcc1">
+    <dgm:fillClrLst meth="repeat">
+      <a:schemeClr val="lt1"/>
+    </dgm:fillClrLst>
+    <dgm:linClrLst>
+      <a:schemeClr val="accent2"/>
+      <a:schemeClr val="accent3"/>
+    </dgm:linClrLst>
+    <dgm:effectClrLst/>
+    <dgm:txLinClrLst/>
+    <dgm:txFillClrLst meth="repeat">
+      <a:schemeClr val="dk1"/>
+    </dgm:txFillClrLst>
+    <dgm:txEffectClrLst/>
+  </dgm:styleLbl>
+  <dgm:styleLbl name="fgAccFollowNode1">
+    <dgm:fillClrLst>
+      <a:schemeClr val="accent2">
+        <a:tint val="40000"/>
+        <a:alpha val="90000"/>
+      </a:schemeClr>
+      <a:schemeClr val="accent3">
+        <a:tint val="40000"/>
+        <a:alpha val="90000"/>
+      </a:schemeClr>
+    </dgm:fillClrLst>
+    <dgm:linClrLst>
+      <a:schemeClr val="accent2">
+        <a:tint val="40000"/>
+        <a:alpha val="90000"/>
+      </a:schemeClr>
+      <a:schemeClr val="accent3">
+        <a:tint val="40000"/>
+        <a:alpha val="90000"/>
+      </a:schemeClr>
+    </dgm:linClrLst>
+    <dgm:effectClrLst/>
+    <dgm:txLinClrLst/>
+    <dgm:txFillClrLst meth="repeat">
+      <a:schemeClr val="dk1"/>
+    </dgm:txFillClrLst>
+    <dgm:txEffectClrLst/>
+  </dgm:styleLbl>
+  <dgm:styleLbl name="alignAccFollowNode1">
+    <dgm:fillClrLst>
+      <a:schemeClr val="accent2">
+        <a:tint val="40000"/>
+        <a:alpha val="90000"/>
+      </a:schemeClr>
+      <a:schemeClr val="accent3">
+        <a:tint val="40000"/>
+        <a:alpha val="90000"/>
+      </a:schemeClr>
+    </dgm:fillClrLst>
+    <dgm:linClrLst>
+      <a:schemeClr val="accent2">
+        <a:tint val="40000"/>
+        <a:alpha val="90000"/>
+      </a:schemeClr>
+      <a:schemeClr val="accent3">
+        <a:tint val="40000"/>
+        <a:alpha val="90000"/>
+      </a:schemeClr>
+    </dgm:linClrLst>
+    <dgm:effectClrLst/>
+    <dgm:txLinClrLst/>
+    <dgm:txFillClrLst meth="repeat">
+      <a:schemeClr val="dk1"/>
+    </dgm:txFillClrLst>
+    <dgm:txEffectClrLst/>
+  </dgm:styleLbl>
+  <dgm:styleLbl name="bgAccFollowNode1">
+    <dgm:fillClrLst>
+      <a:schemeClr val="accent2">
+        <a:tint val="40000"/>
+        <a:alpha val="90000"/>
+      </a:schemeClr>
+      <a:schemeClr val="accent3">
+        <a:tint val="40000"/>
+        <a:alpha val="90000"/>
+      </a:schemeClr>
+    </dgm:fillClrLst>
+    <dgm:linClrLst>
+      <a:schemeClr val="accent2">
+        <a:tint val="40000"/>
+        <a:alpha val="90000"/>
+      </a:schemeClr>
+      <a:schemeClr val="accent3">
+        <a:tint val="40000"/>
+        <a:alpha val="90000"/>
+      </a:schemeClr>
+    </dgm:linClrLst>
+    <dgm:effectClrLst/>
+    <dgm:txLinClrLst/>
+    <dgm:txFillClrLst meth="repeat">
+      <a:schemeClr val="dk1"/>
+    </dgm:txFillClrLst>
+    <dgm:txEffectClrLst/>
+  </dgm:styleLbl>
+  <dgm:styleLbl name="fgAcc0">
+    <dgm:fillClrLst meth="repeat">
+      <a:schemeClr val="lt1">
+        <a:alpha val="90000"/>
+      </a:schemeClr>
+    </dgm:fillClrLst>
+    <dgm:linClrLst>
+      <a:schemeClr val="accent1"/>
+    </dgm:linClrLst>
+    <dgm:effectClrLst/>
+    <dgm:txLinClrLst/>
+    <dgm:txFillClrLst meth="repeat">
+      <a:schemeClr val="dk1"/>
+    </dgm:txFillClrLst>
+    <dgm:txEffectClrLst/>
+  </dgm:styleLbl>
+  <dgm:styleLbl name="fgAcc2">
+    <dgm:fillClrLst meth="repeat">
+      <a:schemeClr val="lt1">
+        <a:alpha val="90000"/>
+      </a:schemeClr>
+    </dgm:fillClrLst>
+    <dgm:linClrLst>
+      <a:schemeClr val="accent3"/>
+    </dgm:linClrLst>
+    <dgm:effectClrLst/>
+    <dgm:txLinClrLst/>
+    <dgm:txFillClrLst meth="repeat">
+      <a:schemeClr val="dk1"/>
+    </dgm:txFillClrLst>
+    <dgm:txEffectClrLst/>
+  </dgm:styleLbl>
+  <dgm:styleLbl name="fgAcc3">
+    <dgm:fillClrLst meth="repeat">
+      <a:schemeClr val="lt1">
+        <a:alpha val="90000"/>
+      </a:schemeClr>
+    </dgm:fillClrLst>
+    <dgm:linClrLst>
+      <a:schemeClr val="accent4"/>
+    </dgm:linClrLst>
+    <dgm:effectClrLst/>
+    <dgm:txLinClrLst/>
+    <dgm:txFillClrLst meth="repeat">
+      <a:schemeClr val="dk1"/>
+    </dgm:txFillClrLst>
+    <dgm:txEffectClrLst/>
+  </dgm:styleLbl>
+  <dgm:styleLbl name="fgAcc4">
+    <dgm:fillClrLst meth="repeat">
+      <a:schemeClr val="lt1">
+        <a:alpha val="90000"/>
+      </a:schemeClr>
+    </dgm:fillClrLst>
+    <dgm:linClrLst>
+      <a:schemeClr val="accent5"/>
+    </dgm:linClrLst>
+    <dgm:effectClrLst/>
+    <dgm:txLinClrLst/>
+    <dgm:txFillClrLst meth="repeat">
+      <a:schemeClr val="dk1"/>
+    </dgm:txFillClrLst>
+    <dgm:txEffectClrLst/>
+  </dgm:styleLbl>
+  <dgm:styleLbl name="bgShp">
+    <dgm:fillClrLst meth="repeat">
+      <a:schemeClr val="accent2">
+        <a:tint val="40000"/>
+      </a:schemeClr>
+    </dgm:fillClrLst>
+    <dgm:linClrLst meth="repeat">
+      <a:schemeClr val="dk1"/>
+    </dgm:linClrLst>
+    <dgm:effectClrLst/>
+    <dgm:txLinClrLst/>
+    <dgm:txFillClrLst meth="repeat">
+      <a:schemeClr val="dk1"/>
+    </dgm:txFillClrLst>
+    <dgm:txEffectClrLst/>
+  </dgm:styleLbl>
+  <dgm:styleLbl name="dkBgShp">
+    <dgm:fillClrLst meth="repeat">
+      <a:schemeClr val="accent2">
+        <a:shade val="90000"/>
+      </a:schemeClr>
+    </dgm:fillClrLst>
+    <dgm:linClrLst meth="repeat">
+      <a:schemeClr val="dk1"/>
+    </dgm:linClrLst>
+    <dgm:effectClrLst/>
+    <dgm:txLinClrLst/>
+    <dgm:txFillClrLst meth="repeat">
+      <a:schemeClr val="lt1"/>
+    </dgm:txFillClrLst>
+    <dgm:txEffectClrLst/>
+  </dgm:styleLbl>
+  <dgm:styleLbl name="trBgShp">
+    <dgm:fillClrLst meth="repeat">
+      <a:schemeClr val="accent2">
+        <a:tint val="50000"/>
+        <a:alpha val="40000"/>
+      </a:schemeClr>
+    </dgm:fillClrLst>
+    <dgm:linClrLst meth="repeat">
+      <a:schemeClr val="accent2"/>
+    </dgm:linClrLst>
+    <dgm:effectClrLst/>
+    <dgm:txLinClrLst/>
+    <dgm:txFillClrLst meth="repeat">
+      <a:schemeClr val="lt1"/>
+    </dgm:txFillClrLst>
+    <dgm:txEffectClrLst/>
+  </dgm:styleLbl>
+  <dgm:styleLbl name="fgShp">
+    <dgm:fillClrLst meth="repeat">
+      <a:schemeClr val="accent2">
+        <a:tint val="40000"/>
+      </a:schemeClr>
+    </dgm:fillClrLst>
+    <dgm:linClrLst meth="repeat">
+      <a:schemeClr val="lt1"/>
+    </dgm:linClrLst>
+    <dgm:effectClrLst/>
+    <dgm:txLinClrLst/>
+    <dgm:txFillClrLst meth="repeat">
+      <a:schemeClr val="dk1"/>
+    </dgm:txFillClrLst>
+    <dgm:txEffectClrLst/>
+  </dgm:styleLbl>
+  <dgm:styleLbl name="revTx">
+    <dgm:fillClrLst meth="repeat">
+      <a:schemeClr val="lt1">
+        <a:alpha val="0"/>
+      </a:schemeClr>
+    </dgm:fillClrLst>
+    <dgm:linClrLst meth="repeat">
+      <a:schemeClr val="dk1">
+        <a:alpha val="0"/>
+      </a:schemeClr>
+    </dgm:linClrLst>
+    <dgm:effectClrLst/>
+    <dgm:txLinClrLst/>
+    <dgm:txFillClrLst meth="repeat">
+      <a:schemeClr val="tx1"/>
+    </dgm:txFillClrLst>
+    <dgm:txEffectClrLst/>
+  </dgm:styleLbl>
+</dgm:colorsDef>
+</file>
+
+<file path=ppt/diagrams/data1.xml><?xml version="1.0" encoding="utf-8"?>
+<dgm:dataModel xmlns:dgm="http://schemas.openxmlformats.org/drawingml/2006/diagram" xmlns:a="http://schemas.openxmlformats.org/drawingml/2006/main">
+  <dgm:ptLst>
+    <dgm:pt modelId="{3FA26E6B-82DA-40C4-A8E6-AA2B12D98E4A}" type="doc">
+      <dgm:prSet loTypeId="urn:microsoft.com/office/officeart/2005/8/layout/list1" loCatId="list" qsTypeId="urn:microsoft.com/office/officeart/2005/8/quickstyle/simple1" qsCatId="simple" csTypeId="urn:microsoft.com/office/officeart/2005/8/colors/colorful2" csCatId="colorful" phldr="1"/>
+      <dgm:spPr/>
+      <dgm:t>
+        <a:bodyPr/>
+        <a:lstStyle/>
+        <a:p>
+          <a:endParaRPr lang="en-US"/>
+        </a:p>
+      </dgm:t>
+    </dgm:pt>
+    <dgm:pt modelId="{0023FA54-F2AC-4BFE-B02B-B1217E5FCEAA}">
+      <dgm:prSet/>
+      <dgm:spPr/>
+      <dgm:t>
+        <a:bodyPr/>
+        <a:lstStyle/>
+        <a:p>
+          <a:r>
+            <a:rPr lang="en-US"/>
+            <a:t>Reddit:</a:t>
+          </a:r>
+        </a:p>
+      </dgm:t>
+    </dgm:pt>
+    <dgm:pt modelId="{41D778EF-1BDE-4FC4-83CD-876F05A10D7B}" type="parTrans" cxnId="{30AC3AA7-737A-49E5-9853-D52EC6D28181}">
+      <dgm:prSet/>
+      <dgm:spPr/>
+      <dgm:t>
+        <a:bodyPr/>
+        <a:lstStyle/>
+        <a:p>
+          <a:endParaRPr lang="en-US"/>
+        </a:p>
+      </dgm:t>
+    </dgm:pt>
+    <dgm:pt modelId="{711021D9-943E-4836-A55D-2CB1066B3902}" type="sibTrans" cxnId="{30AC3AA7-737A-49E5-9853-D52EC6D28181}">
+      <dgm:prSet/>
+      <dgm:spPr/>
+      <dgm:t>
+        <a:bodyPr/>
+        <a:lstStyle/>
+        <a:p>
+          <a:endParaRPr lang="en-US"/>
+        </a:p>
+      </dgm:t>
+    </dgm:pt>
+    <dgm:pt modelId="{96F44407-3FB4-4CC5-BC6F-912B1010378D}">
+      <dgm:prSet/>
+      <dgm:spPr/>
+      <dgm:t>
+        <a:bodyPr/>
+        <a:lstStyle/>
+        <a:p>
+          <a:r>
+            <a:rPr lang="en-US"/>
+            <a:t>r/politics and r/news: two largest general political subreddits</a:t>
+          </a:r>
+        </a:p>
+      </dgm:t>
+    </dgm:pt>
+    <dgm:pt modelId="{4A88F9C1-5063-43EE-85B4-84514FC1A922}" type="parTrans" cxnId="{CDE85D47-6268-4937-9F26-5E3ECA658C17}">
+      <dgm:prSet/>
+      <dgm:spPr/>
+      <dgm:t>
+        <a:bodyPr/>
+        <a:lstStyle/>
+        <a:p>
+          <a:endParaRPr lang="en-US"/>
+        </a:p>
+      </dgm:t>
+    </dgm:pt>
+    <dgm:pt modelId="{390BA2F3-D3A5-45BC-8053-667993FAF168}" type="sibTrans" cxnId="{CDE85D47-6268-4937-9F26-5E3ECA658C17}">
+      <dgm:prSet/>
+      <dgm:spPr/>
+      <dgm:t>
+        <a:bodyPr/>
+        <a:lstStyle/>
+        <a:p>
+          <a:endParaRPr lang="en-US"/>
+        </a:p>
+      </dgm:t>
+    </dgm:pt>
+    <dgm:pt modelId="{A4C8FED9-B51A-4D05-971A-DB5EE6202D2B}">
+      <dgm:prSet/>
+      <dgm:spPr/>
+      <dgm:t>
+        <a:bodyPr/>
+        <a:lstStyle/>
+        <a:p>
+          <a:r>
+            <a:rPr lang="en-US"/>
+            <a:t>r/Conservative and r/Libertarian: two largest right-leaning subreddits</a:t>
+          </a:r>
+        </a:p>
+      </dgm:t>
+    </dgm:pt>
+    <dgm:pt modelId="{F15BF3EE-1DF3-4E57-8F9C-0EF9C6849094}" type="parTrans" cxnId="{A17836CC-256B-41AE-A28D-43394E4C90CA}">
+      <dgm:prSet/>
+      <dgm:spPr/>
+      <dgm:t>
+        <a:bodyPr/>
+        <a:lstStyle/>
+        <a:p>
+          <a:endParaRPr lang="en-US"/>
+        </a:p>
+      </dgm:t>
+    </dgm:pt>
+    <dgm:pt modelId="{E59F7994-BB5D-4AC9-8ADF-13B0A19B345C}" type="sibTrans" cxnId="{A17836CC-256B-41AE-A28D-43394E4C90CA}">
+      <dgm:prSet/>
+      <dgm:spPr/>
+      <dgm:t>
+        <a:bodyPr/>
+        <a:lstStyle/>
+        <a:p>
+          <a:endParaRPr lang="en-US"/>
+        </a:p>
+      </dgm:t>
+    </dgm:pt>
+    <dgm:pt modelId="{C788C505-B754-4535-9A1F-45F1A218B50D}">
+      <dgm:prSet/>
+      <dgm:spPr/>
+      <dgm:t>
+        <a:bodyPr/>
+        <a:lstStyle/>
+        <a:p>
+          <a:r>
+            <a:rPr lang="en-US" dirty="0"/>
+            <a:t>r/democrats and r/Liberal: two largest left-leaning subreddits</a:t>
+          </a:r>
+        </a:p>
+      </dgm:t>
+    </dgm:pt>
+    <dgm:pt modelId="{4CCCF1A3-00B0-481F-A7E8-24B76C60DE7C}" type="parTrans" cxnId="{9CD73833-C80D-474D-92FF-87008B408AE9}">
+      <dgm:prSet/>
+      <dgm:spPr/>
+      <dgm:t>
+        <a:bodyPr/>
+        <a:lstStyle/>
+        <a:p>
+          <a:endParaRPr lang="en-US"/>
+        </a:p>
+      </dgm:t>
+    </dgm:pt>
+    <dgm:pt modelId="{1279979D-0384-4E93-B3CA-27E8DE263CFF}" type="sibTrans" cxnId="{9CD73833-C80D-474D-92FF-87008B408AE9}">
+      <dgm:prSet/>
+      <dgm:spPr/>
+      <dgm:t>
+        <a:bodyPr/>
+        <a:lstStyle/>
+        <a:p>
+          <a:endParaRPr lang="en-US"/>
+        </a:p>
+      </dgm:t>
+    </dgm:pt>
+    <dgm:pt modelId="{A1776522-ED34-4ED6-99EB-9C208605B1C4}">
+      <dgm:prSet/>
+      <dgm:spPr/>
+      <dgm:t>
+        <a:bodyPr/>
+        <a:lstStyle/>
+        <a:p>
+          <a:r>
+            <a:rPr lang="en-US" dirty="0"/>
+            <a:t>500k+ comments from about 134k authors</a:t>
+          </a:r>
+        </a:p>
+      </dgm:t>
+    </dgm:pt>
+    <dgm:pt modelId="{79C8827C-453F-4086-8082-5265F93C93F8}" type="parTrans" cxnId="{C47F9AE0-C435-49FE-8A26-ABC240751BA0}">
+      <dgm:prSet/>
+      <dgm:spPr/>
+      <dgm:t>
+        <a:bodyPr/>
+        <a:lstStyle/>
+        <a:p>
+          <a:endParaRPr lang="en-US"/>
+        </a:p>
+      </dgm:t>
+    </dgm:pt>
+    <dgm:pt modelId="{21C2503C-A8BD-4CCC-BF02-FCECDF744E48}" type="sibTrans" cxnId="{C47F9AE0-C435-49FE-8A26-ABC240751BA0}">
+      <dgm:prSet/>
+      <dgm:spPr/>
+      <dgm:t>
+        <a:bodyPr/>
+        <a:lstStyle/>
+        <a:p>
+          <a:endParaRPr lang="en-US"/>
+        </a:p>
+      </dgm:t>
+    </dgm:pt>
+    <dgm:pt modelId="{04ACDEC6-2E1D-4577-928B-576B340FC494}">
+      <dgm:prSet/>
+      <dgm:spPr/>
+      <dgm:t>
+        <a:bodyPr/>
+        <a:lstStyle/>
+        <a:p>
+          <a:r>
+            <a:rPr lang="en-US"/>
+            <a:t>Poll Data from FiveThirtyEight:</a:t>
+          </a:r>
+        </a:p>
+      </dgm:t>
+    </dgm:pt>
+    <dgm:pt modelId="{8053C4A1-93CC-43F1-8257-18E8D6138CFB}" type="parTrans" cxnId="{979C85CC-E6E9-4D2F-B328-0327A1EF5787}">
+      <dgm:prSet/>
+      <dgm:spPr/>
+      <dgm:t>
+        <a:bodyPr/>
+        <a:lstStyle/>
+        <a:p>
+          <a:endParaRPr lang="en-US"/>
+        </a:p>
+      </dgm:t>
+    </dgm:pt>
+    <dgm:pt modelId="{18AFCEF4-BA22-4EEC-AC6A-C0C7DE747164}" type="sibTrans" cxnId="{979C85CC-E6E9-4D2F-B328-0327A1EF5787}">
+      <dgm:prSet/>
+      <dgm:spPr/>
+      <dgm:t>
+        <a:bodyPr/>
+        <a:lstStyle/>
+        <a:p>
+          <a:endParaRPr lang="en-US"/>
+        </a:p>
+      </dgm:t>
+    </dgm:pt>
+    <dgm:pt modelId="{6BA88192-0050-4256-AEE6-72023212E61A}">
+      <dgm:prSet/>
+      <dgm:spPr/>
+      <dgm:t>
+        <a:bodyPr/>
+        <a:lstStyle/>
+        <a:p>
+          <a:r>
+            <a:rPr lang="en-US"/>
+            <a:t>Presidential approval data from 40+ different pollsters</a:t>
+          </a:r>
+        </a:p>
+      </dgm:t>
+    </dgm:pt>
+    <dgm:pt modelId="{266385DB-B347-447E-B6E3-76DE7D0914E6}" type="parTrans" cxnId="{A88407B3-54C8-4CE8-AD6F-2085052BEE27}">
+      <dgm:prSet/>
+      <dgm:spPr/>
+      <dgm:t>
+        <a:bodyPr/>
+        <a:lstStyle/>
+        <a:p>
+          <a:endParaRPr lang="en-US"/>
+        </a:p>
+      </dgm:t>
+    </dgm:pt>
+    <dgm:pt modelId="{8A6CDE0E-26EE-48E6-8956-31AC8B3142F8}" type="sibTrans" cxnId="{A88407B3-54C8-4CE8-AD6F-2085052BEE27}">
+      <dgm:prSet/>
+      <dgm:spPr/>
+      <dgm:t>
+        <a:bodyPr/>
+        <a:lstStyle/>
+        <a:p>
+          <a:endParaRPr lang="en-US"/>
+        </a:p>
+      </dgm:t>
+    </dgm:pt>
+    <dgm:pt modelId="{98AB5D0E-EC9D-49BA-BE45-66A15B972B04}">
+      <dgm:prSet/>
+      <dgm:spPr/>
+      <dgm:t>
+        <a:bodyPr/>
+        <a:lstStyle/>
+        <a:p>
+          <a:r>
+            <a:rPr lang="en-US"/>
+            <a:t>Date range: Jan 23 – Sept 15, 2021</a:t>
+          </a:r>
+        </a:p>
+      </dgm:t>
+    </dgm:pt>
+    <dgm:pt modelId="{26000FA9-B472-4A0A-8AE1-7CE7BBF43084}" type="parTrans" cxnId="{51A09312-1094-4ACB-A8A5-CA77E5A1E91F}">
+      <dgm:prSet/>
+      <dgm:spPr/>
+      <dgm:t>
+        <a:bodyPr/>
+        <a:lstStyle/>
+        <a:p>
+          <a:endParaRPr lang="en-US"/>
+        </a:p>
+      </dgm:t>
+    </dgm:pt>
+    <dgm:pt modelId="{FEEAABC1-F90F-4A1F-8FA6-499819ED33D8}" type="sibTrans" cxnId="{51A09312-1094-4ACB-A8A5-CA77E5A1E91F}">
+      <dgm:prSet/>
+      <dgm:spPr/>
+      <dgm:t>
+        <a:bodyPr/>
+        <a:lstStyle/>
+        <a:p>
+          <a:endParaRPr lang="en-US"/>
+        </a:p>
+      </dgm:t>
+    </dgm:pt>
+    <dgm:pt modelId="{186CCFA6-6212-423B-8BC8-3B05191917B4}">
+      <dgm:prSet/>
+      <dgm:spPr/>
+      <dgm:t>
+        <a:bodyPr/>
+        <a:lstStyle/>
+        <a:p>
+          <a:r>
+            <a:rPr lang="en-US" dirty="0"/>
+            <a:t>Sentiment analysis using </a:t>
+          </a:r>
+          <a:r>
+            <a:rPr lang="en-US" dirty="0" err="1"/>
+            <a:t>TextBlob</a:t>
+          </a:r>
+          <a:endParaRPr lang="en-US" dirty="0"/>
+        </a:p>
+      </dgm:t>
+    </dgm:pt>
+    <dgm:pt modelId="{7BF48CDC-961E-478A-AE76-0C0C9CBAB8B0}" type="parTrans" cxnId="{451E6F8F-9797-4FFF-84F1-93802CFAC33A}">
+      <dgm:prSet/>
+      <dgm:spPr/>
+      <dgm:t>
+        <a:bodyPr/>
+        <a:lstStyle/>
+        <a:p>
+          <a:endParaRPr lang="en-US"/>
+        </a:p>
+      </dgm:t>
+    </dgm:pt>
+    <dgm:pt modelId="{187174B3-6BE4-455D-830F-E65A9E5EEE56}" type="sibTrans" cxnId="{451E6F8F-9797-4FFF-84F1-93802CFAC33A}">
+      <dgm:prSet/>
+      <dgm:spPr/>
+      <dgm:t>
+        <a:bodyPr/>
+        <a:lstStyle/>
+        <a:p>
+          <a:endParaRPr lang="en-US"/>
+        </a:p>
+      </dgm:t>
+    </dgm:pt>
+    <dgm:pt modelId="{09D7F407-6AE8-4677-BA93-C910620CD7D4}" type="pres">
+      <dgm:prSet presAssocID="{3FA26E6B-82DA-40C4-A8E6-AA2B12D98E4A}" presName="linear" presStyleCnt="0">
+        <dgm:presLayoutVars>
+          <dgm:dir/>
+          <dgm:animLvl val="lvl"/>
+          <dgm:resizeHandles val="exact"/>
+        </dgm:presLayoutVars>
+      </dgm:prSet>
+      <dgm:spPr/>
+    </dgm:pt>
+    <dgm:pt modelId="{2672DA21-74B2-4AE1-8ECA-569727381DD2}" type="pres">
+      <dgm:prSet presAssocID="{0023FA54-F2AC-4BFE-B02B-B1217E5FCEAA}" presName="parentLin" presStyleCnt="0"/>
+      <dgm:spPr/>
+    </dgm:pt>
+    <dgm:pt modelId="{D7198750-89F1-4C9E-9E92-1736DECA1699}" type="pres">
+      <dgm:prSet presAssocID="{0023FA54-F2AC-4BFE-B02B-B1217E5FCEAA}" presName="parentLeftMargin" presStyleLbl="node1" presStyleIdx="0" presStyleCnt="2"/>
+      <dgm:spPr/>
+    </dgm:pt>
+    <dgm:pt modelId="{74007E0E-CDA0-483E-B492-EBB9085A590A}" type="pres">
+      <dgm:prSet presAssocID="{0023FA54-F2AC-4BFE-B02B-B1217E5FCEAA}" presName="parentText" presStyleLbl="node1" presStyleIdx="0" presStyleCnt="2">
+        <dgm:presLayoutVars>
+          <dgm:chMax val="0"/>
+          <dgm:bulletEnabled val="1"/>
+        </dgm:presLayoutVars>
+      </dgm:prSet>
+      <dgm:spPr/>
+    </dgm:pt>
+    <dgm:pt modelId="{736E17B6-95E4-4727-A464-D14E9BEF7336}" type="pres">
+      <dgm:prSet presAssocID="{0023FA54-F2AC-4BFE-B02B-B1217E5FCEAA}" presName="negativeSpace" presStyleCnt="0"/>
+      <dgm:spPr/>
+    </dgm:pt>
+    <dgm:pt modelId="{B8E1D9EB-D5D8-4695-9728-32EB4BC6D544}" type="pres">
+      <dgm:prSet presAssocID="{0023FA54-F2AC-4BFE-B02B-B1217E5FCEAA}" presName="childText" presStyleLbl="conFgAcc1" presStyleIdx="0" presStyleCnt="2">
+        <dgm:presLayoutVars>
+          <dgm:bulletEnabled val="1"/>
+        </dgm:presLayoutVars>
+      </dgm:prSet>
+      <dgm:spPr/>
+    </dgm:pt>
+    <dgm:pt modelId="{B3A44ABB-E630-4FAB-87FA-B6190C0693DB}" type="pres">
+      <dgm:prSet presAssocID="{711021D9-943E-4836-A55D-2CB1066B3902}" presName="spaceBetweenRectangles" presStyleCnt="0"/>
+      <dgm:spPr/>
+    </dgm:pt>
+    <dgm:pt modelId="{D8156019-B035-44C4-88FA-D1EF46840EC7}" type="pres">
+      <dgm:prSet presAssocID="{04ACDEC6-2E1D-4577-928B-576B340FC494}" presName="parentLin" presStyleCnt="0"/>
+      <dgm:spPr/>
+    </dgm:pt>
+    <dgm:pt modelId="{9DECB2EC-2C8B-4110-B77C-FB1ECD23E418}" type="pres">
+      <dgm:prSet presAssocID="{04ACDEC6-2E1D-4577-928B-576B340FC494}" presName="parentLeftMargin" presStyleLbl="node1" presStyleIdx="0" presStyleCnt="2"/>
+      <dgm:spPr/>
+    </dgm:pt>
+    <dgm:pt modelId="{507BE923-2EE1-4ED5-ACDB-A9495EFC0269}" type="pres">
+      <dgm:prSet presAssocID="{04ACDEC6-2E1D-4577-928B-576B340FC494}" presName="parentText" presStyleLbl="node1" presStyleIdx="1" presStyleCnt="2">
+        <dgm:presLayoutVars>
+          <dgm:chMax val="0"/>
+          <dgm:bulletEnabled val="1"/>
+        </dgm:presLayoutVars>
+      </dgm:prSet>
+      <dgm:spPr/>
+    </dgm:pt>
+    <dgm:pt modelId="{856F7F91-A981-44CD-802E-31B00CA2BA14}" type="pres">
+      <dgm:prSet presAssocID="{04ACDEC6-2E1D-4577-928B-576B340FC494}" presName="negativeSpace" presStyleCnt="0"/>
+      <dgm:spPr/>
+    </dgm:pt>
+    <dgm:pt modelId="{8F93D540-17BF-4CFF-8DF4-651B029F6C68}" type="pres">
+      <dgm:prSet presAssocID="{04ACDEC6-2E1D-4577-928B-576B340FC494}" presName="childText" presStyleLbl="conFgAcc1" presStyleIdx="1" presStyleCnt="2">
+        <dgm:presLayoutVars>
+          <dgm:bulletEnabled val="1"/>
+        </dgm:presLayoutVars>
+      </dgm:prSet>
+      <dgm:spPr/>
+    </dgm:pt>
+  </dgm:ptLst>
+  <dgm:cxnLst>
+    <dgm:cxn modelId="{1E43B603-5DC9-468F-BE36-EEF8A4DEFBC4}" type="presOf" srcId="{186CCFA6-6212-423B-8BC8-3B05191917B4}" destId="{B8E1D9EB-D5D8-4695-9728-32EB4BC6D544}" srcOrd="0" destOrd="4" presId="urn:microsoft.com/office/officeart/2005/8/layout/list1"/>
+    <dgm:cxn modelId="{C883180E-0FA1-458C-A4AF-0EAF62F9C10B}" type="presOf" srcId="{98AB5D0E-EC9D-49BA-BE45-66A15B972B04}" destId="{8F93D540-17BF-4CFF-8DF4-651B029F6C68}" srcOrd="0" destOrd="1" presId="urn:microsoft.com/office/officeart/2005/8/layout/list1"/>
+    <dgm:cxn modelId="{51A09312-1094-4ACB-A8A5-CA77E5A1E91F}" srcId="{04ACDEC6-2E1D-4577-928B-576B340FC494}" destId="{98AB5D0E-EC9D-49BA-BE45-66A15B972B04}" srcOrd="1" destOrd="0" parTransId="{26000FA9-B472-4A0A-8AE1-7CE7BBF43084}" sibTransId="{FEEAABC1-F90F-4A1F-8FA6-499819ED33D8}"/>
+    <dgm:cxn modelId="{9CD73833-C80D-474D-92FF-87008B408AE9}" srcId="{0023FA54-F2AC-4BFE-B02B-B1217E5FCEAA}" destId="{C788C505-B754-4535-9A1F-45F1A218B50D}" srcOrd="2" destOrd="0" parTransId="{4CCCF1A3-00B0-481F-A7E8-24B76C60DE7C}" sibTransId="{1279979D-0384-4E93-B3CA-27E8DE263CFF}"/>
+    <dgm:cxn modelId="{18FD3B5F-479C-4F92-971E-EB77FCE2E033}" type="presOf" srcId="{C788C505-B754-4535-9A1F-45F1A218B50D}" destId="{B8E1D9EB-D5D8-4695-9728-32EB4BC6D544}" srcOrd="0" destOrd="2" presId="urn:microsoft.com/office/officeart/2005/8/layout/list1"/>
+    <dgm:cxn modelId="{CDE85D47-6268-4937-9F26-5E3ECA658C17}" srcId="{0023FA54-F2AC-4BFE-B02B-B1217E5FCEAA}" destId="{96F44407-3FB4-4CC5-BC6F-912B1010378D}" srcOrd="0" destOrd="0" parTransId="{4A88F9C1-5063-43EE-85B4-84514FC1A922}" sibTransId="{390BA2F3-D3A5-45BC-8053-667993FAF168}"/>
+    <dgm:cxn modelId="{1247754A-B34C-4A2C-A8EF-CF0881A0ABCF}" type="presOf" srcId="{96F44407-3FB4-4CC5-BC6F-912B1010378D}" destId="{B8E1D9EB-D5D8-4695-9728-32EB4BC6D544}" srcOrd="0" destOrd="0" presId="urn:microsoft.com/office/officeart/2005/8/layout/list1"/>
+    <dgm:cxn modelId="{30229B72-972C-4CA9-B650-BFCB224F8F63}" type="presOf" srcId="{04ACDEC6-2E1D-4577-928B-576B340FC494}" destId="{507BE923-2EE1-4ED5-ACDB-A9495EFC0269}" srcOrd="1" destOrd="0" presId="urn:microsoft.com/office/officeart/2005/8/layout/list1"/>
+    <dgm:cxn modelId="{2386A87A-F485-45A2-9989-DDCC24A02B34}" type="presOf" srcId="{A4C8FED9-B51A-4D05-971A-DB5EE6202D2B}" destId="{B8E1D9EB-D5D8-4695-9728-32EB4BC6D544}" srcOrd="0" destOrd="1" presId="urn:microsoft.com/office/officeart/2005/8/layout/list1"/>
+    <dgm:cxn modelId="{95E67F7B-EA33-4189-B45E-A23CBDADD20C}" type="presOf" srcId="{0023FA54-F2AC-4BFE-B02B-B1217E5FCEAA}" destId="{D7198750-89F1-4C9E-9E92-1736DECA1699}" srcOrd="0" destOrd="0" presId="urn:microsoft.com/office/officeart/2005/8/layout/list1"/>
+    <dgm:cxn modelId="{011B6082-F1A9-4457-A5A1-1F0C7F40F8B4}" type="presOf" srcId="{0023FA54-F2AC-4BFE-B02B-B1217E5FCEAA}" destId="{74007E0E-CDA0-483E-B492-EBB9085A590A}" srcOrd="1" destOrd="0" presId="urn:microsoft.com/office/officeart/2005/8/layout/list1"/>
+    <dgm:cxn modelId="{451E6F8F-9797-4FFF-84F1-93802CFAC33A}" srcId="{0023FA54-F2AC-4BFE-B02B-B1217E5FCEAA}" destId="{186CCFA6-6212-423B-8BC8-3B05191917B4}" srcOrd="4" destOrd="0" parTransId="{7BF48CDC-961E-478A-AE76-0C0C9CBAB8B0}" sibTransId="{187174B3-6BE4-455D-830F-E65A9E5EEE56}"/>
+    <dgm:cxn modelId="{6FDDDA9F-5D79-445E-A53D-D157FBDDEB5E}" type="presOf" srcId="{04ACDEC6-2E1D-4577-928B-576B340FC494}" destId="{9DECB2EC-2C8B-4110-B77C-FB1ECD23E418}" srcOrd="0" destOrd="0" presId="urn:microsoft.com/office/officeart/2005/8/layout/list1"/>
+    <dgm:cxn modelId="{30AC3AA7-737A-49E5-9853-D52EC6D28181}" srcId="{3FA26E6B-82DA-40C4-A8E6-AA2B12D98E4A}" destId="{0023FA54-F2AC-4BFE-B02B-B1217E5FCEAA}" srcOrd="0" destOrd="0" parTransId="{41D778EF-1BDE-4FC4-83CD-876F05A10D7B}" sibTransId="{711021D9-943E-4836-A55D-2CB1066B3902}"/>
+    <dgm:cxn modelId="{A88407B3-54C8-4CE8-AD6F-2085052BEE27}" srcId="{04ACDEC6-2E1D-4577-928B-576B340FC494}" destId="{6BA88192-0050-4256-AEE6-72023212E61A}" srcOrd="0" destOrd="0" parTransId="{266385DB-B347-447E-B6E3-76DE7D0914E6}" sibTransId="{8A6CDE0E-26EE-48E6-8956-31AC8B3142F8}"/>
+    <dgm:cxn modelId="{73D7DFB7-866C-44DC-B3E8-34AA3EF87EB0}" type="presOf" srcId="{A1776522-ED34-4ED6-99EB-9C208605B1C4}" destId="{B8E1D9EB-D5D8-4695-9728-32EB4BC6D544}" srcOrd="0" destOrd="3" presId="urn:microsoft.com/office/officeart/2005/8/layout/list1"/>
+    <dgm:cxn modelId="{C1EAE6C3-5281-4849-8882-9B8A8493C7F2}" type="presOf" srcId="{6BA88192-0050-4256-AEE6-72023212E61A}" destId="{8F93D540-17BF-4CFF-8DF4-651B029F6C68}" srcOrd="0" destOrd="0" presId="urn:microsoft.com/office/officeart/2005/8/layout/list1"/>
+    <dgm:cxn modelId="{A17836CC-256B-41AE-A28D-43394E4C90CA}" srcId="{0023FA54-F2AC-4BFE-B02B-B1217E5FCEAA}" destId="{A4C8FED9-B51A-4D05-971A-DB5EE6202D2B}" srcOrd="1" destOrd="0" parTransId="{F15BF3EE-1DF3-4E57-8F9C-0EF9C6849094}" sibTransId="{E59F7994-BB5D-4AC9-8ADF-13B0A19B345C}"/>
+    <dgm:cxn modelId="{979C85CC-E6E9-4D2F-B328-0327A1EF5787}" srcId="{3FA26E6B-82DA-40C4-A8E6-AA2B12D98E4A}" destId="{04ACDEC6-2E1D-4577-928B-576B340FC494}" srcOrd="1" destOrd="0" parTransId="{8053C4A1-93CC-43F1-8257-18E8D6138CFB}" sibTransId="{18AFCEF4-BA22-4EEC-AC6A-C0C7DE747164}"/>
+    <dgm:cxn modelId="{C47F9AE0-C435-49FE-8A26-ABC240751BA0}" srcId="{0023FA54-F2AC-4BFE-B02B-B1217E5FCEAA}" destId="{A1776522-ED34-4ED6-99EB-9C208605B1C4}" srcOrd="3" destOrd="0" parTransId="{79C8827C-453F-4086-8082-5265F93C93F8}" sibTransId="{21C2503C-A8BD-4CCC-BF02-FCECDF744E48}"/>
+    <dgm:cxn modelId="{CC7CD5F5-FD34-4D07-B26A-E5BE02E2E715}" type="presOf" srcId="{3FA26E6B-82DA-40C4-A8E6-AA2B12D98E4A}" destId="{09D7F407-6AE8-4677-BA93-C910620CD7D4}" srcOrd="0" destOrd="0" presId="urn:microsoft.com/office/officeart/2005/8/layout/list1"/>
+    <dgm:cxn modelId="{3C85FD8A-F836-46D8-849C-9C2B11E7E0AA}" type="presParOf" srcId="{09D7F407-6AE8-4677-BA93-C910620CD7D4}" destId="{2672DA21-74B2-4AE1-8ECA-569727381DD2}" srcOrd="0" destOrd="0" presId="urn:microsoft.com/office/officeart/2005/8/layout/list1"/>
+    <dgm:cxn modelId="{E8BE6A59-0631-46BD-A300-0ECDAC373C91}" type="presParOf" srcId="{2672DA21-74B2-4AE1-8ECA-569727381DD2}" destId="{D7198750-89F1-4C9E-9E92-1736DECA1699}" srcOrd="0" destOrd="0" presId="urn:microsoft.com/office/officeart/2005/8/layout/list1"/>
+    <dgm:cxn modelId="{34EE4E91-CFA9-499C-BC05-B3A85C9285B5}" type="presParOf" srcId="{2672DA21-74B2-4AE1-8ECA-569727381DD2}" destId="{74007E0E-CDA0-483E-B492-EBB9085A590A}" srcOrd="1" destOrd="0" presId="urn:microsoft.com/office/officeart/2005/8/layout/list1"/>
+    <dgm:cxn modelId="{D36D00C1-7EF3-4F84-B9D2-CF90EB8636BD}" type="presParOf" srcId="{09D7F407-6AE8-4677-BA93-C910620CD7D4}" destId="{736E17B6-95E4-4727-A464-D14E9BEF7336}" srcOrd="1" destOrd="0" presId="urn:microsoft.com/office/officeart/2005/8/layout/list1"/>
+    <dgm:cxn modelId="{0C5AB7A6-EA81-45F5-A03D-17E195ECD072}" type="presParOf" srcId="{09D7F407-6AE8-4677-BA93-C910620CD7D4}" destId="{B8E1D9EB-D5D8-4695-9728-32EB4BC6D544}" srcOrd="2" destOrd="0" presId="urn:microsoft.com/office/officeart/2005/8/layout/list1"/>
+    <dgm:cxn modelId="{25ACC550-09C9-457F-9CB9-E4CF8C4387D3}" type="presParOf" srcId="{09D7F407-6AE8-4677-BA93-C910620CD7D4}" destId="{B3A44ABB-E630-4FAB-87FA-B6190C0693DB}" srcOrd="3" destOrd="0" presId="urn:microsoft.com/office/officeart/2005/8/layout/list1"/>
+    <dgm:cxn modelId="{3394C1A4-F1E5-48DB-A7A7-2F7CD9A1033D}" type="presParOf" srcId="{09D7F407-6AE8-4677-BA93-C910620CD7D4}" destId="{D8156019-B035-44C4-88FA-D1EF46840EC7}" srcOrd="4" destOrd="0" presId="urn:microsoft.com/office/officeart/2005/8/layout/list1"/>
+    <dgm:cxn modelId="{7E5B4B96-C51C-43CE-B6B6-BE810B5408EA}" type="presParOf" srcId="{D8156019-B035-44C4-88FA-D1EF46840EC7}" destId="{9DECB2EC-2C8B-4110-B77C-FB1ECD23E418}" srcOrd="0" destOrd="0" presId="urn:microsoft.com/office/officeart/2005/8/layout/list1"/>
+    <dgm:cxn modelId="{626ADDA2-1170-445F-AE2D-DD2325DAD3A5}" type="presParOf" srcId="{D8156019-B035-44C4-88FA-D1EF46840EC7}" destId="{507BE923-2EE1-4ED5-ACDB-A9495EFC0269}" srcOrd="1" destOrd="0" presId="urn:microsoft.com/office/officeart/2005/8/layout/list1"/>
+    <dgm:cxn modelId="{EBB8B345-8BFA-4240-B223-0ABE54C034A6}" type="presParOf" srcId="{09D7F407-6AE8-4677-BA93-C910620CD7D4}" destId="{856F7F91-A981-44CD-802E-31B00CA2BA14}" srcOrd="5" destOrd="0" presId="urn:microsoft.com/office/officeart/2005/8/layout/list1"/>
+    <dgm:cxn modelId="{C2F0404E-DBAE-4F52-B7ED-2412120233BB}" type="presParOf" srcId="{09D7F407-6AE8-4677-BA93-C910620CD7D4}" destId="{8F93D540-17BF-4CFF-8DF4-651B029F6C68}" srcOrd="6" destOrd="0" presId="urn:microsoft.com/office/officeart/2005/8/layout/list1"/>
+  </dgm:cxnLst>
+  <dgm:bg/>
+  <dgm:whole/>
+  <dgm:extLst>
+    <a:ext uri="http://schemas.microsoft.com/office/drawing/2008/diagram">
+      <dsp:dataModelExt xmlns:dsp="http://schemas.microsoft.com/office/drawing/2008/diagram" relId="rId6" minVer="http://schemas.openxmlformats.org/drawingml/2006/diagram"/>
+    </a:ext>
+  </dgm:extLst>
+</dgm:dataModel>
+</file>
+
+<file path=ppt/diagrams/drawing1.xml><?xml version="1.0" encoding="utf-8"?>
+<dsp:drawing xmlns:dgm="http://schemas.openxmlformats.org/drawingml/2006/diagram" xmlns:dsp="http://schemas.microsoft.com/office/drawing/2008/diagram" xmlns:a="http://schemas.openxmlformats.org/drawingml/2006/main">
+  <dsp:spTree>
+    <dsp:nvGrpSpPr>
+      <dsp:cNvPr id="0" name=""/>
+      <dsp:cNvGrpSpPr/>
+    </dsp:nvGrpSpPr>
+    <dsp:grpSpPr/>
+    <dsp:sp modelId="{B8E1D9EB-D5D8-4695-9728-32EB4BC6D544}">
+      <dsp:nvSpPr>
+        <dsp:cNvPr id="0" name=""/>
+        <dsp:cNvSpPr/>
+      </dsp:nvSpPr>
+      <dsp:spPr>
+        <a:xfrm>
+          <a:off x="0" y="367349"/>
+          <a:ext cx="5676900" cy="3150000"/>
+        </a:xfrm>
+        <a:prstGeom prst="rect">
+          <a:avLst/>
+        </a:prstGeom>
+        <a:solidFill>
+          <a:schemeClr val="lt1">
+            <a:alpha val="90000"/>
+            <a:hueOff val="0"/>
+            <a:satOff val="0"/>
+            <a:lumOff val="0"/>
+            <a:alphaOff val="0"/>
+          </a:schemeClr>
+        </a:solidFill>
+        <a:ln w="12700" cap="flat" cmpd="sng" algn="ctr">
+          <a:solidFill>
+            <a:schemeClr val="accent2">
+              <a:hueOff val="0"/>
+              <a:satOff val="0"/>
+              <a:lumOff val="0"/>
+              <a:alphaOff val="0"/>
+            </a:schemeClr>
+          </a:solidFill>
+          <a:prstDash val="solid"/>
+          <a:miter lim="800000"/>
+        </a:ln>
+        <a:effectLst/>
+      </dsp:spPr>
+      <dsp:style>
+        <a:lnRef idx="2">
+          <a:scrgbClr r="0" g="0" b="0"/>
+        </a:lnRef>
+        <a:fillRef idx="1">
+          <a:scrgbClr r="0" g="0" b="0"/>
+        </a:fillRef>
+        <a:effectRef idx="0">
+          <a:scrgbClr r="0" g="0" b="0"/>
+        </a:effectRef>
+        <a:fontRef idx="minor"/>
+      </dsp:style>
+      <dsp:txBody>
+        <a:bodyPr spcFirstLastPara="0" vert="horz" wrap="square" lIns="440591" tIns="416560" rIns="440591" bIns="142240" numCol="1" spcCol="1270" anchor="t" anchorCtr="0">
+          <a:noAutofit/>
+        </a:bodyPr>
+        <a:lstStyle/>
+        <a:p>
+          <a:pPr marL="228600" lvl="1" indent="-228600" algn="l" defTabSz="889000">
+            <a:lnSpc>
+              <a:spcPct val="90000"/>
+            </a:lnSpc>
+            <a:spcBef>
+              <a:spcPct val="0"/>
+            </a:spcBef>
+            <a:spcAft>
+              <a:spcPct val="15000"/>
+            </a:spcAft>
+            <a:buChar char="•"/>
+          </a:pPr>
+          <a:r>
+            <a:rPr lang="en-US" sz="2000" kern="1200"/>
+            <a:t>r/politics and r/news: two largest general political subreddits</a:t>
+          </a:r>
+        </a:p>
+        <a:p>
+          <a:pPr marL="228600" lvl="1" indent="-228600" algn="l" defTabSz="889000">
+            <a:lnSpc>
+              <a:spcPct val="90000"/>
+            </a:lnSpc>
+            <a:spcBef>
+              <a:spcPct val="0"/>
+            </a:spcBef>
+            <a:spcAft>
+              <a:spcPct val="15000"/>
+            </a:spcAft>
+            <a:buChar char="•"/>
+          </a:pPr>
+          <a:r>
+            <a:rPr lang="en-US" sz="2000" kern="1200"/>
+            <a:t>r/Conservative and r/Libertarian: two largest right-leaning subreddits</a:t>
+          </a:r>
+        </a:p>
+        <a:p>
+          <a:pPr marL="228600" lvl="1" indent="-228600" algn="l" defTabSz="889000">
+            <a:lnSpc>
+              <a:spcPct val="90000"/>
+            </a:lnSpc>
+            <a:spcBef>
+              <a:spcPct val="0"/>
+            </a:spcBef>
+            <a:spcAft>
+              <a:spcPct val="15000"/>
+            </a:spcAft>
+            <a:buChar char="•"/>
+          </a:pPr>
+          <a:r>
+            <a:rPr lang="en-US" sz="2000" kern="1200" dirty="0"/>
+            <a:t>r/democrats and r/Liberal: two largest left-leaning subreddits</a:t>
+          </a:r>
+        </a:p>
+        <a:p>
+          <a:pPr marL="228600" lvl="1" indent="-228600" algn="l" defTabSz="889000">
+            <a:lnSpc>
+              <a:spcPct val="90000"/>
+            </a:lnSpc>
+            <a:spcBef>
+              <a:spcPct val="0"/>
+            </a:spcBef>
+            <a:spcAft>
+              <a:spcPct val="15000"/>
+            </a:spcAft>
+            <a:buChar char="•"/>
+          </a:pPr>
+          <a:r>
+            <a:rPr lang="en-US" sz="2000" kern="1200" dirty="0"/>
+            <a:t>500k+ comments from about 134k authors</a:t>
+          </a:r>
+        </a:p>
+        <a:p>
+          <a:pPr marL="228600" lvl="1" indent="-228600" algn="l" defTabSz="889000">
+            <a:lnSpc>
+              <a:spcPct val="90000"/>
+            </a:lnSpc>
+            <a:spcBef>
+              <a:spcPct val="0"/>
+            </a:spcBef>
+            <a:spcAft>
+              <a:spcPct val="15000"/>
+            </a:spcAft>
+            <a:buChar char="•"/>
+          </a:pPr>
+          <a:r>
+            <a:rPr lang="en-US" sz="2000" kern="1200" dirty="0"/>
+            <a:t>Sentiment analysis using </a:t>
+          </a:r>
+          <a:r>
+            <a:rPr lang="en-US" sz="2000" kern="1200" dirty="0" err="1"/>
+            <a:t>TextBlob</a:t>
+          </a:r>
+          <a:endParaRPr lang="en-US" sz="2000" kern="1200" dirty="0"/>
+        </a:p>
+      </dsp:txBody>
+      <dsp:txXfrm>
+        <a:off x="0" y="367349"/>
+        <a:ext cx="5676900" cy="3150000"/>
+      </dsp:txXfrm>
+    </dsp:sp>
+    <dsp:sp modelId="{74007E0E-CDA0-483E-B492-EBB9085A590A}">
+      <dsp:nvSpPr>
+        <dsp:cNvPr id="0" name=""/>
+        <dsp:cNvSpPr/>
+      </dsp:nvSpPr>
+      <dsp:spPr>
+        <a:xfrm>
+          <a:off x="283845" y="72149"/>
+          <a:ext cx="3973830" cy="590400"/>
+        </a:xfrm>
+        <a:prstGeom prst="roundRect">
+          <a:avLst/>
+        </a:prstGeom>
+        <a:solidFill>
+          <a:schemeClr val="accent2">
+            <a:hueOff val="0"/>
+            <a:satOff val="0"/>
+            <a:lumOff val="0"/>
+            <a:alphaOff val="0"/>
+          </a:schemeClr>
+        </a:solidFill>
+        <a:ln w="12700" cap="flat" cmpd="sng" algn="ctr">
+          <a:solidFill>
+            <a:schemeClr val="lt1">
+              <a:hueOff val="0"/>
+              <a:satOff val="0"/>
+              <a:lumOff val="0"/>
+              <a:alphaOff val="0"/>
+            </a:schemeClr>
+          </a:solidFill>
+          <a:prstDash val="solid"/>
+          <a:miter lim="800000"/>
+        </a:ln>
+        <a:effectLst/>
+      </dsp:spPr>
+      <dsp:style>
+        <a:lnRef idx="2">
+          <a:scrgbClr r="0" g="0" b="0"/>
+        </a:lnRef>
+        <a:fillRef idx="1">
+          <a:scrgbClr r="0" g="0" b="0"/>
+        </a:fillRef>
+        <a:effectRef idx="0">
+          <a:scrgbClr r="0" g="0" b="0"/>
+        </a:effectRef>
+        <a:fontRef idx="minor">
+          <a:schemeClr val="lt1"/>
+        </a:fontRef>
+      </dsp:style>
+      <dsp:txBody>
+        <a:bodyPr spcFirstLastPara="0" vert="horz" wrap="square" lIns="150201" tIns="0" rIns="150201" bIns="0" numCol="1" spcCol="1270" anchor="ctr" anchorCtr="0">
+          <a:noAutofit/>
+        </a:bodyPr>
+        <a:lstStyle/>
+        <a:p>
+          <a:pPr marL="0" lvl="0" indent="0" algn="l" defTabSz="889000">
+            <a:lnSpc>
+              <a:spcPct val="90000"/>
+            </a:lnSpc>
+            <a:spcBef>
+              <a:spcPct val="0"/>
+            </a:spcBef>
+            <a:spcAft>
+              <a:spcPct val="35000"/>
+            </a:spcAft>
+            <a:buNone/>
+          </a:pPr>
+          <a:r>
+            <a:rPr lang="en-US" sz="2000" kern="1200"/>
+            <a:t>Reddit:</a:t>
+          </a:r>
+        </a:p>
+      </dsp:txBody>
+      <dsp:txXfrm>
+        <a:off x="312666" y="100970"/>
+        <a:ext cx="3916188" cy="532758"/>
+      </dsp:txXfrm>
+    </dsp:sp>
+    <dsp:sp modelId="{8F93D540-17BF-4CFF-8DF4-651B029F6C68}">
+      <dsp:nvSpPr>
+        <dsp:cNvPr id="0" name=""/>
+        <dsp:cNvSpPr/>
+      </dsp:nvSpPr>
+      <dsp:spPr>
+        <a:xfrm>
+          <a:off x="0" y="3920550"/>
+          <a:ext cx="5676900" cy="1417500"/>
+        </a:xfrm>
+        <a:prstGeom prst="rect">
+          <a:avLst/>
+        </a:prstGeom>
+        <a:solidFill>
+          <a:schemeClr val="lt1">
+            <a:alpha val="90000"/>
+            <a:hueOff val="0"/>
+            <a:satOff val="0"/>
+            <a:lumOff val="0"/>
+            <a:alphaOff val="0"/>
+          </a:schemeClr>
+        </a:solidFill>
+        <a:ln w="12700" cap="flat" cmpd="sng" algn="ctr">
+          <a:solidFill>
+            <a:schemeClr val="accent2">
+              <a:hueOff val="-1494955"/>
+              <a:satOff val="-418"/>
+              <a:lumOff val="7058"/>
+              <a:alphaOff val="0"/>
+            </a:schemeClr>
+          </a:solidFill>
+          <a:prstDash val="solid"/>
+          <a:miter lim="800000"/>
+        </a:ln>
+        <a:effectLst/>
+      </dsp:spPr>
+      <dsp:style>
+        <a:lnRef idx="2">
+          <a:scrgbClr r="0" g="0" b="0"/>
+        </a:lnRef>
+        <a:fillRef idx="1">
+          <a:scrgbClr r="0" g="0" b="0"/>
+        </a:fillRef>
+        <a:effectRef idx="0">
+          <a:scrgbClr r="0" g="0" b="0"/>
+        </a:effectRef>
+        <a:fontRef idx="minor"/>
+      </dsp:style>
+      <dsp:txBody>
+        <a:bodyPr spcFirstLastPara="0" vert="horz" wrap="square" lIns="440591" tIns="416560" rIns="440591" bIns="142240" numCol="1" spcCol="1270" anchor="t" anchorCtr="0">
+          <a:noAutofit/>
+        </a:bodyPr>
+        <a:lstStyle/>
+        <a:p>
+          <a:pPr marL="228600" lvl="1" indent="-228600" algn="l" defTabSz="889000">
+            <a:lnSpc>
+              <a:spcPct val="90000"/>
+            </a:lnSpc>
+            <a:spcBef>
+              <a:spcPct val="0"/>
+            </a:spcBef>
+            <a:spcAft>
+              <a:spcPct val="15000"/>
+            </a:spcAft>
+            <a:buChar char="•"/>
+          </a:pPr>
+          <a:r>
+            <a:rPr lang="en-US" sz="2000" kern="1200"/>
+            <a:t>Presidential approval data from 40+ different pollsters</a:t>
+          </a:r>
+        </a:p>
+        <a:p>
+          <a:pPr marL="228600" lvl="1" indent="-228600" algn="l" defTabSz="889000">
+            <a:lnSpc>
+              <a:spcPct val="90000"/>
+            </a:lnSpc>
+            <a:spcBef>
+              <a:spcPct val="0"/>
+            </a:spcBef>
+            <a:spcAft>
+              <a:spcPct val="15000"/>
+            </a:spcAft>
+            <a:buChar char="•"/>
+          </a:pPr>
+          <a:r>
+            <a:rPr lang="en-US" sz="2000" kern="1200"/>
+            <a:t>Date range: Jan 23 – Sept 15, 2021</a:t>
+          </a:r>
+        </a:p>
+      </dsp:txBody>
+      <dsp:txXfrm>
+        <a:off x="0" y="3920550"/>
+        <a:ext cx="5676900" cy="1417500"/>
+      </dsp:txXfrm>
+    </dsp:sp>
+    <dsp:sp modelId="{507BE923-2EE1-4ED5-ACDB-A9495EFC0269}">
+      <dsp:nvSpPr>
+        <dsp:cNvPr id="0" name=""/>
+        <dsp:cNvSpPr/>
+      </dsp:nvSpPr>
+      <dsp:spPr>
+        <a:xfrm>
+          <a:off x="283845" y="3625350"/>
+          <a:ext cx="3973830" cy="590400"/>
+        </a:xfrm>
+        <a:prstGeom prst="roundRect">
+          <a:avLst/>
+        </a:prstGeom>
+        <a:solidFill>
+          <a:schemeClr val="accent2">
+            <a:hueOff val="-1494955"/>
+            <a:satOff val="-418"/>
+            <a:lumOff val="7058"/>
+            <a:alphaOff val="0"/>
+          </a:schemeClr>
+        </a:solidFill>
+        <a:ln w="12700" cap="flat" cmpd="sng" algn="ctr">
+          <a:solidFill>
+            <a:schemeClr val="lt1">
+              <a:hueOff val="0"/>
+              <a:satOff val="0"/>
+              <a:lumOff val="0"/>
+              <a:alphaOff val="0"/>
+            </a:schemeClr>
+          </a:solidFill>
+          <a:prstDash val="solid"/>
+          <a:miter lim="800000"/>
+        </a:ln>
+        <a:effectLst/>
+      </dsp:spPr>
+      <dsp:style>
+        <a:lnRef idx="2">
+          <a:scrgbClr r="0" g="0" b="0"/>
+        </a:lnRef>
+        <a:fillRef idx="1">
+          <a:scrgbClr r="0" g="0" b="0"/>
+        </a:fillRef>
+        <a:effectRef idx="0">
+          <a:scrgbClr r="0" g="0" b="0"/>
+        </a:effectRef>
+        <a:fontRef idx="minor">
+          <a:schemeClr val="lt1"/>
+        </a:fontRef>
+      </dsp:style>
+      <dsp:txBody>
+        <a:bodyPr spcFirstLastPara="0" vert="horz" wrap="square" lIns="150201" tIns="0" rIns="150201" bIns="0" numCol="1" spcCol="1270" anchor="ctr" anchorCtr="0">
+          <a:noAutofit/>
+        </a:bodyPr>
+        <a:lstStyle/>
+        <a:p>
+          <a:pPr marL="0" lvl="0" indent="0" algn="l" defTabSz="889000">
+            <a:lnSpc>
+              <a:spcPct val="90000"/>
+            </a:lnSpc>
+            <a:spcBef>
+              <a:spcPct val="0"/>
+            </a:spcBef>
+            <a:spcAft>
+              <a:spcPct val="35000"/>
+            </a:spcAft>
+            <a:buNone/>
+          </a:pPr>
+          <a:r>
+            <a:rPr lang="en-US" sz="2000" kern="1200"/>
+            <a:t>Poll Data from FiveThirtyEight:</a:t>
+          </a:r>
+        </a:p>
+      </dsp:txBody>
+      <dsp:txXfrm>
+        <a:off x="312666" y="3654171"/>
+        <a:ext cx="3916188" cy="532758"/>
+      </dsp:txXfrm>
+    </dsp:sp>
+  </dsp:spTree>
+</dsp:drawing>
+</file>
+
+<file path=ppt/diagrams/layout1.xml><?xml version="1.0" encoding="utf-8"?>
+<dgm:layoutDef xmlns:dgm="http://schemas.openxmlformats.org/drawingml/2006/diagram" xmlns:a="http://schemas.openxmlformats.org/drawingml/2006/main" uniqueId="urn:microsoft.com/office/officeart/2005/8/layout/list1">
+  <dgm:title val=""/>
+  <dgm:desc val=""/>
+  <dgm:catLst>
+    <dgm:cat type="list" pri="4000"/>
+  </dgm:catLst>
+  <dgm:sampData>
+    <dgm:dataModel>
+      <dgm:ptLst>
+        <dgm:pt modelId="0" type="doc"/>
+        <dgm:pt modelId="1">
+          <dgm:prSet phldr="1"/>
+        </dgm:pt>
+        <dgm:pt modelId="2">
+          <dgm:prSet phldr="1"/>
+        </dgm:pt>
+        <dgm:pt modelId="3">
+          <dgm:prSet phldr="1"/>
+        </dgm:pt>
+      </dgm:ptLst>
+      <dgm:cxnLst>
+        <dgm:cxn modelId="4" srcId="0" destId="1" srcOrd="0" destOrd="0"/>
+        <dgm:cxn modelId="5" srcId="0" destId="2" srcOrd="1" destOrd="0"/>
+        <dgm:cxn modelId="6" srcId="0" destId="3" srcOrd="2" destOrd="0"/>
+      </dgm:cxnLst>
+      <dgm:bg/>
+      <dgm:whole/>
+    </dgm:dataModel>
+  </dgm:sampData>
+  <dgm:styleData>
+    <dgm:dataModel>
+      <dgm:ptLst>
+        <dgm:pt modelId="0" type="doc"/>
+        <dgm:pt modelId="1"/>
+        <dgm:pt modelId="2"/>
+      </dgm:ptLst>
+      <dgm:cxnLst>
+        <dgm:cxn modelId="4" srcId="0" destId="1" srcOrd="0" destOrd="0"/>
+        <dgm:cxn modelId="5" srcId="0" destId="2" srcOrd="1" destOrd="0"/>
+      </dgm:cxnLst>
+      <dgm:bg/>
+      <dgm:whole/>
+    </dgm:dataModel>
+  </dgm:styleData>
+  <dgm:clrData>
+    <dgm:dataModel>
+      <dgm:ptLst>
+        <dgm:pt modelId="0" type="doc"/>
+        <dgm:pt modelId="1"/>
+        <dgm:pt modelId="2"/>
+        <dgm:pt modelId="3"/>
+        <dgm:pt modelId="4"/>
+      </dgm:ptLst>
+      <dgm:cxnLst>
+        <dgm:cxn modelId="5" srcId="0" destId="1" srcOrd="0" destOrd="0"/>
+        <dgm:cxn modelId="6" srcId="0" destId="2" srcOrd="1" destOrd="0"/>
+        <dgm:cxn modelId="7" srcId="0" destId="3" srcOrd="2" destOrd="0"/>
+        <dgm:cxn modelId="8" srcId="0" destId="4" srcOrd="3" destOrd="0"/>
+      </dgm:cxnLst>
+      <dgm:bg/>
+      <dgm:whole/>
+    </dgm:dataModel>
+  </dgm:clrData>
+  <dgm:layoutNode name="linear">
+    <dgm:varLst>
+      <dgm:dir/>
+      <dgm:animLvl val="lvl"/>
+      <dgm:resizeHandles val="exact"/>
+    </dgm:varLst>
+    <dgm:choose name="Name0">
+      <dgm:if name="Name1" func="var" arg="dir" op="equ" val="norm">
+        <dgm:alg type="lin">
+          <dgm:param type="linDir" val="fromT"/>
+          <dgm:param type="vertAlign" val="mid"/>
+          <dgm:param type="horzAlign" val="l"/>
+          <dgm:param type="nodeHorzAlign" val="l"/>
+        </dgm:alg>
+      </dgm:if>
+      <dgm:else name="Name2">
+        <dgm:alg type="lin">
+          <dgm:param type="linDir" val="fromT"/>
+          <dgm:param type="vertAlign" val="mid"/>
+          <dgm:param type="horzAlign" val="r"/>
+          <dgm:param type="nodeHorzAlign" val="r"/>
+        </dgm:alg>
+      </dgm:else>
+    </dgm:choose>
+    <dgm:shape xmlns:r="http://schemas.openxmlformats.org/officeDocument/2006/relationships" r:blip="">
+      <dgm:adjLst/>
+    </dgm:shape>
+    <dgm:presOf/>
+    <dgm:constrLst>
+      <dgm:constr type="w" for="ch" forName="parentLin" refType="w"/>
+      <dgm:constr type="h" for="ch" forName="parentLin" val="INF"/>
+      <dgm:constr type="w" for="des" forName="parentLeftMargin" refType="w" fact="0.05"/>
+      <dgm:constr type="w" for="des" forName="parentText" refType="w" fact="0.7"/>
+      <dgm:constr type="h" for="des" forName="parentText" refType="primFontSz" refFor="des" refForName="parentText" fact="0.82"/>
+      <dgm:constr type="h" for="ch" forName="negativeSpace" refType="primFontSz" refFor="des" refForName="parentText" fact="-0.41"/>
+      <dgm:constr type="h" for="ch" forName="negativeSpace" refType="h" refFor="des" refForName="parentText" op="lte" fact="-0.82"/>
+      <dgm:constr type="h" for="ch" forName="negativeSpace" refType="h" refFor="des" refForName="parentText" op="gte" fact="-0.82"/>
+      <dgm:constr type="w" for="ch" forName="childText" refType="w"/>
+      <dgm:constr type="h" for="ch" forName="childText" refType="primFontSz" refFor="des" refForName="parentText" fact="0.7"/>
+      <dgm:constr type="primFontSz" for="des" forName="parentText" val="65"/>
+      <dgm:constr type="primFontSz" for="ch" forName="childText" refType="primFontSz" refFor="des" refForName="parentText"/>
+      <dgm:constr type="tMarg" for="ch" forName="childText" refType="primFontSz" refFor="des" refForName="parentText" fact="1.64"/>
+      <dgm:constr type="tMarg" for="ch" forName="childText" refType="h" refFor="des" refForName="parentText" op="lte" fact="3.28"/>
+      <dgm:constr type="tMarg" for="ch" forName="childText" refType="h" refFor="des" refForName="parentText" op="gte" fact="3.28"/>
+      <dgm:constr type="lMarg" for="ch" forName="childText" refType="w" fact="0.22"/>
+      <dgm:constr type="rMarg" for="ch" forName="childText" refType="lMarg" refFor="ch" refForName="childText"/>
+      <dgm:constr type="lMarg" for="des" forName="parentText" refType="w" fact="0.075"/>
+      <dgm:constr type="rMarg" for="des" forName="parentText" refType="lMarg" refFor="des" refForName="parentText"/>
+      <dgm:constr type="h" for="ch" forName="spaceBetweenRectangles" refType="primFontSz" refFor="des" refForName="parentText" fact="0.15"/>
+    </dgm:constrLst>
+    <dgm:ruleLst>
+      <dgm:rule type="primFontSz" for="des" forName="parentText" val="5" fact="NaN" max="NaN"/>
+    </dgm:ruleLst>
+    <dgm:forEach name="Name3" axis="ch" ptType="node">
+      <dgm:layoutNode name="parentLin">
+        <dgm:choose name="Name4">
+          <dgm:if name="Name5" func="var" arg="dir" op="equ" val="norm">
+            <dgm:alg type="lin">
+              <dgm:param type="linDir" val="fromL"/>
+              <dgm:param type="horzAlign" val="l"/>
+              <dgm:param type="nodeHorzAlign" val="l"/>
+            </dgm:alg>
+          </dgm:if>
+          <dgm:else name="Name6">
+            <dgm:alg type="lin">
+              <dgm:param type="linDir" val="fromR"/>
+              <dgm:param type="horzAlign" val="r"/>
+              <dgm:param type="nodeHorzAlign" val="r"/>
+            </dgm:alg>
+          </dgm:else>
+        </dgm:choose>
+        <dgm:shape xmlns:r="http://schemas.openxmlformats.org/officeDocument/2006/relationships" r:blip="">
+          <dgm:adjLst/>
+        </dgm:shape>
+        <dgm:presOf/>
+        <dgm:constrLst/>
+        <dgm:ruleLst/>
+        <dgm:layoutNode name="parentLeftMargin">
+          <dgm:alg type="sp"/>
+          <dgm:shape xmlns:r="http://schemas.openxmlformats.org/officeDocument/2006/relationships" type="rect" r:blip="" hideGeom="1">
+            <dgm:adjLst/>
+          </dgm:shape>
+          <dgm:presOf axis="self"/>
+          <dgm:constrLst>
+            <dgm:constr type="h"/>
+          </dgm:constrLst>
+          <dgm:ruleLst/>
+        </dgm:layoutNode>
+        <dgm:layoutNode name="parentText" styleLbl="node1">
+          <dgm:varLst>
+            <dgm:chMax val="0"/>
+            <dgm:bulletEnabled val="1"/>
+          </dgm:varLst>
+          <dgm:choose name="Name7">
+            <dgm:if name="Name8" func="var" arg="dir" op="equ" val="norm">
+              <dgm:alg type="tx">
+                <dgm:param type="parTxLTRAlign" val="l"/>
+                <dgm:param type="parTxRTLAlign" val="l"/>
+              </dgm:alg>
+            </dgm:if>
+            <dgm:else name="Name9">
+              <dgm:alg type="tx">
+                <dgm:param type="parTxLTRAlign" val="r"/>
+                <dgm:param type="parTxRTLAlign" val="r"/>
+              </dgm:alg>
+            </dgm:else>
+          </dgm:choose>
+          <dgm:shape xmlns:r="http://schemas.openxmlformats.org/officeDocument/2006/relationships" type="roundRect" r:blip="">
+            <dgm:adjLst/>
+          </dgm:shape>
+          <dgm:presOf axis="self" ptType="node"/>
+          <dgm:constrLst>
+            <dgm:constr type="tMarg"/>
+            <dgm:constr type="bMarg"/>
+          </dgm:constrLst>
+          <dgm:ruleLst/>
+        </dgm:layoutNode>
+      </dgm:layoutNode>
+      <dgm:layoutNode name="negativeSpace">
+        <dgm:alg type="sp"/>
+        <dgm:shape xmlns:r="http://schemas.openxmlformats.org/officeDocument/2006/relationships" r:blip="">
+          <dgm:adjLst/>
+        </dgm:shape>
+        <dgm:presOf/>
+        <dgm:constrLst/>
+        <dgm:ruleLst/>
+      </dgm:layoutNode>
+      <dgm:layoutNode name="childText" styleLbl="conFgAcc1">
+        <dgm:varLst>
+          <dgm:bulletEnabled val="1"/>
+        </dgm:varLst>
+        <dgm:alg type="tx">
+          <dgm:param type="stBulletLvl" val="1"/>
+        </dgm:alg>
+        <dgm:shape xmlns:r="http://schemas.openxmlformats.org/officeDocument/2006/relationships" type="rect" r:blip="" zOrderOff="-2">
+          <dgm:adjLst/>
+        </dgm:shape>
+        <dgm:presOf axis="des" ptType="node"/>
+        <dgm:constrLst>
+          <dgm:constr type="secFontSz" refType="primFontSz"/>
+        </dgm:constrLst>
+        <dgm:ruleLst>
+          <dgm:rule type="h" val="INF" fact="NaN" max="NaN"/>
+        </dgm:ruleLst>
+      </dgm:layoutNode>
+      <dgm:forEach name="Name10" axis="followSib" ptType="sibTrans" cnt="1">
+        <dgm:layoutNode name="spaceBetweenRectangles">
+          <dgm:alg type="sp"/>
+          <dgm:shape xmlns:r="http://schemas.openxmlformats.org/officeDocument/2006/relationships" r:blip="">
+            <dgm:adjLst/>
+          </dgm:shape>
+          <dgm:presOf/>
+          <dgm:constrLst/>
+          <dgm:ruleLst/>
+        </dgm:layoutNode>
+      </dgm:forEach>
+    </dgm:forEach>
+  </dgm:layoutNode>
+</dgm:layoutDef>
+</file>
+
+<file path=ppt/diagrams/quickStyle1.xml><?xml version="1.0" encoding="utf-8"?>
+<dgm:styleDef xmlns:dgm="http://schemas.openxmlformats.org/drawingml/2006/diagram" xmlns:a="http://schemas.openxmlformats.org/drawingml/2006/main" uniqueId="urn:microsoft.com/office/officeart/2005/8/quickstyle/simple1">
+  <dgm:title val=""/>
+  <dgm:desc val=""/>
+  <dgm:catLst>
+    <dgm:cat type="simple" pri="10100"/>
+  </dgm:catLst>
+  <dgm:scene3d>
+    <a:camera prst="orthographicFront"/>
+    <a:lightRig rig="threePt" dir="t"/>
+  </dgm:scene3d>
+  <dgm:styleLbl name="node0">
+    <dgm:scene3d>
+      <a:camera prst="orthographicFront"/>
+      <a:lightRig rig="threePt" dir="t"/>
+    </dgm:scene3d>
+    <dgm:sp3d/>
+    <dgm:txPr/>
+    <dgm:style>
+      <a:lnRef idx="2">
+        <a:scrgbClr r="0" g="0" b="0"/>
+      </a:lnRef>
+      <a:fillRef idx="1">
+        <a:scrgbClr r="0" g="0" b="0"/>
+      </a:fillRef>
+      <a:effectRef idx="0">
+        <a:scrgbClr r="0" g="0" b="0"/>
+      </a:effectRef>
+      <a:fontRef idx="minor">
+        <a:schemeClr val="lt1"/>
+      </a:fontRef>
+    </dgm:style>
+  </dgm:styleLbl>
+  <dgm:styleLbl name="lnNode1">
+    <dgm:scene3d>
+      <a:camera prst="orthographicFront"/>
+      <a:lightRig rig="threePt" dir="t"/>
+    </dgm:scene3d>
+    <dgm:sp3d/>
+    <dgm:txPr/>
+    <dgm:style>
+      <a:lnRef idx="2">
+        <a:scrgbClr r="0" g="0" b="0"/>
+      </a:lnRef>
+      <a:fillRef idx="1">
+        <a:scrgbClr r="0" g="0" b="0"/>
+      </a:fillRef>
+      <a:effectRef idx="0">
+        <a:scrgbClr r="0" g="0" b="0"/>
+      </a:effectRef>
+      <a:fontRef idx="minor">
+        <a:schemeClr val="lt1"/>
+      </a:fontRef>
+    </dgm:style>
+  </dgm:styleLbl>
+  <dgm:styleLbl name="vennNode1">
+    <dgm:scene3d>
+      <a:camera prst="orthographicFront"/>
+      <a:lightRig rig="threePt" dir="t"/>
+    </dgm:scene3d>
+    <dgm:sp3d/>
+    <dgm:txPr/>
+    <dgm:style>
+      <a:lnRef idx="2">
+        <a:scrgbClr r="0" g="0" b="0"/>
+      </a:lnRef>
+      <a:fillRef idx="1">
+        <a:scrgbClr r="0" g="0" b="0"/>
+      </a:fillRef>
+      <a:effectRef idx="0">
+        <a:scrgbClr r="0" g="0" b="0"/>
+      </a:effectRef>
+      <a:fontRef idx="minor">
+        <a:schemeClr val="tx1"/>
+      </a:fontRef>
+    </dgm:style>
+  </dgm:styleLbl>
+  <dgm:styleLbl name="alignNode1">
+    <dgm:scene3d>
+      <a:camera prst="orthographicFront"/>
+      <a:lightRig rig="threePt" dir="t"/>
+    </dgm:scene3d>
+    <dgm:sp3d/>
+    <dgm:txPr/>
+    <dgm:style>
+      <a:lnRef idx="2">
+        <a:scrgbClr r="0" g="0" b="0"/>
+      </a:lnRef>
+      <a:fillRef idx="1">
+        <a:scrgbClr r="0" g="0" b="0"/>
+      </a:fillRef>
+      <a:effectRef idx="0">
+        <a:scrgbClr r="0" g="0" b="0"/>
+      </a:effectRef>
+      <a:fontRef idx="minor">
+        <a:schemeClr val="lt1"/>
+      </a:fontRef>
+    </dgm:style>
+  </dgm:styleLbl>
+  <dgm:styleLbl name="node1">
+    <dgm:scene3d>
+      <a:camera prst="orthographicFront"/>
+      <a:lightRig rig="threePt" dir="t"/>
+    </dgm:scene3d>
+    <dgm:sp3d/>
+    <dgm:txPr/>
+    <dgm:style>
+      <a:lnRef idx="2">
+        <a:scrgbClr r="0" g="0" b="0"/>
+      </a:lnRef>
+      <a:fillRef idx="1">
+        <a:scrgbClr r="0" g="0" b="0"/>
+      </a:fillRef>
+      <a:effectRef idx="0">
+        <a:scrgbClr r="0" g="0" b="0"/>
+      </a:effectRef>
+      <a:fontRef idx="minor">
+        <a:schemeClr val="lt1"/>
+      </a:fontRef>
+    </dgm:style>
+  </dgm:styleLbl>
+  <dgm:styleLbl name="node2">
+    <dgm:scene3d>
+      <a:camera prst="orthographicFront"/>
+      <a:lightRig rig="threePt" dir="t"/>
+    </dgm:scene3d>
+    <dgm:sp3d/>
+    <dgm:txPr/>
+    <dgm:style>
+      <a:lnRef idx="2">
+        <a:scrgbClr r="0" g="0" b="0"/>
+      </a:lnRef>
+      <a:fillRef idx="1">
+        <a:scrgbClr r="0" g="0" b="0"/>
+      </a:fillRef>
+      <a:effectRef idx="0">
+        <a:scrgbClr r="0" g="0" b="0"/>
+      </a:effectRef>
+      <a:fontRef idx="minor">
+        <a:schemeClr val="lt1"/>
+      </a:fontRef>
+    </dgm:style>
+  </dgm:styleLbl>
+  <dgm:styleLbl name="node3">
+    <dgm:scene3d>
+      <a:camera prst="orthographicFront"/>
+      <a:lightRig rig="threePt" dir="t"/>
+    </dgm:scene3d>
+    <dgm:sp3d/>
+    <dgm:txPr/>
+    <dgm:style>
+      <a:lnRef idx="2">
+        <a:scrgbClr r="0" g="0" b="0"/>
+      </a:lnRef>
+      <a:fillRef idx="1">
+        <a:scrgbClr r="0" g="0" b="0"/>
+      </a:fillRef>
+      <a:effectRef idx="0">
+        <a:scrgbClr r="0" g="0" b="0"/>
+      </a:effectRef>
+      <a:fontRef idx="minor">
+        <a:schemeClr val="lt1"/>
+      </a:fontRef>
+    </dgm:style>
+  </dgm:styleLbl>
+  <dgm:styleLbl name="node4">
+    <dgm:scene3d>
+      <a:camera prst="orthographicFront"/>
+      <a:lightRig rig="threePt" dir="t"/>
+    </dgm:scene3d>
+    <dgm:sp3d/>
+    <dgm:txPr/>
+    <dgm:style>
+      <a:lnRef idx="2">
+        <a:scrgbClr r="0" g="0" b="0"/>
+      </a:lnRef>
+      <a:fillRef idx="1">
+        <a:scrgbClr r="0" g="0" b="0"/>
+      </a:fillRef>
+      <a:effectRef idx="0">
+        <a:scrgbClr r="0" g="0" b="0"/>
+      </a:effectRef>
+      <a:fontRef idx="minor">
+        <a:schemeClr val="lt1"/>
+      </a:fontRef>
+    </dgm:style>
+  </dgm:styleLbl>
+  <dgm:styleLbl name="fgImgPlace1">
+    <dgm:scene3d>
+      <a:camera prst="orthographicFront"/>
+      <a:lightRig rig="threePt" dir="t"/>
+    </dgm:scene3d>
+    <dgm:sp3d/>
+    <dgm:txPr/>
+    <dgm:style>
+      <a:lnRef idx="2">
+        <a:scrgbClr r="0" g="0" b="0"/>
+      </a:lnRef>
+      <a:fillRef idx="1">
+        <a:scrgbClr r="0" g="0" b="0"/>
+      </a:fillRef>
+      <a:effectRef idx="0">
+        <a:scrgbClr r="0" g="0" b="0"/>
+      </a:effectRef>
+      <a:fontRef idx="minor"/>
+    </dgm:style>
+  </dgm:styleLbl>
+  <dgm:styleLbl name="alignImgPlace1">
+    <dgm:scene3d>
+      <a:camera prst="orthographicFront"/>
+      <a:lightRig rig="threePt" dir="t"/>
+    </dgm:scene3d>
+    <dgm:sp3d/>
+    <dgm:txPr/>
+    <dgm:style>
+      <a:lnRef idx="2">
+        <a:scrgbClr r="0" g="0" b="0"/>
+      </a:lnRef>
+      <a:fillRef idx="1">
+        <a:scrgbClr r="0" g="0" b="0"/>
+      </a:fillRef>
+      <a:effectRef idx="0">
+        <a:scrgbClr r="0" g="0" b="0"/>
+      </a:effectRef>
+      <a:fontRef idx="minor"/>
+    </dgm:style>
+  </dgm:styleLbl>
+  <dgm:styleLbl name="bgImgPlace1">
+    <dgm:scene3d>
+      <a:camera prst="orthographicFront"/>
+      <a:lightRig rig="threePt" dir="t"/>
+    </dgm:scene3d>
+    <dgm:sp3d/>
+    <dgm:txPr/>
+    <dgm:style>
+      <a:lnRef idx="2">
+        <a:scrgbClr r="0" g="0" b="0"/>
+      </a:lnRef>
+      <a:fillRef idx="1">
+        <a:scrgbClr r="0" g="0" b="0"/>
+      </a:fillRef>
+      <a:effectRef idx="0">
+        <a:scrgbClr r="0" g="0" b="0"/>
+      </a:effectRef>
+      <a:fontRef idx="minor"/>
+    </dgm:style>
+  </dgm:styleLbl>
+  <dgm:styleLbl name="sibTrans2D1">
+    <dgm:scene3d>
+      <a:camera prst="orthographicFront"/>
+      <a:lightRig rig="threePt" dir="t"/>
+    </dgm:scene3d>
+    <dgm:sp3d/>
+    <dgm:txPr/>
+    <dgm:style>
+      <a:lnRef idx="0">
+        <a:scrgbClr r="0" g="0" b="0"/>
+      </a:lnRef>
+      <a:fillRef idx="1">
+        <a:scrgbClr r="0" g="0" b="0"/>
+      </a:fillRef>
+      <a:effectRef idx="0">
+        <a:scrgbClr r="0" g="0" b="0"/>
+      </a:effectRef>
+      <a:fontRef idx="minor">
+        <a:schemeClr val="lt1"/>
+      </a:fontRef>
+    </dgm:style>
+  </dgm:styleLbl>
+  <dgm:styleLbl name="fgSibTrans2D1">
+    <dgm:scene3d>
+      <a:camera prst="orthographicFront"/>
+      <a:lightRig rig="threePt" dir="t"/>
+    </dgm:scene3d>
+    <dgm:sp3d/>
+    <dgm:txPr/>
+    <dgm:style>
+      <a:lnRef idx="0">
+        <a:scrgbClr r="0" g="0" b="0"/>
+      </a:lnRef>
+      <a:fillRef idx="1">
+        <a:scrgbClr r="0" g="0" b="0"/>
+      </a:fillRef>
+      <a:effectRef idx="0">
+        <a:scrgbClr r="0" g="0" b="0"/>
+      </a:effectRef>
+      <a:fontRef idx="minor">
+        <a:schemeClr val="lt1"/>
+      </a:fontRef>
+    </dgm:style>
+  </dgm:styleLbl>
+  <dgm:styleLbl name="bgSibTrans2D1">
+    <dgm:scene3d>
+      <a:camera prst="orthographicFront"/>
+      <a:lightRig rig="threePt" dir="t"/>
+    </dgm:scene3d>
+    <dgm:sp3d/>
+    <dgm:txPr/>
+    <dgm:style>
+      <a:lnRef idx="0">
+        <a:scrgbClr r="0" g="0" b="0"/>
+      </a:lnRef>
+      <a:fillRef idx="1">
+        <a:scrgbClr r="0" g="0" b="0"/>
+      </a:fillRef>
+      <a:effectRef idx="0">
+        <a:scrgbClr r="0" g="0" b="0"/>
+      </a:effectRef>
+      <a:fontRef idx="minor">
+        <a:schemeClr val="lt1"/>
+      </a:fontRef>
+    </dgm:style>
+  </dgm:styleLbl>
+  <dgm:styleLbl name="sibTrans1D1">
+    <dgm:scene3d>
+      <a:camera prst="orthographicFront"/>
+      <a:lightRig rig="threePt" dir="t"/>
+    </dgm:scene3d>
+    <dgm:sp3d/>
+    <dgm:txPr/>
+    <dgm:style>
+      <a:lnRef idx="1">
+        <a:scrgbClr r="0" g="0" b="0"/>
+      </a:lnRef>
+      <a:fillRef idx="0">
+        <a:scrgbClr r="0" g="0" b="0"/>
+      </a:fillRef>
+      <a:effectRef idx="0">
+        <a:scrgbClr r="0" g="0" b="0"/>
+      </a:effectRef>
+      <a:fontRef idx="minor"/>
+    </dgm:style>
+  </dgm:styleLbl>
+  <dgm:styleLbl name="callout">
+    <dgm:scene3d>
+      <a:camera prst="orthographicFront"/>
+      <a:lightRig rig="threePt" dir="t"/>
+    </dgm:scene3d>
+    <dgm:sp3d/>
+    <dgm:txPr/>
+    <dgm:style>
+      <a:lnRef idx="2">
+        <a:scrgbClr r="0" g="0" b="0"/>
+      </a:lnRef>
+      <a:fillRef idx="1">
+        <a:scrgbClr r="0" g="0" b="0"/>
+      </a:fillRef>
+      <a:effectRef idx="0">
+        <a:scrgbClr r="0" g="0" b="0"/>
+      </a:effectRef>
+      <a:fontRef idx="minor"/>
+    </dgm:style>
+  </dgm:styleLbl>
+  <dgm:styleLbl name="asst0">
+    <dgm:scene3d>
+      <a:camera prst="orthographicFront"/>
+      <a:lightRig rig="threePt" dir="t"/>
+    </dgm:scene3d>
+    <dgm:sp3d/>
+    <dgm:txPr/>
+    <dgm:style>
+      <a:lnRef idx="2">
+        <a:scrgbClr r="0" g="0" b="0"/>
+      </a:lnRef>
+      <a:fillRef idx="1">
+        <a:scrgbClr r="0" g="0" b="0"/>
+      </a:fillRef>
+      <a:effectRef idx="0">
+        <a:scrgbClr r="0" g="0" b="0"/>
+      </a:effectRef>
+      <a:fontRef idx="minor">
+        <a:schemeClr val="lt1"/>
+      </a:fontRef>
+    </dgm:style>
+  </dgm:styleLbl>
+  <dgm:styleLbl name="asst1">
+    <dgm:scene3d>
+      <a:camera prst="orthographicFront"/>
+      <a:lightRig rig="threePt" dir="t"/>
+    </dgm:scene3d>
+    <dgm:sp3d/>
+    <dgm:txPr/>
+    <dgm:style>
+      <a:lnRef idx="2">
+        <a:scrgbClr r="0" g="0" b="0"/>
+      </a:lnRef>
+      <a:fillRef idx="1">
+        <a:scrgbClr r="0" g="0" b="0"/>
+      </a:fillRef>
+      <a:effectRef idx="0">
+        <a:scrgbClr r="0" g="0" b="0"/>
+      </a:effectRef>
+      <a:fontRef idx="minor">
+        <a:schemeClr val="lt1"/>
+      </a:fontRef>
+    </dgm:style>
+  </dgm:styleLbl>
+  <dgm:styleLbl name="asst2">
+    <dgm:scene3d>
+      <a:camera prst="orthographicFront"/>
+      <a:lightRig rig="threePt" dir="t"/>
+    </dgm:scene3d>
+    <dgm:sp3d/>
+    <dgm:txPr/>
+    <dgm:style>
+      <a:lnRef idx="2">
+        <a:scrgbClr r="0" g="0" b="0"/>
+      </a:lnRef>
+      <a:fillRef idx="1">
+        <a:scrgbClr r="0" g="0" b="0"/>
+      </a:fillRef>
+      <a:effectRef idx="0">
+        <a:scrgbClr r="0" g="0" b="0"/>
+      </a:effectRef>
+      <a:fontRef idx="minor">
+        <a:schemeClr val="lt1"/>
+      </a:fontRef>
+    </dgm:style>
+  </dgm:styleLbl>
+  <dgm:styleLbl name="asst3">
+    <dgm:scene3d>
+      <a:camera prst="orthographicFront"/>
+      <a:lightRig rig="threePt" dir="t"/>
+    </dgm:scene3d>
+    <dgm:sp3d/>
+    <dgm:txPr/>
+    <dgm:style>
+      <a:lnRef idx="2">
+        <a:scrgbClr r="0" g="0" b="0"/>
+      </a:lnRef>
+      <a:fillRef idx="1">
+        <a:scrgbClr r="0" g="0" b="0"/>
+      </a:fillRef>
+      <a:effectRef idx="0">
+        <a:scrgbClr r="0" g="0" b="0"/>
+      </a:effectRef>
+      <a:fontRef idx="minor">
+        <a:schemeClr val="lt1"/>
+      </a:fontRef>
+    </dgm:style>
+  </dgm:styleLbl>
+  <dgm:styleLbl name="asst4">
+    <dgm:scene3d>
+      <a:camera prst="orthographicFront"/>
+      <a:lightRig rig="threePt" dir="t"/>
+    </dgm:scene3d>
+    <dgm:sp3d/>
+    <dgm:txPr/>
+    <dgm:style>
+      <a:lnRef idx="2">
+        <a:scrgbClr r="0" g="0" b="0"/>
+      </a:lnRef>
+      <a:fillRef idx="1">
+        <a:scrgbClr r="0" g="0" b="0"/>
+      </a:fillRef>
+      <a:effectRef idx="0">
+        <a:scrgbClr r="0" g="0" b="0"/>
+      </a:effectRef>
+      <a:fontRef idx="minor">
+        <a:schemeClr val="lt1"/>
+      </a:fontRef>
+    </dgm:style>
+  </dgm:styleLbl>
+  <dgm:styleLbl name="parChTrans2D1">
+    <dgm:scene3d>
+      <a:camera prst="orthographicFront"/>
+      <a:lightRig rig="threePt" dir="t"/>
+    </dgm:scene3d>
+    <dgm:sp3d/>
+    <dgm:txPr/>
+    <dgm:style>
+      <a:lnRef idx="2">
+        <a:scrgbClr r="0" g="0" b="0"/>
+      </a:lnRef>
+      <a:fillRef idx="1">
+        <a:scrgbClr r="0" g="0" b="0"/>
+      </a:fillRef>
+      <a:effectRef idx="0">
+        <a:scrgbClr r="0" g="0" b="0"/>
+      </a:effectRef>
+      <a:fontRef idx="minor">
+        <a:schemeClr val="lt1"/>
+      </a:fontRef>
+    </dgm:style>
+  </dgm:styleLbl>
+  <dgm:styleLbl name="parChTrans2D2">
+    <dgm:scene3d>
+      <a:camera prst="orthographicFront"/>
+      <a:lightRig rig="threePt" dir="t"/>
+    </dgm:scene3d>
+    <dgm:sp3d/>
+    <dgm:txPr/>
+    <dgm:style>
+      <a:lnRef idx="2">
+        <a:scrgbClr r="0" g="0" b="0"/>
+      </a:lnRef>
+      <a:fillRef idx="1">
+        <a:scrgbClr r="0" g="0" b="0"/>
+      </a:fillRef>
+      <a:effectRef idx="0">
+        <a:scrgbClr r="0" g="0" b="0"/>
+      </a:effectRef>
+      <a:fontRef idx="minor">
+        <a:schemeClr val="lt1"/>
+      </a:fontRef>
+    </dgm:style>
+  </dgm:styleLbl>
+  <dgm:styleLbl name="parChTrans2D3">
+    <dgm:scene3d>
+      <a:camera prst="orthographicFront"/>
+      <a:lightRig rig="threePt" dir="t"/>
+    </dgm:scene3d>
+    <dgm:sp3d/>
+    <dgm:txPr/>
+    <dgm:style>
+      <a:lnRef idx="2">
+        <a:scrgbClr r="0" g="0" b="0"/>
+      </a:lnRef>
+      <a:fillRef idx="1">
+        <a:scrgbClr r="0" g="0" b="0"/>
+      </a:fillRef>
+      <a:effectRef idx="0">
+        <a:scrgbClr r="0" g="0" b="0"/>
+      </a:effectRef>
+      <a:fontRef idx="minor">
+        <a:schemeClr val="lt1"/>
+      </a:fontRef>
+    </dgm:style>
+  </dgm:styleLbl>
+  <dgm:styleLbl name="parChTrans2D4">
+    <dgm:scene3d>
+      <a:camera prst="orthographicFront"/>
+      <a:lightRig rig="threePt" dir="t"/>
+    </dgm:scene3d>
+    <dgm:sp3d/>
+    <dgm:txPr/>
+    <dgm:style>
+      <a:lnRef idx="2">
+        <a:scrgbClr r="0" g="0" b="0"/>
+      </a:lnRef>
+      <a:fillRef idx="1">
+        <a:scrgbClr r="0" g="0" b="0"/>
+      </a:fillRef>
+      <a:effectRef idx="0">
+        <a:scrgbClr r="0" g="0" b="0"/>
+      </a:effectRef>
+      <a:fontRef idx="minor">
+        <a:schemeClr val="lt1"/>
+      </a:fontRef>
+    </dgm:style>
+  </dgm:styleLbl>
+  <dgm:styleLbl name="parChTrans1D1">
+    <dgm:scene3d>
+      <a:camera prst="orthographicFront"/>
+      <a:lightRig rig="threePt" dir="t"/>
+    </dgm:scene3d>
+    <dgm:sp3d/>
+    <dgm:txPr/>
+    <dgm:style>
+      <a:lnRef idx="2">
+        <a:scrgbClr r="0" g="0" b="0"/>
+      </a:lnRef>
+      <a:fillRef idx="0">
+        <a:scrgbClr r="0" g="0" b="0"/>
+      </a:fillRef>
+      <a:effectRef idx="0">
+        <a:scrgbClr r="0" g="0" b="0"/>
+      </a:effectRef>
+      <a:fontRef idx="minor"/>
+    </dgm:style>
+  </dgm:styleLbl>
+  <dgm:styleLbl name="parChTrans1D2">
+    <dgm:scene3d>
+      <a:camera prst="orthographicFront"/>
+      <a:lightRig rig="threePt" dir="t"/>
+    </dgm:scene3d>
+    <dgm:sp3d/>
+    <dgm:txPr/>
+    <dgm:style>
+      <a:lnRef idx="2">
+        <a:scrgbClr r="0" g="0" b="0"/>
+      </a:lnRef>
+      <a:fillRef idx="0">
+        <a:scrgbClr r="0" g="0" b="0"/>
+      </a:fillRef>
+      <a:effectRef idx="0">
+        <a:scrgbClr r="0" g="0" b="0"/>
+      </a:effectRef>
+      <a:fontRef idx="minor"/>
+    </dgm:style>
+  </dgm:styleLbl>
+  <dgm:styleLbl name="parChTrans1D3">
+    <dgm:scene3d>
+      <a:camera prst="orthographicFront"/>
+      <a:lightRig rig="threePt" dir="t"/>
+    </dgm:scene3d>
+    <dgm:sp3d/>
+    <dgm:txPr/>
+    <dgm:style>
+      <a:lnRef idx="2">
+        <a:scrgbClr r="0" g="0" b="0"/>
+      </a:lnRef>
+      <a:fillRef idx="0">
+        <a:scrgbClr r="0" g="0" b="0"/>
+      </a:fillRef>
+      <a:effectRef idx="0">
+        <a:scrgbClr r="0" g="0" b="0"/>
+      </a:effectRef>
+      <a:fontRef idx="minor"/>
+    </dgm:style>
+  </dgm:styleLbl>
+  <dgm:styleLbl name="parChTrans1D4">
+    <dgm:scene3d>
+      <a:camera prst="orthographicFront"/>
+      <a:lightRig rig="threePt" dir="t"/>
+    </dgm:scene3d>
+    <dgm:sp3d/>
+    <dgm:txPr/>
+    <dgm:style>
+      <a:lnRef idx="2">
+        <a:scrgbClr r="0" g="0" b="0"/>
+      </a:lnRef>
+      <a:fillRef idx="0">
+        <a:scrgbClr r="0" g="0" b="0"/>
+      </a:fillRef>
+      <a:effectRef idx="0">
+        <a:scrgbClr r="0" g="0" b="0"/>
+      </a:effectRef>
+      <a:fontRef idx="minor"/>
+    </dgm:style>
+  </dgm:styleLbl>
+  <dgm:styleLbl name="fgAcc1">
+    <dgm:scene3d>
+      <a:camera prst="orthographicFront"/>
+      <a:lightRig rig="threePt" dir="t"/>
+    </dgm:scene3d>
+    <dgm:sp3d/>
+    <dgm:txPr/>
+    <dgm:style>
+      <a:lnRef idx="2">
+        <a:scrgbClr r="0" g="0" b="0"/>
+      </a:lnRef>
+      <a:fillRef idx="1">
+        <a:scrgbClr r="0" g="0" b="0"/>
+      </a:fillRef>
+      <a:effectRef idx="0">
+        <a:scrgbClr r="0" g="0" b="0"/>
+      </a:effectRef>
+      <a:fontRef idx="minor"/>
+    </dgm:style>
+  </dgm:styleLbl>
+  <dgm:styleLbl name="conFgAcc1">
+    <dgm:scene3d>
+      <a:camera prst="orthographicFront"/>
+      <a:lightRig rig="threePt" dir="t"/>
+    </dgm:scene3d>
+    <dgm:sp3d/>
+    <dgm:txPr/>
+    <dgm:style>
+      <a:lnRef idx="2">
+        <a:scrgbClr r="0" g="0" b="0"/>
+      </a:lnRef>
+      <a:fillRef idx="1">
+        <a:scrgbClr r="0" g="0" b="0"/>
+      </a:fillRef>
+      <a:effectRef idx="0">
+        <a:scrgbClr r="0" g="0" b="0"/>
+      </a:effectRef>
+      <a:fontRef idx="minor"/>
+    </dgm:style>
+  </dgm:styleLbl>
+  <dgm:styleLbl name="alignAcc1">
+    <dgm:scene3d>
+      <a:camera prst="orthographicFront"/>
+      <a:lightRig rig="threePt" dir="t"/>
+    </dgm:scene3d>
+    <dgm:sp3d/>
+    <dgm:txPr/>
+    <dgm:style>
+      <a:lnRef idx="2">
+        <a:scrgbClr r="0" g="0" b="0"/>
+      </a:lnRef>
+      <a:fillRef idx="1">
+        <a:scrgbClr r="0" g="0" b="0"/>
+      </a:fillRef>
+      <a:effectRef idx="0">
+        <a:scrgbClr r="0" g="0" b="0"/>
+      </a:effectRef>
+      <a:fontRef idx="minor"/>
+    </dgm:style>
+  </dgm:styleLbl>
+  <dgm:styleLbl name="trAlignAcc1">
+    <dgm:scene3d>
+      <a:camera prst="orthographicFront"/>
+      <a:lightRig rig="threePt" dir="t"/>
+    </dgm:scene3d>
+    <dgm:sp3d/>
+    <dgm:txPr/>
+    <dgm:style>
+      <a:lnRef idx="1">
+        <a:scrgbClr r="0" g="0" b="0"/>
+      </a:lnRef>
+      <a:fillRef idx="1">
+        <a:scrgbClr r="0" g="0" b="0"/>
+      </a:fillRef>
+      <a:effectRef idx="0">
+        <a:scrgbClr r="0" g="0" b="0"/>
+      </a:effectRef>
+      <a:fontRef idx="minor"/>
+    </dgm:style>
+  </dgm:styleLbl>
+  <dgm:styleLbl name="bgAcc1">
+    <dgm:scene3d>
+      <a:camera prst="orthographicFront"/>
+      <a:lightRig rig="threePt" dir="t"/>
+    </dgm:scene3d>
+    <dgm:sp3d/>
+    <dgm:txPr/>
+    <dgm:style>
+      <a:lnRef idx="2">
+        <a:scrgbClr r="0" g="0" b="0"/>
+      </a:lnRef>
+      <a:fillRef idx="1">
+        <a:scrgbClr r="0" g="0" b="0"/>
+      </a:fillRef>
+      <a:effectRef idx="0">
+        <a:scrgbClr r="0" g="0" b="0"/>
+      </a:effectRef>
+      <a:fontRef idx="minor"/>
+    </dgm:style>
+  </dgm:styleLbl>
+  <dgm:styleLbl name="solidFgAcc1">
+    <dgm:scene3d>
+      <a:camera prst="orthographicFront"/>
+      <a:lightRig rig="threePt" dir="t"/>
+    </dgm:scene3d>
+    <dgm:sp3d/>
+    <dgm:txPr/>
+    <dgm:style>
+      <a:lnRef idx="2">
+        <a:scrgbClr r="0" g="0" b="0"/>
+      </a:lnRef>
+      <a:fillRef idx="1">
+        <a:scrgbClr r="0" g="0" b="0"/>
+      </a:fillRef>
+      <a:effectRef idx="0">
+        <a:scrgbClr r="0" g="0" b="0"/>
+      </a:effectRef>
+      <a:fontRef idx="minor"/>
+    </dgm:style>
+  </dgm:styleLbl>
+  <dgm:styleLbl name="solidAlignAcc1">
+    <dgm:scene3d>
+      <a:camera prst="orthographicFront"/>
+      <a:lightRig rig="threePt" dir="t"/>
+    </dgm:scene3d>
+    <dgm:sp3d/>
+    <dgm:txPr/>
+    <dgm:style>
+      <a:lnRef idx="2">
+        <a:scrgbClr r="0" g="0" b="0"/>
+      </a:lnRef>
+      <a:fillRef idx="1">
+        <a:scrgbClr r="0" g="0" b="0"/>
+      </a:fillRef>
+      <a:effectRef idx="0">
+        <a:scrgbClr r="0" g="0" b="0"/>
+      </a:effectRef>
+      <a:fontRef idx="minor"/>
+    </dgm:style>
+  </dgm:styleLbl>
+  <dgm:styleLbl name="solidBgAcc1">
+    <dgm:scene3d>
+      <a:camera prst="orthographicFront"/>
+      <a:lightRig rig="threePt" dir="t"/>
+    </dgm:scene3d>
+    <dgm:sp3d/>
+    <dgm:txPr/>
+    <dgm:style>
+      <a:lnRef idx="2">
+        <a:scrgbClr r="0" g="0" b="0"/>
+      </a:lnRef>
+      <a:fillRef idx="1">
+        <a:scrgbClr r="0" g="0" b="0"/>
+      </a:fillRef>
+      <a:effectRef idx="0">
+        <a:scrgbClr r="0" g="0" b="0"/>
+      </a:effectRef>
+      <a:fontRef idx="minor"/>
+    </dgm:style>
+  </dgm:styleLbl>
+  <dgm:styleLbl name="fgAccFollowNode1">
+    <dgm:scene3d>
+      <a:camera prst="orthographicFront"/>
+      <a:lightRig rig="threePt" dir="t"/>
+    </dgm:scene3d>
+    <dgm:sp3d/>
+    <dgm:txPr/>
+    <dgm:style>
+      <a:lnRef idx="2">
+        <a:scrgbClr r="0" g="0" b="0"/>
+      </a:lnRef>
+      <a:fillRef idx="1">
+        <a:scrgbClr r="0" g="0" b="0"/>
+      </a:fillRef>
+      <a:effectRef idx="0">
+        <a:scrgbClr r="0" g="0" b="0"/>
+      </a:effectRef>
+      <a:fontRef idx="minor"/>
+    </dgm:style>
+  </dgm:styleLbl>
+  <dgm:styleLbl name="alignAccFollowNode1">
+    <dgm:scene3d>
+      <a:camera prst="orthographicFront"/>
+      <a:lightRig rig="threePt" dir="t"/>
+    </dgm:scene3d>
+    <dgm:sp3d/>
+    <dgm:txPr/>
+    <dgm:style>
+      <a:lnRef idx="2">
+        <a:scrgbClr r="0" g="0" b="0"/>
+      </a:lnRef>
+      <a:fillRef idx="1">
+        <a:scrgbClr r="0" g="0" b="0"/>
+      </a:fillRef>
+      <a:effectRef idx="0">
+        <a:scrgbClr r="0" g="0" b="0"/>
+      </a:effectRef>
+      <a:fontRef idx="minor"/>
+    </dgm:style>
+  </dgm:styleLbl>
+  <dgm:styleLbl name="bgAccFollowNode1">
+    <dgm:scene3d>
+      <a:camera prst="orthographicFront"/>
+      <a:lightRig rig="threePt" dir="t"/>
+    </dgm:scene3d>
+    <dgm:sp3d/>
+    <dgm:txPr/>
+    <dgm:style>
+      <a:lnRef idx="2">
+        <a:scrgbClr r="0" g="0" b="0"/>
+      </a:lnRef>
+      <a:fillRef idx="1">
+        <a:scrgbClr r="0" g="0" b="0"/>
+      </a:fillRef>
+      <a:effectRef idx="0">
+        <a:scrgbClr r="0" g="0" b="0"/>
+      </a:effectRef>
+      <a:fontRef idx="minor"/>
+    </dgm:style>
+  </dgm:styleLbl>
+  <dgm:styleLbl name="fgAcc0">
+    <dgm:scene3d>
+      <a:camera prst="orthographicFront"/>
+      <a:lightRig rig="threePt" dir="t"/>
+    </dgm:scene3d>
+    <dgm:sp3d/>
+    <dgm:txPr/>
+    <dgm:style>
+      <a:lnRef idx="2">
+        <a:scrgbClr r="0" g="0" b="0"/>
+      </a:lnRef>
+      <a:fillRef idx="1">
+        <a:scrgbClr r="0" g="0" b="0"/>
+      </a:fillRef>
+      <a:effectRef idx="0">
+        <a:scrgbClr r="0" g="0" b="0"/>
+      </a:effectRef>
+      <a:fontRef idx="minor"/>
+    </dgm:style>
+  </dgm:styleLbl>
+  <dgm:styleLbl name="fgAcc2">
+    <dgm:scene3d>
+      <a:camera prst="orthographicFront"/>
+      <a:lightRig rig="threePt" dir="t"/>
+    </dgm:scene3d>
+    <dgm:sp3d/>
+    <dgm:txPr/>
+    <dgm:style>
+      <a:lnRef idx="2">
+        <a:scrgbClr r="0" g="0" b="0"/>
+      </a:lnRef>
+      <a:fillRef idx="1">
+        <a:scrgbClr r="0" g="0" b="0"/>
+      </a:fillRef>
+      <a:effectRef idx="0">
+        <a:scrgbClr r="0" g="0" b="0"/>
+      </a:effectRef>
+      <a:fontRef idx="minor"/>
+    </dgm:style>
+  </dgm:styleLbl>
+  <dgm:styleLbl name="fgAcc3">
+    <dgm:scene3d>
+      <a:camera prst="orthographicFront"/>
+      <a:lightRig rig="threePt" dir="t"/>
+    </dgm:scene3d>
+    <dgm:sp3d/>
+    <dgm:txPr/>
+    <dgm:style>
+      <a:lnRef idx="2">
+        <a:scrgbClr r="0" g="0" b="0"/>
+      </a:lnRef>
+      <a:fillRef idx="1">
+        <a:scrgbClr r="0" g="0" b="0"/>
+      </a:fillRef>
+      <a:effectRef idx="0">
+        <a:scrgbClr r="0" g="0" b="0"/>
+      </a:effectRef>
+      <a:fontRef idx="minor"/>
+    </dgm:style>
+  </dgm:styleLbl>
+  <dgm:styleLbl name="fgAcc4">
+    <dgm:scene3d>
+      <a:camera prst="orthographicFront"/>
+      <a:lightRig rig="threePt" dir="t"/>
+    </dgm:scene3d>
+    <dgm:sp3d/>
+    <dgm:txPr/>
+    <dgm:style>
+      <a:lnRef idx="2">
+        <a:scrgbClr r="0" g="0" b="0"/>
+      </a:lnRef>
+      <a:fillRef idx="1">
+        <a:scrgbClr r="0" g="0" b="0"/>
+      </a:fillRef>
+      <a:effectRef idx="0">
+        <a:scrgbClr r="0" g="0" b="0"/>
+      </a:effectRef>
+      <a:fontRef idx="minor"/>
+    </dgm:style>
+  </dgm:styleLbl>
+  <dgm:styleLbl name="bgShp">
+    <dgm:scene3d>
+      <a:camera prst="orthographicFront"/>
+      <a:lightRig rig="threePt" dir="t"/>
+    </dgm:scene3d>
+    <dgm:sp3d/>
+    <dgm:txPr/>
+    <dgm:style>
+      <a:lnRef idx="0">
+        <a:scrgbClr r="0" g="0" b="0"/>
+      </a:lnRef>
+      <a:fillRef idx="1">
+        <a:scrgbClr r="0" g="0" b="0"/>
+      </a:fillRef>
+      <a:effectRef idx="0">
+        <a:scrgbClr r="0" g="0" b="0"/>
+      </a:effectRef>
+      <a:fontRef idx="minor"/>
+    </dgm:style>
+  </dgm:styleLbl>
+  <dgm:styleLbl name="dkBgShp">
+    <dgm:scene3d>
+      <a:camera prst="orthographicFront"/>
+      <a:lightRig rig="threePt" dir="t"/>
+    </dgm:scene3d>
+    <dgm:sp3d/>
+    <dgm:txPr/>
+    <dgm:style>
+      <a:lnRef idx="0">
+        <a:scrgbClr r="0" g="0" b="0"/>
+      </a:lnRef>
+      <a:fillRef idx="1">
+        <a:scrgbClr r="0" g="0" b="0"/>
+      </a:fillRef>
+      <a:effectRef idx="0">
+        <a:scrgbClr r="0" g="0" b="0"/>
+      </a:effectRef>
+      <a:fontRef idx="minor"/>
+    </dgm:style>
+  </dgm:styleLbl>
+  <dgm:styleLbl name="trBgShp">
+    <dgm:scene3d>
+      <a:camera prst="orthographicFront"/>
+      <a:lightRig rig="threePt" dir="t"/>
+    </dgm:scene3d>
+    <dgm:sp3d/>
+    <dgm:txPr/>
+    <dgm:style>
+      <a:lnRef idx="0">
+        <a:scrgbClr r="0" g="0" b="0"/>
+      </a:lnRef>
+      <a:fillRef idx="1">
+        <a:scrgbClr r="0" g="0" b="0"/>
+      </a:fillRef>
+      <a:effectRef idx="0">
+        <a:scrgbClr r="0" g="0" b="0"/>
+      </a:effectRef>
+      <a:fontRef idx="minor"/>
+    </dgm:style>
+  </dgm:styleLbl>
+  <dgm:styleLbl name="fgShp">
+    <dgm:scene3d>
+      <a:camera prst="orthographicFront"/>
+      <a:lightRig rig="threePt" dir="t"/>
+    </dgm:scene3d>
+    <dgm:sp3d/>
+    <dgm:txPr/>
+    <dgm:style>
+      <a:lnRef idx="2">
+        <a:scrgbClr r="0" g="0" b="0"/>
+      </a:lnRef>
+      <a:fillRef idx="1">
+        <a:scrgbClr r="0" g="0" b="0"/>
+      </a:fillRef>
+      <a:effectRef idx="0">
+        <a:scrgbClr r="0" g="0" b="0"/>
+      </a:effectRef>
+      <a:fontRef idx="minor"/>
+    </dgm:style>
+  </dgm:styleLbl>
+  <dgm:styleLbl name="revTx">
+    <dgm:scene3d>
+      <a:camera prst="orthographicFront"/>
+      <a:lightRig rig="threePt" dir="t"/>
+    </dgm:scene3d>
+    <dgm:sp3d/>
+    <dgm:txPr/>
+    <dgm:style>
+      <a:lnRef idx="0">
+        <a:scrgbClr r="0" g="0" b="0"/>
+      </a:lnRef>
+      <a:fillRef idx="0">
+        <a:scrgbClr r="0" g="0" b="0"/>
+      </a:fillRef>
+      <a:effectRef idx="0">
+        <a:scrgbClr r="0" g="0" b="0"/>
+      </a:effectRef>
+      <a:fontRef idx="minor"/>
+    </dgm:style>
+  </dgm:styleLbl>
+</dgm:styleDef>
+</file>
+
+<file path=ppt/notesMasters/notesMaster1.xml><?xml version="1.0" encoding="utf-8"?>
+<p:notesMaster xmlns:a="http://schemas.openxmlformats.org/drawingml/2006/main" xmlns:r="http://schemas.openxmlformats.org/officeDocument/2006/relationships" xmlns:p="http://schemas.openxmlformats.org/presentationml/2006/main">
+  <p:cSld>
+    <p:bg>
+      <p:bgRef idx="1001">
+        <a:schemeClr val="bg1"/>
+      </p:bgRef>
+    </p:bg>
+    <p:spTree>
+      <p:nvGrpSpPr>
+        <p:cNvPr id="1" name=""/>
+        <p:cNvGrpSpPr/>
+        <p:nvPr/>
+      </p:nvGrpSpPr>
+      <p:grpSpPr>
+        <a:xfrm>
+          <a:off x="0" y="0"/>
+          <a:ext cx="0" cy="0"/>
+          <a:chOff x="0" y="0"/>
+          <a:chExt cx="0" cy="0"/>
+        </a:xfrm>
+      </p:grpSpPr>
+      <p:sp>
+        <p:nvSpPr>
+          <p:cNvPr id="2" name="Header Placeholder 1"/>
+          <p:cNvSpPr>
+            <a:spLocks noGrp="1"/>
+          </p:cNvSpPr>
+          <p:nvPr>
+            <p:ph type="hdr" sz="quarter"/>
+          </p:nvPr>
+        </p:nvSpPr>
+        <p:spPr>
+          <a:xfrm>
+            <a:off x="0" y="0"/>
+            <a:ext cx="2971800" cy="458788"/>
+          </a:xfrm>
+          <a:prstGeom prst="rect">
+            <a:avLst/>
+          </a:prstGeom>
+        </p:spPr>
+        <p:txBody>
+          <a:bodyPr vert="horz" lIns="91440" tIns="45720" rIns="91440" bIns="45720" rtlCol="0"/>
+          <a:lstStyle>
+            <a:lvl1pPr algn="l">
+              <a:defRPr sz="1200"/>
+            </a:lvl1pPr>
+          </a:lstStyle>
+          <a:p>
+            <a:endParaRPr lang="en-US"/>
+          </a:p>
+        </p:txBody>
+      </p:sp>
+      <p:sp>
+        <p:nvSpPr>
+          <p:cNvPr id="3" name="Date Placeholder 2"/>
+          <p:cNvSpPr>
+            <a:spLocks noGrp="1"/>
+          </p:cNvSpPr>
+          <p:nvPr>
+            <p:ph type="dt" idx="1"/>
+          </p:nvPr>
+        </p:nvSpPr>
+        <p:spPr>
+          <a:xfrm>
+            <a:off x="3884613" y="0"/>
+            <a:ext cx="2971800" cy="458788"/>
+          </a:xfrm>
+          <a:prstGeom prst="rect">
+            <a:avLst/>
+          </a:prstGeom>
+        </p:spPr>
+        <p:txBody>
+          <a:bodyPr vert="horz" lIns="91440" tIns="45720" rIns="91440" bIns="45720" rtlCol="0"/>
+          <a:lstStyle>
+            <a:lvl1pPr algn="r">
+              <a:defRPr sz="1200"/>
+            </a:lvl1pPr>
+          </a:lstStyle>
+          <a:p>
+            <a:fld id="{ECCA41D5-5D45-4901-9C9F-219E6014EC26}" type="datetimeFigureOut">
+              <a:rPr lang="en-US" smtClean="0"/>
+              <a:t>10/11/2021</a:t>
+            </a:fld>
+            <a:endParaRPr lang="en-US"/>
+          </a:p>
+        </p:txBody>
+      </p:sp>
+      <p:sp>
+        <p:nvSpPr>
+          <p:cNvPr id="4" name="Slide Image Placeholder 3"/>
+          <p:cNvSpPr>
+            <a:spLocks noGrp="1" noRot="1" noChangeAspect="1"/>
+          </p:cNvSpPr>
+          <p:nvPr>
+            <p:ph type="sldImg" idx="2"/>
+          </p:nvPr>
+        </p:nvSpPr>
+        <p:spPr>
+          <a:xfrm>
+            <a:off x="685800" y="1143000"/>
+            <a:ext cx="5486400" cy="3086100"/>
+          </a:xfrm>
+          <a:prstGeom prst="rect">
+            <a:avLst/>
+          </a:prstGeom>
+          <a:noFill/>
+          <a:ln w="12700">
+            <a:solidFill>
+              <a:prstClr val="black"/>
+            </a:solidFill>
+          </a:ln>
+        </p:spPr>
+        <p:txBody>
+          <a:bodyPr vert="horz" lIns="91440" tIns="45720" rIns="91440" bIns="45720" rtlCol="0" anchor="ctr"/>
+          <a:lstStyle/>
+          <a:p>
+            <a:endParaRPr lang="en-US"/>
+          </a:p>
+        </p:txBody>
+      </p:sp>
+      <p:sp>
+        <p:nvSpPr>
+          <p:cNvPr id="5" name="Notes Placeholder 4"/>
+          <p:cNvSpPr>
+            <a:spLocks noGrp="1"/>
+          </p:cNvSpPr>
+          <p:nvPr>
+            <p:ph type="body" sz="quarter" idx="3"/>
+          </p:nvPr>
+        </p:nvSpPr>
+        <p:spPr>
+          <a:xfrm>
+            <a:off x="685800" y="4400550"/>
+            <a:ext cx="5486400" cy="3600450"/>
+          </a:xfrm>
+          <a:prstGeom prst="rect">
+            <a:avLst/>
+          </a:prstGeom>
+        </p:spPr>
+        <p:txBody>
+          <a:bodyPr vert="horz" lIns="91440" tIns="45720" rIns="91440" bIns="45720" rtlCol="0"/>
+          <a:lstStyle/>
+          <a:p>
+            <a:pPr lvl="0"/>
+            <a:r>
+              <a:rPr lang="en-US"/>
+              <a:t>Click to edit Master text styles</a:t>
+            </a:r>
+          </a:p>
+          <a:p>
+            <a:pPr lvl="1"/>
+            <a:r>
+              <a:rPr lang="en-US"/>
+              <a:t>Second level</a:t>
+            </a:r>
+          </a:p>
+          <a:p>
+            <a:pPr lvl="2"/>
+            <a:r>
+              <a:rPr lang="en-US"/>
+              <a:t>Third level</a:t>
+            </a:r>
+          </a:p>
+          <a:p>
+            <a:pPr lvl="3"/>
+            <a:r>
+              <a:rPr lang="en-US"/>
+              <a:t>Fourth level</a:t>
+            </a:r>
+          </a:p>
+          <a:p>
+            <a:pPr lvl="4"/>
+            <a:r>
+              <a:rPr lang="en-US"/>
+              <a:t>Fifth level</a:t>
+            </a:r>
+          </a:p>
+        </p:txBody>
+      </p:sp>
+      <p:sp>
+        <p:nvSpPr>
+          <p:cNvPr id="6" name="Footer Placeholder 5"/>
+          <p:cNvSpPr>
+            <a:spLocks noGrp="1"/>
+          </p:cNvSpPr>
+          <p:nvPr>
+            <p:ph type="ftr" sz="quarter" idx="4"/>
+          </p:nvPr>
+        </p:nvSpPr>
+        <p:spPr>
+          <a:xfrm>
+            <a:off x="0" y="8685213"/>
+            <a:ext cx="2971800" cy="458787"/>
+          </a:xfrm>
+          <a:prstGeom prst="rect">
+            <a:avLst/>
+          </a:prstGeom>
+        </p:spPr>
+        <p:txBody>
+          <a:bodyPr vert="horz" lIns="91440" tIns="45720" rIns="91440" bIns="45720" rtlCol="0" anchor="b"/>
+          <a:lstStyle>
+            <a:lvl1pPr algn="l">
+              <a:defRPr sz="1200"/>
+            </a:lvl1pPr>
+          </a:lstStyle>
+          <a:p>
+            <a:endParaRPr lang="en-US"/>
+          </a:p>
+        </p:txBody>
+      </p:sp>
+      <p:sp>
+        <p:nvSpPr>
+          <p:cNvPr id="7" name="Slide Number Placeholder 6"/>
+          <p:cNvSpPr>
+            <a:spLocks noGrp="1"/>
+          </p:cNvSpPr>
+          <p:nvPr>
+            <p:ph type="sldNum" sz="quarter" idx="5"/>
+          </p:nvPr>
+        </p:nvSpPr>
+        <p:spPr>
+          <a:xfrm>
+            <a:off x="3884613" y="8685213"/>
+            <a:ext cx="2971800" cy="458787"/>
+          </a:xfrm>
+          <a:prstGeom prst="rect">
+            <a:avLst/>
+          </a:prstGeom>
+        </p:spPr>
+        <p:txBody>
+          <a:bodyPr vert="horz" lIns="91440" tIns="45720" rIns="91440" bIns="45720" rtlCol="0" anchor="b"/>
+          <a:lstStyle>
+            <a:lvl1pPr algn="r">
+              <a:defRPr sz="1200"/>
+            </a:lvl1pPr>
+          </a:lstStyle>
+          <a:p>
+            <a:fld id="{E0215937-6A9A-48B7-8C95-B7F6CA68488A}" type="slidenum">
+              <a:rPr lang="en-US" smtClean="0"/>
+              <a:t>‹#›</a:t>
+            </a:fld>
+            <a:endParaRPr lang="en-US"/>
+          </a:p>
+        </p:txBody>
+      </p:sp>
+    </p:spTree>
+    <p:extLst>
+      <p:ext uri="{BB962C8B-B14F-4D97-AF65-F5344CB8AC3E}">
+        <p14:creationId xmlns:p14="http://schemas.microsoft.com/office/powerpoint/2010/main" val="121534619"/>
+      </p:ext>
+    </p:extLst>
+  </p:cSld>
+  <p:clrMap bg1="lt1" tx1="dk1" bg2="lt2" tx2="dk2" accent1="accent1" accent2="accent2" accent3="accent3" accent4="accent4" accent5="accent5" accent6="accent6" hlink="hlink" folHlink="folHlink"/>
+  <p:notesStyle>
+    <a:lvl1pPr marL="0" algn="l" defTabSz="914400" rtl="0" eaLnBrk="1" latinLnBrk="0" hangingPunct="1">
+      <a:defRPr sz="1200" kern="1200">
+        <a:solidFill>
+          <a:schemeClr val="tx1"/>
+        </a:solidFill>
+        <a:latin typeface="+mn-lt"/>
+        <a:ea typeface="+mn-ea"/>
+        <a:cs typeface="+mn-cs"/>
+      </a:defRPr>
+    </a:lvl1pPr>
+    <a:lvl2pPr marL="457200" algn="l" defTabSz="914400" rtl="0" eaLnBrk="1" latinLnBrk="0" hangingPunct="1">
+      <a:defRPr sz="1200" kern="1200">
+        <a:solidFill>
+          <a:schemeClr val="tx1"/>
+        </a:solidFill>
+        <a:latin typeface="+mn-lt"/>
+        <a:ea typeface="+mn-ea"/>
+        <a:cs typeface="+mn-cs"/>
+      </a:defRPr>
+    </a:lvl2pPr>
+    <a:lvl3pPr marL="914400" algn="l" defTabSz="914400" rtl="0" eaLnBrk="1" latinLnBrk="0" hangingPunct="1">
+      <a:defRPr sz="1200" kern="1200">
+        <a:solidFill>
+          <a:schemeClr val="tx1"/>
+        </a:solidFill>
+        <a:latin typeface="+mn-lt"/>
+        <a:ea typeface="+mn-ea"/>
+        <a:cs typeface="+mn-cs"/>
+      </a:defRPr>
+    </a:lvl3pPr>
+    <a:lvl4pPr marL="1371600" algn="l" defTabSz="914400" rtl="0" eaLnBrk="1" latinLnBrk="0" hangingPunct="1">
+      <a:defRPr sz="1200" kern="1200">
+        <a:solidFill>
+          <a:schemeClr val="tx1"/>
+        </a:solidFill>
+        <a:latin typeface="+mn-lt"/>
+        <a:ea typeface="+mn-ea"/>
+        <a:cs typeface="+mn-cs"/>
+      </a:defRPr>
+    </a:lvl4pPr>
+    <a:lvl5pPr marL="1828800" algn="l" defTabSz="914400" rtl="0" eaLnBrk="1" latinLnBrk="0" hangingPunct="1">
+      <a:defRPr sz="1200" kern="1200">
+        <a:solidFill>
+          <a:schemeClr val="tx1"/>
+        </a:solidFill>
+        <a:latin typeface="+mn-lt"/>
+        <a:ea typeface="+mn-ea"/>
+        <a:cs typeface="+mn-cs"/>
+      </a:defRPr>
+    </a:lvl5pPr>
+    <a:lvl6pPr marL="2286000" algn="l" defTabSz="914400" rtl="0" eaLnBrk="1" latinLnBrk="0" hangingPunct="1">
+      <a:defRPr sz="1200" kern="1200">
+        <a:solidFill>
+          <a:schemeClr val="tx1"/>
+        </a:solidFill>
+        <a:latin typeface="+mn-lt"/>
+        <a:ea typeface="+mn-ea"/>
+        <a:cs typeface="+mn-cs"/>
+      </a:defRPr>
+    </a:lvl6pPr>
+    <a:lvl7pPr marL="2743200" algn="l" defTabSz="914400" rtl="0" eaLnBrk="1" latinLnBrk="0" hangingPunct="1">
+      <a:defRPr sz="1200" kern="1200">
+        <a:solidFill>
+          <a:schemeClr val="tx1"/>
+        </a:solidFill>
+        <a:latin typeface="+mn-lt"/>
+        <a:ea typeface="+mn-ea"/>
+        <a:cs typeface="+mn-cs"/>
+      </a:defRPr>
+    </a:lvl7pPr>
+    <a:lvl8pPr marL="3200400" algn="l" defTabSz="914400" rtl="0" eaLnBrk="1" latinLnBrk="0" hangingPunct="1">
+      <a:defRPr sz="1200" kern="1200">
+        <a:solidFill>
+          <a:schemeClr val="tx1"/>
+        </a:solidFill>
+        <a:latin typeface="+mn-lt"/>
+        <a:ea typeface="+mn-ea"/>
+        <a:cs typeface="+mn-cs"/>
+      </a:defRPr>
+    </a:lvl8pPr>
+    <a:lvl9pPr marL="3657600" algn="l" defTabSz="914400" rtl="0" eaLnBrk="1" latinLnBrk="0" hangingPunct="1">
+      <a:defRPr sz="1200" kern="1200">
+        <a:solidFill>
+          <a:schemeClr val="tx1"/>
+        </a:solidFill>
+        <a:latin typeface="+mn-lt"/>
+        <a:ea typeface="+mn-ea"/>
+        <a:cs typeface="+mn-cs"/>
+      </a:defRPr>
+    </a:lvl9pPr>
+  </p:notesStyle>
+</p:notesMaster>
+</file>
+
+<file path=ppt/notesSlides/notesSlide1.xml><?xml version="1.0" encoding="utf-8"?>
+<p:notes xmlns:a="http://schemas.openxmlformats.org/drawingml/2006/main" xmlns:r="http://schemas.openxmlformats.org/officeDocument/2006/relationships" xmlns:p="http://schemas.openxmlformats.org/presentationml/2006/main">
+  <p:cSld>
+    <p:spTree>
+      <p:nvGrpSpPr>
+        <p:cNvPr id="1" name=""/>
+        <p:cNvGrpSpPr/>
+        <p:nvPr/>
+      </p:nvGrpSpPr>
+      <p:grpSpPr>
+        <a:xfrm>
+          <a:off x="0" y="0"/>
+          <a:ext cx="0" cy="0"/>
+          <a:chOff x="0" y="0"/>
+          <a:chExt cx="0" cy="0"/>
+        </a:xfrm>
+      </p:grpSpPr>
+      <p:sp>
+        <p:nvSpPr>
+          <p:cNvPr id="2" name="Slide Image Placeholder 1"/>
+          <p:cNvSpPr>
+            <a:spLocks noGrp="1" noRot="1" noChangeAspect="1"/>
+          </p:cNvSpPr>
+          <p:nvPr>
+            <p:ph type="sldImg"/>
+          </p:nvPr>
+        </p:nvSpPr>
+        <p:spPr/>
+      </p:sp>
+      <p:sp>
+        <p:nvSpPr>
+          <p:cNvPr id="3" name="Notes Placeholder 2"/>
+          <p:cNvSpPr>
+            <a:spLocks noGrp="1"/>
+          </p:cNvSpPr>
+          <p:nvPr>
+            <p:ph type="body" idx="1"/>
+          </p:nvPr>
+        </p:nvSpPr>
+        <p:spPr/>
+        <p:txBody>
+          <a:bodyPr/>
+          <a:lstStyle/>
+          <a:p>
+            <a:r>
+              <a:rPr lang="en-US" dirty="0"/>
+              <a:t>The issue of political polarization on social media is frequently discussed but can be challenging to quantify. </a:t>
+            </a:r>
+          </a:p>
+        </p:txBody>
+      </p:sp>
+      <p:sp>
+        <p:nvSpPr>
+          <p:cNvPr id="4" name="Slide Number Placeholder 3"/>
+          <p:cNvSpPr>
+            <a:spLocks noGrp="1"/>
+          </p:cNvSpPr>
+          <p:nvPr>
+            <p:ph type="sldNum" sz="quarter" idx="5"/>
+          </p:nvPr>
+        </p:nvSpPr>
+        <p:spPr/>
+        <p:txBody>
+          <a:bodyPr/>
+          <a:lstStyle/>
+          <a:p>
+            <a:fld id="{E0215937-6A9A-48B7-8C95-B7F6CA68488A}" type="slidenum">
+              <a:rPr lang="en-US" smtClean="0"/>
+              <a:t>2</a:t>
+            </a:fld>
+            <a:endParaRPr lang="en-US"/>
+          </a:p>
+        </p:txBody>
+      </p:sp>
+    </p:spTree>
+    <p:extLst>
+      <p:ext uri="{BB962C8B-B14F-4D97-AF65-F5344CB8AC3E}">
+        <p14:creationId xmlns:p14="http://schemas.microsoft.com/office/powerpoint/2010/main" val="2520107187"/>
+      </p:ext>
+    </p:extLst>
+  </p:cSld>
+  <p:clrMapOvr>
+    <a:masterClrMapping/>
+  </p:clrMapOvr>
+</p:notes>
+</file>
+
+<file path=ppt/notesSlides/notesSlide2.xml><?xml version="1.0" encoding="utf-8"?>
+<p:notes xmlns:a="http://schemas.openxmlformats.org/drawingml/2006/main" xmlns:r="http://schemas.openxmlformats.org/officeDocument/2006/relationships" xmlns:p="http://schemas.openxmlformats.org/presentationml/2006/main">
+  <p:cSld>
+    <p:spTree>
+      <p:nvGrpSpPr>
+        <p:cNvPr id="1" name=""/>
+        <p:cNvGrpSpPr/>
+        <p:nvPr/>
+      </p:nvGrpSpPr>
+      <p:grpSpPr>
+        <a:xfrm>
+          <a:off x="0" y="0"/>
+          <a:ext cx="0" cy="0"/>
+          <a:chOff x="0" y="0"/>
+          <a:chExt cx="0" cy="0"/>
+        </a:xfrm>
+      </p:grpSpPr>
+      <p:sp>
+        <p:nvSpPr>
+          <p:cNvPr id="2" name="Slide Image Placeholder 1"/>
+          <p:cNvSpPr>
+            <a:spLocks noGrp="1" noRot="1" noChangeAspect="1"/>
+          </p:cNvSpPr>
+          <p:nvPr>
+            <p:ph type="sldImg"/>
+          </p:nvPr>
+        </p:nvSpPr>
+        <p:spPr/>
+      </p:sp>
+      <p:sp>
+        <p:nvSpPr>
+          <p:cNvPr id="3" name="Notes Placeholder 2"/>
+          <p:cNvSpPr>
+            <a:spLocks noGrp="1"/>
+          </p:cNvSpPr>
+          <p:nvPr>
+            <p:ph type="body" idx="1"/>
+          </p:nvPr>
+        </p:nvSpPr>
+        <p:spPr/>
+        <p:txBody>
+          <a:bodyPr/>
+          <a:lstStyle/>
+          <a:p>
+            <a:endParaRPr lang="en-US" dirty="0"/>
+          </a:p>
+        </p:txBody>
+      </p:sp>
+      <p:sp>
+        <p:nvSpPr>
+          <p:cNvPr id="4" name="Slide Number Placeholder 3"/>
+          <p:cNvSpPr>
+            <a:spLocks noGrp="1"/>
+          </p:cNvSpPr>
+          <p:nvPr>
+            <p:ph type="sldNum" sz="quarter" idx="5"/>
+          </p:nvPr>
+        </p:nvSpPr>
+        <p:spPr/>
+        <p:txBody>
+          <a:bodyPr/>
+          <a:lstStyle/>
+          <a:p>
+            <a:fld id="{E0215937-6A9A-48B7-8C95-B7F6CA68488A}" type="slidenum">
+              <a:rPr lang="en-US" smtClean="0"/>
+              <a:t>6</a:t>
+            </a:fld>
+            <a:endParaRPr lang="en-US"/>
+          </a:p>
+        </p:txBody>
+      </p:sp>
+    </p:spTree>
+    <p:extLst>
+      <p:ext uri="{BB962C8B-B14F-4D97-AF65-F5344CB8AC3E}">
+        <p14:creationId xmlns:p14="http://schemas.microsoft.com/office/powerpoint/2010/main" val="2674757280"/>
+      </p:ext>
+    </p:extLst>
+  </p:cSld>
+  <p:clrMapOvr>
+    <a:masterClrMapping/>
+  </p:clrMapOvr>
+</p:notes>
+</file>
+
+<file path=ppt/notesSlides/notesSlide3.xml><?xml version="1.0" encoding="utf-8"?>
+<p:notes xmlns:a="http://schemas.openxmlformats.org/drawingml/2006/main" xmlns:r="http://schemas.openxmlformats.org/officeDocument/2006/relationships" xmlns:p="http://schemas.openxmlformats.org/presentationml/2006/main">
+  <p:cSld>
+    <p:spTree>
+      <p:nvGrpSpPr>
+        <p:cNvPr id="1" name=""/>
+        <p:cNvGrpSpPr/>
+        <p:nvPr/>
+      </p:nvGrpSpPr>
+      <p:grpSpPr>
+        <a:xfrm>
+          <a:off x="0" y="0"/>
+          <a:ext cx="0" cy="0"/>
+          <a:chOff x="0" y="0"/>
+          <a:chExt cx="0" cy="0"/>
+        </a:xfrm>
+      </p:grpSpPr>
+      <p:sp>
+        <p:nvSpPr>
+          <p:cNvPr id="2" name="Slide Image Placeholder 1"/>
+          <p:cNvSpPr>
+            <a:spLocks noGrp="1" noRot="1" noChangeAspect="1"/>
+          </p:cNvSpPr>
+          <p:nvPr>
+            <p:ph type="sldImg"/>
+          </p:nvPr>
+        </p:nvSpPr>
+        <p:spPr/>
+      </p:sp>
+      <p:sp>
+        <p:nvSpPr>
+          <p:cNvPr id="3" name="Notes Placeholder 2"/>
+          <p:cNvSpPr>
+            <a:spLocks noGrp="1"/>
+          </p:cNvSpPr>
+          <p:nvPr>
+            <p:ph type="body" idx="1"/>
+          </p:nvPr>
+        </p:nvSpPr>
+        <p:spPr/>
+        <p:txBody>
+          <a:bodyPr/>
+          <a:lstStyle/>
+          <a:p>
+            <a:endParaRPr lang="en-US" dirty="0"/>
+          </a:p>
+        </p:txBody>
+      </p:sp>
+      <p:sp>
+        <p:nvSpPr>
+          <p:cNvPr id="4" name="Slide Number Placeholder 3"/>
+          <p:cNvSpPr>
+            <a:spLocks noGrp="1"/>
+          </p:cNvSpPr>
+          <p:nvPr>
+            <p:ph type="sldNum" sz="quarter" idx="5"/>
+          </p:nvPr>
+        </p:nvSpPr>
+        <p:spPr/>
+        <p:txBody>
+          <a:bodyPr/>
+          <a:lstStyle/>
+          <a:p>
+            <a:fld id="{E0215937-6A9A-48B7-8C95-B7F6CA68488A}" type="slidenum">
+              <a:rPr lang="en-US" smtClean="0"/>
+              <a:t>7</a:t>
+            </a:fld>
+            <a:endParaRPr lang="en-US"/>
+          </a:p>
+        </p:txBody>
+      </p:sp>
+    </p:spTree>
+    <p:extLst>
+      <p:ext uri="{BB962C8B-B14F-4D97-AF65-F5344CB8AC3E}">
+        <p14:creationId xmlns:p14="http://schemas.microsoft.com/office/powerpoint/2010/main" val="4246441074"/>
+      </p:ext>
+    </p:extLst>
+  </p:cSld>
+  <p:clrMapOvr>
+    <a:masterClrMapping/>
+  </p:clrMapOvr>
+</p:notes>
+</file>
+
+<file path=ppt/notesSlides/notesSlide4.xml><?xml version="1.0" encoding="utf-8"?>
+<p:notes xmlns:a="http://schemas.openxmlformats.org/drawingml/2006/main" xmlns:r="http://schemas.openxmlformats.org/officeDocument/2006/relationships" xmlns:p="http://schemas.openxmlformats.org/presentationml/2006/main">
+  <p:cSld>
+    <p:spTree>
+      <p:nvGrpSpPr>
+        <p:cNvPr id="1" name=""/>
+        <p:cNvGrpSpPr/>
+        <p:nvPr/>
+      </p:nvGrpSpPr>
+      <p:grpSpPr>
+        <a:xfrm>
+          <a:off x="0" y="0"/>
+          <a:ext cx="0" cy="0"/>
+          <a:chOff x="0" y="0"/>
+          <a:chExt cx="0" cy="0"/>
+        </a:xfrm>
+      </p:grpSpPr>
+      <p:sp>
+        <p:nvSpPr>
+          <p:cNvPr id="2" name="Slide Image Placeholder 1"/>
+          <p:cNvSpPr>
+            <a:spLocks noGrp="1" noRot="1" noChangeAspect="1"/>
+          </p:cNvSpPr>
+          <p:nvPr>
+            <p:ph type="sldImg"/>
+          </p:nvPr>
+        </p:nvSpPr>
+        <p:spPr/>
+      </p:sp>
+      <p:sp>
+        <p:nvSpPr>
+          <p:cNvPr id="3" name="Notes Placeholder 2"/>
+          <p:cNvSpPr>
+            <a:spLocks noGrp="1"/>
+          </p:cNvSpPr>
+          <p:nvPr>
+            <p:ph type="body" idx="1"/>
+          </p:nvPr>
+        </p:nvSpPr>
+        <p:spPr/>
+        <p:txBody>
+          <a:bodyPr/>
+          <a:lstStyle/>
+          <a:p>
+            <a:endParaRPr lang="en-US" dirty="0"/>
+          </a:p>
+        </p:txBody>
+      </p:sp>
+      <p:sp>
+        <p:nvSpPr>
+          <p:cNvPr id="4" name="Slide Number Placeholder 3"/>
+          <p:cNvSpPr>
+            <a:spLocks noGrp="1"/>
+          </p:cNvSpPr>
+          <p:nvPr>
+            <p:ph type="sldNum" sz="quarter" idx="5"/>
+          </p:nvPr>
+        </p:nvSpPr>
+        <p:spPr/>
+        <p:txBody>
+          <a:bodyPr/>
+          <a:lstStyle/>
+          <a:p>
+            <a:fld id="{E0215937-6A9A-48B7-8C95-B7F6CA68488A}" type="slidenum">
+              <a:rPr lang="en-US" smtClean="0"/>
+              <a:t>9</a:t>
+            </a:fld>
+            <a:endParaRPr lang="en-US"/>
+          </a:p>
+        </p:txBody>
+      </p:sp>
+    </p:spTree>
+    <p:extLst>
+      <p:ext uri="{BB962C8B-B14F-4D97-AF65-F5344CB8AC3E}">
+        <p14:creationId xmlns:p14="http://schemas.microsoft.com/office/powerpoint/2010/main" val="3764440152"/>
+      </p:ext>
+    </p:extLst>
+  </p:cSld>
+  <p:clrMapOvr>
+    <a:masterClrMapping/>
+  </p:clrMapOvr>
+</p:notes>
 </file>
 
 <file path=ppt/slideLayouts/slideLayout1.xml><?xml version="1.0" encoding="utf-8"?>
@@ -923,7 +5320,7 @@
           <a:p>
             <a:fld id="{2F3E8B1C-86EF-43CF-8304-249481088644}" type="datetimeFigureOut">
               <a:rPr lang="en-US" smtClean="0"/>
-              <a:t>10/9/2021</a:t>
+              <a:t>10/11/2021</a:t>
             </a:fld>
             <a:endParaRPr lang="en-US"/>
           </a:p>
@@ -1121,7 +5518,7 @@
           <a:p>
             <a:fld id="{2F3E8B1C-86EF-43CF-8304-249481088644}" type="datetimeFigureOut">
               <a:rPr lang="en-US" smtClean="0"/>
-              <a:t>10/9/2021</a:t>
+              <a:t>10/11/2021</a:t>
             </a:fld>
             <a:endParaRPr lang="en-US"/>
           </a:p>
@@ -1329,7 +5726,7 @@
           <a:p>
             <a:fld id="{2F3E8B1C-86EF-43CF-8304-249481088644}" type="datetimeFigureOut">
               <a:rPr lang="en-US" smtClean="0"/>
-              <a:t>10/9/2021</a:t>
+              <a:t>10/11/2021</a:t>
             </a:fld>
             <a:endParaRPr lang="en-US"/>
           </a:p>
@@ -1527,7 +5924,7 @@
           <a:p>
             <a:fld id="{2F3E8B1C-86EF-43CF-8304-249481088644}" type="datetimeFigureOut">
               <a:rPr lang="en-US" smtClean="0"/>
-              <a:t>10/9/2021</a:t>
+              <a:t>10/11/2021</a:t>
             </a:fld>
             <a:endParaRPr lang="en-US"/>
           </a:p>
@@ -1802,7 +6199,7 @@
           <a:p>
             <a:fld id="{2F3E8B1C-86EF-43CF-8304-249481088644}" type="datetimeFigureOut">
               <a:rPr lang="en-US" smtClean="0"/>
-              <a:t>10/9/2021</a:t>
+              <a:t>10/11/2021</a:t>
             </a:fld>
             <a:endParaRPr lang="en-US"/>
           </a:p>
@@ -2072,7 +6469,7 @@
           <a:p>
             <a:fld id="{2F3E8B1C-86EF-43CF-8304-249481088644}" type="datetimeFigureOut">
               <a:rPr lang="en-US" smtClean="0"/>
-              <a:t>10/9/2021</a:t>
+              <a:t>10/11/2021</a:t>
             </a:fld>
             <a:endParaRPr lang="en-US"/>
           </a:p>
@@ -2492,7 +6889,7 @@
           <a:p>
             <a:fld id="{2F3E8B1C-86EF-43CF-8304-249481088644}" type="datetimeFigureOut">
               <a:rPr lang="en-US" smtClean="0"/>
-              <a:t>10/9/2021</a:t>
+              <a:t>10/11/2021</a:t>
             </a:fld>
             <a:endParaRPr lang="en-US"/>
           </a:p>
@@ -2633,7 +7030,7 @@
           <a:p>
             <a:fld id="{2F3E8B1C-86EF-43CF-8304-249481088644}" type="datetimeFigureOut">
               <a:rPr lang="en-US" smtClean="0"/>
-              <a:t>10/9/2021</a:t>
+              <a:t>10/11/2021</a:t>
             </a:fld>
             <a:endParaRPr lang="en-US"/>
           </a:p>
@@ -2746,7 +7143,7 @@
           <a:p>
             <a:fld id="{2F3E8B1C-86EF-43CF-8304-249481088644}" type="datetimeFigureOut">
               <a:rPr lang="en-US" smtClean="0"/>
-              <a:t>10/9/2021</a:t>
+              <a:t>10/11/2021</a:t>
             </a:fld>
             <a:endParaRPr lang="en-US"/>
           </a:p>
@@ -3057,7 +7454,7 @@
           <a:p>
             <a:fld id="{2F3E8B1C-86EF-43CF-8304-249481088644}" type="datetimeFigureOut">
               <a:rPr lang="en-US" smtClean="0"/>
-              <a:t>10/9/2021</a:t>
+              <a:t>10/11/2021</a:t>
             </a:fld>
             <a:endParaRPr lang="en-US"/>
           </a:p>
@@ -3345,7 +7742,7 @@
           <a:p>
             <a:fld id="{2F3E8B1C-86EF-43CF-8304-249481088644}" type="datetimeFigureOut">
               <a:rPr lang="en-US" smtClean="0"/>
-              <a:t>10/9/2021</a:t>
+              <a:t>10/11/2021</a:t>
             </a:fld>
             <a:endParaRPr lang="en-US"/>
           </a:p>
@@ -3586,7 +7983,7 @@
             <a:fld id="{2F3E8B1C-86EF-43CF-8304-249481088644}" type="datetimeFigureOut">
               <a:rPr lang="en-US" smtClean="0"/>
               <a:pPr/>
-              <a:t>10/9/2021</a:t>
+              <a:t>10/11/2021</a:t>
             </a:fld>
             <a:endParaRPr lang="en-US" dirty="0"/>
           </a:p>
@@ -4424,6 +8821,1393 @@
 </p:sld>
 </file>
 
+<file path=ppt/slides/slide10.xml><?xml version="1.0" encoding="utf-8"?>
+<p:sld xmlns:a="http://schemas.openxmlformats.org/drawingml/2006/main" xmlns:r="http://schemas.openxmlformats.org/officeDocument/2006/relationships" xmlns:p="http://schemas.openxmlformats.org/presentationml/2006/main">
+  <p:cSld>
+    <p:bg>
+      <p:bgPr>
+        <a:solidFill>
+          <a:schemeClr val="bg1"/>
+        </a:solidFill>
+        <a:effectLst/>
+      </p:bgPr>
+    </p:bg>
+    <p:spTree>
+      <p:nvGrpSpPr>
+        <p:cNvPr id="1" name=""/>
+        <p:cNvGrpSpPr/>
+        <p:nvPr/>
+      </p:nvGrpSpPr>
+      <p:grpSpPr>
+        <a:xfrm>
+          <a:off x="0" y="0"/>
+          <a:ext cx="0" cy="0"/>
+          <a:chOff x="0" y="0"/>
+          <a:chExt cx="0" cy="0"/>
+        </a:xfrm>
+      </p:grpSpPr>
+      <p:cxnSp>
+        <p:nvCxnSpPr>
+          <p:cNvPr id="10" name="Straight Connector 9">
+            <a:extLst>
+              <a:ext uri="{FF2B5EF4-FFF2-40B4-BE49-F238E27FC236}">
+                <a16:creationId xmlns:a16="http://schemas.microsoft.com/office/drawing/2014/main" id="{F64F9B95-9045-48D2-B9F3-2927E98F54AA}"/>
+              </a:ext>
+              <a:ext uri="{C183D7F6-B498-43B3-948B-1728B52AA6E4}">
+                <adec:decorative xmlns:adec="http://schemas.microsoft.com/office/drawing/2017/decorative" val="1"/>
+              </a:ext>
+            </a:extLst>
+          </p:cNvPr>
+          <p:cNvCxnSpPr>
+            <a:cxnSpLocks noGrp="1" noRot="1" noChangeAspect="1" noMove="1" noResize="1" noEditPoints="1" noAdjustHandles="1" noChangeArrowheads="1" noChangeShapeType="1"/>
+          </p:cNvCxnSpPr>
+          <p:nvPr>
+            <p:extLst>
+              <p:ext uri="{386F3935-93C4-4BCD-93E2-E3B085C9AB24}">
+                <p16:designElem xmlns:p16="http://schemas.microsoft.com/office/powerpoint/2015/main" val="1"/>
+              </p:ext>
+            </p:extLst>
+          </p:nvPr>
+        </p:nvCxnSpPr>
+        <p:spPr>
+          <a:xfrm>
+            <a:off x="800100" y="723900"/>
+            <a:ext cx="10591800" cy="0"/>
+          </a:xfrm>
+          <a:prstGeom prst="line">
+            <a:avLst/>
+          </a:prstGeom>
+          <a:ln w="44450">
+            <a:solidFill>
+              <a:schemeClr val="tx1"/>
+            </a:solidFill>
+          </a:ln>
+        </p:spPr>
+        <p:style>
+          <a:lnRef idx="1">
+            <a:schemeClr val="accent1"/>
+          </a:lnRef>
+          <a:fillRef idx="0">
+            <a:schemeClr val="accent1"/>
+          </a:fillRef>
+          <a:effectRef idx="0">
+            <a:schemeClr val="accent1"/>
+          </a:effectRef>
+          <a:fontRef idx="minor">
+            <a:schemeClr val="tx1"/>
+          </a:fontRef>
+        </p:style>
+      </p:cxnSp>
+      <p:cxnSp>
+        <p:nvCxnSpPr>
+          <p:cNvPr id="12" name="Straight Connector 11">
+            <a:extLst>
+              <a:ext uri="{FF2B5EF4-FFF2-40B4-BE49-F238E27FC236}">
+                <a16:creationId xmlns:a16="http://schemas.microsoft.com/office/drawing/2014/main" id="{085AA86F-6A4D-4BCB-A045-D992CDC2959B}"/>
+              </a:ext>
+              <a:ext uri="{C183D7F6-B498-43B3-948B-1728B52AA6E4}">
+                <adec:decorative xmlns:adec="http://schemas.microsoft.com/office/drawing/2017/decorative" val="1"/>
+              </a:ext>
+            </a:extLst>
+          </p:cNvPr>
+          <p:cNvCxnSpPr>
+            <a:cxnSpLocks noGrp="1" noRot="1" noChangeAspect="1" noMove="1" noResize="1" noEditPoints="1" noAdjustHandles="1" noChangeArrowheads="1" noChangeShapeType="1"/>
+          </p:cNvCxnSpPr>
+          <p:nvPr>
+            <p:extLst>
+              <p:ext uri="{386F3935-93C4-4BCD-93E2-E3B085C9AB24}">
+                <p16:designElem xmlns:p16="http://schemas.microsoft.com/office/powerpoint/2015/main" val="1"/>
+              </p:ext>
+            </p:extLst>
+          </p:nvPr>
+        </p:nvCxnSpPr>
+        <p:spPr>
+          <a:xfrm>
+            <a:off x="800100" y="6142781"/>
+            <a:ext cx="10591800" cy="0"/>
+          </a:xfrm>
+          <a:prstGeom prst="line">
+            <a:avLst/>
+          </a:prstGeom>
+          <a:ln w="12700">
+            <a:solidFill>
+              <a:schemeClr val="tx1"/>
+            </a:solidFill>
+          </a:ln>
+        </p:spPr>
+        <p:style>
+          <a:lnRef idx="1">
+            <a:schemeClr val="accent1"/>
+          </a:lnRef>
+          <a:fillRef idx="0">
+            <a:schemeClr val="accent1"/>
+          </a:fillRef>
+          <a:effectRef idx="0">
+            <a:schemeClr val="accent1"/>
+          </a:effectRef>
+          <a:fontRef idx="minor">
+            <a:schemeClr val="tx1"/>
+          </a:fontRef>
+        </p:style>
+      </p:cxnSp>
+      <p:sp useBgFill="1">
+        <p:nvSpPr>
+          <p:cNvPr id="14" name="Rectangle 13">
+            <a:extLst>
+              <a:ext uri="{FF2B5EF4-FFF2-40B4-BE49-F238E27FC236}">
+                <a16:creationId xmlns:a16="http://schemas.microsoft.com/office/drawing/2014/main" id="{85CB65D0-496F-4797-A015-C85839E35D1A}"/>
+              </a:ext>
+              <a:ext uri="{C183D7F6-B498-43B3-948B-1728B52AA6E4}">
+                <adec:decorative xmlns:adec="http://schemas.microsoft.com/office/drawing/2017/decorative" val="1"/>
+              </a:ext>
+            </a:extLst>
+          </p:cNvPr>
+          <p:cNvSpPr>
+            <a:spLocks noGrp="1" noRot="1" noChangeAspect="1" noMove="1" noResize="1" noEditPoints="1" noAdjustHandles="1" noChangeArrowheads="1" noChangeShapeType="1" noTextEdit="1"/>
+          </p:cNvSpPr>
+          <p:nvPr>
+            <p:extLst>
+              <p:ext uri="{386F3935-93C4-4BCD-93E2-E3B085C9AB24}">
+                <p16:designElem xmlns:p16="http://schemas.microsoft.com/office/powerpoint/2015/main" val="1"/>
+              </p:ext>
+            </p:extLst>
+          </p:nvPr>
+        </p:nvSpPr>
+        <p:spPr>
+          <a:xfrm>
+            <a:off x="0" y="0"/>
+            <a:ext cx="12192000" cy="6858000"/>
+          </a:xfrm>
+          <a:prstGeom prst="rect">
+            <a:avLst/>
+          </a:prstGeom>
+          <a:ln w="12700" cap="flat" cmpd="sng" algn="ctr">
+            <a:noFill/>
+            <a:prstDash val="solid"/>
+            <a:miter lim="800000"/>
+          </a:ln>
+          <a:effectLst/>
+          <a:extLst>
+            <a:ext uri="{91240B29-F687-4F45-9708-019B960494DF}">
+              <a14:hiddenLine xmlns:a14="http://schemas.microsoft.com/office/drawing/2010/main" w="12700" cap="flat" cmpd="sng" algn="ctr">
+                <a:solidFill>
+                  <a:schemeClr val="accent1">
+                    <a:shade val="50000"/>
+                  </a:schemeClr>
+                </a:solidFill>
+                <a:prstDash val="solid"/>
+                <a:miter lim="800000"/>
+              </a14:hiddenLine>
+            </a:ext>
+          </a:extLst>
+        </p:spPr>
+        <p:style>
+          <a:lnRef idx="2">
+            <a:schemeClr val="accent1">
+              <a:shade val="50000"/>
+            </a:schemeClr>
+          </a:lnRef>
+          <a:fillRef idx="1">
+            <a:schemeClr val="accent1"/>
+          </a:fillRef>
+          <a:effectRef idx="0">
+            <a:schemeClr val="accent1"/>
+          </a:effectRef>
+          <a:fontRef idx="minor">
+            <a:schemeClr val="lt1"/>
+          </a:fontRef>
+        </p:style>
+        <p:txBody>
+          <a:bodyPr rtlCol="0" anchor="ctr"/>
+          <a:lstStyle/>
+          <a:p>
+            <a:pPr algn="ctr"/>
+            <a:endParaRPr lang="en-US"/>
+          </a:p>
+        </p:txBody>
+      </p:sp>
+      <p:pic>
+        <p:nvPicPr>
+          <p:cNvPr id="5" name="Content Placeholder 4">
+            <a:extLst>
+              <a:ext uri="{FF2B5EF4-FFF2-40B4-BE49-F238E27FC236}">
+                <a16:creationId xmlns:a16="http://schemas.microsoft.com/office/drawing/2014/main" id="{0EB9B57C-E973-4260-B6E8-8C9CE7767CCB}"/>
+              </a:ext>
+            </a:extLst>
+          </p:cNvPr>
+          <p:cNvPicPr>
+            <a:picLocks noGrp="1" noChangeAspect="1"/>
+          </p:cNvPicPr>
+          <p:nvPr>
+            <p:ph idx="1"/>
+          </p:nvPr>
+        </p:nvPicPr>
+        <p:blipFill rotWithShape="1">
+          <a:blip r:embed="rId2"/>
+          <a:srcRect l="10667" r="-1" b="-1"/>
+          <a:stretch/>
+        </p:blipFill>
+        <p:spPr>
+          <a:xfrm>
+            <a:off x="1" y="10"/>
+            <a:ext cx="12192000" cy="6857989"/>
+          </a:xfrm>
+          <a:prstGeom prst="rect">
+            <a:avLst/>
+          </a:prstGeom>
+        </p:spPr>
+      </p:pic>
+      <p:sp>
+        <p:nvSpPr>
+          <p:cNvPr id="16" name="Rectangle 15">
+            <a:extLst>
+              <a:ext uri="{FF2B5EF4-FFF2-40B4-BE49-F238E27FC236}">
+                <a16:creationId xmlns:a16="http://schemas.microsoft.com/office/drawing/2014/main" id="{95D2C779-8883-4E5F-A170-0F464918C1B7}"/>
+              </a:ext>
+              <a:ext uri="{C183D7F6-B498-43B3-948B-1728B52AA6E4}">
+                <adec:decorative xmlns:adec="http://schemas.microsoft.com/office/drawing/2017/decorative" val="1"/>
+              </a:ext>
+            </a:extLst>
+          </p:cNvPr>
+          <p:cNvSpPr>
+            <a:spLocks noGrp="1" noRot="1" noChangeAspect="1" noMove="1" noResize="1" noEditPoints="1" noAdjustHandles="1" noChangeArrowheads="1" noChangeShapeType="1" noTextEdit="1"/>
+          </p:cNvSpPr>
+          <p:nvPr>
+            <p:extLst>
+              <p:ext uri="{386F3935-93C4-4BCD-93E2-E3B085C9AB24}">
+                <p16:designElem xmlns:p16="http://schemas.microsoft.com/office/powerpoint/2015/main" val="1"/>
+              </p:ext>
+            </p:extLst>
+          </p:nvPr>
+        </p:nvSpPr>
+        <p:spPr>
+          <a:xfrm rot="10800000">
+            <a:off x="-2307" y="990598"/>
+            <a:ext cx="12188952" cy="4745182"/>
+          </a:xfrm>
+          <a:prstGeom prst="rect">
+            <a:avLst/>
+          </a:prstGeom>
+          <a:gradFill>
+            <a:gsLst>
+              <a:gs pos="35000">
+                <a:srgbClr val="000000">
+                  <a:alpha val="41000"/>
+                </a:srgbClr>
+              </a:gs>
+              <a:gs pos="0">
+                <a:srgbClr val="000000">
+                  <a:alpha val="0"/>
+                </a:srgbClr>
+              </a:gs>
+              <a:gs pos="47744">
+                <a:srgbClr val="000000">
+                  <a:alpha val="51000"/>
+                </a:srgbClr>
+              </a:gs>
+              <a:gs pos="70000">
+                <a:srgbClr val="000000">
+                  <a:alpha val="37000"/>
+                </a:srgbClr>
+              </a:gs>
+              <a:gs pos="100000">
+                <a:srgbClr val="000000">
+                  <a:alpha val="0"/>
+                </a:srgbClr>
+              </a:gs>
+            </a:gsLst>
+            <a:lin ang="5400000" scaled="1"/>
+          </a:gradFill>
+          <a:ln>
+            <a:noFill/>
+          </a:ln>
+        </p:spPr>
+        <p:style>
+          <a:lnRef idx="2">
+            <a:schemeClr val="accent1">
+              <a:shade val="50000"/>
+            </a:schemeClr>
+          </a:lnRef>
+          <a:fillRef idx="1">
+            <a:schemeClr val="accent1"/>
+          </a:fillRef>
+          <a:effectRef idx="0">
+            <a:schemeClr val="accent1"/>
+          </a:effectRef>
+          <a:fontRef idx="minor">
+            <a:schemeClr val="lt1"/>
+          </a:fontRef>
+        </p:style>
+        <p:txBody>
+          <a:bodyPr rtlCol="0" anchor="ctr"/>
+          <a:lstStyle/>
+          <a:p>
+            <a:pPr algn="ctr"/>
+            <a:endParaRPr lang="en-US"/>
+          </a:p>
+        </p:txBody>
+      </p:sp>
+      <p:sp>
+        <p:nvSpPr>
+          <p:cNvPr id="2" name="Title 1">
+            <a:extLst>
+              <a:ext uri="{FF2B5EF4-FFF2-40B4-BE49-F238E27FC236}">
+                <a16:creationId xmlns:a16="http://schemas.microsoft.com/office/drawing/2014/main" id="{61FAEC78-E3D8-4D14-B683-10E721BA9628}"/>
+              </a:ext>
+            </a:extLst>
+          </p:cNvPr>
+          <p:cNvSpPr>
+            <a:spLocks noGrp="1"/>
+          </p:cNvSpPr>
+          <p:nvPr>
+            <p:ph type="title"/>
+          </p:nvPr>
+        </p:nvSpPr>
+        <p:spPr>
+          <a:xfrm>
+            <a:off x="1833541" y="990599"/>
+            <a:ext cx="5619054" cy="4849091"/>
+          </a:xfrm>
+        </p:spPr>
+        <p:txBody>
+          <a:bodyPr vert="horz" lIns="91440" tIns="45720" rIns="91440" bIns="45720" rtlCol="0" anchor="ctr">
+            <a:normAutofit/>
+          </a:bodyPr>
+          <a:lstStyle/>
+          <a:p>
+            <a:pPr algn="r"/>
+            <a:r>
+              <a:rPr lang="en-US" sz="5400" dirty="0">
+                <a:solidFill>
+                  <a:srgbClr val="FFFFFF"/>
+                </a:solidFill>
+              </a:rPr>
+              <a:t>r/conservative</a:t>
+            </a:r>
+          </a:p>
+        </p:txBody>
+      </p:sp>
+      <p:cxnSp>
+        <p:nvCxnSpPr>
+          <p:cNvPr id="18" name="Straight Connector 17">
+            <a:extLst>
+              <a:ext uri="{FF2B5EF4-FFF2-40B4-BE49-F238E27FC236}">
+                <a16:creationId xmlns:a16="http://schemas.microsoft.com/office/drawing/2014/main" id="{BD96A694-258D-4418-A83C-B9BA72FD44B8}"/>
+              </a:ext>
+              <a:ext uri="{C183D7F6-B498-43B3-948B-1728B52AA6E4}">
+                <adec:decorative xmlns:adec="http://schemas.microsoft.com/office/drawing/2017/decorative" val="1"/>
+              </a:ext>
+            </a:extLst>
+          </p:cNvPr>
+          <p:cNvCxnSpPr>
+            <a:cxnSpLocks noGrp="1" noRot="1" noChangeAspect="1" noMove="1" noResize="1" noEditPoints="1" noAdjustHandles="1" noChangeArrowheads="1" noChangeShapeType="1"/>
+          </p:cNvCxnSpPr>
+          <p:nvPr>
+            <p:extLst>
+              <p:ext uri="{386F3935-93C4-4BCD-93E2-E3B085C9AB24}">
+                <p16:designElem xmlns:p16="http://schemas.microsoft.com/office/powerpoint/2015/main" val="1"/>
+              </p:ext>
+            </p:extLst>
+          </p:nvPr>
+        </p:nvCxnSpPr>
+        <p:spPr>
+          <a:xfrm flipV="1">
+            <a:off x="8115300" y="1780927"/>
+            <a:ext cx="0" cy="3390901"/>
+          </a:xfrm>
+          <a:prstGeom prst="line">
+            <a:avLst/>
+          </a:prstGeom>
+          <a:ln w="44450">
+            <a:solidFill>
+              <a:srgbClr val="FFFFFF"/>
+            </a:solidFill>
+          </a:ln>
+          <a:effectLst>
+            <a:outerShdw blurRad="50800" dist="38100" dir="2700000" sx="88000" sy="88000" algn="tl" rotWithShape="0">
+              <a:prstClr val="black">
+                <a:alpha val="26000"/>
+              </a:prstClr>
+            </a:outerShdw>
+          </a:effectLst>
+        </p:spPr>
+        <p:style>
+          <a:lnRef idx="1">
+            <a:schemeClr val="accent1"/>
+          </a:lnRef>
+          <a:fillRef idx="0">
+            <a:schemeClr val="accent1"/>
+          </a:fillRef>
+          <a:effectRef idx="0">
+            <a:schemeClr val="accent1"/>
+          </a:effectRef>
+          <a:fontRef idx="minor">
+            <a:schemeClr val="tx1"/>
+          </a:fontRef>
+        </p:style>
+      </p:cxnSp>
+    </p:spTree>
+    <p:extLst>
+      <p:ext uri="{BB962C8B-B14F-4D97-AF65-F5344CB8AC3E}">
+        <p14:creationId xmlns:p14="http://schemas.microsoft.com/office/powerpoint/2010/main" val="2458940761"/>
+      </p:ext>
+    </p:extLst>
+  </p:cSld>
+  <p:clrMapOvr>
+    <a:masterClrMapping/>
+  </p:clrMapOvr>
+</p:sld>
+</file>
+
+<file path=ppt/slides/slide11.xml><?xml version="1.0" encoding="utf-8"?>
+<p:sld xmlns:a="http://schemas.openxmlformats.org/drawingml/2006/main" xmlns:r="http://schemas.openxmlformats.org/officeDocument/2006/relationships" xmlns:p="http://schemas.openxmlformats.org/presentationml/2006/main">
+  <p:cSld>
+    <p:bg>
+      <p:bgPr>
+        <a:solidFill>
+          <a:schemeClr val="bg1"/>
+        </a:solidFill>
+        <a:effectLst/>
+      </p:bgPr>
+    </p:bg>
+    <p:spTree>
+      <p:nvGrpSpPr>
+        <p:cNvPr id="1" name=""/>
+        <p:cNvGrpSpPr/>
+        <p:nvPr/>
+      </p:nvGrpSpPr>
+      <p:grpSpPr>
+        <a:xfrm>
+          <a:off x="0" y="0"/>
+          <a:ext cx="0" cy="0"/>
+          <a:chOff x="0" y="0"/>
+          <a:chExt cx="0" cy="0"/>
+        </a:xfrm>
+      </p:grpSpPr>
+      <p:cxnSp>
+        <p:nvCxnSpPr>
+          <p:cNvPr id="10" name="Straight Connector 9">
+            <a:extLst>
+              <a:ext uri="{FF2B5EF4-FFF2-40B4-BE49-F238E27FC236}">
+                <a16:creationId xmlns:a16="http://schemas.microsoft.com/office/drawing/2014/main" id="{F64F9B95-9045-48D2-B9F3-2927E98F54AA}"/>
+              </a:ext>
+              <a:ext uri="{C183D7F6-B498-43B3-948B-1728B52AA6E4}">
+                <adec:decorative xmlns:adec="http://schemas.microsoft.com/office/drawing/2017/decorative" val="1"/>
+              </a:ext>
+            </a:extLst>
+          </p:cNvPr>
+          <p:cNvCxnSpPr>
+            <a:cxnSpLocks noGrp="1" noRot="1" noChangeAspect="1" noMove="1" noResize="1" noEditPoints="1" noAdjustHandles="1" noChangeArrowheads="1" noChangeShapeType="1"/>
+          </p:cNvCxnSpPr>
+          <p:nvPr>
+            <p:extLst>
+              <p:ext uri="{386F3935-93C4-4BCD-93E2-E3B085C9AB24}">
+                <p16:designElem xmlns:p16="http://schemas.microsoft.com/office/powerpoint/2015/main" val="1"/>
+              </p:ext>
+            </p:extLst>
+          </p:nvPr>
+        </p:nvCxnSpPr>
+        <p:spPr>
+          <a:xfrm>
+            <a:off x="800100" y="723900"/>
+            <a:ext cx="10591800" cy="0"/>
+          </a:xfrm>
+          <a:prstGeom prst="line">
+            <a:avLst/>
+          </a:prstGeom>
+          <a:ln w="44450">
+            <a:solidFill>
+              <a:schemeClr val="tx1"/>
+            </a:solidFill>
+          </a:ln>
+        </p:spPr>
+        <p:style>
+          <a:lnRef idx="1">
+            <a:schemeClr val="accent1"/>
+          </a:lnRef>
+          <a:fillRef idx="0">
+            <a:schemeClr val="accent1"/>
+          </a:fillRef>
+          <a:effectRef idx="0">
+            <a:schemeClr val="accent1"/>
+          </a:effectRef>
+          <a:fontRef idx="minor">
+            <a:schemeClr val="tx1"/>
+          </a:fontRef>
+        </p:style>
+      </p:cxnSp>
+      <p:cxnSp>
+        <p:nvCxnSpPr>
+          <p:cNvPr id="12" name="Straight Connector 11">
+            <a:extLst>
+              <a:ext uri="{FF2B5EF4-FFF2-40B4-BE49-F238E27FC236}">
+                <a16:creationId xmlns:a16="http://schemas.microsoft.com/office/drawing/2014/main" id="{085AA86F-6A4D-4BCB-A045-D992CDC2959B}"/>
+              </a:ext>
+              <a:ext uri="{C183D7F6-B498-43B3-948B-1728B52AA6E4}">
+                <adec:decorative xmlns:adec="http://schemas.microsoft.com/office/drawing/2017/decorative" val="1"/>
+              </a:ext>
+            </a:extLst>
+          </p:cNvPr>
+          <p:cNvCxnSpPr>
+            <a:cxnSpLocks noGrp="1" noRot="1" noChangeAspect="1" noMove="1" noResize="1" noEditPoints="1" noAdjustHandles="1" noChangeArrowheads="1" noChangeShapeType="1"/>
+          </p:cNvCxnSpPr>
+          <p:nvPr>
+            <p:extLst>
+              <p:ext uri="{386F3935-93C4-4BCD-93E2-E3B085C9AB24}">
+                <p16:designElem xmlns:p16="http://schemas.microsoft.com/office/powerpoint/2015/main" val="1"/>
+              </p:ext>
+            </p:extLst>
+          </p:nvPr>
+        </p:nvCxnSpPr>
+        <p:spPr>
+          <a:xfrm>
+            <a:off x="800100" y="6142781"/>
+            <a:ext cx="10591800" cy="0"/>
+          </a:xfrm>
+          <a:prstGeom prst="line">
+            <a:avLst/>
+          </a:prstGeom>
+          <a:ln w="12700">
+            <a:solidFill>
+              <a:schemeClr val="tx1"/>
+            </a:solidFill>
+          </a:ln>
+        </p:spPr>
+        <p:style>
+          <a:lnRef idx="1">
+            <a:schemeClr val="accent1"/>
+          </a:lnRef>
+          <a:fillRef idx="0">
+            <a:schemeClr val="accent1"/>
+          </a:fillRef>
+          <a:effectRef idx="0">
+            <a:schemeClr val="accent1"/>
+          </a:effectRef>
+          <a:fontRef idx="minor">
+            <a:schemeClr val="tx1"/>
+          </a:fontRef>
+        </p:style>
+      </p:cxnSp>
+      <p:sp useBgFill="1">
+        <p:nvSpPr>
+          <p:cNvPr id="14" name="Rectangle 13">
+            <a:extLst>
+              <a:ext uri="{FF2B5EF4-FFF2-40B4-BE49-F238E27FC236}">
+                <a16:creationId xmlns:a16="http://schemas.microsoft.com/office/drawing/2014/main" id="{85CB65D0-496F-4797-A015-C85839E35D1A}"/>
+              </a:ext>
+              <a:ext uri="{C183D7F6-B498-43B3-948B-1728B52AA6E4}">
+                <adec:decorative xmlns:adec="http://schemas.microsoft.com/office/drawing/2017/decorative" val="1"/>
+              </a:ext>
+            </a:extLst>
+          </p:cNvPr>
+          <p:cNvSpPr>
+            <a:spLocks noGrp="1" noRot="1" noChangeAspect="1" noMove="1" noResize="1" noEditPoints="1" noAdjustHandles="1" noChangeArrowheads="1" noChangeShapeType="1" noTextEdit="1"/>
+          </p:cNvSpPr>
+          <p:nvPr>
+            <p:extLst>
+              <p:ext uri="{386F3935-93C4-4BCD-93E2-E3B085C9AB24}">
+                <p16:designElem xmlns:p16="http://schemas.microsoft.com/office/powerpoint/2015/main" val="1"/>
+              </p:ext>
+            </p:extLst>
+          </p:nvPr>
+        </p:nvSpPr>
+        <p:spPr>
+          <a:xfrm>
+            <a:off x="0" y="0"/>
+            <a:ext cx="12192000" cy="6858000"/>
+          </a:xfrm>
+          <a:prstGeom prst="rect">
+            <a:avLst/>
+          </a:prstGeom>
+          <a:ln w="12700" cap="flat" cmpd="sng" algn="ctr">
+            <a:noFill/>
+            <a:prstDash val="solid"/>
+            <a:miter lim="800000"/>
+          </a:ln>
+          <a:effectLst/>
+          <a:extLst>
+            <a:ext uri="{91240B29-F687-4F45-9708-019B960494DF}">
+              <a14:hiddenLine xmlns:a14="http://schemas.microsoft.com/office/drawing/2010/main" w="12700" cap="flat" cmpd="sng" algn="ctr">
+                <a:solidFill>
+                  <a:schemeClr val="accent1">
+                    <a:shade val="50000"/>
+                  </a:schemeClr>
+                </a:solidFill>
+                <a:prstDash val="solid"/>
+                <a:miter lim="800000"/>
+              </a14:hiddenLine>
+            </a:ext>
+          </a:extLst>
+        </p:spPr>
+        <p:style>
+          <a:lnRef idx="2">
+            <a:schemeClr val="accent1">
+              <a:shade val="50000"/>
+            </a:schemeClr>
+          </a:lnRef>
+          <a:fillRef idx="1">
+            <a:schemeClr val="accent1"/>
+          </a:fillRef>
+          <a:effectRef idx="0">
+            <a:schemeClr val="accent1"/>
+          </a:effectRef>
+          <a:fontRef idx="minor">
+            <a:schemeClr val="lt1"/>
+          </a:fontRef>
+        </p:style>
+        <p:txBody>
+          <a:bodyPr rtlCol="0" anchor="ctr"/>
+          <a:lstStyle/>
+          <a:p>
+            <a:pPr algn="ctr"/>
+            <a:endParaRPr lang="en-US"/>
+          </a:p>
+        </p:txBody>
+      </p:sp>
+      <p:pic>
+        <p:nvPicPr>
+          <p:cNvPr id="5" name="Content Placeholder 4">
+            <a:extLst>
+              <a:ext uri="{FF2B5EF4-FFF2-40B4-BE49-F238E27FC236}">
+                <a16:creationId xmlns:a16="http://schemas.microsoft.com/office/drawing/2014/main" id="{610B6BDA-1EC9-4C43-B24F-F63F069F6104}"/>
+              </a:ext>
+            </a:extLst>
+          </p:cNvPr>
+          <p:cNvPicPr>
+            <a:picLocks noGrp="1" noChangeAspect="1"/>
+          </p:cNvPicPr>
+          <p:nvPr>
+            <p:ph idx="1"/>
+          </p:nvPr>
+        </p:nvPicPr>
+        <p:blipFill rotWithShape="1">
+          <a:blip r:embed="rId2"/>
+          <a:srcRect l="2352" r="8314" b="-1"/>
+          <a:stretch/>
+        </p:blipFill>
+        <p:spPr>
+          <a:xfrm>
+            <a:off x="1" y="10"/>
+            <a:ext cx="12192000" cy="6857989"/>
+          </a:xfrm>
+          <a:prstGeom prst="rect">
+            <a:avLst/>
+          </a:prstGeom>
+        </p:spPr>
+      </p:pic>
+      <p:sp>
+        <p:nvSpPr>
+          <p:cNvPr id="16" name="Rectangle 15">
+            <a:extLst>
+              <a:ext uri="{FF2B5EF4-FFF2-40B4-BE49-F238E27FC236}">
+                <a16:creationId xmlns:a16="http://schemas.microsoft.com/office/drawing/2014/main" id="{95D2C779-8883-4E5F-A170-0F464918C1B7}"/>
+              </a:ext>
+              <a:ext uri="{C183D7F6-B498-43B3-948B-1728B52AA6E4}">
+                <adec:decorative xmlns:adec="http://schemas.microsoft.com/office/drawing/2017/decorative" val="1"/>
+              </a:ext>
+            </a:extLst>
+          </p:cNvPr>
+          <p:cNvSpPr>
+            <a:spLocks noGrp="1" noRot="1" noChangeAspect="1" noMove="1" noResize="1" noEditPoints="1" noAdjustHandles="1" noChangeArrowheads="1" noChangeShapeType="1" noTextEdit="1"/>
+          </p:cNvSpPr>
+          <p:nvPr>
+            <p:extLst>
+              <p:ext uri="{386F3935-93C4-4BCD-93E2-E3B085C9AB24}">
+                <p16:designElem xmlns:p16="http://schemas.microsoft.com/office/powerpoint/2015/main" val="1"/>
+              </p:ext>
+            </p:extLst>
+          </p:nvPr>
+        </p:nvSpPr>
+        <p:spPr>
+          <a:xfrm rot="10800000">
+            <a:off x="-2307" y="990598"/>
+            <a:ext cx="12188952" cy="4745182"/>
+          </a:xfrm>
+          <a:prstGeom prst="rect">
+            <a:avLst/>
+          </a:prstGeom>
+          <a:gradFill>
+            <a:gsLst>
+              <a:gs pos="35000">
+                <a:srgbClr val="000000">
+                  <a:alpha val="41000"/>
+                </a:srgbClr>
+              </a:gs>
+              <a:gs pos="0">
+                <a:srgbClr val="000000">
+                  <a:alpha val="0"/>
+                </a:srgbClr>
+              </a:gs>
+              <a:gs pos="47744">
+                <a:srgbClr val="000000">
+                  <a:alpha val="51000"/>
+                </a:srgbClr>
+              </a:gs>
+              <a:gs pos="70000">
+                <a:srgbClr val="000000">
+                  <a:alpha val="37000"/>
+                </a:srgbClr>
+              </a:gs>
+              <a:gs pos="100000">
+                <a:srgbClr val="000000">
+                  <a:alpha val="0"/>
+                </a:srgbClr>
+              </a:gs>
+            </a:gsLst>
+            <a:lin ang="5400000" scaled="1"/>
+          </a:gradFill>
+          <a:ln>
+            <a:noFill/>
+          </a:ln>
+        </p:spPr>
+        <p:style>
+          <a:lnRef idx="2">
+            <a:schemeClr val="accent1">
+              <a:shade val="50000"/>
+            </a:schemeClr>
+          </a:lnRef>
+          <a:fillRef idx="1">
+            <a:schemeClr val="accent1"/>
+          </a:fillRef>
+          <a:effectRef idx="0">
+            <a:schemeClr val="accent1"/>
+          </a:effectRef>
+          <a:fontRef idx="minor">
+            <a:schemeClr val="lt1"/>
+          </a:fontRef>
+        </p:style>
+        <p:txBody>
+          <a:bodyPr rtlCol="0" anchor="ctr"/>
+          <a:lstStyle/>
+          <a:p>
+            <a:pPr algn="ctr"/>
+            <a:endParaRPr lang="en-US"/>
+          </a:p>
+        </p:txBody>
+      </p:sp>
+      <p:sp>
+        <p:nvSpPr>
+          <p:cNvPr id="2" name="Title 1">
+            <a:extLst>
+              <a:ext uri="{FF2B5EF4-FFF2-40B4-BE49-F238E27FC236}">
+                <a16:creationId xmlns:a16="http://schemas.microsoft.com/office/drawing/2014/main" id="{F5BEEE25-74F6-4024-808D-10960EAA6259}"/>
+              </a:ext>
+            </a:extLst>
+          </p:cNvPr>
+          <p:cNvSpPr>
+            <a:spLocks noGrp="1"/>
+          </p:cNvSpPr>
+          <p:nvPr>
+            <p:ph type="title"/>
+          </p:nvPr>
+        </p:nvSpPr>
+        <p:spPr>
+          <a:xfrm>
+            <a:off x="1833541" y="990599"/>
+            <a:ext cx="5619054" cy="4849091"/>
+          </a:xfrm>
+        </p:spPr>
+        <p:txBody>
+          <a:bodyPr vert="horz" lIns="91440" tIns="45720" rIns="91440" bIns="45720" rtlCol="0" anchor="ctr">
+            <a:normAutofit/>
+          </a:bodyPr>
+          <a:lstStyle/>
+          <a:p>
+            <a:pPr algn="r"/>
+            <a:r>
+              <a:rPr lang="en-US" sz="5400" dirty="0">
+                <a:solidFill>
+                  <a:srgbClr val="FFFFFF"/>
+                </a:solidFill>
+              </a:rPr>
+              <a:t>r/libertarian</a:t>
+            </a:r>
+          </a:p>
+        </p:txBody>
+      </p:sp>
+      <p:cxnSp>
+        <p:nvCxnSpPr>
+          <p:cNvPr id="18" name="Straight Connector 17">
+            <a:extLst>
+              <a:ext uri="{FF2B5EF4-FFF2-40B4-BE49-F238E27FC236}">
+                <a16:creationId xmlns:a16="http://schemas.microsoft.com/office/drawing/2014/main" id="{BD96A694-258D-4418-A83C-B9BA72FD44B8}"/>
+              </a:ext>
+              <a:ext uri="{C183D7F6-B498-43B3-948B-1728B52AA6E4}">
+                <adec:decorative xmlns:adec="http://schemas.microsoft.com/office/drawing/2017/decorative" val="1"/>
+              </a:ext>
+            </a:extLst>
+          </p:cNvPr>
+          <p:cNvCxnSpPr>
+            <a:cxnSpLocks noGrp="1" noRot="1" noChangeAspect="1" noMove="1" noResize="1" noEditPoints="1" noAdjustHandles="1" noChangeArrowheads="1" noChangeShapeType="1"/>
+          </p:cNvCxnSpPr>
+          <p:nvPr>
+            <p:extLst>
+              <p:ext uri="{386F3935-93C4-4BCD-93E2-E3B085C9AB24}">
+                <p16:designElem xmlns:p16="http://schemas.microsoft.com/office/powerpoint/2015/main" val="1"/>
+              </p:ext>
+            </p:extLst>
+          </p:nvPr>
+        </p:nvCxnSpPr>
+        <p:spPr>
+          <a:xfrm flipV="1">
+            <a:off x="8115300" y="1780927"/>
+            <a:ext cx="0" cy="3390901"/>
+          </a:xfrm>
+          <a:prstGeom prst="line">
+            <a:avLst/>
+          </a:prstGeom>
+          <a:ln w="44450">
+            <a:solidFill>
+              <a:srgbClr val="FFFFFF"/>
+            </a:solidFill>
+          </a:ln>
+          <a:effectLst>
+            <a:outerShdw blurRad="50800" dist="38100" dir="2700000" sx="88000" sy="88000" algn="tl" rotWithShape="0">
+              <a:prstClr val="black">
+                <a:alpha val="26000"/>
+              </a:prstClr>
+            </a:outerShdw>
+          </a:effectLst>
+        </p:spPr>
+        <p:style>
+          <a:lnRef idx="1">
+            <a:schemeClr val="accent1"/>
+          </a:lnRef>
+          <a:fillRef idx="0">
+            <a:schemeClr val="accent1"/>
+          </a:fillRef>
+          <a:effectRef idx="0">
+            <a:schemeClr val="accent1"/>
+          </a:effectRef>
+          <a:fontRef idx="minor">
+            <a:schemeClr val="tx1"/>
+          </a:fontRef>
+        </p:style>
+      </p:cxnSp>
+    </p:spTree>
+    <p:extLst>
+      <p:ext uri="{BB962C8B-B14F-4D97-AF65-F5344CB8AC3E}">
+        <p14:creationId xmlns:p14="http://schemas.microsoft.com/office/powerpoint/2010/main" val="3814263031"/>
+      </p:ext>
+    </p:extLst>
+  </p:cSld>
+  <p:clrMapOvr>
+    <a:masterClrMapping/>
+  </p:clrMapOvr>
+</p:sld>
+</file>
+
+<file path=ppt/slides/slide12.xml><?xml version="1.0" encoding="utf-8"?>
+<p:sld xmlns:a="http://schemas.openxmlformats.org/drawingml/2006/main" xmlns:r="http://schemas.openxmlformats.org/officeDocument/2006/relationships" xmlns:p="http://schemas.openxmlformats.org/presentationml/2006/main">
+  <p:cSld>
+    <p:spTree>
+      <p:nvGrpSpPr>
+        <p:cNvPr id="1" name=""/>
+        <p:cNvGrpSpPr/>
+        <p:nvPr/>
+      </p:nvGrpSpPr>
+      <p:grpSpPr>
+        <a:xfrm>
+          <a:off x="0" y="0"/>
+          <a:ext cx="0" cy="0"/>
+          <a:chOff x="0" y="0"/>
+          <a:chExt cx="0" cy="0"/>
+        </a:xfrm>
+      </p:grpSpPr>
+      <p:sp>
+        <p:nvSpPr>
+          <p:cNvPr id="4" name="Title 3">
+            <a:extLst>
+              <a:ext uri="{FF2B5EF4-FFF2-40B4-BE49-F238E27FC236}">
+                <a16:creationId xmlns:a16="http://schemas.microsoft.com/office/drawing/2014/main" id="{B18F76CD-056A-4F5A-BC9C-9A85318B12F5}"/>
+              </a:ext>
+            </a:extLst>
+          </p:cNvPr>
+          <p:cNvSpPr>
+            <a:spLocks noGrp="1"/>
+          </p:cNvSpPr>
+          <p:nvPr>
+            <p:ph type="title"/>
+          </p:nvPr>
+        </p:nvSpPr>
+        <p:spPr/>
+        <p:txBody>
+          <a:bodyPr/>
+          <a:lstStyle/>
+          <a:p>
+            <a:r>
+              <a:rPr lang="en-US" dirty="0"/>
+              <a:t>Modelling Results</a:t>
+            </a:r>
+          </a:p>
+        </p:txBody>
+      </p:sp>
+      <p:sp>
+        <p:nvSpPr>
+          <p:cNvPr id="5" name="Text Placeholder 4">
+            <a:extLst>
+              <a:ext uri="{FF2B5EF4-FFF2-40B4-BE49-F238E27FC236}">
+                <a16:creationId xmlns:a16="http://schemas.microsoft.com/office/drawing/2014/main" id="{2D51C9D5-F00D-4F05-A35B-49D25BDC99E4}"/>
+              </a:ext>
+            </a:extLst>
+          </p:cNvPr>
+          <p:cNvSpPr>
+            <a:spLocks noGrp="1"/>
+          </p:cNvSpPr>
+          <p:nvPr>
+            <p:ph type="body" idx="1"/>
+          </p:nvPr>
+        </p:nvSpPr>
+        <p:spPr/>
+        <p:txBody>
+          <a:bodyPr/>
+          <a:lstStyle/>
+          <a:p>
+            <a:endParaRPr lang="en-US"/>
+          </a:p>
+        </p:txBody>
+      </p:sp>
+    </p:spTree>
+    <p:extLst>
+      <p:ext uri="{BB962C8B-B14F-4D97-AF65-F5344CB8AC3E}">
+        <p14:creationId xmlns:p14="http://schemas.microsoft.com/office/powerpoint/2010/main" val="408135899"/>
+      </p:ext>
+    </p:extLst>
+  </p:cSld>
+  <p:clrMapOvr>
+    <a:masterClrMapping/>
+  </p:clrMapOvr>
+</p:sld>
+</file>
+
+<file path=ppt/slides/slide13.xml><?xml version="1.0" encoding="utf-8"?>
+<p:sld xmlns:a="http://schemas.openxmlformats.org/drawingml/2006/main" xmlns:r="http://schemas.openxmlformats.org/officeDocument/2006/relationships" xmlns:p="http://schemas.openxmlformats.org/presentationml/2006/main">
+  <p:cSld>
+    <p:bg>
+      <p:bgPr>
+        <a:solidFill>
+          <a:schemeClr val="bg1"/>
+        </a:solidFill>
+        <a:effectLst/>
+      </p:bgPr>
+    </p:bg>
+    <p:spTree>
+      <p:nvGrpSpPr>
+        <p:cNvPr id="1" name=""/>
+        <p:cNvGrpSpPr/>
+        <p:nvPr/>
+      </p:nvGrpSpPr>
+      <p:grpSpPr>
+        <a:xfrm>
+          <a:off x="0" y="0"/>
+          <a:ext cx="0" cy="0"/>
+          <a:chOff x="0" y="0"/>
+          <a:chExt cx="0" cy="0"/>
+        </a:xfrm>
+      </p:grpSpPr>
+      <p:cxnSp>
+        <p:nvCxnSpPr>
+          <p:cNvPr id="10" name="Straight Connector 9">
+            <a:extLst>
+              <a:ext uri="{FF2B5EF4-FFF2-40B4-BE49-F238E27FC236}">
+                <a16:creationId xmlns:a16="http://schemas.microsoft.com/office/drawing/2014/main" id="{F64F9B95-9045-48D2-B9F3-2927E98F54AA}"/>
+              </a:ext>
+              <a:ext uri="{C183D7F6-B498-43B3-948B-1728B52AA6E4}">
+                <adec:decorative xmlns:adec="http://schemas.microsoft.com/office/drawing/2017/decorative" val="1"/>
+              </a:ext>
+            </a:extLst>
+          </p:cNvPr>
+          <p:cNvCxnSpPr>
+            <a:cxnSpLocks noGrp="1" noRot="1" noChangeAspect="1" noMove="1" noResize="1" noEditPoints="1" noAdjustHandles="1" noChangeArrowheads="1" noChangeShapeType="1"/>
+          </p:cNvCxnSpPr>
+          <p:nvPr>
+            <p:extLst>
+              <p:ext uri="{386F3935-93C4-4BCD-93E2-E3B085C9AB24}">
+                <p16:designElem xmlns:p16="http://schemas.microsoft.com/office/powerpoint/2015/main" val="1"/>
+              </p:ext>
+            </p:extLst>
+          </p:nvPr>
+        </p:nvCxnSpPr>
+        <p:spPr>
+          <a:xfrm>
+            <a:off x="800100" y="723900"/>
+            <a:ext cx="10591800" cy="0"/>
+          </a:xfrm>
+          <a:prstGeom prst="line">
+            <a:avLst/>
+          </a:prstGeom>
+          <a:ln w="44450">
+            <a:solidFill>
+              <a:schemeClr val="tx1"/>
+            </a:solidFill>
+          </a:ln>
+        </p:spPr>
+        <p:style>
+          <a:lnRef idx="1">
+            <a:schemeClr val="accent1"/>
+          </a:lnRef>
+          <a:fillRef idx="0">
+            <a:schemeClr val="accent1"/>
+          </a:fillRef>
+          <a:effectRef idx="0">
+            <a:schemeClr val="accent1"/>
+          </a:effectRef>
+          <a:fontRef idx="minor">
+            <a:schemeClr val="tx1"/>
+          </a:fontRef>
+        </p:style>
+      </p:cxnSp>
+      <p:cxnSp>
+        <p:nvCxnSpPr>
+          <p:cNvPr id="12" name="Straight Connector 11">
+            <a:extLst>
+              <a:ext uri="{FF2B5EF4-FFF2-40B4-BE49-F238E27FC236}">
+                <a16:creationId xmlns:a16="http://schemas.microsoft.com/office/drawing/2014/main" id="{085AA86F-6A4D-4BCB-A045-D992CDC2959B}"/>
+              </a:ext>
+              <a:ext uri="{C183D7F6-B498-43B3-948B-1728B52AA6E4}">
+                <adec:decorative xmlns:adec="http://schemas.microsoft.com/office/drawing/2017/decorative" val="1"/>
+              </a:ext>
+            </a:extLst>
+          </p:cNvPr>
+          <p:cNvCxnSpPr>
+            <a:cxnSpLocks noGrp="1" noRot="1" noChangeAspect="1" noMove="1" noResize="1" noEditPoints="1" noAdjustHandles="1" noChangeArrowheads="1" noChangeShapeType="1"/>
+          </p:cNvCxnSpPr>
+          <p:nvPr>
+            <p:extLst>
+              <p:ext uri="{386F3935-93C4-4BCD-93E2-E3B085C9AB24}">
+                <p16:designElem xmlns:p16="http://schemas.microsoft.com/office/powerpoint/2015/main" val="1"/>
+              </p:ext>
+            </p:extLst>
+          </p:nvPr>
+        </p:nvCxnSpPr>
+        <p:spPr>
+          <a:xfrm>
+            <a:off x="800100" y="6142781"/>
+            <a:ext cx="10591800" cy="0"/>
+          </a:xfrm>
+          <a:prstGeom prst="line">
+            <a:avLst/>
+          </a:prstGeom>
+          <a:ln w="12700">
+            <a:solidFill>
+              <a:schemeClr val="tx1"/>
+            </a:solidFill>
+          </a:ln>
+        </p:spPr>
+        <p:style>
+          <a:lnRef idx="1">
+            <a:schemeClr val="accent1"/>
+          </a:lnRef>
+          <a:fillRef idx="0">
+            <a:schemeClr val="accent1"/>
+          </a:fillRef>
+          <a:effectRef idx="0">
+            <a:schemeClr val="accent1"/>
+          </a:effectRef>
+          <a:fontRef idx="minor">
+            <a:schemeClr val="tx1"/>
+          </a:fontRef>
+        </p:style>
+      </p:cxnSp>
+      <p:sp useBgFill="1">
+        <p:nvSpPr>
+          <p:cNvPr id="14" name="Rectangle 13">
+            <a:extLst>
+              <a:ext uri="{FF2B5EF4-FFF2-40B4-BE49-F238E27FC236}">
+                <a16:creationId xmlns:a16="http://schemas.microsoft.com/office/drawing/2014/main" id="{33E93247-6229-44AB-A550-739E971E690B}"/>
+              </a:ext>
+              <a:ext uri="{C183D7F6-B498-43B3-948B-1728B52AA6E4}">
+                <adec:decorative xmlns:adec="http://schemas.microsoft.com/office/drawing/2017/decorative" val="1"/>
+              </a:ext>
+            </a:extLst>
+          </p:cNvPr>
+          <p:cNvSpPr>
+            <a:spLocks noGrp="1" noRot="1" noChangeAspect="1" noMove="1" noResize="1" noEditPoints="1" noAdjustHandles="1" noChangeArrowheads="1" noChangeShapeType="1" noTextEdit="1"/>
+          </p:cNvSpPr>
+          <p:nvPr>
+            <p:extLst>
+              <p:ext uri="{386F3935-93C4-4BCD-93E2-E3B085C9AB24}">
+                <p16:designElem xmlns:p16="http://schemas.microsoft.com/office/powerpoint/2015/main" val="1"/>
+              </p:ext>
+            </p:extLst>
+          </p:nvPr>
+        </p:nvSpPr>
+        <p:spPr>
+          <a:xfrm>
+            <a:off x="0" y="0"/>
+            <a:ext cx="12192000" cy="6858000"/>
+          </a:xfrm>
+          <a:prstGeom prst="rect">
+            <a:avLst/>
+          </a:prstGeom>
+          <a:ln w="12700" cap="flat" cmpd="sng" algn="ctr">
+            <a:noFill/>
+            <a:prstDash val="solid"/>
+            <a:miter lim="800000"/>
+          </a:ln>
+          <a:effectLst/>
+          <a:extLst>
+            <a:ext uri="{91240B29-F687-4F45-9708-019B960494DF}">
+              <a14:hiddenLine xmlns:a14="http://schemas.microsoft.com/office/drawing/2010/main" w="12700" cap="flat" cmpd="sng" algn="ctr">
+                <a:solidFill>
+                  <a:schemeClr val="accent1">
+                    <a:shade val="50000"/>
+                  </a:schemeClr>
+                </a:solidFill>
+                <a:prstDash val="solid"/>
+                <a:miter lim="800000"/>
+              </a14:hiddenLine>
+            </a:ext>
+          </a:extLst>
+        </p:spPr>
+        <p:style>
+          <a:lnRef idx="2">
+            <a:schemeClr val="accent1">
+              <a:shade val="50000"/>
+            </a:schemeClr>
+          </a:lnRef>
+          <a:fillRef idx="1">
+            <a:schemeClr val="accent1"/>
+          </a:fillRef>
+          <a:effectRef idx="0">
+            <a:schemeClr val="accent1"/>
+          </a:effectRef>
+          <a:fontRef idx="minor">
+            <a:schemeClr val="lt1"/>
+          </a:fontRef>
+        </p:style>
+        <p:txBody>
+          <a:bodyPr rtlCol="0" anchor="ctr"/>
+          <a:lstStyle/>
+          <a:p>
+            <a:pPr algn="ctr"/>
+            <a:endParaRPr lang="en-US"/>
+          </a:p>
+        </p:txBody>
+      </p:sp>
+      <p:sp>
+        <p:nvSpPr>
+          <p:cNvPr id="2" name="Title 1">
+            <a:extLst>
+              <a:ext uri="{FF2B5EF4-FFF2-40B4-BE49-F238E27FC236}">
+                <a16:creationId xmlns:a16="http://schemas.microsoft.com/office/drawing/2014/main" id="{C47C1090-620E-4C42-A27F-4595E37C0D01}"/>
+              </a:ext>
+            </a:extLst>
+          </p:cNvPr>
+          <p:cNvSpPr>
+            <a:spLocks noGrp="1"/>
+          </p:cNvSpPr>
+          <p:nvPr>
+            <p:ph type="title"/>
+          </p:nvPr>
+        </p:nvSpPr>
+        <p:spPr>
+          <a:xfrm>
+            <a:off x="685800" y="899024"/>
+            <a:ext cx="3076032" cy="3914947"/>
+          </a:xfrm>
+        </p:spPr>
+        <p:txBody>
+          <a:bodyPr vert="horz" lIns="91440" tIns="45720" rIns="91440" bIns="45720" rtlCol="0" anchor="t">
+            <a:normAutofit/>
+          </a:bodyPr>
+          <a:lstStyle/>
+          <a:p>
+            <a:endParaRPr lang="en-US" sz="4000"/>
+          </a:p>
+        </p:txBody>
+      </p:sp>
+      <p:sp>
+        <p:nvSpPr>
+          <p:cNvPr id="3" name="Text Placeholder 2">
+            <a:extLst>
+              <a:ext uri="{FF2B5EF4-FFF2-40B4-BE49-F238E27FC236}">
+                <a16:creationId xmlns:a16="http://schemas.microsoft.com/office/drawing/2014/main" id="{A27FBDF8-1359-46BF-84F6-AC8736B7D724}"/>
+              </a:ext>
+            </a:extLst>
+          </p:cNvPr>
+          <p:cNvSpPr>
+            <a:spLocks noGrp="1"/>
+          </p:cNvSpPr>
+          <p:nvPr>
+            <p:ph type="body" idx="1"/>
+          </p:nvPr>
+        </p:nvSpPr>
+        <p:spPr>
+          <a:xfrm>
+            <a:off x="729624" y="4914199"/>
+            <a:ext cx="2703583" cy="965440"/>
+          </a:xfrm>
+        </p:spPr>
+        <p:txBody>
+          <a:bodyPr vert="horz" lIns="91440" tIns="45720" rIns="91440" bIns="45720" rtlCol="0" anchor="b">
+            <a:normAutofit/>
+          </a:bodyPr>
+          <a:lstStyle/>
+          <a:p>
+            <a:endParaRPr lang="en-US" sz="1800">
+              <a:solidFill>
+                <a:schemeClr val="tx1"/>
+              </a:solidFill>
+            </a:endParaRPr>
+          </a:p>
+        </p:txBody>
+      </p:sp>
+      <p:cxnSp>
+        <p:nvCxnSpPr>
+          <p:cNvPr id="16" name="Straight Connector 15">
+            <a:extLst>
+              <a:ext uri="{FF2B5EF4-FFF2-40B4-BE49-F238E27FC236}">
+                <a16:creationId xmlns:a16="http://schemas.microsoft.com/office/drawing/2014/main" id="{EE2E603F-4A95-4FE8-BB06-211DFD75DBEF}"/>
+              </a:ext>
+              <a:ext uri="{C183D7F6-B498-43B3-948B-1728B52AA6E4}">
+                <adec:decorative xmlns:adec="http://schemas.microsoft.com/office/drawing/2017/decorative" val="1"/>
+              </a:ext>
+            </a:extLst>
+          </p:cNvPr>
+          <p:cNvCxnSpPr>
+            <a:cxnSpLocks noGrp="1" noRot="1" noChangeAspect="1" noMove="1" noResize="1" noEditPoints="1" noAdjustHandles="1" noChangeArrowheads="1" noChangeShapeType="1"/>
+          </p:cNvCxnSpPr>
+          <p:nvPr>
+            <p:extLst>
+              <p:ext uri="{386F3935-93C4-4BCD-93E2-E3B085C9AB24}">
+                <p16:designElem xmlns:p16="http://schemas.microsoft.com/office/powerpoint/2015/main" val="1"/>
+              </p:ext>
+            </p:extLst>
+          </p:nvPr>
+        </p:nvCxnSpPr>
+        <p:spPr>
+          <a:xfrm>
+            <a:off x="800100" y="723900"/>
+            <a:ext cx="1371600" cy="0"/>
+          </a:xfrm>
+          <a:prstGeom prst="line">
+            <a:avLst/>
+          </a:prstGeom>
+          <a:ln w="44450">
+            <a:solidFill>
+              <a:schemeClr val="tx1"/>
+            </a:solidFill>
+          </a:ln>
+        </p:spPr>
+        <p:style>
+          <a:lnRef idx="1">
+            <a:schemeClr val="accent1"/>
+          </a:lnRef>
+          <a:fillRef idx="0">
+            <a:schemeClr val="accent1"/>
+          </a:fillRef>
+          <a:effectRef idx="0">
+            <a:schemeClr val="accent1"/>
+          </a:effectRef>
+          <a:fontRef idx="minor">
+            <a:schemeClr val="tx1"/>
+          </a:fontRef>
+        </p:style>
+      </p:cxnSp>
+      <p:pic>
+        <p:nvPicPr>
+          <p:cNvPr id="5" name="Picture 4">
+            <a:extLst>
+              <a:ext uri="{FF2B5EF4-FFF2-40B4-BE49-F238E27FC236}">
+                <a16:creationId xmlns:a16="http://schemas.microsoft.com/office/drawing/2014/main" id="{44F76E2C-9D21-48F5-9F6A-F43B8052A1B3}"/>
+              </a:ext>
+            </a:extLst>
+          </p:cNvPr>
+          <p:cNvPicPr>
+            <a:picLocks noChangeAspect="1"/>
+          </p:cNvPicPr>
+          <p:nvPr/>
+        </p:nvPicPr>
+        <p:blipFill>
+          <a:blip r:embed="rId2"/>
+          <a:stretch>
+            <a:fillRect/>
+          </a:stretch>
+        </p:blipFill>
+        <p:spPr>
+          <a:xfrm>
+            <a:off x="4349750" y="723901"/>
+            <a:ext cx="6730999" cy="5410200"/>
+          </a:xfrm>
+          <a:prstGeom prst="rect">
+            <a:avLst/>
+          </a:prstGeom>
+        </p:spPr>
+      </p:pic>
+    </p:spTree>
+    <p:extLst>
+      <p:ext uri="{BB962C8B-B14F-4D97-AF65-F5344CB8AC3E}">
+        <p14:creationId xmlns:p14="http://schemas.microsoft.com/office/powerpoint/2010/main" val="1118105567"/>
+      </p:ext>
+    </p:extLst>
+  </p:cSld>
+  <p:clrMapOvr>
+    <a:masterClrMapping/>
+  </p:clrMapOvr>
+</p:sld>
+</file>
+
+<file path=ppt/slides/slide14.xml><?xml version="1.0" encoding="utf-8"?>
+<p:sld xmlns:a="http://schemas.openxmlformats.org/drawingml/2006/main" xmlns:r="http://schemas.openxmlformats.org/officeDocument/2006/relationships" xmlns:p="http://schemas.openxmlformats.org/presentationml/2006/main">
+  <p:cSld>
+    <p:spTree>
+      <p:nvGrpSpPr>
+        <p:cNvPr id="1" name=""/>
+        <p:cNvGrpSpPr/>
+        <p:nvPr/>
+      </p:nvGrpSpPr>
+      <p:grpSpPr>
+        <a:xfrm>
+          <a:off x="0" y="0"/>
+          <a:ext cx="0" cy="0"/>
+          <a:chOff x="0" y="0"/>
+          <a:chExt cx="0" cy="0"/>
+        </a:xfrm>
+      </p:grpSpPr>
+      <p:pic>
+        <p:nvPicPr>
+          <p:cNvPr id="5" name="Picture 4">
+            <a:extLst>
+              <a:ext uri="{FF2B5EF4-FFF2-40B4-BE49-F238E27FC236}">
+                <a16:creationId xmlns:a16="http://schemas.microsoft.com/office/drawing/2014/main" id="{F71E82B0-A3D0-4ED3-AFB1-45BF400CDF8C}"/>
+              </a:ext>
+            </a:extLst>
+          </p:cNvPr>
+          <p:cNvPicPr>
+            <a:picLocks noChangeAspect="1"/>
+          </p:cNvPicPr>
+          <p:nvPr/>
+        </p:nvPicPr>
+        <p:blipFill>
+          <a:blip r:embed="rId2"/>
+          <a:stretch>
+            <a:fillRect/>
+          </a:stretch>
+        </p:blipFill>
+        <p:spPr>
+          <a:xfrm>
+            <a:off x="42877" y="134007"/>
+            <a:ext cx="12106246" cy="6589986"/>
+          </a:xfrm>
+          <a:prstGeom prst="rect">
+            <a:avLst/>
+          </a:prstGeom>
+        </p:spPr>
+      </p:pic>
+    </p:spTree>
+    <p:extLst>
+      <p:ext uri="{BB962C8B-B14F-4D97-AF65-F5344CB8AC3E}">
+        <p14:creationId xmlns:p14="http://schemas.microsoft.com/office/powerpoint/2010/main" val="2746955546"/>
+      </p:ext>
+    </p:extLst>
+  </p:cSld>
+  <p:clrMapOvr>
+    <a:masterClrMapping/>
+  </p:clrMapOvr>
+</p:sld>
+</file>
+
 <file path=ppt/slides/slide2.xml><?xml version="1.0" encoding="utf-8"?>
 <p:sld xmlns:a="http://schemas.openxmlformats.org/drawingml/2006/main" xmlns:r="http://schemas.openxmlformats.org/officeDocument/2006/relationships" xmlns:p="http://schemas.openxmlformats.org/presentationml/2006/main">
   <p:cSld>
@@ -4456,7 +10240,7 @@
           <p:nvPr/>
         </p:nvPicPr>
         <p:blipFill>
-          <a:blip r:embed="rId2"/>
+          <a:blip r:embed="rId3"/>
           <a:stretch>
             <a:fillRect/>
           </a:stretch>
@@ -4471,6 +10255,60 @@
           </a:prstGeom>
         </p:spPr>
       </p:pic>
+      <p:sp>
+        <p:nvSpPr>
+          <p:cNvPr id="2" name="Rectangle 1">
+            <a:extLst>
+              <a:ext uri="{FF2B5EF4-FFF2-40B4-BE49-F238E27FC236}">
+                <a16:creationId xmlns:a16="http://schemas.microsoft.com/office/drawing/2014/main" id="{E213EFEE-7676-4778-9964-0741D215F8F9}"/>
+              </a:ext>
+            </a:extLst>
+          </p:cNvPr>
+          <p:cNvSpPr/>
+          <p:nvPr/>
+        </p:nvSpPr>
+        <p:spPr>
+          <a:xfrm>
+            <a:off x="304800" y="294290"/>
+            <a:ext cx="11487807" cy="826046"/>
+          </a:xfrm>
+          <a:prstGeom prst="rect">
+            <a:avLst/>
+          </a:prstGeom>
+          <a:solidFill>
+            <a:schemeClr val="bg1"/>
+          </a:solidFill>
+          <a:ln>
+            <a:solidFill>
+              <a:schemeClr val="bg1"/>
+            </a:solidFill>
+          </a:ln>
+        </p:spPr>
+        <p:style>
+          <a:lnRef idx="2">
+            <a:schemeClr val="accent1">
+              <a:shade val="50000"/>
+            </a:schemeClr>
+          </a:lnRef>
+          <a:fillRef idx="1">
+            <a:schemeClr val="accent1"/>
+          </a:fillRef>
+          <a:effectRef idx="0">
+            <a:schemeClr val="accent1"/>
+          </a:effectRef>
+          <a:fontRef idx="minor">
+            <a:schemeClr val="lt1"/>
+          </a:fontRef>
+        </p:style>
+        <p:txBody>
+          <a:bodyPr rtlCol="0" anchor="ctr"/>
+          <a:lstStyle/>
+          <a:p>
+            <a:pPr algn="ctr"/>
+            <a:endParaRPr lang="en-US"/>
+          </a:p>
+        </p:txBody>
+      </p:sp>
       <p:pic>
         <p:nvPicPr>
           <p:cNvPr id="7" name="Picture 6">
@@ -4486,7 +10324,7 @@
           <p:nvPr/>
         </p:nvPicPr>
         <p:blipFill>
-          <a:blip r:embed="rId3"/>
+          <a:blip r:embed="rId4"/>
           <a:stretch>
             <a:fillRect/>
           </a:stretch>
@@ -4516,7 +10354,7 @@
           <p:nvPr/>
         </p:nvPicPr>
         <p:blipFill>
-          <a:blip r:embed="rId4"/>
+          <a:blip r:embed="rId5"/>
           <a:stretch>
             <a:fillRect/>
           </a:stretch>
@@ -4546,7 +10384,7 @@
           <p:nvPr/>
         </p:nvPicPr>
         <p:blipFill>
-          <a:blip r:embed="rId5"/>
+          <a:blip r:embed="rId6"/>
           <a:stretch>
             <a:fillRect/>
           </a:stretch>
@@ -4576,7 +10414,7 @@
           <p:nvPr/>
         </p:nvPicPr>
         <p:blipFill>
-          <a:blip r:embed="rId6"/>
+          <a:blip r:embed="rId7"/>
           <a:stretch>
             <a:fillRect/>
           </a:stretch>
@@ -4595,6 +10433,2451 @@
     <p:extLst>
       <p:ext uri="{BB962C8B-B14F-4D97-AF65-F5344CB8AC3E}">
         <p14:creationId xmlns:p14="http://schemas.microsoft.com/office/powerpoint/2010/main" val="2984044718"/>
+      </p:ext>
+    </p:extLst>
+  </p:cSld>
+  <p:clrMapOvr>
+    <a:masterClrMapping/>
+  </p:clrMapOvr>
+</p:sld>
+</file>
+
+<file path=ppt/slides/slide3.xml><?xml version="1.0" encoding="utf-8"?>
+<p:sld xmlns:a="http://schemas.openxmlformats.org/drawingml/2006/main" xmlns:r="http://schemas.openxmlformats.org/officeDocument/2006/relationships" xmlns:p="http://schemas.openxmlformats.org/presentationml/2006/main">
+  <p:cSld>
+    <p:bg>
+      <p:bgPr>
+        <a:solidFill>
+          <a:schemeClr val="bg1"/>
+        </a:solidFill>
+        <a:effectLst/>
+      </p:bgPr>
+    </p:bg>
+    <p:spTree>
+      <p:nvGrpSpPr>
+        <p:cNvPr id="1" name=""/>
+        <p:cNvGrpSpPr/>
+        <p:nvPr/>
+      </p:nvGrpSpPr>
+      <p:grpSpPr>
+        <a:xfrm>
+          <a:off x="0" y="0"/>
+          <a:ext cx="0" cy="0"/>
+          <a:chOff x="0" y="0"/>
+          <a:chExt cx="0" cy="0"/>
+        </a:xfrm>
+      </p:grpSpPr>
+      <p:sp useBgFill="1">
+        <p:nvSpPr>
+          <p:cNvPr id="20" name="Rectangle 8">
+            <a:extLst>
+              <a:ext uri="{FF2B5EF4-FFF2-40B4-BE49-F238E27FC236}">
+                <a16:creationId xmlns:a16="http://schemas.microsoft.com/office/drawing/2014/main" id="{F68B2C62-7648-4430-90D5-AE0F252AF113}"/>
+              </a:ext>
+              <a:ext uri="{C183D7F6-B498-43B3-948B-1728B52AA6E4}">
+                <adec:decorative xmlns:adec="http://schemas.microsoft.com/office/drawing/2017/decorative" val="1"/>
+              </a:ext>
+            </a:extLst>
+          </p:cNvPr>
+          <p:cNvSpPr>
+            <a:spLocks noGrp="1" noRot="1" noChangeAspect="1" noMove="1" noResize="1" noEditPoints="1" noAdjustHandles="1" noChangeArrowheads="1" noChangeShapeType="1" noTextEdit="1"/>
+          </p:cNvSpPr>
+          <p:nvPr>
+            <p:extLst>
+              <p:ext uri="{386F3935-93C4-4BCD-93E2-E3B085C9AB24}">
+                <p16:designElem xmlns:p16="http://schemas.microsoft.com/office/powerpoint/2015/main" val="1"/>
+              </p:ext>
+            </p:extLst>
+          </p:nvPr>
+        </p:nvSpPr>
+        <p:spPr>
+          <a:xfrm>
+            <a:off x="0" y="0"/>
+            <a:ext cx="12192000" cy="6858000"/>
+          </a:xfrm>
+          <a:prstGeom prst="rect">
+            <a:avLst/>
+          </a:prstGeom>
+          <a:ln w="12700" cap="flat" cmpd="sng" algn="ctr">
+            <a:noFill/>
+            <a:prstDash val="solid"/>
+            <a:miter lim="800000"/>
+          </a:ln>
+          <a:effectLst/>
+          <a:extLst>
+            <a:ext uri="{91240B29-F687-4F45-9708-019B960494DF}">
+              <a14:hiddenLine xmlns:a14="http://schemas.microsoft.com/office/drawing/2010/main" w="12700" cap="flat" cmpd="sng" algn="ctr">
+                <a:solidFill>
+                  <a:schemeClr val="accent1">
+                    <a:shade val="50000"/>
+                  </a:schemeClr>
+                </a:solidFill>
+                <a:prstDash val="solid"/>
+                <a:miter lim="800000"/>
+              </a14:hiddenLine>
+            </a:ext>
+          </a:extLst>
+        </p:spPr>
+        <p:style>
+          <a:lnRef idx="2">
+            <a:schemeClr val="accent1">
+              <a:shade val="50000"/>
+            </a:schemeClr>
+          </a:lnRef>
+          <a:fillRef idx="1">
+            <a:schemeClr val="accent1"/>
+          </a:fillRef>
+          <a:effectRef idx="0">
+            <a:schemeClr val="accent1"/>
+          </a:effectRef>
+          <a:fontRef idx="minor">
+            <a:schemeClr val="lt1"/>
+          </a:fontRef>
+        </p:style>
+        <p:txBody>
+          <a:bodyPr rtlCol="0" anchor="ctr"/>
+          <a:lstStyle/>
+          <a:p>
+            <a:pPr algn="ctr"/>
+            <a:endParaRPr lang="en-US"/>
+          </a:p>
+        </p:txBody>
+      </p:sp>
+      <p:sp>
+        <p:nvSpPr>
+          <p:cNvPr id="21" name="Rectangle 10">
+            <a:extLst>
+              <a:ext uri="{FF2B5EF4-FFF2-40B4-BE49-F238E27FC236}">
+                <a16:creationId xmlns:a16="http://schemas.microsoft.com/office/drawing/2014/main" id="{19604516-F583-413C-8C0B-E7944F332B5A}"/>
+              </a:ext>
+              <a:ext uri="{C183D7F6-B498-43B3-948B-1728B52AA6E4}">
+                <adec:decorative xmlns:adec="http://schemas.microsoft.com/office/drawing/2017/decorative" val="1"/>
+              </a:ext>
+            </a:extLst>
+          </p:cNvPr>
+          <p:cNvSpPr>
+            <a:spLocks noGrp="1" noRot="1" noChangeAspect="1" noMove="1" noResize="1" noEditPoints="1" noAdjustHandles="1" noChangeArrowheads="1" noChangeShapeType="1" noTextEdit="1"/>
+          </p:cNvSpPr>
+          <p:nvPr>
+            <p:extLst>
+              <p:ext uri="{386F3935-93C4-4BCD-93E2-E3B085C9AB24}">
+                <p16:designElem xmlns:p16="http://schemas.microsoft.com/office/powerpoint/2015/main" val="1"/>
+              </p:ext>
+            </p:extLst>
+          </p:nvPr>
+        </p:nvSpPr>
+        <p:spPr>
+          <a:xfrm>
+            <a:off x="0" y="11"/>
+            <a:ext cx="4876800" cy="6857989"/>
+          </a:xfrm>
+          <a:prstGeom prst="rect">
+            <a:avLst/>
+          </a:prstGeom>
+          <a:solidFill>
+            <a:schemeClr val="tx1"/>
+          </a:solidFill>
+        </p:spPr>
+        <p:style>
+          <a:lnRef idx="2">
+            <a:schemeClr val="accent1">
+              <a:shade val="50000"/>
+            </a:schemeClr>
+          </a:lnRef>
+          <a:fillRef idx="1">
+            <a:schemeClr val="accent1"/>
+          </a:fillRef>
+          <a:effectRef idx="0">
+            <a:schemeClr val="accent1"/>
+          </a:effectRef>
+          <a:fontRef idx="minor">
+            <a:schemeClr val="lt1"/>
+          </a:fontRef>
+        </p:style>
+        <p:txBody>
+          <a:bodyPr rtlCol="0" anchor="ctr"/>
+          <a:lstStyle/>
+          <a:p>
+            <a:pPr algn="ctr"/>
+            <a:endParaRPr lang="en-US"/>
+          </a:p>
+        </p:txBody>
+      </p:sp>
+      <p:sp>
+        <p:nvSpPr>
+          <p:cNvPr id="2" name="Title 1">
+            <a:extLst>
+              <a:ext uri="{FF2B5EF4-FFF2-40B4-BE49-F238E27FC236}">
+                <a16:creationId xmlns:a16="http://schemas.microsoft.com/office/drawing/2014/main" id="{98D6D8DC-BBEC-4118-AB07-EF2A55F2143C}"/>
+              </a:ext>
+            </a:extLst>
+          </p:cNvPr>
+          <p:cNvSpPr>
+            <a:spLocks noGrp="1"/>
+          </p:cNvSpPr>
+          <p:nvPr>
+            <p:ph type="title"/>
+          </p:nvPr>
+        </p:nvSpPr>
+        <p:spPr>
+          <a:xfrm>
+            <a:off x="695324" y="901702"/>
+            <a:ext cx="3724528" cy="3670298"/>
+          </a:xfrm>
+        </p:spPr>
+        <p:txBody>
+          <a:bodyPr>
+            <a:normAutofit/>
+          </a:bodyPr>
+          <a:lstStyle/>
+          <a:p>
+            <a:r>
+              <a:rPr lang="en-US">
+                <a:solidFill>
+                  <a:schemeClr val="bg1"/>
+                </a:solidFill>
+              </a:rPr>
+              <a:t>The Data</a:t>
+            </a:r>
+          </a:p>
+        </p:txBody>
+      </p:sp>
+      <p:cxnSp>
+        <p:nvCxnSpPr>
+          <p:cNvPr id="22" name="Straight Connector 12">
+            <a:extLst>
+              <a:ext uri="{FF2B5EF4-FFF2-40B4-BE49-F238E27FC236}">
+                <a16:creationId xmlns:a16="http://schemas.microsoft.com/office/drawing/2014/main" id="{4BFD5B9F-5FB6-467D-83D5-DF82F1907354}"/>
+              </a:ext>
+              <a:ext uri="{C183D7F6-B498-43B3-948B-1728B52AA6E4}">
+                <adec:decorative xmlns:adec="http://schemas.microsoft.com/office/drawing/2017/decorative" val="1"/>
+              </a:ext>
+            </a:extLst>
+          </p:cNvPr>
+          <p:cNvCxnSpPr>
+            <a:cxnSpLocks noGrp="1" noRot="1" noChangeAspect="1" noMove="1" noResize="1" noEditPoints="1" noAdjustHandles="1" noChangeArrowheads="1" noChangeShapeType="1"/>
+          </p:cNvCxnSpPr>
+          <p:nvPr>
+            <p:extLst>
+              <p:ext uri="{386F3935-93C4-4BCD-93E2-E3B085C9AB24}">
+                <p16:designElem xmlns:p16="http://schemas.microsoft.com/office/powerpoint/2015/main" val="1"/>
+              </p:ext>
+            </p:extLst>
+          </p:nvPr>
+        </p:nvCxnSpPr>
+        <p:spPr>
+          <a:xfrm>
+            <a:off x="800100" y="723900"/>
+            <a:ext cx="1524000" cy="0"/>
+          </a:xfrm>
+          <a:prstGeom prst="line">
+            <a:avLst/>
+          </a:prstGeom>
+          <a:ln w="44450">
+            <a:solidFill>
+              <a:schemeClr val="bg1"/>
+            </a:solidFill>
+          </a:ln>
+        </p:spPr>
+        <p:style>
+          <a:lnRef idx="1">
+            <a:schemeClr val="accent1"/>
+          </a:lnRef>
+          <a:fillRef idx="0">
+            <a:schemeClr val="accent1"/>
+          </a:fillRef>
+          <a:effectRef idx="0">
+            <a:schemeClr val="accent1"/>
+          </a:effectRef>
+          <a:fontRef idx="minor">
+            <a:schemeClr val="tx1"/>
+          </a:fontRef>
+        </p:style>
+      </p:cxnSp>
+      <p:graphicFrame>
+        <p:nvGraphicFramePr>
+          <p:cNvPr id="23" name="Content Placeholder 2">
+            <a:extLst>
+              <a:ext uri="{FF2B5EF4-FFF2-40B4-BE49-F238E27FC236}">
+                <a16:creationId xmlns:a16="http://schemas.microsoft.com/office/drawing/2014/main" id="{CC0D4A00-BE13-485C-8E6E-F7B4FD9EC5F3}"/>
+              </a:ext>
+            </a:extLst>
+          </p:cNvPr>
+          <p:cNvGraphicFramePr>
+            <a:graphicFrameLocks noGrp="1"/>
+          </p:cNvGraphicFramePr>
+          <p:nvPr>
+            <p:ph idx="1"/>
+            <p:extLst>
+              <p:ext uri="{D42A27DB-BD31-4B8C-83A1-F6EECF244321}">
+                <p14:modId xmlns:p14="http://schemas.microsoft.com/office/powerpoint/2010/main" val="4016814847"/>
+              </p:ext>
+            </p:extLst>
+          </p:nvPr>
+        </p:nvGraphicFramePr>
+        <p:xfrm>
+          <a:off x="5715000" y="723901"/>
+          <a:ext cx="5676900" cy="5410200"/>
+        </p:xfrm>
+        <a:graphic>
+          <a:graphicData uri="http://schemas.openxmlformats.org/drawingml/2006/diagram">
+            <dgm:relIds xmlns:dgm="http://schemas.openxmlformats.org/drawingml/2006/diagram" xmlns:r="http://schemas.openxmlformats.org/officeDocument/2006/relationships" r:dm="rId2" r:lo="rId3" r:qs="rId4" r:cs="rId5"/>
+          </a:graphicData>
+        </a:graphic>
+      </p:graphicFrame>
+    </p:spTree>
+    <p:extLst>
+      <p:ext uri="{BB962C8B-B14F-4D97-AF65-F5344CB8AC3E}">
+        <p14:creationId xmlns:p14="http://schemas.microsoft.com/office/powerpoint/2010/main" val="2639864020"/>
+      </p:ext>
+    </p:extLst>
+  </p:cSld>
+  <p:clrMapOvr>
+    <a:masterClrMapping/>
+  </p:clrMapOvr>
+</p:sld>
+</file>
+
+<file path=ppt/slides/slide4.xml><?xml version="1.0" encoding="utf-8"?>
+<p:sld xmlns:a="http://schemas.openxmlformats.org/drawingml/2006/main" xmlns:r="http://schemas.openxmlformats.org/officeDocument/2006/relationships" xmlns:p="http://schemas.openxmlformats.org/presentationml/2006/main">
+  <p:cSld>
+    <p:bg>
+      <p:bgPr>
+        <a:solidFill>
+          <a:schemeClr val="bg1"/>
+        </a:solidFill>
+        <a:effectLst/>
+      </p:bgPr>
+    </p:bg>
+    <p:spTree>
+      <p:nvGrpSpPr>
+        <p:cNvPr id="1" name=""/>
+        <p:cNvGrpSpPr/>
+        <p:nvPr/>
+      </p:nvGrpSpPr>
+      <p:grpSpPr>
+        <a:xfrm>
+          <a:off x="0" y="0"/>
+          <a:ext cx="0" cy="0"/>
+          <a:chOff x="0" y="0"/>
+          <a:chExt cx="0" cy="0"/>
+        </a:xfrm>
+      </p:grpSpPr>
+      <p:cxnSp>
+        <p:nvCxnSpPr>
+          <p:cNvPr id="21" name="Straight Connector 20">
+            <a:extLst>
+              <a:ext uri="{FF2B5EF4-FFF2-40B4-BE49-F238E27FC236}">
+                <a16:creationId xmlns:a16="http://schemas.microsoft.com/office/drawing/2014/main" id="{F64F9B95-9045-48D2-B9F3-2927E98F54AA}"/>
+              </a:ext>
+              <a:ext uri="{C183D7F6-B498-43B3-948B-1728B52AA6E4}">
+                <adec:decorative xmlns:adec="http://schemas.microsoft.com/office/drawing/2017/decorative" val="1"/>
+              </a:ext>
+            </a:extLst>
+          </p:cNvPr>
+          <p:cNvCxnSpPr>
+            <a:cxnSpLocks noGrp="1" noRot="1" noChangeAspect="1" noMove="1" noResize="1" noEditPoints="1" noAdjustHandles="1" noChangeArrowheads="1" noChangeShapeType="1"/>
+          </p:cNvCxnSpPr>
+          <p:nvPr>
+            <p:extLst>
+              <p:ext uri="{386F3935-93C4-4BCD-93E2-E3B085C9AB24}">
+                <p16:designElem xmlns:p16="http://schemas.microsoft.com/office/powerpoint/2015/main" val="1"/>
+              </p:ext>
+            </p:extLst>
+          </p:nvPr>
+        </p:nvCxnSpPr>
+        <p:spPr>
+          <a:xfrm>
+            <a:off x="800100" y="723900"/>
+            <a:ext cx="10591800" cy="0"/>
+          </a:xfrm>
+          <a:prstGeom prst="line">
+            <a:avLst/>
+          </a:prstGeom>
+          <a:ln w="44450">
+            <a:solidFill>
+              <a:schemeClr val="tx1"/>
+            </a:solidFill>
+          </a:ln>
+        </p:spPr>
+        <p:style>
+          <a:lnRef idx="1">
+            <a:schemeClr val="accent1"/>
+          </a:lnRef>
+          <a:fillRef idx="0">
+            <a:schemeClr val="accent1"/>
+          </a:fillRef>
+          <a:effectRef idx="0">
+            <a:schemeClr val="accent1"/>
+          </a:effectRef>
+          <a:fontRef idx="minor">
+            <a:schemeClr val="tx1"/>
+          </a:fontRef>
+        </p:style>
+      </p:cxnSp>
+      <p:cxnSp>
+        <p:nvCxnSpPr>
+          <p:cNvPr id="23" name="Straight Connector 22">
+            <a:extLst>
+              <a:ext uri="{FF2B5EF4-FFF2-40B4-BE49-F238E27FC236}">
+                <a16:creationId xmlns:a16="http://schemas.microsoft.com/office/drawing/2014/main" id="{085AA86F-6A4D-4BCB-A045-D992CDC2959B}"/>
+              </a:ext>
+              <a:ext uri="{C183D7F6-B498-43B3-948B-1728B52AA6E4}">
+                <adec:decorative xmlns:adec="http://schemas.microsoft.com/office/drawing/2017/decorative" val="1"/>
+              </a:ext>
+            </a:extLst>
+          </p:cNvPr>
+          <p:cNvCxnSpPr>
+            <a:cxnSpLocks noGrp="1" noRot="1" noChangeAspect="1" noMove="1" noResize="1" noEditPoints="1" noAdjustHandles="1" noChangeArrowheads="1" noChangeShapeType="1"/>
+          </p:cNvCxnSpPr>
+          <p:nvPr>
+            <p:extLst>
+              <p:ext uri="{386F3935-93C4-4BCD-93E2-E3B085C9AB24}">
+                <p16:designElem xmlns:p16="http://schemas.microsoft.com/office/powerpoint/2015/main" val="1"/>
+              </p:ext>
+            </p:extLst>
+          </p:nvPr>
+        </p:nvCxnSpPr>
+        <p:spPr>
+          <a:xfrm>
+            <a:off x="800100" y="6142781"/>
+            <a:ext cx="10591800" cy="0"/>
+          </a:xfrm>
+          <a:prstGeom prst="line">
+            <a:avLst/>
+          </a:prstGeom>
+          <a:ln w="12700">
+            <a:solidFill>
+              <a:schemeClr val="tx1"/>
+            </a:solidFill>
+          </a:ln>
+        </p:spPr>
+        <p:style>
+          <a:lnRef idx="1">
+            <a:schemeClr val="accent1"/>
+          </a:lnRef>
+          <a:fillRef idx="0">
+            <a:schemeClr val="accent1"/>
+          </a:fillRef>
+          <a:effectRef idx="0">
+            <a:schemeClr val="accent1"/>
+          </a:effectRef>
+          <a:fontRef idx="minor">
+            <a:schemeClr val="tx1"/>
+          </a:fontRef>
+        </p:style>
+      </p:cxnSp>
+      <p:sp useBgFill="1">
+        <p:nvSpPr>
+          <p:cNvPr id="25" name="Rectangle 24">
+            <a:extLst>
+              <a:ext uri="{FF2B5EF4-FFF2-40B4-BE49-F238E27FC236}">
+                <a16:creationId xmlns:a16="http://schemas.microsoft.com/office/drawing/2014/main" id="{33E93247-6229-44AB-A550-739E971E690B}"/>
+              </a:ext>
+              <a:ext uri="{C183D7F6-B498-43B3-948B-1728B52AA6E4}">
+                <adec:decorative xmlns:adec="http://schemas.microsoft.com/office/drawing/2017/decorative" val="1"/>
+              </a:ext>
+            </a:extLst>
+          </p:cNvPr>
+          <p:cNvSpPr>
+            <a:spLocks noGrp="1" noRot="1" noChangeAspect="1" noMove="1" noResize="1" noEditPoints="1" noAdjustHandles="1" noChangeArrowheads="1" noChangeShapeType="1" noTextEdit="1"/>
+          </p:cNvSpPr>
+          <p:nvPr>
+            <p:extLst>
+              <p:ext uri="{386F3935-93C4-4BCD-93E2-E3B085C9AB24}">
+                <p16:designElem xmlns:p16="http://schemas.microsoft.com/office/powerpoint/2015/main" val="1"/>
+              </p:ext>
+            </p:extLst>
+          </p:nvPr>
+        </p:nvSpPr>
+        <p:spPr>
+          <a:xfrm>
+            <a:off x="0" y="0"/>
+            <a:ext cx="12192000" cy="6858000"/>
+          </a:xfrm>
+          <a:prstGeom prst="rect">
+            <a:avLst/>
+          </a:prstGeom>
+          <a:ln w="12700" cap="flat" cmpd="sng" algn="ctr">
+            <a:noFill/>
+            <a:prstDash val="solid"/>
+            <a:miter lim="800000"/>
+          </a:ln>
+          <a:effectLst/>
+          <a:extLst>
+            <a:ext uri="{91240B29-F687-4F45-9708-019B960494DF}">
+              <a14:hiddenLine xmlns:a14="http://schemas.microsoft.com/office/drawing/2010/main" w="12700" cap="flat" cmpd="sng" algn="ctr">
+                <a:solidFill>
+                  <a:schemeClr val="accent1">
+                    <a:shade val="50000"/>
+                  </a:schemeClr>
+                </a:solidFill>
+                <a:prstDash val="solid"/>
+                <a:miter lim="800000"/>
+              </a14:hiddenLine>
+            </a:ext>
+          </a:extLst>
+        </p:spPr>
+        <p:style>
+          <a:lnRef idx="2">
+            <a:schemeClr val="accent1">
+              <a:shade val="50000"/>
+            </a:schemeClr>
+          </a:lnRef>
+          <a:fillRef idx="1">
+            <a:schemeClr val="accent1"/>
+          </a:fillRef>
+          <a:effectRef idx="0">
+            <a:schemeClr val="accent1"/>
+          </a:effectRef>
+          <a:fontRef idx="minor">
+            <a:schemeClr val="lt1"/>
+          </a:fontRef>
+        </p:style>
+        <p:txBody>
+          <a:bodyPr rtlCol="0" anchor="ctr"/>
+          <a:lstStyle/>
+          <a:p>
+            <a:pPr algn="ctr"/>
+            <a:endParaRPr lang="en-US"/>
+          </a:p>
+        </p:txBody>
+      </p:sp>
+      <p:sp>
+        <p:nvSpPr>
+          <p:cNvPr id="4" name="Title 3">
+            <a:extLst>
+              <a:ext uri="{FF2B5EF4-FFF2-40B4-BE49-F238E27FC236}">
+                <a16:creationId xmlns:a16="http://schemas.microsoft.com/office/drawing/2014/main" id="{DD23A985-E245-4833-A627-2D6BC3B62445}"/>
+              </a:ext>
+            </a:extLst>
+          </p:cNvPr>
+          <p:cNvSpPr>
+            <a:spLocks noGrp="1"/>
+          </p:cNvSpPr>
+          <p:nvPr>
+            <p:ph type="title"/>
+          </p:nvPr>
+        </p:nvSpPr>
+        <p:spPr>
+          <a:xfrm>
+            <a:off x="695325" y="914557"/>
+            <a:ext cx="10872665" cy="705780"/>
+          </a:xfrm>
+        </p:spPr>
+        <p:txBody>
+          <a:bodyPr vert="horz" lIns="91440" tIns="45720" rIns="91440" bIns="45720" rtlCol="0" anchor="t">
+            <a:normAutofit/>
+          </a:bodyPr>
+          <a:lstStyle/>
+          <a:p>
+            <a:r>
+              <a:rPr lang="en-US" dirty="0"/>
+              <a:t>Sentiment of Reddit Posts</a:t>
+            </a:r>
+          </a:p>
+        </p:txBody>
+      </p:sp>
+      <p:cxnSp>
+        <p:nvCxnSpPr>
+          <p:cNvPr id="27" name="Straight Connector 26">
+            <a:extLst>
+              <a:ext uri="{FF2B5EF4-FFF2-40B4-BE49-F238E27FC236}">
+                <a16:creationId xmlns:a16="http://schemas.microsoft.com/office/drawing/2014/main" id="{EE2E603F-4A95-4FE8-BB06-211DFD75DBEF}"/>
+              </a:ext>
+              <a:ext uri="{C183D7F6-B498-43B3-948B-1728B52AA6E4}">
+                <adec:decorative xmlns:adec="http://schemas.microsoft.com/office/drawing/2017/decorative" val="1"/>
+              </a:ext>
+            </a:extLst>
+          </p:cNvPr>
+          <p:cNvCxnSpPr>
+            <a:cxnSpLocks noGrp="1" noRot="1" noChangeAspect="1" noMove="1" noResize="1" noEditPoints="1" noAdjustHandles="1" noChangeArrowheads="1" noChangeShapeType="1"/>
+          </p:cNvCxnSpPr>
+          <p:nvPr>
+            <p:extLst>
+              <p:ext uri="{386F3935-93C4-4BCD-93E2-E3B085C9AB24}">
+                <p16:designElem xmlns:p16="http://schemas.microsoft.com/office/powerpoint/2015/main" val="1"/>
+              </p:ext>
+            </p:extLst>
+          </p:nvPr>
+        </p:nvCxnSpPr>
+        <p:spPr>
+          <a:xfrm>
+            <a:off x="800100" y="723900"/>
+            <a:ext cx="1638300" cy="0"/>
+          </a:xfrm>
+          <a:prstGeom prst="line">
+            <a:avLst/>
+          </a:prstGeom>
+          <a:ln w="44450">
+            <a:solidFill>
+              <a:schemeClr val="tx1"/>
+            </a:solidFill>
+          </a:ln>
+        </p:spPr>
+        <p:style>
+          <a:lnRef idx="1">
+            <a:schemeClr val="accent1"/>
+          </a:lnRef>
+          <a:fillRef idx="0">
+            <a:schemeClr val="accent1"/>
+          </a:fillRef>
+          <a:effectRef idx="0">
+            <a:schemeClr val="accent1"/>
+          </a:effectRef>
+          <a:fontRef idx="minor">
+            <a:schemeClr val="tx1"/>
+          </a:fontRef>
+        </p:style>
+      </p:cxnSp>
+      <p:pic>
+        <p:nvPicPr>
+          <p:cNvPr id="3" name="Content Placeholder 2">
+            <a:extLst>
+              <a:ext uri="{FF2B5EF4-FFF2-40B4-BE49-F238E27FC236}">
+                <a16:creationId xmlns:a16="http://schemas.microsoft.com/office/drawing/2014/main" id="{7B742CE7-CA21-470C-AC2B-F89ECEC311CD}"/>
+              </a:ext>
+            </a:extLst>
+          </p:cNvPr>
+          <p:cNvPicPr>
+            <a:picLocks noGrp="1" noChangeAspect="1"/>
+          </p:cNvPicPr>
+          <p:nvPr>
+            <p:ph idx="1"/>
+          </p:nvPr>
+        </p:nvPicPr>
+        <p:blipFill>
+          <a:blip r:embed="rId2"/>
+          <a:stretch>
+            <a:fillRect/>
+          </a:stretch>
+        </p:blipFill>
+        <p:spPr>
+          <a:xfrm>
+            <a:off x="1607105" y="2292953"/>
+            <a:ext cx="8977789" cy="3860450"/>
+          </a:xfrm>
+          <a:prstGeom prst="rect">
+            <a:avLst/>
+          </a:prstGeom>
+        </p:spPr>
+      </p:pic>
+    </p:spTree>
+    <p:extLst>
+      <p:ext uri="{BB962C8B-B14F-4D97-AF65-F5344CB8AC3E}">
+        <p14:creationId xmlns:p14="http://schemas.microsoft.com/office/powerpoint/2010/main" val="3731193904"/>
+      </p:ext>
+    </p:extLst>
+  </p:cSld>
+  <p:clrMapOvr>
+    <a:masterClrMapping/>
+  </p:clrMapOvr>
+</p:sld>
+</file>
+
+<file path=ppt/slides/slide5.xml><?xml version="1.0" encoding="utf-8"?>
+<p:sld xmlns:a="http://schemas.openxmlformats.org/drawingml/2006/main" xmlns:r="http://schemas.openxmlformats.org/officeDocument/2006/relationships" xmlns:p="http://schemas.openxmlformats.org/presentationml/2006/main">
+  <p:cSld>
+    <p:spTree>
+      <p:nvGrpSpPr>
+        <p:cNvPr id="1" name=""/>
+        <p:cNvGrpSpPr/>
+        <p:nvPr/>
+      </p:nvGrpSpPr>
+      <p:grpSpPr>
+        <a:xfrm>
+          <a:off x="0" y="0"/>
+          <a:ext cx="0" cy="0"/>
+          <a:chOff x="0" y="0"/>
+          <a:chExt cx="0" cy="0"/>
+        </a:xfrm>
+      </p:grpSpPr>
+      <p:pic>
+        <p:nvPicPr>
+          <p:cNvPr id="5" name="Picture 4">
+            <a:extLst>
+              <a:ext uri="{FF2B5EF4-FFF2-40B4-BE49-F238E27FC236}">
+                <a16:creationId xmlns:a16="http://schemas.microsoft.com/office/drawing/2014/main" id="{466B7F85-8459-47C9-8AB7-0098FA161485}"/>
+              </a:ext>
+            </a:extLst>
+          </p:cNvPr>
+          <p:cNvPicPr>
+            <a:picLocks noChangeAspect="1"/>
+          </p:cNvPicPr>
+          <p:nvPr/>
+        </p:nvPicPr>
+        <p:blipFill>
+          <a:blip r:embed="rId2"/>
+          <a:stretch>
+            <a:fillRect/>
+          </a:stretch>
+        </p:blipFill>
+        <p:spPr>
+          <a:xfrm>
+            <a:off x="0" y="0"/>
+            <a:ext cx="12192000" cy="6717438"/>
+          </a:xfrm>
+          <a:prstGeom prst="rect">
+            <a:avLst/>
+          </a:prstGeom>
+        </p:spPr>
+      </p:pic>
+    </p:spTree>
+    <p:extLst>
+      <p:ext uri="{BB962C8B-B14F-4D97-AF65-F5344CB8AC3E}">
+        <p14:creationId xmlns:p14="http://schemas.microsoft.com/office/powerpoint/2010/main" val="2353937424"/>
+      </p:ext>
+    </p:extLst>
+  </p:cSld>
+  <p:clrMapOvr>
+    <a:masterClrMapping/>
+  </p:clrMapOvr>
+</p:sld>
+</file>
+
+<file path=ppt/slides/slide6.xml><?xml version="1.0" encoding="utf-8"?>
+<p:sld xmlns:a="http://schemas.openxmlformats.org/drawingml/2006/main" xmlns:r="http://schemas.openxmlformats.org/officeDocument/2006/relationships" xmlns:p="http://schemas.openxmlformats.org/presentationml/2006/main">
+  <p:cSld>
+    <p:bg>
+      <p:bgPr>
+        <a:solidFill>
+          <a:schemeClr val="bg1"/>
+        </a:solidFill>
+        <a:effectLst/>
+      </p:bgPr>
+    </p:bg>
+    <p:spTree>
+      <p:nvGrpSpPr>
+        <p:cNvPr id="1" name=""/>
+        <p:cNvGrpSpPr/>
+        <p:nvPr/>
+      </p:nvGrpSpPr>
+      <p:grpSpPr>
+        <a:xfrm>
+          <a:off x="0" y="0"/>
+          <a:ext cx="0" cy="0"/>
+          <a:chOff x="0" y="0"/>
+          <a:chExt cx="0" cy="0"/>
+        </a:xfrm>
+      </p:grpSpPr>
+      <p:cxnSp>
+        <p:nvCxnSpPr>
+          <p:cNvPr id="12" name="Straight Connector 11">
+            <a:extLst>
+              <a:ext uri="{FF2B5EF4-FFF2-40B4-BE49-F238E27FC236}">
+                <a16:creationId xmlns:a16="http://schemas.microsoft.com/office/drawing/2014/main" id="{F64F9B95-9045-48D2-B9F3-2927E98F54AA}"/>
+              </a:ext>
+              <a:ext uri="{C183D7F6-B498-43B3-948B-1728B52AA6E4}">
+                <adec:decorative xmlns:adec="http://schemas.microsoft.com/office/drawing/2017/decorative" val="1"/>
+              </a:ext>
+            </a:extLst>
+          </p:cNvPr>
+          <p:cNvCxnSpPr>
+            <a:cxnSpLocks noGrp="1" noRot="1" noChangeAspect="1" noMove="1" noResize="1" noEditPoints="1" noAdjustHandles="1" noChangeArrowheads="1" noChangeShapeType="1"/>
+          </p:cNvCxnSpPr>
+          <p:nvPr>
+            <p:extLst>
+              <p:ext uri="{386F3935-93C4-4BCD-93E2-E3B085C9AB24}">
+                <p16:designElem xmlns:p16="http://schemas.microsoft.com/office/powerpoint/2015/main" val="1"/>
+              </p:ext>
+            </p:extLst>
+          </p:nvPr>
+        </p:nvCxnSpPr>
+        <p:spPr>
+          <a:xfrm>
+            <a:off x="800100" y="723900"/>
+            <a:ext cx="10591800" cy="0"/>
+          </a:xfrm>
+          <a:prstGeom prst="line">
+            <a:avLst/>
+          </a:prstGeom>
+          <a:ln w="44450">
+            <a:solidFill>
+              <a:schemeClr val="tx1"/>
+            </a:solidFill>
+          </a:ln>
+        </p:spPr>
+        <p:style>
+          <a:lnRef idx="1">
+            <a:schemeClr val="accent1"/>
+          </a:lnRef>
+          <a:fillRef idx="0">
+            <a:schemeClr val="accent1"/>
+          </a:fillRef>
+          <a:effectRef idx="0">
+            <a:schemeClr val="accent1"/>
+          </a:effectRef>
+          <a:fontRef idx="minor">
+            <a:schemeClr val="tx1"/>
+          </a:fontRef>
+        </p:style>
+      </p:cxnSp>
+      <p:cxnSp>
+        <p:nvCxnSpPr>
+          <p:cNvPr id="14" name="Straight Connector 13">
+            <a:extLst>
+              <a:ext uri="{FF2B5EF4-FFF2-40B4-BE49-F238E27FC236}">
+                <a16:creationId xmlns:a16="http://schemas.microsoft.com/office/drawing/2014/main" id="{085AA86F-6A4D-4BCB-A045-D992CDC2959B}"/>
+              </a:ext>
+              <a:ext uri="{C183D7F6-B498-43B3-948B-1728B52AA6E4}">
+                <adec:decorative xmlns:adec="http://schemas.microsoft.com/office/drawing/2017/decorative" val="1"/>
+              </a:ext>
+            </a:extLst>
+          </p:cNvPr>
+          <p:cNvCxnSpPr>
+            <a:cxnSpLocks noGrp="1" noRot="1" noChangeAspect="1" noMove="1" noResize="1" noEditPoints="1" noAdjustHandles="1" noChangeArrowheads="1" noChangeShapeType="1"/>
+          </p:cNvCxnSpPr>
+          <p:nvPr>
+            <p:extLst>
+              <p:ext uri="{386F3935-93C4-4BCD-93E2-E3B085C9AB24}">
+                <p16:designElem xmlns:p16="http://schemas.microsoft.com/office/powerpoint/2015/main" val="1"/>
+              </p:ext>
+            </p:extLst>
+          </p:nvPr>
+        </p:nvCxnSpPr>
+        <p:spPr>
+          <a:xfrm>
+            <a:off x="800100" y="6142781"/>
+            <a:ext cx="10591800" cy="0"/>
+          </a:xfrm>
+          <a:prstGeom prst="line">
+            <a:avLst/>
+          </a:prstGeom>
+          <a:ln w="12700">
+            <a:solidFill>
+              <a:schemeClr val="tx1"/>
+            </a:solidFill>
+          </a:ln>
+        </p:spPr>
+        <p:style>
+          <a:lnRef idx="1">
+            <a:schemeClr val="accent1"/>
+          </a:lnRef>
+          <a:fillRef idx="0">
+            <a:schemeClr val="accent1"/>
+          </a:fillRef>
+          <a:effectRef idx="0">
+            <a:schemeClr val="accent1"/>
+          </a:effectRef>
+          <a:fontRef idx="minor">
+            <a:schemeClr val="tx1"/>
+          </a:fontRef>
+        </p:style>
+      </p:cxnSp>
+      <p:sp useBgFill="1">
+        <p:nvSpPr>
+          <p:cNvPr id="16" name="Rectangle 15">
+            <a:extLst>
+              <a:ext uri="{FF2B5EF4-FFF2-40B4-BE49-F238E27FC236}">
+                <a16:creationId xmlns:a16="http://schemas.microsoft.com/office/drawing/2014/main" id="{85CB65D0-496F-4797-A015-C85839E35D1A}"/>
+              </a:ext>
+              <a:ext uri="{C183D7F6-B498-43B3-948B-1728B52AA6E4}">
+                <adec:decorative xmlns:adec="http://schemas.microsoft.com/office/drawing/2017/decorative" val="1"/>
+              </a:ext>
+            </a:extLst>
+          </p:cNvPr>
+          <p:cNvSpPr>
+            <a:spLocks noGrp="1" noRot="1" noChangeAspect="1" noMove="1" noResize="1" noEditPoints="1" noAdjustHandles="1" noChangeArrowheads="1" noChangeShapeType="1" noTextEdit="1"/>
+          </p:cNvSpPr>
+          <p:nvPr>
+            <p:extLst>
+              <p:ext uri="{386F3935-93C4-4BCD-93E2-E3B085C9AB24}">
+                <p16:designElem xmlns:p16="http://schemas.microsoft.com/office/powerpoint/2015/main" val="1"/>
+              </p:ext>
+            </p:extLst>
+          </p:nvPr>
+        </p:nvSpPr>
+        <p:spPr>
+          <a:xfrm>
+            <a:off x="0" y="0"/>
+            <a:ext cx="12192000" cy="6858000"/>
+          </a:xfrm>
+          <a:prstGeom prst="rect">
+            <a:avLst/>
+          </a:prstGeom>
+          <a:ln w="12700" cap="flat" cmpd="sng" algn="ctr">
+            <a:noFill/>
+            <a:prstDash val="solid"/>
+            <a:miter lim="800000"/>
+          </a:ln>
+          <a:effectLst/>
+          <a:extLst>
+            <a:ext uri="{91240B29-F687-4F45-9708-019B960494DF}">
+              <a14:hiddenLine xmlns:a14="http://schemas.microsoft.com/office/drawing/2010/main" w="12700" cap="flat" cmpd="sng" algn="ctr">
+                <a:solidFill>
+                  <a:schemeClr val="accent1">
+                    <a:shade val="50000"/>
+                  </a:schemeClr>
+                </a:solidFill>
+                <a:prstDash val="solid"/>
+                <a:miter lim="800000"/>
+              </a14:hiddenLine>
+            </a:ext>
+          </a:extLst>
+        </p:spPr>
+        <p:style>
+          <a:lnRef idx="2">
+            <a:schemeClr val="accent1">
+              <a:shade val="50000"/>
+            </a:schemeClr>
+          </a:lnRef>
+          <a:fillRef idx="1">
+            <a:schemeClr val="accent1"/>
+          </a:fillRef>
+          <a:effectRef idx="0">
+            <a:schemeClr val="accent1"/>
+          </a:effectRef>
+          <a:fontRef idx="minor">
+            <a:schemeClr val="lt1"/>
+          </a:fontRef>
+        </p:style>
+        <p:txBody>
+          <a:bodyPr rtlCol="0" anchor="ctr"/>
+          <a:lstStyle/>
+          <a:p>
+            <a:pPr algn="ctr"/>
+            <a:endParaRPr lang="en-US"/>
+          </a:p>
+        </p:txBody>
+      </p:sp>
+      <p:pic>
+        <p:nvPicPr>
+          <p:cNvPr id="5" name="Content Placeholder 4">
+            <a:extLst>
+              <a:ext uri="{FF2B5EF4-FFF2-40B4-BE49-F238E27FC236}">
+                <a16:creationId xmlns:a16="http://schemas.microsoft.com/office/drawing/2014/main" id="{E9227A94-8B39-4A38-BDD4-F81C4EF3EDE5}"/>
+              </a:ext>
+            </a:extLst>
+          </p:cNvPr>
+          <p:cNvPicPr>
+            <a:picLocks noGrp="1" noChangeAspect="1"/>
+          </p:cNvPicPr>
+          <p:nvPr>
+            <p:ph idx="1"/>
+          </p:nvPr>
+        </p:nvPicPr>
+        <p:blipFill rotWithShape="1">
+          <a:blip r:embed="rId3"/>
+          <a:srcRect l="9494" r="1617"/>
+          <a:stretch/>
+        </p:blipFill>
+        <p:spPr>
+          <a:xfrm>
+            <a:off x="1" y="10"/>
+            <a:ext cx="12192000" cy="6857989"/>
+          </a:xfrm>
+          <a:prstGeom prst="rect">
+            <a:avLst/>
+          </a:prstGeom>
+        </p:spPr>
+      </p:pic>
+      <p:sp>
+        <p:nvSpPr>
+          <p:cNvPr id="18" name="Rectangle 17">
+            <a:extLst>
+              <a:ext uri="{FF2B5EF4-FFF2-40B4-BE49-F238E27FC236}">
+                <a16:creationId xmlns:a16="http://schemas.microsoft.com/office/drawing/2014/main" id="{95D2C779-8883-4E5F-A170-0F464918C1B7}"/>
+              </a:ext>
+              <a:ext uri="{C183D7F6-B498-43B3-948B-1728B52AA6E4}">
+                <adec:decorative xmlns:adec="http://schemas.microsoft.com/office/drawing/2017/decorative" val="1"/>
+              </a:ext>
+            </a:extLst>
+          </p:cNvPr>
+          <p:cNvSpPr>
+            <a:spLocks noGrp="1" noRot="1" noChangeAspect="1" noMove="1" noResize="1" noEditPoints="1" noAdjustHandles="1" noChangeArrowheads="1" noChangeShapeType="1" noTextEdit="1"/>
+          </p:cNvSpPr>
+          <p:nvPr>
+            <p:extLst>
+              <p:ext uri="{386F3935-93C4-4BCD-93E2-E3B085C9AB24}">
+                <p16:designElem xmlns:p16="http://schemas.microsoft.com/office/powerpoint/2015/main" val="1"/>
+              </p:ext>
+            </p:extLst>
+          </p:nvPr>
+        </p:nvSpPr>
+        <p:spPr>
+          <a:xfrm rot="10800000">
+            <a:off x="-2307" y="990598"/>
+            <a:ext cx="12188952" cy="4745182"/>
+          </a:xfrm>
+          <a:prstGeom prst="rect">
+            <a:avLst/>
+          </a:prstGeom>
+          <a:gradFill>
+            <a:gsLst>
+              <a:gs pos="35000">
+                <a:srgbClr val="000000">
+                  <a:alpha val="41000"/>
+                </a:srgbClr>
+              </a:gs>
+              <a:gs pos="0">
+                <a:srgbClr val="000000">
+                  <a:alpha val="0"/>
+                </a:srgbClr>
+              </a:gs>
+              <a:gs pos="47744">
+                <a:srgbClr val="000000">
+                  <a:alpha val="51000"/>
+                </a:srgbClr>
+              </a:gs>
+              <a:gs pos="70000">
+                <a:srgbClr val="000000">
+                  <a:alpha val="37000"/>
+                </a:srgbClr>
+              </a:gs>
+              <a:gs pos="100000">
+                <a:srgbClr val="000000">
+                  <a:alpha val="0"/>
+                </a:srgbClr>
+              </a:gs>
+            </a:gsLst>
+            <a:lin ang="5400000" scaled="1"/>
+          </a:gradFill>
+          <a:ln>
+            <a:noFill/>
+          </a:ln>
+        </p:spPr>
+        <p:style>
+          <a:lnRef idx="2">
+            <a:schemeClr val="accent1">
+              <a:shade val="50000"/>
+            </a:schemeClr>
+          </a:lnRef>
+          <a:fillRef idx="1">
+            <a:schemeClr val="accent1"/>
+          </a:fillRef>
+          <a:effectRef idx="0">
+            <a:schemeClr val="accent1"/>
+          </a:effectRef>
+          <a:fontRef idx="minor">
+            <a:schemeClr val="lt1"/>
+          </a:fontRef>
+        </p:style>
+        <p:txBody>
+          <a:bodyPr rtlCol="0" anchor="ctr"/>
+          <a:lstStyle/>
+          <a:p>
+            <a:pPr algn="ctr"/>
+            <a:endParaRPr lang="en-US"/>
+          </a:p>
+        </p:txBody>
+      </p:sp>
+      <p:sp>
+        <p:nvSpPr>
+          <p:cNvPr id="6" name="Title 5">
+            <a:extLst>
+              <a:ext uri="{FF2B5EF4-FFF2-40B4-BE49-F238E27FC236}">
+                <a16:creationId xmlns:a16="http://schemas.microsoft.com/office/drawing/2014/main" id="{C7619A11-F691-4C62-9F18-A4576C89BA5B}"/>
+              </a:ext>
+            </a:extLst>
+          </p:cNvPr>
+          <p:cNvSpPr>
+            <a:spLocks noGrp="1"/>
+          </p:cNvSpPr>
+          <p:nvPr>
+            <p:ph type="title"/>
+          </p:nvPr>
+        </p:nvSpPr>
+        <p:spPr>
+          <a:xfrm>
+            <a:off x="1833541" y="990599"/>
+            <a:ext cx="5619054" cy="4849091"/>
+          </a:xfrm>
+        </p:spPr>
+        <p:txBody>
+          <a:bodyPr vert="horz" lIns="91440" tIns="45720" rIns="91440" bIns="45720" rtlCol="0" anchor="ctr">
+            <a:normAutofit/>
+          </a:bodyPr>
+          <a:lstStyle/>
+          <a:p>
+            <a:pPr algn="r"/>
+            <a:r>
+              <a:rPr lang="en-US" sz="5400">
+                <a:solidFill>
+                  <a:srgbClr val="FFFFFF"/>
+                </a:solidFill>
+              </a:rPr>
+              <a:t>r/politics</a:t>
+            </a:r>
+          </a:p>
+        </p:txBody>
+      </p:sp>
+      <p:cxnSp>
+        <p:nvCxnSpPr>
+          <p:cNvPr id="20" name="Straight Connector 19">
+            <a:extLst>
+              <a:ext uri="{FF2B5EF4-FFF2-40B4-BE49-F238E27FC236}">
+                <a16:creationId xmlns:a16="http://schemas.microsoft.com/office/drawing/2014/main" id="{BD96A694-258D-4418-A83C-B9BA72FD44B8}"/>
+              </a:ext>
+              <a:ext uri="{C183D7F6-B498-43B3-948B-1728B52AA6E4}">
+                <adec:decorative xmlns:adec="http://schemas.microsoft.com/office/drawing/2017/decorative" val="1"/>
+              </a:ext>
+            </a:extLst>
+          </p:cNvPr>
+          <p:cNvCxnSpPr>
+            <a:cxnSpLocks noGrp="1" noRot="1" noChangeAspect="1" noMove="1" noResize="1" noEditPoints="1" noAdjustHandles="1" noChangeArrowheads="1" noChangeShapeType="1"/>
+          </p:cNvCxnSpPr>
+          <p:nvPr>
+            <p:extLst>
+              <p:ext uri="{386F3935-93C4-4BCD-93E2-E3B085C9AB24}">
+                <p16:designElem xmlns:p16="http://schemas.microsoft.com/office/powerpoint/2015/main" val="1"/>
+              </p:ext>
+            </p:extLst>
+          </p:nvPr>
+        </p:nvCxnSpPr>
+        <p:spPr>
+          <a:xfrm flipV="1">
+            <a:off x="8115300" y="1780927"/>
+            <a:ext cx="0" cy="3390901"/>
+          </a:xfrm>
+          <a:prstGeom prst="line">
+            <a:avLst/>
+          </a:prstGeom>
+          <a:ln w="44450">
+            <a:solidFill>
+              <a:srgbClr val="FFFFFF"/>
+            </a:solidFill>
+          </a:ln>
+          <a:effectLst>
+            <a:outerShdw blurRad="50800" dist="38100" dir="2700000" sx="88000" sy="88000" algn="tl" rotWithShape="0">
+              <a:prstClr val="black">
+                <a:alpha val="26000"/>
+              </a:prstClr>
+            </a:outerShdw>
+          </a:effectLst>
+        </p:spPr>
+        <p:style>
+          <a:lnRef idx="1">
+            <a:schemeClr val="accent1"/>
+          </a:lnRef>
+          <a:fillRef idx="0">
+            <a:schemeClr val="accent1"/>
+          </a:fillRef>
+          <a:effectRef idx="0">
+            <a:schemeClr val="accent1"/>
+          </a:effectRef>
+          <a:fontRef idx="minor">
+            <a:schemeClr val="tx1"/>
+          </a:fontRef>
+        </p:style>
+      </p:cxnSp>
+    </p:spTree>
+    <p:extLst>
+      <p:ext uri="{BB962C8B-B14F-4D97-AF65-F5344CB8AC3E}">
+        <p14:creationId xmlns:p14="http://schemas.microsoft.com/office/powerpoint/2010/main" val="185075833"/>
+      </p:ext>
+    </p:extLst>
+  </p:cSld>
+  <p:clrMapOvr>
+    <a:masterClrMapping/>
+  </p:clrMapOvr>
+</p:sld>
+</file>
+
+<file path=ppt/slides/slide7.xml><?xml version="1.0" encoding="utf-8"?>
+<p:sld xmlns:a="http://schemas.openxmlformats.org/drawingml/2006/main" xmlns:r="http://schemas.openxmlformats.org/officeDocument/2006/relationships" xmlns:p="http://schemas.openxmlformats.org/presentationml/2006/main">
+  <p:cSld>
+    <p:bg>
+      <p:bgPr>
+        <a:solidFill>
+          <a:schemeClr val="bg1"/>
+        </a:solidFill>
+        <a:effectLst/>
+      </p:bgPr>
+    </p:bg>
+    <p:spTree>
+      <p:nvGrpSpPr>
+        <p:cNvPr id="1" name=""/>
+        <p:cNvGrpSpPr/>
+        <p:nvPr/>
+      </p:nvGrpSpPr>
+      <p:grpSpPr>
+        <a:xfrm>
+          <a:off x="0" y="0"/>
+          <a:ext cx="0" cy="0"/>
+          <a:chOff x="0" y="0"/>
+          <a:chExt cx="0" cy="0"/>
+        </a:xfrm>
+      </p:grpSpPr>
+      <p:cxnSp>
+        <p:nvCxnSpPr>
+          <p:cNvPr id="10" name="Straight Connector 9">
+            <a:extLst>
+              <a:ext uri="{FF2B5EF4-FFF2-40B4-BE49-F238E27FC236}">
+                <a16:creationId xmlns:a16="http://schemas.microsoft.com/office/drawing/2014/main" id="{F64F9B95-9045-48D2-B9F3-2927E98F54AA}"/>
+              </a:ext>
+              <a:ext uri="{C183D7F6-B498-43B3-948B-1728B52AA6E4}">
+                <adec:decorative xmlns:adec="http://schemas.microsoft.com/office/drawing/2017/decorative" val="1"/>
+              </a:ext>
+            </a:extLst>
+          </p:cNvPr>
+          <p:cNvCxnSpPr>
+            <a:cxnSpLocks noGrp="1" noRot="1" noChangeAspect="1" noMove="1" noResize="1" noEditPoints="1" noAdjustHandles="1" noChangeArrowheads="1" noChangeShapeType="1"/>
+          </p:cNvCxnSpPr>
+          <p:nvPr>
+            <p:extLst>
+              <p:ext uri="{386F3935-93C4-4BCD-93E2-E3B085C9AB24}">
+                <p16:designElem xmlns:p16="http://schemas.microsoft.com/office/powerpoint/2015/main" val="1"/>
+              </p:ext>
+            </p:extLst>
+          </p:nvPr>
+        </p:nvCxnSpPr>
+        <p:spPr>
+          <a:xfrm>
+            <a:off x="800100" y="723900"/>
+            <a:ext cx="10591800" cy="0"/>
+          </a:xfrm>
+          <a:prstGeom prst="line">
+            <a:avLst/>
+          </a:prstGeom>
+          <a:ln w="44450">
+            <a:solidFill>
+              <a:schemeClr val="tx1"/>
+            </a:solidFill>
+          </a:ln>
+        </p:spPr>
+        <p:style>
+          <a:lnRef idx="1">
+            <a:schemeClr val="accent1"/>
+          </a:lnRef>
+          <a:fillRef idx="0">
+            <a:schemeClr val="accent1"/>
+          </a:fillRef>
+          <a:effectRef idx="0">
+            <a:schemeClr val="accent1"/>
+          </a:effectRef>
+          <a:fontRef idx="minor">
+            <a:schemeClr val="tx1"/>
+          </a:fontRef>
+        </p:style>
+      </p:cxnSp>
+      <p:cxnSp>
+        <p:nvCxnSpPr>
+          <p:cNvPr id="12" name="Straight Connector 11">
+            <a:extLst>
+              <a:ext uri="{FF2B5EF4-FFF2-40B4-BE49-F238E27FC236}">
+                <a16:creationId xmlns:a16="http://schemas.microsoft.com/office/drawing/2014/main" id="{085AA86F-6A4D-4BCB-A045-D992CDC2959B}"/>
+              </a:ext>
+              <a:ext uri="{C183D7F6-B498-43B3-948B-1728B52AA6E4}">
+                <adec:decorative xmlns:adec="http://schemas.microsoft.com/office/drawing/2017/decorative" val="1"/>
+              </a:ext>
+            </a:extLst>
+          </p:cNvPr>
+          <p:cNvCxnSpPr>
+            <a:cxnSpLocks noGrp="1" noRot="1" noChangeAspect="1" noMove="1" noResize="1" noEditPoints="1" noAdjustHandles="1" noChangeArrowheads="1" noChangeShapeType="1"/>
+          </p:cNvCxnSpPr>
+          <p:nvPr>
+            <p:extLst>
+              <p:ext uri="{386F3935-93C4-4BCD-93E2-E3B085C9AB24}">
+                <p16:designElem xmlns:p16="http://schemas.microsoft.com/office/powerpoint/2015/main" val="1"/>
+              </p:ext>
+            </p:extLst>
+          </p:nvPr>
+        </p:nvCxnSpPr>
+        <p:spPr>
+          <a:xfrm>
+            <a:off x="800100" y="6142781"/>
+            <a:ext cx="10591800" cy="0"/>
+          </a:xfrm>
+          <a:prstGeom prst="line">
+            <a:avLst/>
+          </a:prstGeom>
+          <a:ln w="12700">
+            <a:solidFill>
+              <a:schemeClr val="tx1"/>
+            </a:solidFill>
+          </a:ln>
+        </p:spPr>
+        <p:style>
+          <a:lnRef idx="1">
+            <a:schemeClr val="accent1"/>
+          </a:lnRef>
+          <a:fillRef idx="0">
+            <a:schemeClr val="accent1"/>
+          </a:fillRef>
+          <a:effectRef idx="0">
+            <a:schemeClr val="accent1"/>
+          </a:effectRef>
+          <a:fontRef idx="minor">
+            <a:schemeClr val="tx1"/>
+          </a:fontRef>
+        </p:style>
+      </p:cxnSp>
+      <p:sp useBgFill="1">
+        <p:nvSpPr>
+          <p:cNvPr id="14" name="Rectangle 13">
+            <a:extLst>
+              <a:ext uri="{FF2B5EF4-FFF2-40B4-BE49-F238E27FC236}">
+                <a16:creationId xmlns:a16="http://schemas.microsoft.com/office/drawing/2014/main" id="{85CB65D0-496F-4797-A015-C85839E35D1A}"/>
+              </a:ext>
+              <a:ext uri="{C183D7F6-B498-43B3-948B-1728B52AA6E4}">
+                <adec:decorative xmlns:adec="http://schemas.microsoft.com/office/drawing/2017/decorative" val="1"/>
+              </a:ext>
+            </a:extLst>
+          </p:cNvPr>
+          <p:cNvSpPr>
+            <a:spLocks noGrp="1" noRot="1" noChangeAspect="1" noMove="1" noResize="1" noEditPoints="1" noAdjustHandles="1" noChangeArrowheads="1" noChangeShapeType="1" noTextEdit="1"/>
+          </p:cNvSpPr>
+          <p:nvPr>
+            <p:extLst>
+              <p:ext uri="{386F3935-93C4-4BCD-93E2-E3B085C9AB24}">
+                <p16:designElem xmlns:p16="http://schemas.microsoft.com/office/powerpoint/2015/main" val="1"/>
+              </p:ext>
+            </p:extLst>
+          </p:nvPr>
+        </p:nvSpPr>
+        <p:spPr>
+          <a:xfrm>
+            <a:off x="0" y="0"/>
+            <a:ext cx="12192000" cy="6858000"/>
+          </a:xfrm>
+          <a:prstGeom prst="rect">
+            <a:avLst/>
+          </a:prstGeom>
+          <a:ln w="12700" cap="flat" cmpd="sng" algn="ctr">
+            <a:noFill/>
+            <a:prstDash val="solid"/>
+            <a:miter lim="800000"/>
+          </a:ln>
+          <a:effectLst/>
+          <a:extLst>
+            <a:ext uri="{91240B29-F687-4F45-9708-019B960494DF}">
+              <a14:hiddenLine xmlns:a14="http://schemas.microsoft.com/office/drawing/2010/main" w="12700" cap="flat" cmpd="sng" algn="ctr">
+                <a:solidFill>
+                  <a:schemeClr val="accent1">
+                    <a:shade val="50000"/>
+                  </a:schemeClr>
+                </a:solidFill>
+                <a:prstDash val="solid"/>
+                <a:miter lim="800000"/>
+              </a14:hiddenLine>
+            </a:ext>
+          </a:extLst>
+        </p:spPr>
+        <p:style>
+          <a:lnRef idx="2">
+            <a:schemeClr val="accent1">
+              <a:shade val="50000"/>
+            </a:schemeClr>
+          </a:lnRef>
+          <a:fillRef idx="1">
+            <a:schemeClr val="accent1"/>
+          </a:fillRef>
+          <a:effectRef idx="0">
+            <a:schemeClr val="accent1"/>
+          </a:effectRef>
+          <a:fontRef idx="minor">
+            <a:schemeClr val="lt1"/>
+          </a:fontRef>
+        </p:style>
+        <p:txBody>
+          <a:bodyPr rtlCol="0" anchor="ctr"/>
+          <a:lstStyle/>
+          <a:p>
+            <a:pPr algn="ctr"/>
+            <a:endParaRPr lang="en-US"/>
+          </a:p>
+        </p:txBody>
+      </p:sp>
+      <p:pic>
+        <p:nvPicPr>
+          <p:cNvPr id="5" name="Content Placeholder 4">
+            <a:extLst>
+              <a:ext uri="{FF2B5EF4-FFF2-40B4-BE49-F238E27FC236}">
+                <a16:creationId xmlns:a16="http://schemas.microsoft.com/office/drawing/2014/main" id="{D171452C-020D-461C-8040-EE9B54B2C199}"/>
+              </a:ext>
+            </a:extLst>
+          </p:cNvPr>
+          <p:cNvPicPr>
+            <a:picLocks noGrp="1" noChangeAspect="1"/>
+          </p:cNvPicPr>
+          <p:nvPr>
+            <p:ph idx="1"/>
+          </p:nvPr>
+        </p:nvPicPr>
+        <p:blipFill rotWithShape="1">
+          <a:blip r:embed="rId3"/>
+          <a:srcRect l="5733" r="2711" b="-1"/>
+          <a:stretch/>
+        </p:blipFill>
+        <p:spPr>
+          <a:xfrm>
+            <a:off x="1" y="10"/>
+            <a:ext cx="12192000" cy="6857989"/>
+          </a:xfrm>
+          <a:prstGeom prst="rect">
+            <a:avLst/>
+          </a:prstGeom>
+        </p:spPr>
+      </p:pic>
+      <p:sp>
+        <p:nvSpPr>
+          <p:cNvPr id="16" name="Rectangle 15">
+            <a:extLst>
+              <a:ext uri="{FF2B5EF4-FFF2-40B4-BE49-F238E27FC236}">
+                <a16:creationId xmlns:a16="http://schemas.microsoft.com/office/drawing/2014/main" id="{95D2C779-8883-4E5F-A170-0F464918C1B7}"/>
+              </a:ext>
+              <a:ext uri="{C183D7F6-B498-43B3-948B-1728B52AA6E4}">
+                <adec:decorative xmlns:adec="http://schemas.microsoft.com/office/drawing/2017/decorative" val="1"/>
+              </a:ext>
+            </a:extLst>
+          </p:cNvPr>
+          <p:cNvSpPr>
+            <a:spLocks noGrp="1" noRot="1" noChangeAspect="1" noMove="1" noResize="1" noEditPoints="1" noAdjustHandles="1" noChangeArrowheads="1" noChangeShapeType="1" noTextEdit="1"/>
+          </p:cNvSpPr>
+          <p:nvPr>
+            <p:extLst>
+              <p:ext uri="{386F3935-93C4-4BCD-93E2-E3B085C9AB24}">
+                <p16:designElem xmlns:p16="http://schemas.microsoft.com/office/powerpoint/2015/main" val="1"/>
+              </p:ext>
+            </p:extLst>
+          </p:nvPr>
+        </p:nvSpPr>
+        <p:spPr>
+          <a:xfrm rot="10800000">
+            <a:off x="-2307" y="990598"/>
+            <a:ext cx="12188952" cy="4745182"/>
+          </a:xfrm>
+          <a:prstGeom prst="rect">
+            <a:avLst/>
+          </a:prstGeom>
+          <a:gradFill>
+            <a:gsLst>
+              <a:gs pos="35000">
+                <a:srgbClr val="000000">
+                  <a:alpha val="41000"/>
+                </a:srgbClr>
+              </a:gs>
+              <a:gs pos="0">
+                <a:srgbClr val="000000">
+                  <a:alpha val="0"/>
+                </a:srgbClr>
+              </a:gs>
+              <a:gs pos="47744">
+                <a:srgbClr val="000000">
+                  <a:alpha val="51000"/>
+                </a:srgbClr>
+              </a:gs>
+              <a:gs pos="70000">
+                <a:srgbClr val="000000">
+                  <a:alpha val="37000"/>
+                </a:srgbClr>
+              </a:gs>
+              <a:gs pos="100000">
+                <a:srgbClr val="000000">
+                  <a:alpha val="0"/>
+                </a:srgbClr>
+              </a:gs>
+            </a:gsLst>
+            <a:lin ang="5400000" scaled="1"/>
+          </a:gradFill>
+          <a:ln>
+            <a:noFill/>
+          </a:ln>
+        </p:spPr>
+        <p:style>
+          <a:lnRef idx="2">
+            <a:schemeClr val="accent1">
+              <a:shade val="50000"/>
+            </a:schemeClr>
+          </a:lnRef>
+          <a:fillRef idx="1">
+            <a:schemeClr val="accent1"/>
+          </a:fillRef>
+          <a:effectRef idx="0">
+            <a:schemeClr val="accent1"/>
+          </a:effectRef>
+          <a:fontRef idx="minor">
+            <a:schemeClr val="lt1"/>
+          </a:fontRef>
+        </p:style>
+        <p:txBody>
+          <a:bodyPr rtlCol="0" anchor="ctr"/>
+          <a:lstStyle/>
+          <a:p>
+            <a:pPr algn="ctr"/>
+            <a:endParaRPr lang="en-US"/>
+          </a:p>
+        </p:txBody>
+      </p:sp>
+      <p:sp>
+        <p:nvSpPr>
+          <p:cNvPr id="2" name="Title 1">
+            <a:extLst>
+              <a:ext uri="{FF2B5EF4-FFF2-40B4-BE49-F238E27FC236}">
+                <a16:creationId xmlns:a16="http://schemas.microsoft.com/office/drawing/2014/main" id="{E642C27B-7A49-4953-A99E-7AA3126B3357}"/>
+              </a:ext>
+            </a:extLst>
+          </p:cNvPr>
+          <p:cNvSpPr>
+            <a:spLocks noGrp="1"/>
+          </p:cNvSpPr>
+          <p:nvPr>
+            <p:ph type="title"/>
+          </p:nvPr>
+        </p:nvSpPr>
+        <p:spPr>
+          <a:xfrm>
+            <a:off x="1833541" y="990599"/>
+            <a:ext cx="5619054" cy="4849091"/>
+          </a:xfrm>
+        </p:spPr>
+        <p:txBody>
+          <a:bodyPr vert="horz" lIns="91440" tIns="45720" rIns="91440" bIns="45720" rtlCol="0" anchor="ctr">
+            <a:normAutofit/>
+          </a:bodyPr>
+          <a:lstStyle/>
+          <a:p>
+            <a:pPr algn="r"/>
+            <a:r>
+              <a:rPr lang="en-US" sz="5400" dirty="0">
+                <a:solidFill>
+                  <a:srgbClr val="FFFFFF"/>
+                </a:solidFill>
+              </a:rPr>
+              <a:t>r/news</a:t>
+            </a:r>
+          </a:p>
+        </p:txBody>
+      </p:sp>
+      <p:cxnSp>
+        <p:nvCxnSpPr>
+          <p:cNvPr id="18" name="Straight Connector 17">
+            <a:extLst>
+              <a:ext uri="{FF2B5EF4-FFF2-40B4-BE49-F238E27FC236}">
+                <a16:creationId xmlns:a16="http://schemas.microsoft.com/office/drawing/2014/main" id="{BD96A694-258D-4418-A83C-B9BA72FD44B8}"/>
+              </a:ext>
+              <a:ext uri="{C183D7F6-B498-43B3-948B-1728B52AA6E4}">
+                <adec:decorative xmlns:adec="http://schemas.microsoft.com/office/drawing/2017/decorative" val="1"/>
+              </a:ext>
+            </a:extLst>
+          </p:cNvPr>
+          <p:cNvCxnSpPr>
+            <a:cxnSpLocks noGrp="1" noRot="1" noChangeAspect="1" noMove="1" noResize="1" noEditPoints="1" noAdjustHandles="1" noChangeArrowheads="1" noChangeShapeType="1"/>
+          </p:cNvCxnSpPr>
+          <p:nvPr>
+            <p:extLst>
+              <p:ext uri="{386F3935-93C4-4BCD-93E2-E3B085C9AB24}">
+                <p16:designElem xmlns:p16="http://schemas.microsoft.com/office/powerpoint/2015/main" val="1"/>
+              </p:ext>
+            </p:extLst>
+          </p:nvPr>
+        </p:nvCxnSpPr>
+        <p:spPr>
+          <a:xfrm flipV="1">
+            <a:off x="8115300" y="1780927"/>
+            <a:ext cx="0" cy="3390901"/>
+          </a:xfrm>
+          <a:prstGeom prst="line">
+            <a:avLst/>
+          </a:prstGeom>
+          <a:ln w="44450">
+            <a:solidFill>
+              <a:srgbClr val="FFFFFF"/>
+            </a:solidFill>
+          </a:ln>
+          <a:effectLst>
+            <a:outerShdw blurRad="50800" dist="38100" dir="2700000" sx="88000" sy="88000" algn="tl" rotWithShape="0">
+              <a:prstClr val="black">
+                <a:alpha val="26000"/>
+              </a:prstClr>
+            </a:outerShdw>
+          </a:effectLst>
+        </p:spPr>
+        <p:style>
+          <a:lnRef idx="1">
+            <a:schemeClr val="accent1"/>
+          </a:lnRef>
+          <a:fillRef idx="0">
+            <a:schemeClr val="accent1"/>
+          </a:fillRef>
+          <a:effectRef idx="0">
+            <a:schemeClr val="accent1"/>
+          </a:effectRef>
+          <a:fontRef idx="minor">
+            <a:schemeClr val="tx1"/>
+          </a:fontRef>
+        </p:style>
+      </p:cxnSp>
+    </p:spTree>
+    <p:extLst>
+      <p:ext uri="{BB962C8B-B14F-4D97-AF65-F5344CB8AC3E}">
+        <p14:creationId xmlns:p14="http://schemas.microsoft.com/office/powerpoint/2010/main" val="3751760142"/>
+      </p:ext>
+    </p:extLst>
+  </p:cSld>
+  <p:clrMapOvr>
+    <a:masterClrMapping/>
+  </p:clrMapOvr>
+</p:sld>
+</file>
+
+<file path=ppt/slides/slide8.xml><?xml version="1.0" encoding="utf-8"?>
+<p:sld xmlns:a="http://schemas.openxmlformats.org/drawingml/2006/main" xmlns:r="http://schemas.openxmlformats.org/officeDocument/2006/relationships" xmlns:p="http://schemas.openxmlformats.org/presentationml/2006/main">
+  <p:cSld>
+    <p:bg>
+      <p:bgPr>
+        <a:solidFill>
+          <a:schemeClr val="bg1"/>
+        </a:solidFill>
+        <a:effectLst/>
+      </p:bgPr>
+    </p:bg>
+    <p:spTree>
+      <p:nvGrpSpPr>
+        <p:cNvPr id="1" name=""/>
+        <p:cNvGrpSpPr/>
+        <p:nvPr/>
+      </p:nvGrpSpPr>
+      <p:grpSpPr>
+        <a:xfrm>
+          <a:off x="0" y="0"/>
+          <a:ext cx="0" cy="0"/>
+          <a:chOff x="0" y="0"/>
+          <a:chExt cx="0" cy="0"/>
+        </a:xfrm>
+      </p:grpSpPr>
+      <p:cxnSp>
+        <p:nvCxnSpPr>
+          <p:cNvPr id="10" name="Straight Connector 9">
+            <a:extLst>
+              <a:ext uri="{FF2B5EF4-FFF2-40B4-BE49-F238E27FC236}">
+                <a16:creationId xmlns:a16="http://schemas.microsoft.com/office/drawing/2014/main" id="{F64F9B95-9045-48D2-B9F3-2927E98F54AA}"/>
+              </a:ext>
+              <a:ext uri="{C183D7F6-B498-43B3-948B-1728B52AA6E4}">
+                <adec:decorative xmlns:adec="http://schemas.microsoft.com/office/drawing/2017/decorative" val="1"/>
+              </a:ext>
+            </a:extLst>
+          </p:cNvPr>
+          <p:cNvCxnSpPr>
+            <a:cxnSpLocks noGrp="1" noRot="1" noChangeAspect="1" noMove="1" noResize="1" noEditPoints="1" noAdjustHandles="1" noChangeArrowheads="1" noChangeShapeType="1"/>
+          </p:cNvCxnSpPr>
+          <p:nvPr>
+            <p:extLst>
+              <p:ext uri="{386F3935-93C4-4BCD-93E2-E3B085C9AB24}">
+                <p16:designElem xmlns:p16="http://schemas.microsoft.com/office/powerpoint/2015/main" val="1"/>
+              </p:ext>
+            </p:extLst>
+          </p:nvPr>
+        </p:nvCxnSpPr>
+        <p:spPr>
+          <a:xfrm>
+            <a:off x="800100" y="723900"/>
+            <a:ext cx="10591800" cy="0"/>
+          </a:xfrm>
+          <a:prstGeom prst="line">
+            <a:avLst/>
+          </a:prstGeom>
+          <a:ln w="44450">
+            <a:solidFill>
+              <a:schemeClr val="tx1"/>
+            </a:solidFill>
+          </a:ln>
+        </p:spPr>
+        <p:style>
+          <a:lnRef idx="1">
+            <a:schemeClr val="accent1"/>
+          </a:lnRef>
+          <a:fillRef idx="0">
+            <a:schemeClr val="accent1"/>
+          </a:fillRef>
+          <a:effectRef idx="0">
+            <a:schemeClr val="accent1"/>
+          </a:effectRef>
+          <a:fontRef idx="minor">
+            <a:schemeClr val="tx1"/>
+          </a:fontRef>
+        </p:style>
+      </p:cxnSp>
+      <p:cxnSp>
+        <p:nvCxnSpPr>
+          <p:cNvPr id="12" name="Straight Connector 11">
+            <a:extLst>
+              <a:ext uri="{FF2B5EF4-FFF2-40B4-BE49-F238E27FC236}">
+                <a16:creationId xmlns:a16="http://schemas.microsoft.com/office/drawing/2014/main" id="{085AA86F-6A4D-4BCB-A045-D992CDC2959B}"/>
+              </a:ext>
+              <a:ext uri="{C183D7F6-B498-43B3-948B-1728B52AA6E4}">
+                <adec:decorative xmlns:adec="http://schemas.microsoft.com/office/drawing/2017/decorative" val="1"/>
+              </a:ext>
+            </a:extLst>
+          </p:cNvPr>
+          <p:cNvCxnSpPr>
+            <a:cxnSpLocks noGrp="1" noRot="1" noChangeAspect="1" noMove="1" noResize="1" noEditPoints="1" noAdjustHandles="1" noChangeArrowheads="1" noChangeShapeType="1"/>
+          </p:cNvCxnSpPr>
+          <p:nvPr>
+            <p:extLst>
+              <p:ext uri="{386F3935-93C4-4BCD-93E2-E3B085C9AB24}">
+                <p16:designElem xmlns:p16="http://schemas.microsoft.com/office/powerpoint/2015/main" val="1"/>
+              </p:ext>
+            </p:extLst>
+          </p:nvPr>
+        </p:nvCxnSpPr>
+        <p:spPr>
+          <a:xfrm>
+            <a:off x="800100" y="6142781"/>
+            <a:ext cx="10591800" cy="0"/>
+          </a:xfrm>
+          <a:prstGeom prst="line">
+            <a:avLst/>
+          </a:prstGeom>
+          <a:ln w="12700">
+            <a:solidFill>
+              <a:schemeClr val="tx1"/>
+            </a:solidFill>
+          </a:ln>
+        </p:spPr>
+        <p:style>
+          <a:lnRef idx="1">
+            <a:schemeClr val="accent1"/>
+          </a:lnRef>
+          <a:fillRef idx="0">
+            <a:schemeClr val="accent1"/>
+          </a:fillRef>
+          <a:effectRef idx="0">
+            <a:schemeClr val="accent1"/>
+          </a:effectRef>
+          <a:fontRef idx="minor">
+            <a:schemeClr val="tx1"/>
+          </a:fontRef>
+        </p:style>
+      </p:cxnSp>
+      <p:sp useBgFill="1">
+        <p:nvSpPr>
+          <p:cNvPr id="14" name="Rectangle 13">
+            <a:extLst>
+              <a:ext uri="{FF2B5EF4-FFF2-40B4-BE49-F238E27FC236}">
+                <a16:creationId xmlns:a16="http://schemas.microsoft.com/office/drawing/2014/main" id="{85CB65D0-496F-4797-A015-C85839E35D1A}"/>
+              </a:ext>
+              <a:ext uri="{C183D7F6-B498-43B3-948B-1728B52AA6E4}">
+                <adec:decorative xmlns:adec="http://schemas.microsoft.com/office/drawing/2017/decorative" val="1"/>
+              </a:ext>
+            </a:extLst>
+          </p:cNvPr>
+          <p:cNvSpPr>
+            <a:spLocks noGrp="1" noRot="1" noChangeAspect="1" noMove="1" noResize="1" noEditPoints="1" noAdjustHandles="1" noChangeArrowheads="1" noChangeShapeType="1" noTextEdit="1"/>
+          </p:cNvSpPr>
+          <p:nvPr>
+            <p:extLst>
+              <p:ext uri="{386F3935-93C4-4BCD-93E2-E3B085C9AB24}">
+                <p16:designElem xmlns:p16="http://schemas.microsoft.com/office/powerpoint/2015/main" val="1"/>
+              </p:ext>
+            </p:extLst>
+          </p:nvPr>
+        </p:nvSpPr>
+        <p:spPr>
+          <a:xfrm>
+            <a:off x="0" y="0"/>
+            <a:ext cx="12192000" cy="6858000"/>
+          </a:xfrm>
+          <a:prstGeom prst="rect">
+            <a:avLst/>
+          </a:prstGeom>
+          <a:ln w="12700" cap="flat" cmpd="sng" algn="ctr">
+            <a:noFill/>
+            <a:prstDash val="solid"/>
+            <a:miter lim="800000"/>
+          </a:ln>
+          <a:effectLst/>
+          <a:extLst>
+            <a:ext uri="{91240B29-F687-4F45-9708-019B960494DF}">
+              <a14:hiddenLine xmlns:a14="http://schemas.microsoft.com/office/drawing/2010/main" w="12700" cap="flat" cmpd="sng" algn="ctr">
+                <a:solidFill>
+                  <a:schemeClr val="accent1">
+                    <a:shade val="50000"/>
+                  </a:schemeClr>
+                </a:solidFill>
+                <a:prstDash val="solid"/>
+                <a:miter lim="800000"/>
+              </a14:hiddenLine>
+            </a:ext>
+          </a:extLst>
+        </p:spPr>
+        <p:style>
+          <a:lnRef idx="2">
+            <a:schemeClr val="accent1">
+              <a:shade val="50000"/>
+            </a:schemeClr>
+          </a:lnRef>
+          <a:fillRef idx="1">
+            <a:schemeClr val="accent1"/>
+          </a:fillRef>
+          <a:effectRef idx="0">
+            <a:schemeClr val="accent1"/>
+          </a:effectRef>
+          <a:fontRef idx="minor">
+            <a:schemeClr val="lt1"/>
+          </a:fontRef>
+        </p:style>
+        <p:txBody>
+          <a:bodyPr rtlCol="0" anchor="ctr"/>
+          <a:lstStyle/>
+          <a:p>
+            <a:pPr algn="ctr"/>
+            <a:endParaRPr lang="en-US"/>
+          </a:p>
+        </p:txBody>
+      </p:sp>
+      <p:pic>
+        <p:nvPicPr>
+          <p:cNvPr id="5" name="Content Placeholder 4">
+            <a:extLst>
+              <a:ext uri="{FF2B5EF4-FFF2-40B4-BE49-F238E27FC236}">
+                <a16:creationId xmlns:a16="http://schemas.microsoft.com/office/drawing/2014/main" id="{E9E2F786-45E7-4D30-AC7C-E660DEF4B05D}"/>
+              </a:ext>
+            </a:extLst>
+          </p:cNvPr>
+          <p:cNvPicPr>
+            <a:picLocks noGrp="1" noChangeAspect="1"/>
+          </p:cNvPicPr>
+          <p:nvPr>
+            <p:ph idx="1"/>
+          </p:nvPr>
+        </p:nvPicPr>
+        <p:blipFill rotWithShape="1">
+          <a:blip r:embed="rId2"/>
+          <a:srcRect l="5838" r="3496" b="1"/>
+          <a:stretch/>
+        </p:blipFill>
+        <p:spPr>
+          <a:xfrm>
+            <a:off x="1" y="10"/>
+            <a:ext cx="12192000" cy="6857989"/>
+          </a:xfrm>
+          <a:prstGeom prst="rect">
+            <a:avLst/>
+          </a:prstGeom>
+        </p:spPr>
+      </p:pic>
+      <p:sp>
+        <p:nvSpPr>
+          <p:cNvPr id="16" name="Rectangle 15">
+            <a:extLst>
+              <a:ext uri="{FF2B5EF4-FFF2-40B4-BE49-F238E27FC236}">
+                <a16:creationId xmlns:a16="http://schemas.microsoft.com/office/drawing/2014/main" id="{95D2C779-8883-4E5F-A170-0F464918C1B7}"/>
+              </a:ext>
+              <a:ext uri="{C183D7F6-B498-43B3-948B-1728B52AA6E4}">
+                <adec:decorative xmlns:adec="http://schemas.microsoft.com/office/drawing/2017/decorative" val="1"/>
+              </a:ext>
+            </a:extLst>
+          </p:cNvPr>
+          <p:cNvSpPr>
+            <a:spLocks noGrp="1" noRot="1" noChangeAspect="1" noMove="1" noResize="1" noEditPoints="1" noAdjustHandles="1" noChangeArrowheads="1" noChangeShapeType="1" noTextEdit="1"/>
+          </p:cNvSpPr>
+          <p:nvPr>
+            <p:extLst>
+              <p:ext uri="{386F3935-93C4-4BCD-93E2-E3B085C9AB24}">
+                <p16:designElem xmlns:p16="http://schemas.microsoft.com/office/powerpoint/2015/main" val="1"/>
+              </p:ext>
+            </p:extLst>
+          </p:nvPr>
+        </p:nvSpPr>
+        <p:spPr>
+          <a:xfrm rot="10800000">
+            <a:off x="-2307" y="990598"/>
+            <a:ext cx="12188952" cy="4745182"/>
+          </a:xfrm>
+          <a:prstGeom prst="rect">
+            <a:avLst/>
+          </a:prstGeom>
+          <a:gradFill>
+            <a:gsLst>
+              <a:gs pos="35000">
+                <a:srgbClr val="000000">
+                  <a:alpha val="41000"/>
+                </a:srgbClr>
+              </a:gs>
+              <a:gs pos="0">
+                <a:srgbClr val="000000">
+                  <a:alpha val="0"/>
+                </a:srgbClr>
+              </a:gs>
+              <a:gs pos="47744">
+                <a:srgbClr val="000000">
+                  <a:alpha val="51000"/>
+                </a:srgbClr>
+              </a:gs>
+              <a:gs pos="70000">
+                <a:srgbClr val="000000">
+                  <a:alpha val="37000"/>
+                </a:srgbClr>
+              </a:gs>
+              <a:gs pos="100000">
+                <a:srgbClr val="000000">
+                  <a:alpha val="0"/>
+                </a:srgbClr>
+              </a:gs>
+            </a:gsLst>
+            <a:lin ang="5400000" scaled="1"/>
+          </a:gradFill>
+          <a:ln>
+            <a:noFill/>
+          </a:ln>
+        </p:spPr>
+        <p:style>
+          <a:lnRef idx="2">
+            <a:schemeClr val="accent1">
+              <a:shade val="50000"/>
+            </a:schemeClr>
+          </a:lnRef>
+          <a:fillRef idx="1">
+            <a:schemeClr val="accent1"/>
+          </a:fillRef>
+          <a:effectRef idx="0">
+            <a:schemeClr val="accent1"/>
+          </a:effectRef>
+          <a:fontRef idx="minor">
+            <a:schemeClr val="lt1"/>
+          </a:fontRef>
+        </p:style>
+        <p:txBody>
+          <a:bodyPr rtlCol="0" anchor="ctr"/>
+          <a:lstStyle/>
+          <a:p>
+            <a:pPr algn="ctr"/>
+            <a:endParaRPr lang="en-US"/>
+          </a:p>
+        </p:txBody>
+      </p:sp>
+      <p:sp>
+        <p:nvSpPr>
+          <p:cNvPr id="2" name="Title 1">
+            <a:extLst>
+              <a:ext uri="{FF2B5EF4-FFF2-40B4-BE49-F238E27FC236}">
+                <a16:creationId xmlns:a16="http://schemas.microsoft.com/office/drawing/2014/main" id="{D1FA2D0F-B8D1-421E-B23B-D78AE6F77E62}"/>
+              </a:ext>
+            </a:extLst>
+          </p:cNvPr>
+          <p:cNvSpPr>
+            <a:spLocks noGrp="1"/>
+          </p:cNvSpPr>
+          <p:nvPr>
+            <p:ph type="title"/>
+          </p:nvPr>
+        </p:nvSpPr>
+        <p:spPr>
+          <a:xfrm>
+            <a:off x="1833541" y="990599"/>
+            <a:ext cx="5619054" cy="4849091"/>
+          </a:xfrm>
+        </p:spPr>
+        <p:txBody>
+          <a:bodyPr vert="horz" lIns="91440" tIns="45720" rIns="91440" bIns="45720" rtlCol="0" anchor="ctr">
+            <a:normAutofit/>
+          </a:bodyPr>
+          <a:lstStyle/>
+          <a:p>
+            <a:pPr algn="r"/>
+            <a:r>
+              <a:rPr lang="en-US" sz="5400" dirty="0">
+                <a:solidFill>
+                  <a:srgbClr val="FFFFFF"/>
+                </a:solidFill>
+              </a:rPr>
+              <a:t>r/liberal</a:t>
+            </a:r>
+          </a:p>
+        </p:txBody>
+      </p:sp>
+      <p:cxnSp>
+        <p:nvCxnSpPr>
+          <p:cNvPr id="18" name="Straight Connector 17">
+            <a:extLst>
+              <a:ext uri="{FF2B5EF4-FFF2-40B4-BE49-F238E27FC236}">
+                <a16:creationId xmlns:a16="http://schemas.microsoft.com/office/drawing/2014/main" id="{BD96A694-258D-4418-A83C-B9BA72FD44B8}"/>
+              </a:ext>
+              <a:ext uri="{C183D7F6-B498-43B3-948B-1728B52AA6E4}">
+                <adec:decorative xmlns:adec="http://schemas.microsoft.com/office/drawing/2017/decorative" val="1"/>
+              </a:ext>
+            </a:extLst>
+          </p:cNvPr>
+          <p:cNvCxnSpPr>
+            <a:cxnSpLocks noGrp="1" noRot="1" noChangeAspect="1" noMove="1" noResize="1" noEditPoints="1" noAdjustHandles="1" noChangeArrowheads="1" noChangeShapeType="1"/>
+          </p:cNvCxnSpPr>
+          <p:nvPr>
+            <p:extLst>
+              <p:ext uri="{386F3935-93C4-4BCD-93E2-E3B085C9AB24}">
+                <p16:designElem xmlns:p16="http://schemas.microsoft.com/office/powerpoint/2015/main" val="1"/>
+              </p:ext>
+            </p:extLst>
+          </p:nvPr>
+        </p:nvCxnSpPr>
+        <p:spPr>
+          <a:xfrm flipV="1">
+            <a:off x="8115300" y="1780927"/>
+            <a:ext cx="0" cy="3390901"/>
+          </a:xfrm>
+          <a:prstGeom prst="line">
+            <a:avLst/>
+          </a:prstGeom>
+          <a:ln w="44450">
+            <a:solidFill>
+              <a:srgbClr val="FFFFFF"/>
+            </a:solidFill>
+          </a:ln>
+          <a:effectLst>
+            <a:outerShdw blurRad="50800" dist="38100" dir="2700000" sx="88000" sy="88000" algn="tl" rotWithShape="0">
+              <a:prstClr val="black">
+                <a:alpha val="26000"/>
+              </a:prstClr>
+            </a:outerShdw>
+          </a:effectLst>
+        </p:spPr>
+        <p:style>
+          <a:lnRef idx="1">
+            <a:schemeClr val="accent1"/>
+          </a:lnRef>
+          <a:fillRef idx="0">
+            <a:schemeClr val="accent1"/>
+          </a:fillRef>
+          <a:effectRef idx="0">
+            <a:schemeClr val="accent1"/>
+          </a:effectRef>
+          <a:fontRef idx="minor">
+            <a:schemeClr val="tx1"/>
+          </a:fontRef>
+        </p:style>
+      </p:cxnSp>
+    </p:spTree>
+    <p:extLst>
+      <p:ext uri="{BB962C8B-B14F-4D97-AF65-F5344CB8AC3E}">
+        <p14:creationId xmlns:p14="http://schemas.microsoft.com/office/powerpoint/2010/main" val="1616218481"/>
+      </p:ext>
+    </p:extLst>
+  </p:cSld>
+  <p:clrMapOvr>
+    <a:masterClrMapping/>
+  </p:clrMapOvr>
+</p:sld>
+</file>
+
+<file path=ppt/slides/slide9.xml><?xml version="1.0" encoding="utf-8"?>
+<p:sld xmlns:a="http://schemas.openxmlformats.org/drawingml/2006/main" xmlns:r="http://schemas.openxmlformats.org/officeDocument/2006/relationships" xmlns:p="http://schemas.openxmlformats.org/presentationml/2006/main">
+  <p:cSld>
+    <p:bg>
+      <p:bgPr>
+        <a:solidFill>
+          <a:schemeClr val="bg1"/>
+        </a:solidFill>
+        <a:effectLst/>
+      </p:bgPr>
+    </p:bg>
+    <p:spTree>
+      <p:nvGrpSpPr>
+        <p:cNvPr id="1" name=""/>
+        <p:cNvGrpSpPr/>
+        <p:nvPr/>
+      </p:nvGrpSpPr>
+      <p:grpSpPr>
+        <a:xfrm>
+          <a:off x="0" y="0"/>
+          <a:ext cx="0" cy="0"/>
+          <a:chOff x="0" y="0"/>
+          <a:chExt cx="0" cy="0"/>
+        </a:xfrm>
+      </p:grpSpPr>
+      <p:cxnSp>
+        <p:nvCxnSpPr>
+          <p:cNvPr id="10" name="Straight Connector 9">
+            <a:extLst>
+              <a:ext uri="{FF2B5EF4-FFF2-40B4-BE49-F238E27FC236}">
+                <a16:creationId xmlns:a16="http://schemas.microsoft.com/office/drawing/2014/main" id="{F64F9B95-9045-48D2-B9F3-2927E98F54AA}"/>
+              </a:ext>
+              <a:ext uri="{C183D7F6-B498-43B3-948B-1728B52AA6E4}">
+                <adec:decorative xmlns:adec="http://schemas.microsoft.com/office/drawing/2017/decorative" val="1"/>
+              </a:ext>
+            </a:extLst>
+          </p:cNvPr>
+          <p:cNvCxnSpPr>
+            <a:cxnSpLocks noGrp="1" noRot="1" noChangeAspect="1" noMove="1" noResize="1" noEditPoints="1" noAdjustHandles="1" noChangeArrowheads="1" noChangeShapeType="1"/>
+          </p:cNvCxnSpPr>
+          <p:nvPr>
+            <p:extLst>
+              <p:ext uri="{386F3935-93C4-4BCD-93E2-E3B085C9AB24}">
+                <p16:designElem xmlns:p16="http://schemas.microsoft.com/office/powerpoint/2015/main" val="1"/>
+              </p:ext>
+            </p:extLst>
+          </p:nvPr>
+        </p:nvCxnSpPr>
+        <p:spPr>
+          <a:xfrm>
+            <a:off x="800100" y="723900"/>
+            <a:ext cx="10591800" cy="0"/>
+          </a:xfrm>
+          <a:prstGeom prst="line">
+            <a:avLst/>
+          </a:prstGeom>
+          <a:ln w="44450">
+            <a:solidFill>
+              <a:schemeClr val="tx1"/>
+            </a:solidFill>
+          </a:ln>
+        </p:spPr>
+        <p:style>
+          <a:lnRef idx="1">
+            <a:schemeClr val="accent1"/>
+          </a:lnRef>
+          <a:fillRef idx="0">
+            <a:schemeClr val="accent1"/>
+          </a:fillRef>
+          <a:effectRef idx="0">
+            <a:schemeClr val="accent1"/>
+          </a:effectRef>
+          <a:fontRef idx="minor">
+            <a:schemeClr val="tx1"/>
+          </a:fontRef>
+        </p:style>
+      </p:cxnSp>
+      <p:cxnSp>
+        <p:nvCxnSpPr>
+          <p:cNvPr id="12" name="Straight Connector 11">
+            <a:extLst>
+              <a:ext uri="{FF2B5EF4-FFF2-40B4-BE49-F238E27FC236}">
+                <a16:creationId xmlns:a16="http://schemas.microsoft.com/office/drawing/2014/main" id="{085AA86F-6A4D-4BCB-A045-D992CDC2959B}"/>
+              </a:ext>
+              <a:ext uri="{C183D7F6-B498-43B3-948B-1728B52AA6E4}">
+                <adec:decorative xmlns:adec="http://schemas.microsoft.com/office/drawing/2017/decorative" val="1"/>
+              </a:ext>
+            </a:extLst>
+          </p:cNvPr>
+          <p:cNvCxnSpPr>
+            <a:cxnSpLocks noGrp="1" noRot="1" noChangeAspect="1" noMove="1" noResize="1" noEditPoints="1" noAdjustHandles="1" noChangeArrowheads="1" noChangeShapeType="1"/>
+          </p:cNvCxnSpPr>
+          <p:nvPr>
+            <p:extLst>
+              <p:ext uri="{386F3935-93C4-4BCD-93E2-E3B085C9AB24}">
+                <p16:designElem xmlns:p16="http://schemas.microsoft.com/office/powerpoint/2015/main" val="1"/>
+              </p:ext>
+            </p:extLst>
+          </p:nvPr>
+        </p:nvCxnSpPr>
+        <p:spPr>
+          <a:xfrm>
+            <a:off x="800100" y="6142781"/>
+            <a:ext cx="10591800" cy="0"/>
+          </a:xfrm>
+          <a:prstGeom prst="line">
+            <a:avLst/>
+          </a:prstGeom>
+          <a:ln w="12700">
+            <a:solidFill>
+              <a:schemeClr val="tx1"/>
+            </a:solidFill>
+          </a:ln>
+        </p:spPr>
+        <p:style>
+          <a:lnRef idx="1">
+            <a:schemeClr val="accent1"/>
+          </a:lnRef>
+          <a:fillRef idx="0">
+            <a:schemeClr val="accent1"/>
+          </a:fillRef>
+          <a:effectRef idx="0">
+            <a:schemeClr val="accent1"/>
+          </a:effectRef>
+          <a:fontRef idx="minor">
+            <a:schemeClr val="tx1"/>
+          </a:fontRef>
+        </p:style>
+      </p:cxnSp>
+      <p:sp useBgFill="1">
+        <p:nvSpPr>
+          <p:cNvPr id="14" name="Rectangle 13">
+            <a:extLst>
+              <a:ext uri="{FF2B5EF4-FFF2-40B4-BE49-F238E27FC236}">
+                <a16:creationId xmlns:a16="http://schemas.microsoft.com/office/drawing/2014/main" id="{85CB65D0-496F-4797-A015-C85839E35D1A}"/>
+              </a:ext>
+              <a:ext uri="{C183D7F6-B498-43B3-948B-1728B52AA6E4}">
+                <adec:decorative xmlns:adec="http://schemas.microsoft.com/office/drawing/2017/decorative" val="1"/>
+              </a:ext>
+            </a:extLst>
+          </p:cNvPr>
+          <p:cNvSpPr>
+            <a:spLocks noGrp="1" noRot="1" noChangeAspect="1" noMove="1" noResize="1" noEditPoints="1" noAdjustHandles="1" noChangeArrowheads="1" noChangeShapeType="1" noTextEdit="1"/>
+          </p:cNvSpPr>
+          <p:nvPr>
+            <p:extLst>
+              <p:ext uri="{386F3935-93C4-4BCD-93E2-E3B085C9AB24}">
+                <p16:designElem xmlns:p16="http://schemas.microsoft.com/office/powerpoint/2015/main" val="1"/>
+              </p:ext>
+            </p:extLst>
+          </p:nvPr>
+        </p:nvSpPr>
+        <p:spPr>
+          <a:xfrm>
+            <a:off x="0" y="0"/>
+            <a:ext cx="12192000" cy="6858000"/>
+          </a:xfrm>
+          <a:prstGeom prst="rect">
+            <a:avLst/>
+          </a:prstGeom>
+          <a:ln w="12700" cap="flat" cmpd="sng" algn="ctr">
+            <a:noFill/>
+            <a:prstDash val="solid"/>
+            <a:miter lim="800000"/>
+          </a:ln>
+          <a:effectLst/>
+          <a:extLst>
+            <a:ext uri="{91240B29-F687-4F45-9708-019B960494DF}">
+              <a14:hiddenLine xmlns:a14="http://schemas.microsoft.com/office/drawing/2010/main" w="12700" cap="flat" cmpd="sng" algn="ctr">
+                <a:solidFill>
+                  <a:schemeClr val="accent1">
+                    <a:shade val="50000"/>
+                  </a:schemeClr>
+                </a:solidFill>
+                <a:prstDash val="solid"/>
+                <a:miter lim="800000"/>
+              </a14:hiddenLine>
+            </a:ext>
+          </a:extLst>
+        </p:spPr>
+        <p:style>
+          <a:lnRef idx="2">
+            <a:schemeClr val="accent1">
+              <a:shade val="50000"/>
+            </a:schemeClr>
+          </a:lnRef>
+          <a:fillRef idx="1">
+            <a:schemeClr val="accent1"/>
+          </a:fillRef>
+          <a:effectRef idx="0">
+            <a:schemeClr val="accent1"/>
+          </a:effectRef>
+          <a:fontRef idx="minor">
+            <a:schemeClr val="lt1"/>
+          </a:fontRef>
+        </p:style>
+        <p:txBody>
+          <a:bodyPr rtlCol="0" anchor="ctr"/>
+          <a:lstStyle/>
+          <a:p>
+            <a:pPr algn="ctr"/>
+            <a:endParaRPr lang="en-US"/>
+          </a:p>
+        </p:txBody>
+      </p:sp>
+      <p:pic>
+        <p:nvPicPr>
+          <p:cNvPr id="5" name="Content Placeholder 4">
+            <a:extLst>
+              <a:ext uri="{FF2B5EF4-FFF2-40B4-BE49-F238E27FC236}">
+                <a16:creationId xmlns:a16="http://schemas.microsoft.com/office/drawing/2014/main" id="{E3C428CD-1587-40EC-99D4-8633296EDC9F}"/>
+              </a:ext>
+            </a:extLst>
+          </p:cNvPr>
+          <p:cNvPicPr>
+            <a:picLocks noGrp="1" noChangeAspect="1"/>
+          </p:cNvPicPr>
+          <p:nvPr>
+            <p:ph idx="1"/>
+          </p:nvPr>
+        </p:nvPicPr>
+        <p:blipFill rotWithShape="1">
+          <a:blip r:embed="rId3"/>
+          <a:srcRect l="4391" r="5830" b="-1"/>
+          <a:stretch/>
+        </p:blipFill>
+        <p:spPr>
+          <a:xfrm>
+            <a:off x="1" y="10"/>
+            <a:ext cx="12192000" cy="6857989"/>
+          </a:xfrm>
+          <a:prstGeom prst="rect">
+            <a:avLst/>
+          </a:prstGeom>
+        </p:spPr>
+      </p:pic>
+      <p:sp>
+        <p:nvSpPr>
+          <p:cNvPr id="16" name="Rectangle 15">
+            <a:extLst>
+              <a:ext uri="{FF2B5EF4-FFF2-40B4-BE49-F238E27FC236}">
+                <a16:creationId xmlns:a16="http://schemas.microsoft.com/office/drawing/2014/main" id="{95D2C779-8883-4E5F-A170-0F464918C1B7}"/>
+              </a:ext>
+              <a:ext uri="{C183D7F6-B498-43B3-948B-1728B52AA6E4}">
+                <adec:decorative xmlns:adec="http://schemas.microsoft.com/office/drawing/2017/decorative" val="1"/>
+              </a:ext>
+            </a:extLst>
+          </p:cNvPr>
+          <p:cNvSpPr>
+            <a:spLocks noGrp="1" noRot="1" noChangeAspect="1" noMove="1" noResize="1" noEditPoints="1" noAdjustHandles="1" noChangeArrowheads="1" noChangeShapeType="1" noTextEdit="1"/>
+          </p:cNvSpPr>
+          <p:nvPr>
+            <p:extLst>
+              <p:ext uri="{386F3935-93C4-4BCD-93E2-E3B085C9AB24}">
+                <p16:designElem xmlns:p16="http://schemas.microsoft.com/office/powerpoint/2015/main" val="1"/>
+              </p:ext>
+            </p:extLst>
+          </p:nvPr>
+        </p:nvSpPr>
+        <p:spPr>
+          <a:xfrm rot="10800000">
+            <a:off x="-2307" y="990598"/>
+            <a:ext cx="12188952" cy="4745182"/>
+          </a:xfrm>
+          <a:prstGeom prst="rect">
+            <a:avLst/>
+          </a:prstGeom>
+          <a:gradFill>
+            <a:gsLst>
+              <a:gs pos="35000">
+                <a:srgbClr val="000000">
+                  <a:alpha val="41000"/>
+                </a:srgbClr>
+              </a:gs>
+              <a:gs pos="0">
+                <a:srgbClr val="000000">
+                  <a:alpha val="0"/>
+                </a:srgbClr>
+              </a:gs>
+              <a:gs pos="47744">
+                <a:srgbClr val="000000">
+                  <a:alpha val="51000"/>
+                </a:srgbClr>
+              </a:gs>
+              <a:gs pos="70000">
+                <a:srgbClr val="000000">
+                  <a:alpha val="37000"/>
+                </a:srgbClr>
+              </a:gs>
+              <a:gs pos="100000">
+                <a:srgbClr val="000000">
+                  <a:alpha val="0"/>
+                </a:srgbClr>
+              </a:gs>
+            </a:gsLst>
+            <a:lin ang="5400000" scaled="1"/>
+          </a:gradFill>
+          <a:ln>
+            <a:noFill/>
+          </a:ln>
+        </p:spPr>
+        <p:style>
+          <a:lnRef idx="2">
+            <a:schemeClr val="accent1">
+              <a:shade val="50000"/>
+            </a:schemeClr>
+          </a:lnRef>
+          <a:fillRef idx="1">
+            <a:schemeClr val="accent1"/>
+          </a:fillRef>
+          <a:effectRef idx="0">
+            <a:schemeClr val="accent1"/>
+          </a:effectRef>
+          <a:fontRef idx="minor">
+            <a:schemeClr val="lt1"/>
+          </a:fontRef>
+        </p:style>
+        <p:txBody>
+          <a:bodyPr rtlCol="0" anchor="ctr"/>
+          <a:lstStyle/>
+          <a:p>
+            <a:pPr algn="ctr"/>
+            <a:endParaRPr lang="en-US"/>
+          </a:p>
+        </p:txBody>
+      </p:sp>
+      <p:sp>
+        <p:nvSpPr>
+          <p:cNvPr id="2" name="Title 1">
+            <a:extLst>
+              <a:ext uri="{FF2B5EF4-FFF2-40B4-BE49-F238E27FC236}">
+                <a16:creationId xmlns:a16="http://schemas.microsoft.com/office/drawing/2014/main" id="{F6195618-C27A-46BF-8D51-388AE26D38E6}"/>
+              </a:ext>
+            </a:extLst>
+          </p:cNvPr>
+          <p:cNvSpPr>
+            <a:spLocks noGrp="1"/>
+          </p:cNvSpPr>
+          <p:nvPr>
+            <p:ph type="title"/>
+          </p:nvPr>
+        </p:nvSpPr>
+        <p:spPr>
+          <a:xfrm>
+            <a:off x="1833541" y="990599"/>
+            <a:ext cx="5619054" cy="4849091"/>
+          </a:xfrm>
+        </p:spPr>
+        <p:txBody>
+          <a:bodyPr vert="horz" lIns="91440" tIns="45720" rIns="91440" bIns="45720" rtlCol="0" anchor="ctr">
+            <a:normAutofit/>
+          </a:bodyPr>
+          <a:lstStyle/>
+          <a:p>
+            <a:pPr algn="r"/>
+            <a:r>
+              <a:rPr lang="en-US" sz="5400" dirty="0">
+                <a:solidFill>
+                  <a:srgbClr val="FFFFFF"/>
+                </a:solidFill>
+              </a:rPr>
+              <a:t>r/democrats</a:t>
+            </a:r>
+          </a:p>
+        </p:txBody>
+      </p:sp>
+      <p:cxnSp>
+        <p:nvCxnSpPr>
+          <p:cNvPr id="18" name="Straight Connector 17">
+            <a:extLst>
+              <a:ext uri="{FF2B5EF4-FFF2-40B4-BE49-F238E27FC236}">
+                <a16:creationId xmlns:a16="http://schemas.microsoft.com/office/drawing/2014/main" id="{BD96A694-258D-4418-A83C-B9BA72FD44B8}"/>
+              </a:ext>
+              <a:ext uri="{C183D7F6-B498-43B3-948B-1728B52AA6E4}">
+                <adec:decorative xmlns:adec="http://schemas.microsoft.com/office/drawing/2017/decorative" val="1"/>
+              </a:ext>
+            </a:extLst>
+          </p:cNvPr>
+          <p:cNvCxnSpPr>
+            <a:cxnSpLocks noGrp="1" noRot="1" noChangeAspect="1" noMove="1" noResize="1" noEditPoints="1" noAdjustHandles="1" noChangeArrowheads="1" noChangeShapeType="1"/>
+          </p:cNvCxnSpPr>
+          <p:nvPr>
+            <p:extLst>
+              <p:ext uri="{386F3935-93C4-4BCD-93E2-E3B085C9AB24}">
+                <p16:designElem xmlns:p16="http://schemas.microsoft.com/office/powerpoint/2015/main" val="1"/>
+              </p:ext>
+            </p:extLst>
+          </p:nvPr>
+        </p:nvCxnSpPr>
+        <p:spPr>
+          <a:xfrm flipV="1">
+            <a:off x="8115300" y="1780927"/>
+            <a:ext cx="0" cy="3390901"/>
+          </a:xfrm>
+          <a:prstGeom prst="line">
+            <a:avLst/>
+          </a:prstGeom>
+          <a:ln w="44450">
+            <a:solidFill>
+              <a:srgbClr val="FFFFFF"/>
+            </a:solidFill>
+          </a:ln>
+          <a:effectLst>
+            <a:outerShdw blurRad="50800" dist="38100" dir="2700000" sx="88000" sy="88000" algn="tl" rotWithShape="0">
+              <a:prstClr val="black">
+                <a:alpha val="26000"/>
+              </a:prstClr>
+            </a:outerShdw>
+          </a:effectLst>
+        </p:spPr>
+        <p:style>
+          <a:lnRef idx="1">
+            <a:schemeClr val="accent1"/>
+          </a:lnRef>
+          <a:fillRef idx="0">
+            <a:schemeClr val="accent1"/>
+          </a:fillRef>
+          <a:effectRef idx="0">
+            <a:schemeClr val="accent1"/>
+          </a:effectRef>
+          <a:fontRef idx="minor">
+            <a:schemeClr val="tx1"/>
+          </a:fontRef>
+        </p:style>
+      </p:cxnSp>
+    </p:spTree>
+    <p:extLst>
+      <p:ext uri="{BB962C8B-B14F-4D97-AF65-F5344CB8AC3E}">
+        <p14:creationId xmlns:p14="http://schemas.microsoft.com/office/powerpoint/2010/main" val="116411090"/>
       </p:ext>
     </p:extLst>
   </p:cSld>
@@ -4803,4 +13086,299 @@
     </a:ext>
   </a:extLst>
 </a:theme>
+</file>
+
+<file path=ppt/theme/theme2.xml><?xml version="1.0" encoding="utf-8"?>
+<a:theme xmlns:a="http://schemas.openxmlformats.org/drawingml/2006/main" name="Office Theme">
+  <a:themeElements>
+    <a:clrScheme name="Office">
+      <a:dk1>
+        <a:sysClr val="windowText" lastClr="000000"/>
+      </a:dk1>
+      <a:lt1>
+        <a:sysClr val="window" lastClr="FFFFFF"/>
+      </a:lt1>
+      <a:dk2>
+        <a:srgbClr val="44546A"/>
+      </a:dk2>
+      <a:lt2>
+        <a:srgbClr val="E7E6E6"/>
+      </a:lt2>
+      <a:accent1>
+        <a:srgbClr val="4472C4"/>
+      </a:accent1>
+      <a:accent2>
+        <a:srgbClr val="ED7D31"/>
+      </a:accent2>
+      <a:accent3>
+        <a:srgbClr val="A5A5A5"/>
+      </a:accent3>
+      <a:accent4>
+        <a:srgbClr val="FFC000"/>
+      </a:accent4>
+      <a:accent5>
+        <a:srgbClr val="5B9BD5"/>
+      </a:accent5>
+      <a:accent6>
+        <a:srgbClr val="70AD47"/>
+      </a:accent6>
+      <a:hlink>
+        <a:srgbClr val="0563C1"/>
+      </a:hlink>
+      <a:folHlink>
+        <a:srgbClr val="954F72"/>
+      </a:folHlink>
+    </a:clrScheme>
+    <a:fontScheme name="Office">
+      <a:majorFont>
+        <a:latin typeface="Calibri Light" panose="020F0302020204030204"/>
+        <a:ea typeface=""/>
+        <a:cs typeface=""/>
+        <a:font script="Jpan" typeface="游ゴシック Light"/>
+        <a:font script="Hang" typeface="맑은 고딕"/>
+        <a:font script="Hans" typeface="等线 Light"/>
+        <a:font script="Hant" typeface="新細明體"/>
+        <a:font script="Arab" typeface="Times New Roman"/>
+        <a:font script="Hebr" typeface="Times New Roman"/>
+        <a:font script="Thai" typeface="Angsana New"/>
+        <a:font script="Ethi" typeface="Nyala"/>
+        <a:font script="Beng" typeface="Vrinda"/>
+        <a:font script="Gujr" typeface="Shruti"/>
+        <a:font script="Khmr" typeface="MoolBoran"/>
+        <a:font script="Knda" typeface="Tunga"/>
+        <a:font script="Guru" typeface="Raavi"/>
+        <a:font script="Cans" typeface="Euphemia"/>
+        <a:font script="Cher" typeface="Plantagenet Cherokee"/>
+        <a:font script="Yiii" typeface="Microsoft Yi Baiti"/>
+        <a:font script="Tibt" typeface="Microsoft Himalaya"/>
+        <a:font script="Thaa" typeface="MV Boli"/>
+        <a:font script="Deva" typeface="Mangal"/>
+        <a:font script="Telu" typeface="Gautami"/>
+        <a:font script="Taml" typeface="Latha"/>
+        <a:font script="Syrc" typeface="Estrangelo Edessa"/>
+        <a:font script="Orya" typeface="Kalinga"/>
+        <a:font script="Mlym" typeface="Kartika"/>
+        <a:font script="Laoo" typeface="DokChampa"/>
+        <a:font script="Sinh" typeface="Iskoola Pota"/>
+        <a:font script="Mong" typeface="Mongolian Baiti"/>
+        <a:font script="Viet" typeface="Times New Roman"/>
+        <a:font script="Uigh" typeface="Microsoft Uighur"/>
+        <a:font script="Geor" typeface="Sylfaen"/>
+        <a:font script="Armn" typeface="Arial"/>
+        <a:font script="Bugi" typeface="Leelawadee UI"/>
+        <a:font script="Bopo" typeface="Microsoft JhengHei"/>
+        <a:font script="Java" typeface="Javanese Text"/>
+        <a:font script="Lisu" typeface="Segoe UI"/>
+        <a:font script="Mymr" typeface="Myanmar Text"/>
+        <a:font script="Nkoo" typeface="Ebrima"/>
+        <a:font script="Olck" typeface="Nirmala UI"/>
+        <a:font script="Osma" typeface="Ebrima"/>
+        <a:font script="Phag" typeface="Phagspa"/>
+        <a:font script="Syrn" typeface="Estrangelo Edessa"/>
+        <a:font script="Syrj" typeface="Estrangelo Edessa"/>
+        <a:font script="Syre" typeface="Estrangelo Edessa"/>
+        <a:font script="Sora" typeface="Nirmala UI"/>
+        <a:font script="Tale" typeface="Microsoft Tai Le"/>
+        <a:font script="Talu" typeface="Microsoft New Tai Lue"/>
+        <a:font script="Tfng" typeface="Ebrima"/>
+      </a:majorFont>
+      <a:minorFont>
+        <a:latin typeface="Calibri" panose="020F0502020204030204"/>
+        <a:ea typeface=""/>
+        <a:cs typeface=""/>
+        <a:font script="Jpan" typeface="游ゴシック"/>
+        <a:font script="Hang" typeface="맑은 고딕"/>
+        <a:font script="Hans" typeface="等线"/>
+        <a:font script="Hant" typeface="新細明體"/>
+        <a:font script="Arab" typeface="Arial"/>
+        <a:font script="Hebr" typeface="Arial"/>
+        <a:font script="Thai" typeface="Cordia New"/>
+        <a:font script="Ethi" typeface="Nyala"/>
+        <a:font script="Beng" typeface="Vrinda"/>
+        <a:font script="Gujr" typeface="Shruti"/>
+        <a:font script="Khmr" typeface="DaunPenh"/>
+        <a:font script="Knda" typeface="Tunga"/>
+        <a:font script="Guru" typeface="Raavi"/>
+        <a:font script="Cans" typeface="Euphemia"/>
+        <a:font script="Cher" typeface="Plantagenet Cherokee"/>
+        <a:font script="Yiii" typeface="Microsoft Yi Baiti"/>
+        <a:font script="Tibt" typeface="Microsoft Himalaya"/>
+        <a:font script="Thaa" typeface="MV Boli"/>
+        <a:font script="Deva" typeface="Mangal"/>
+        <a:font script="Telu" typeface="Gautami"/>
+        <a:font script="Taml" typeface="Latha"/>
+        <a:font script="Syrc" typeface="Estrangelo Edessa"/>
+        <a:font script="Orya" typeface="Kalinga"/>
+        <a:font script="Mlym" typeface="Kartika"/>
+        <a:font script="Laoo" typeface="DokChampa"/>
+        <a:font script="Sinh" typeface="Iskoola Pota"/>
+        <a:font script="Mong" typeface="Mongolian Baiti"/>
+        <a:font script="Viet" typeface="Arial"/>
+        <a:font script="Uigh" typeface="Microsoft Uighur"/>
+        <a:font script="Geor" typeface="Sylfaen"/>
+        <a:font script="Armn" typeface="Arial"/>
+        <a:font script="Bugi" typeface="Leelawadee UI"/>
+        <a:font script="Bopo" typeface="Microsoft JhengHei"/>
+        <a:font script="Java" typeface="Javanese Text"/>
+        <a:font script="Lisu" typeface="Segoe UI"/>
+        <a:font script="Mymr" typeface="Myanmar Text"/>
+        <a:font script="Nkoo" typeface="Ebrima"/>
+        <a:font script="Olck" typeface="Nirmala UI"/>
+        <a:font script="Osma" typeface="Ebrima"/>
+        <a:font script="Phag" typeface="Phagspa"/>
+        <a:font script="Syrn" typeface="Estrangelo Edessa"/>
+        <a:font script="Syrj" typeface="Estrangelo Edessa"/>
+        <a:font script="Syre" typeface="Estrangelo Edessa"/>
+        <a:font script="Sora" typeface="Nirmala UI"/>
+        <a:font script="Tale" typeface="Microsoft Tai Le"/>
+        <a:font script="Talu" typeface="Microsoft New Tai Lue"/>
+        <a:font script="Tfng" typeface="Ebrima"/>
+      </a:minorFont>
+    </a:fontScheme>
+    <a:fmtScheme name="Office">
+      <a:fillStyleLst>
+        <a:solidFill>
+          <a:schemeClr val="phClr"/>
+        </a:solidFill>
+        <a:gradFill rotWithShape="1">
+          <a:gsLst>
+            <a:gs pos="0">
+              <a:schemeClr val="phClr">
+                <a:lumMod val="110000"/>
+                <a:satMod val="105000"/>
+                <a:tint val="67000"/>
+              </a:schemeClr>
+            </a:gs>
+            <a:gs pos="50000">
+              <a:schemeClr val="phClr">
+                <a:lumMod val="105000"/>
+                <a:satMod val="103000"/>
+                <a:tint val="73000"/>
+              </a:schemeClr>
+            </a:gs>
+            <a:gs pos="100000">
+              <a:schemeClr val="phClr">
+                <a:lumMod val="105000"/>
+                <a:satMod val="109000"/>
+                <a:tint val="81000"/>
+              </a:schemeClr>
+            </a:gs>
+          </a:gsLst>
+          <a:lin ang="5400000" scaled="0"/>
+        </a:gradFill>
+        <a:gradFill rotWithShape="1">
+          <a:gsLst>
+            <a:gs pos="0">
+              <a:schemeClr val="phClr">
+                <a:satMod val="103000"/>
+                <a:lumMod val="102000"/>
+                <a:tint val="94000"/>
+              </a:schemeClr>
+            </a:gs>
+            <a:gs pos="50000">
+              <a:schemeClr val="phClr">
+                <a:satMod val="110000"/>
+                <a:lumMod val="100000"/>
+                <a:shade val="100000"/>
+              </a:schemeClr>
+            </a:gs>
+            <a:gs pos="100000">
+              <a:schemeClr val="phClr">
+                <a:lumMod val="99000"/>
+                <a:satMod val="120000"/>
+                <a:shade val="78000"/>
+              </a:schemeClr>
+            </a:gs>
+          </a:gsLst>
+          <a:lin ang="5400000" scaled="0"/>
+        </a:gradFill>
+      </a:fillStyleLst>
+      <a:lnStyleLst>
+        <a:ln w="6350" cap="flat" cmpd="sng" algn="ctr">
+          <a:solidFill>
+            <a:schemeClr val="phClr"/>
+          </a:solidFill>
+          <a:prstDash val="solid"/>
+          <a:miter lim="800000"/>
+        </a:ln>
+        <a:ln w="12700" cap="flat" cmpd="sng" algn="ctr">
+          <a:solidFill>
+            <a:schemeClr val="phClr"/>
+          </a:solidFill>
+          <a:prstDash val="solid"/>
+          <a:miter lim="800000"/>
+        </a:ln>
+        <a:ln w="19050" cap="flat" cmpd="sng" algn="ctr">
+          <a:solidFill>
+            <a:schemeClr val="phClr"/>
+          </a:solidFill>
+          <a:prstDash val="solid"/>
+          <a:miter lim="800000"/>
+        </a:ln>
+      </a:lnStyleLst>
+      <a:effectStyleLst>
+        <a:effectStyle>
+          <a:effectLst/>
+        </a:effectStyle>
+        <a:effectStyle>
+          <a:effectLst/>
+        </a:effectStyle>
+        <a:effectStyle>
+          <a:effectLst>
+            <a:outerShdw blurRad="57150" dist="19050" dir="5400000" algn="ctr" rotWithShape="0">
+              <a:srgbClr val="000000">
+                <a:alpha val="63000"/>
+              </a:srgbClr>
+            </a:outerShdw>
+          </a:effectLst>
+        </a:effectStyle>
+      </a:effectStyleLst>
+      <a:bgFillStyleLst>
+        <a:solidFill>
+          <a:schemeClr val="phClr"/>
+        </a:solidFill>
+        <a:solidFill>
+          <a:schemeClr val="phClr">
+            <a:tint val="95000"/>
+            <a:satMod val="170000"/>
+          </a:schemeClr>
+        </a:solidFill>
+        <a:gradFill rotWithShape="1">
+          <a:gsLst>
+            <a:gs pos="0">
+              <a:schemeClr val="phClr">
+                <a:tint val="93000"/>
+                <a:satMod val="150000"/>
+                <a:shade val="98000"/>
+                <a:lumMod val="102000"/>
+              </a:schemeClr>
+            </a:gs>
+            <a:gs pos="50000">
+              <a:schemeClr val="phClr">
+                <a:tint val="98000"/>
+                <a:satMod val="130000"/>
+                <a:shade val="90000"/>
+                <a:lumMod val="103000"/>
+              </a:schemeClr>
+            </a:gs>
+            <a:gs pos="100000">
+              <a:schemeClr val="phClr">
+                <a:shade val="63000"/>
+                <a:satMod val="120000"/>
+              </a:schemeClr>
+            </a:gs>
+          </a:gsLst>
+          <a:lin ang="5400000" scaled="0"/>
+        </a:gradFill>
+      </a:bgFillStyleLst>
+    </a:fmtScheme>
+  </a:themeElements>
+  <a:objectDefaults/>
+  <a:extraClrSchemeLst/>
+  <a:extLst>
+    <a:ext uri="{05A4C25C-085E-4340-85A3-A5531E510DB2}">
+      <thm15:themeFamily xmlns:thm15="http://schemas.microsoft.com/office/thememl/2012/main" name="Office Theme" id="{62F939B6-93AF-4DB8-9C6B-D6C7DFDC589F}" vid="{4A3C46E8-61CC-4603-A589-7422A47A8E4A}"/>
+    </a:ext>
+  </a:extLst>
+</a:theme>
 </file>
--- a/Political Sentiment and Social Media.pptx
+++ b/Political Sentiment and Social Media.pptx
@@ -5,23 +5,28 @@
     <p:sldMasterId id="2147483660" r:id="rId1"/>
   </p:sldMasterIdLst>
   <p:notesMasterIdLst>
-    <p:notesMasterId r:id="rId16"/>
+    <p:notesMasterId r:id="rId21"/>
   </p:notesMasterIdLst>
   <p:sldIdLst>
     <p:sldId id="256" r:id="rId2"/>
     <p:sldId id="257" r:id="rId3"/>
-    <p:sldId id="258" r:id="rId4"/>
-    <p:sldId id="261" r:id="rId5"/>
-    <p:sldId id="259" r:id="rId6"/>
-    <p:sldId id="262" r:id="rId7"/>
-    <p:sldId id="263" r:id="rId8"/>
-    <p:sldId id="267" r:id="rId9"/>
-    <p:sldId id="264" r:id="rId10"/>
-    <p:sldId id="265" r:id="rId11"/>
-    <p:sldId id="266" r:id="rId12"/>
-    <p:sldId id="268" r:id="rId13"/>
-    <p:sldId id="270" r:id="rId14"/>
-    <p:sldId id="269" r:id="rId15"/>
+    <p:sldId id="259" r:id="rId4"/>
+    <p:sldId id="258" r:id="rId5"/>
+    <p:sldId id="261" r:id="rId6"/>
+    <p:sldId id="271" r:id="rId7"/>
+    <p:sldId id="262" r:id="rId8"/>
+    <p:sldId id="263" r:id="rId9"/>
+    <p:sldId id="267" r:id="rId10"/>
+    <p:sldId id="264" r:id="rId11"/>
+    <p:sldId id="265" r:id="rId12"/>
+    <p:sldId id="266" r:id="rId13"/>
+    <p:sldId id="268" r:id="rId14"/>
+    <p:sldId id="270" r:id="rId15"/>
+    <p:sldId id="269" r:id="rId16"/>
+    <p:sldId id="272" r:id="rId17"/>
+    <p:sldId id="273" r:id="rId18"/>
+    <p:sldId id="274" r:id="rId19"/>
+    <p:sldId id="275" r:id="rId20"/>
   </p:sldIdLst>
   <p:sldSz cx="12192000" cy="6858000"/>
   <p:notesSz cx="6858000" cy="9144000"/>
@@ -131,7 +136,7 @@
 <file path=ppt/revisionInfo.xml><?xml version="1.0" encoding="utf-8"?>
 <p1510:revInfo xmlns:a="http://schemas.openxmlformats.org/drawingml/2006/main" xmlns:r="http://schemas.openxmlformats.org/officeDocument/2006/relationships" xmlns:p1510="http://schemas.microsoft.com/office/powerpoint/2015/10/main">
   <p1510:revLst>
-    <p1510:client id="{C438439B-0BE1-46A4-BB36-796C843DE454}" v="69" dt="2021-10-12T03:26:06.389"/>
+    <p1510:client id="{C438439B-0BE1-46A4-BB36-796C843DE454}" v="83" dt="2021-10-12T17:37:49.622"/>
   </p1510:revLst>
 </p1510:revInfo>
 </file>
@@ -140,13 +145,13 @@
 <pc:chgInfo xmlns:a="http://schemas.openxmlformats.org/drawingml/2006/main" xmlns:r="http://schemas.openxmlformats.org/officeDocument/2006/relationships" xmlns:ac="http://schemas.microsoft.com/office/drawing/2013/main/command" xmlns:pc="http://schemas.microsoft.com/office/powerpoint/2013/main/command">
   <pc:docChgLst>
     <pc:chgData name="Noelle Ferrari" userId="a847421d777b2bc0" providerId="LiveId" clId="{C438439B-0BE1-46A4-BB36-796C843DE454}"/>
-    <pc:docChg chg="undo custSel addSld delSld modSld addMainMaster delMainMaster">
-      <pc:chgData name="Noelle Ferrari" userId="a847421d777b2bc0" providerId="LiveId" clId="{C438439B-0BE1-46A4-BB36-796C843DE454}" dt="2021-10-12T04:21:31.849" v="1441" actId="26606"/>
+    <pc:docChg chg="undo custSel addSld delSld modSld sldOrd addMainMaster delMainMaster">
+      <pc:chgData name="Noelle Ferrari" userId="a847421d777b2bc0" providerId="LiveId" clId="{C438439B-0BE1-46A4-BB36-796C843DE454}" dt="2021-10-12T17:50:43.523" v="5550" actId="20577"/>
       <pc:docMkLst>
         <pc:docMk/>
       </pc:docMkLst>
       <pc:sldChg chg="addSp delSp modSp new mod setBg modClrScheme addAnim delAnim chgLayout">
-        <pc:chgData name="Noelle Ferrari" userId="a847421d777b2bc0" providerId="LiveId" clId="{C438439B-0BE1-46A4-BB36-796C843DE454}" dt="2021-10-09T20:17:46.461" v="62"/>
+        <pc:chgData name="Noelle Ferrari" userId="a847421d777b2bc0" providerId="LiveId" clId="{C438439B-0BE1-46A4-BB36-796C843DE454}" dt="2021-10-12T15:37:58.465" v="1442" actId="478"/>
         <pc:sldMkLst>
           <pc:docMk/>
           <pc:sldMk cId="2127615619" sldId="256"/>
@@ -159,8 +164,8 @@
             <ac:spMk id="2" creationId="{C3ABBE9F-A541-4518-91AF-81468B8E32C5}"/>
           </ac:spMkLst>
         </pc:spChg>
-        <pc:spChg chg="mod">
-          <ac:chgData name="Noelle Ferrari" userId="a847421d777b2bc0" providerId="LiveId" clId="{C438439B-0BE1-46A4-BB36-796C843DE454}" dt="2021-10-09T20:17:46.460" v="61" actId="26606"/>
+        <pc:spChg chg="del mod">
+          <ac:chgData name="Noelle Ferrari" userId="a847421d777b2bc0" providerId="LiveId" clId="{C438439B-0BE1-46A4-BB36-796C843DE454}" dt="2021-10-12T15:37:58.465" v="1442" actId="478"/>
           <ac:spMkLst>
             <pc:docMk/>
             <pc:sldMk cId="2127615619" sldId="256"/>
@@ -345,7 +350,7 @@
         </pc:cxnChg>
       </pc:sldChg>
       <pc:sldChg chg="addSp delSp modSp new mod modClrScheme chgLayout modNotesTx">
-        <pc:chgData name="Noelle Ferrari" userId="a847421d777b2bc0" providerId="LiveId" clId="{C438439B-0BE1-46A4-BB36-796C843DE454}" dt="2021-10-11T17:42:45.821" v="351" actId="20577"/>
+        <pc:chgData name="Noelle Ferrari" userId="a847421d777b2bc0" providerId="LiveId" clId="{C438439B-0BE1-46A4-BB36-796C843DE454}" dt="2021-10-12T15:58:57.377" v="2558" actId="20577"/>
         <pc:sldMkLst>
           <pc:docMk/>
           <pc:sldMk cId="2984044718" sldId="257"/>
@@ -424,7 +429,7 @@
         </pc:picChg>
       </pc:sldChg>
       <pc:sldChg chg="addSp delSp modSp new mod setBg modClrScheme chgLayout">
-        <pc:chgData name="Noelle Ferrari" userId="a847421d777b2bc0" providerId="LiveId" clId="{C438439B-0BE1-46A4-BB36-796C843DE454}" dt="2021-10-12T03:26:06.389" v="1086" actId="20577"/>
+        <pc:chgData name="Noelle Ferrari" userId="a847421d777b2bc0" providerId="LiveId" clId="{C438439B-0BE1-46A4-BB36-796C843DE454}" dt="2021-10-12T16:45:03.322" v="2965" actId="20577"/>
         <pc:sldMkLst>
           <pc:docMk/>
           <pc:sldMk cId="2639864020" sldId="258"/>
@@ -502,7 +507,7 @@
           </ac:graphicFrameMkLst>
         </pc:graphicFrameChg>
         <pc:graphicFrameChg chg="add mod">
-          <ac:chgData name="Noelle Ferrari" userId="a847421d777b2bc0" providerId="LiveId" clId="{C438439B-0BE1-46A4-BB36-796C843DE454}" dt="2021-10-12T03:26:06.389" v="1086" actId="20577"/>
+          <ac:chgData name="Noelle Ferrari" userId="a847421d777b2bc0" providerId="LiveId" clId="{C438439B-0BE1-46A4-BB36-796C843DE454}" dt="2021-10-12T16:45:03.322" v="2965" actId="20577"/>
           <ac:graphicFrameMkLst>
             <pc:docMk/>
             <pc:sldMk cId="2639864020" sldId="258"/>
@@ -542,18 +547,34 @@
           </ac:cxnSpMkLst>
         </pc:cxnChg>
       </pc:sldChg>
-      <pc:sldChg chg="addSp delSp modSp new mod">
-        <pc:chgData name="Noelle Ferrari" userId="a847421d777b2bc0" providerId="LiveId" clId="{C438439B-0BE1-46A4-BB36-796C843DE454}" dt="2021-10-11T17:50:41.022" v="723" actId="14100"/>
+      <pc:sldChg chg="addSp delSp modSp new mod ord setBg chgLayout modNotesTx">
+        <pc:chgData name="Noelle Ferrari" userId="a847421d777b2bc0" providerId="LiveId" clId="{C438439B-0BE1-46A4-BB36-796C843DE454}" dt="2021-10-12T16:43:52.375" v="2955" actId="12789"/>
         <pc:sldMkLst>
           <pc:docMk/>
           <pc:sldMk cId="2353937424" sldId="259"/>
         </pc:sldMkLst>
+        <pc:spChg chg="add mod ord">
+          <ac:chgData name="Noelle Ferrari" userId="a847421d777b2bc0" providerId="LiveId" clId="{C438439B-0BE1-46A4-BB36-796C843DE454}" dt="2021-10-12T16:43:23.610" v="2951" actId="26606"/>
+          <ac:spMkLst>
+            <pc:docMk/>
+            <pc:sldMk cId="2353937424" sldId="259"/>
+            <ac:spMk id="2" creationId="{0275036D-58C6-4BD8-9A78-43D5DE32CC49}"/>
+          </ac:spMkLst>
+        </pc:spChg>
         <pc:spChg chg="del">
           <ac:chgData name="Noelle Ferrari" userId="a847421d777b2bc0" providerId="LiveId" clId="{C438439B-0BE1-46A4-BB36-796C843DE454}" dt="2021-10-11T17:50:29.529" v="719" actId="478"/>
           <ac:spMkLst>
             <pc:docMk/>
             <pc:sldMk cId="2353937424" sldId="259"/>
             <ac:spMk id="2" creationId="{69D5503E-58CE-480E-AF29-0BCD3B25F3FD}"/>
+          </ac:spMkLst>
+        </pc:spChg>
+        <pc:spChg chg="add del mod ord">
+          <ac:chgData name="Noelle Ferrari" userId="a847421d777b2bc0" providerId="LiveId" clId="{C438439B-0BE1-46A4-BB36-796C843DE454}" dt="2021-10-12T15:43:22.211" v="2311" actId="26606"/>
+          <ac:spMkLst>
+            <pc:docMk/>
+            <pc:sldMk cId="2353937424" sldId="259"/>
+            <ac:spMk id="3" creationId="{7E949029-B02E-42A7-BC98-4F15725FDE4A}"/>
           </ac:spMkLst>
         </pc:spChg>
         <pc:spChg chg="del">
@@ -564,14 +585,166 @@
             <ac:spMk id="3" creationId="{D8BE9E6A-ECF2-4B4D-9971-1C02B7D79E23}"/>
           </ac:spMkLst>
         </pc:spChg>
-        <pc:picChg chg="add mod">
-          <ac:chgData name="Noelle Ferrari" userId="a847421d777b2bc0" providerId="LiveId" clId="{C438439B-0BE1-46A4-BB36-796C843DE454}" dt="2021-10-11T17:50:41.022" v="723" actId="14100"/>
+        <pc:spChg chg="add del">
+          <ac:chgData name="Noelle Ferrari" userId="a847421d777b2bc0" providerId="LiveId" clId="{C438439B-0BE1-46A4-BB36-796C843DE454}" dt="2021-10-12T16:43:23.610" v="2951" actId="26606"/>
+          <ac:spMkLst>
+            <pc:docMk/>
+            <pc:sldMk cId="2353937424" sldId="259"/>
+            <ac:spMk id="14" creationId="{33E93247-6229-44AB-A550-739E971E690B}"/>
+          </ac:spMkLst>
+        </pc:spChg>
+        <pc:spChg chg="add del">
+          <ac:chgData name="Noelle Ferrari" userId="a847421d777b2bc0" providerId="LiveId" clId="{C438439B-0BE1-46A4-BB36-796C843DE454}" dt="2021-10-12T16:43:06.958" v="2944" actId="26606"/>
+          <ac:spMkLst>
+            <pc:docMk/>
+            <pc:sldMk cId="2353937424" sldId="259"/>
+            <ac:spMk id="20" creationId="{6A48D403-D440-4261-9875-66FFBF2DDDB7}"/>
+          </ac:spMkLst>
+        </pc:spChg>
+        <pc:spChg chg="add del">
+          <ac:chgData name="Noelle Ferrari" userId="a847421d777b2bc0" providerId="LiveId" clId="{C438439B-0BE1-46A4-BB36-796C843DE454}" dt="2021-10-12T16:43:06.958" v="2944" actId="26606"/>
+          <ac:spMkLst>
+            <pc:docMk/>
+            <pc:sldMk cId="2353937424" sldId="259"/>
+            <ac:spMk id="23" creationId="{E49D7415-2F11-44C2-B6AA-13A25B6814B9}"/>
+          </ac:spMkLst>
+        </pc:spChg>
+        <pc:spChg chg="add del">
+          <ac:chgData name="Noelle Ferrari" userId="a847421d777b2bc0" providerId="LiveId" clId="{C438439B-0BE1-46A4-BB36-796C843DE454}" dt="2021-10-12T16:43:14.638" v="2946" actId="26606"/>
+          <ac:spMkLst>
+            <pc:docMk/>
+            <pc:sldMk cId="2353937424" sldId="259"/>
+            <ac:spMk id="27" creationId="{E49D7415-2F11-44C2-B6AA-13A25B6814B9}"/>
+          </ac:spMkLst>
+        </pc:spChg>
+        <pc:spChg chg="add del">
+          <ac:chgData name="Noelle Ferrari" userId="a847421d777b2bc0" providerId="LiveId" clId="{C438439B-0BE1-46A4-BB36-796C843DE454}" dt="2021-10-12T16:43:14.638" v="2946" actId="26606"/>
+          <ac:spMkLst>
+            <pc:docMk/>
+            <pc:sldMk cId="2353937424" sldId="259"/>
+            <ac:spMk id="29" creationId="{EB04FFF3-431E-423E-89E9-C3A3BBE8C6F8}"/>
+          </ac:spMkLst>
+        </pc:spChg>
+        <pc:spChg chg="add del">
+          <ac:chgData name="Noelle Ferrari" userId="a847421d777b2bc0" providerId="LiveId" clId="{C438439B-0BE1-46A4-BB36-796C843DE454}" dt="2021-10-12T16:43:18.145" v="2948" actId="26606"/>
+          <ac:spMkLst>
+            <pc:docMk/>
+            <pc:sldMk cId="2353937424" sldId="259"/>
+            <ac:spMk id="31" creationId="{E49D7415-2F11-44C2-B6AA-13A25B6814B9}"/>
+          </ac:spMkLst>
+        </pc:spChg>
+        <pc:spChg chg="add del">
+          <ac:chgData name="Noelle Ferrari" userId="a847421d777b2bc0" providerId="LiveId" clId="{C438439B-0BE1-46A4-BB36-796C843DE454}" dt="2021-10-12T16:43:18.145" v="2948" actId="26606"/>
+          <ac:spMkLst>
+            <pc:docMk/>
+            <pc:sldMk cId="2353937424" sldId="259"/>
+            <ac:spMk id="33" creationId="{19823A09-FE9A-490F-960F-387E9D8433DA}"/>
+          </ac:spMkLst>
+        </pc:spChg>
+        <pc:spChg chg="add del">
+          <ac:chgData name="Noelle Ferrari" userId="a847421d777b2bc0" providerId="LiveId" clId="{C438439B-0BE1-46A4-BB36-796C843DE454}" dt="2021-10-12T16:43:23.602" v="2950" actId="26606"/>
+          <ac:spMkLst>
+            <pc:docMk/>
+            <pc:sldMk cId="2353937424" sldId="259"/>
+            <ac:spMk id="35" creationId="{E49D7415-2F11-44C2-B6AA-13A25B6814B9}"/>
+          </ac:spMkLst>
+        </pc:spChg>
+        <pc:spChg chg="add del">
+          <ac:chgData name="Noelle Ferrari" userId="a847421d777b2bc0" providerId="LiveId" clId="{C438439B-0BE1-46A4-BB36-796C843DE454}" dt="2021-10-12T16:43:23.602" v="2950" actId="26606"/>
+          <ac:spMkLst>
+            <pc:docMk/>
+            <pc:sldMk cId="2353937424" sldId="259"/>
+            <ac:spMk id="37" creationId="{FAFBEAF4-C449-4EAD-A3AB-5615CD2C9117}"/>
+          </ac:spMkLst>
+        </pc:spChg>
+        <pc:spChg chg="add">
+          <ac:chgData name="Noelle Ferrari" userId="a847421d777b2bc0" providerId="LiveId" clId="{C438439B-0BE1-46A4-BB36-796C843DE454}" dt="2021-10-12T16:43:23.610" v="2951" actId="26606"/>
+          <ac:spMkLst>
+            <pc:docMk/>
+            <pc:sldMk cId="2353937424" sldId="259"/>
+            <ac:spMk id="39" creationId="{E49D7415-2F11-44C2-B6AA-13A25B6814B9}"/>
+          </ac:spMkLst>
+        </pc:spChg>
+        <pc:spChg chg="add del">
+          <ac:chgData name="Noelle Ferrari" userId="a847421d777b2bc0" providerId="LiveId" clId="{C438439B-0BE1-46A4-BB36-796C843DE454}" dt="2021-10-12T16:43:29.081" v="2952" actId="478"/>
+          <ac:spMkLst>
+            <pc:docMk/>
+            <pc:sldMk cId="2353937424" sldId="259"/>
+            <ac:spMk id="41" creationId="{601A7948-B852-4573-A4A9-85AD4A4BC7D6}"/>
+          </ac:spMkLst>
+        </pc:spChg>
+        <pc:picChg chg="add mod ord">
+          <ac:chgData name="Noelle Ferrari" userId="a847421d777b2bc0" providerId="LiveId" clId="{C438439B-0BE1-46A4-BB36-796C843DE454}" dt="2021-10-12T16:43:52.375" v="2955" actId="12789"/>
           <ac:picMkLst>
             <pc:docMk/>
             <pc:sldMk cId="2353937424" sldId="259"/>
             <ac:picMk id="5" creationId="{466B7F85-8459-47C9-8AB7-0098FA161485}"/>
           </ac:picMkLst>
         </pc:picChg>
+        <pc:cxnChg chg="add del">
+          <ac:chgData name="Noelle Ferrari" userId="a847421d777b2bc0" providerId="LiveId" clId="{C438439B-0BE1-46A4-BB36-796C843DE454}" dt="2021-10-12T16:43:23.610" v="2951" actId="26606"/>
+          <ac:cxnSpMkLst>
+            <pc:docMk/>
+            <pc:sldMk cId="2353937424" sldId="259"/>
+            <ac:cxnSpMk id="10" creationId="{F64F9B95-9045-48D2-B9F3-2927E98F54AA}"/>
+          </ac:cxnSpMkLst>
+        </pc:cxnChg>
+        <pc:cxnChg chg="add del">
+          <ac:chgData name="Noelle Ferrari" userId="a847421d777b2bc0" providerId="LiveId" clId="{C438439B-0BE1-46A4-BB36-796C843DE454}" dt="2021-10-12T16:43:23.610" v="2951" actId="26606"/>
+          <ac:cxnSpMkLst>
+            <pc:docMk/>
+            <pc:sldMk cId="2353937424" sldId="259"/>
+            <ac:cxnSpMk id="12" creationId="{085AA86F-6A4D-4BCB-A045-D992CDC2959B}"/>
+          </ac:cxnSpMkLst>
+        </pc:cxnChg>
+        <pc:cxnChg chg="add del">
+          <ac:chgData name="Noelle Ferrari" userId="a847421d777b2bc0" providerId="LiveId" clId="{C438439B-0BE1-46A4-BB36-796C843DE454}" dt="2021-10-12T16:43:23.610" v="2951" actId="26606"/>
+          <ac:cxnSpMkLst>
+            <pc:docMk/>
+            <pc:sldMk cId="2353937424" sldId="259"/>
+            <ac:cxnSpMk id="16" creationId="{EE2E603F-4A95-4FE8-BB06-211DFD75DBEF}"/>
+          </ac:cxnSpMkLst>
+        </pc:cxnChg>
+        <pc:cxnChg chg="add del">
+          <ac:chgData name="Noelle Ferrari" userId="a847421d777b2bc0" providerId="LiveId" clId="{C438439B-0BE1-46A4-BB36-796C843DE454}" dt="2021-10-12T16:43:06.958" v="2944" actId="26606"/>
+          <ac:cxnSpMkLst>
+            <pc:docMk/>
+            <pc:sldMk cId="2353937424" sldId="259"/>
+            <ac:cxnSpMk id="25" creationId="{8E0104E4-99BC-494F-8342-F250828E574F}"/>
+          </ac:cxnSpMkLst>
+        </pc:cxnChg>
+        <pc:cxnChg chg="add del">
+          <ac:chgData name="Noelle Ferrari" userId="a847421d777b2bc0" providerId="LiveId" clId="{C438439B-0BE1-46A4-BB36-796C843DE454}" dt="2021-10-12T16:43:14.638" v="2946" actId="26606"/>
+          <ac:cxnSpMkLst>
+            <pc:docMk/>
+            <pc:sldMk cId="2353937424" sldId="259"/>
+            <ac:cxnSpMk id="28" creationId="{D2E57F3D-33BE-4306-87E6-245763719516}"/>
+          </ac:cxnSpMkLst>
+        </pc:cxnChg>
+        <pc:cxnChg chg="add del">
+          <ac:chgData name="Noelle Ferrari" userId="a847421d777b2bc0" providerId="LiveId" clId="{C438439B-0BE1-46A4-BB36-796C843DE454}" dt="2021-10-12T16:43:18.145" v="2948" actId="26606"/>
+          <ac:cxnSpMkLst>
+            <pc:docMk/>
+            <pc:sldMk cId="2353937424" sldId="259"/>
+            <ac:cxnSpMk id="32" creationId="{D2E57F3D-33BE-4306-87E6-245763719516}"/>
+          </ac:cxnSpMkLst>
+        </pc:cxnChg>
+        <pc:cxnChg chg="add del">
+          <ac:chgData name="Noelle Ferrari" userId="a847421d777b2bc0" providerId="LiveId" clId="{C438439B-0BE1-46A4-BB36-796C843DE454}" dt="2021-10-12T16:43:23.602" v="2950" actId="26606"/>
+          <ac:cxnSpMkLst>
+            <pc:docMk/>
+            <pc:sldMk cId="2353937424" sldId="259"/>
+            <ac:cxnSpMk id="36" creationId="{D2E57F3D-33BE-4306-87E6-245763719516}"/>
+          </ac:cxnSpMkLst>
+        </pc:cxnChg>
+        <pc:cxnChg chg="add">
+          <ac:chgData name="Noelle Ferrari" userId="a847421d777b2bc0" providerId="LiveId" clId="{C438439B-0BE1-46A4-BB36-796C843DE454}" dt="2021-10-12T16:43:23.610" v="2951" actId="26606"/>
+          <ac:cxnSpMkLst>
+            <pc:docMk/>
+            <pc:sldMk cId="2353937424" sldId="259"/>
+            <ac:cxnSpMk id="40" creationId="{8E0104E4-99BC-494F-8342-F250828E574F}"/>
+          </ac:cxnSpMkLst>
+        </pc:cxnChg>
       </pc:sldChg>
       <pc:sldChg chg="new del">
         <pc:chgData name="Noelle Ferrari" userId="a847421d777b2bc0" providerId="LiveId" clId="{C438439B-0BE1-46A4-BB36-796C843DE454}" dt="2021-10-12T03:02:34.668" v="972" actId="2696"/>
@@ -580,8 +753,8 @@
           <pc:sldMk cId="1057654464" sldId="260"/>
         </pc:sldMkLst>
       </pc:sldChg>
-      <pc:sldChg chg="addSp delSp modSp new mod setBg modClrScheme chgLayout">
-        <pc:chgData name="Noelle Ferrari" userId="a847421d777b2bc0" providerId="LiveId" clId="{C438439B-0BE1-46A4-BB36-796C843DE454}" dt="2021-10-11T18:18:52.174" v="971" actId="26606"/>
+      <pc:sldChg chg="addSp delSp modSp new mod setBg modClrScheme chgLayout modNotesTx">
+        <pc:chgData name="Noelle Ferrari" userId="a847421d777b2bc0" providerId="LiveId" clId="{C438439B-0BE1-46A4-BB36-796C843DE454}" dt="2021-10-12T17:05:55.707" v="3392" actId="20577"/>
         <pc:sldMkLst>
           <pc:docMk/>
           <pc:sldMk cId="3731193904" sldId="261"/>
@@ -1117,8 +1290,8 @@
           </ac:cxnSpMkLst>
         </pc:cxnChg>
       </pc:sldChg>
-      <pc:sldChg chg="addSp delSp modSp new mod modClrScheme chgLayout">
-        <pc:chgData name="Noelle Ferrari" userId="a847421d777b2bc0" providerId="LiveId" clId="{C438439B-0BE1-46A4-BB36-796C843DE454}" dt="2021-10-12T04:20:03.882" v="1431" actId="20577"/>
+      <pc:sldChg chg="addSp delSp modSp new mod modClrScheme chgLayout modNotesTx">
+        <pc:chgData name="Noelle Ferrari" userId="a847421d777b2bc0" providerId="LiveId" clId="{C438439B-0BE1-46A4-BB36-796C843DE454}" dt="2021-10-12T17:24:17.608" v="4286" actId="20577"/>
         <pc:sldMkLst>
           <pc:docMk/>
           <pc:sldMk cId="408135899" sldId="268"/>
@@ -1179,8 +1352,8 @@
           </ac:graphicFrameMkLst>
         </pc:graphicFrameChg>
       </pc:sldChg>
-      <pc:sldChg chg="addSp delSp modSp new mod modClrScheme chgLayout">
-        <pc:chgData name="Noelle Ferrari" userId="a847421d777b2bc0" providerId="LiveId" clId="{C438439B-0BE1-46A4-BB36-796C843DE454}" dt="2021-10-12T04:20:30.510" v="1438" actId="12788"/>
+      <pc:sldChg chg="addSp delSp modSp new mod modClrScheme chgLayout modNotesTx">
+        <pc:chgData name="Noelle Ferrari" userId="a847421d777b2bc0" providerId="LiveId" clId="{C438439B-0BE1-46A4-BB36-796C843DE454}" dt="2021-10-12T17:28:27.217" v="4672" actId="20577"/>
         <pc:sldMkLst>
           <pc:docMk/>
           <pc:sldMk cId="2746955546" sldId="269"/>
@@ -1210,8 +1383,8 @@
           </ac:picMkLst>
         </pc:picChg>
       </pc:sldChg>
-      <pc:sldChg chg="addSp modSp new mod setBg">
-        <pc:chgData name="Noelle Ferrari" userId="a847421d777b2bc0" providerId="LiveId" clId="{C438439B-0BE1-46A4-BB36-796C843DE454}" dt="2021-10-12T04:21:31.849" v="1441" actId="26606"/>
+      <pc:sldChg chg="addSp modSp new mod setBg modNotesTx">
+        <pc:chgData name="Noelle Ferrari" userId="a847421d777b2bc0" providerId="LiveId" clId="{C438439B-0BE1-46A4-BB36-796C843DE454}" dt="2021-10-12T17:25:38.140" v="4444" actId="20577"/>
         <pc:sldMkLst>
           <pc:docMk/>
           <pc:sldMk cId="1118105567" sldId="270"/>
@@ -1272,6 +1445,193 @@
             <ac:cxnSpMk id="16" creationId="{EE2E603F-4A95-4FE8-BB06-211DFD75DBEF}"/>
           </ac:cxnSpMkLst>
         </pc:cxnChg>
+      </pc:sldChg>
+      <pc:sldChg chg="addSp delSp modSp new mod setBg">
+        <pc:chgData name="Noelle Ferrari" userId="a847421d777b2bc0" providerId="LiveId" clId="{C438439B-0BE1-46A4-BB36-796C843DE454}" dt="2021-10-12T16:52:16.864" v="3045" actId="20577"/>
+        <pc:sldMkLst>
+          <pc:docMk/>
+          <pc:sldMk cId="1182057865" sldId="271"/>
+        </pc:sldMkLst>
+        <pc:spChg chg="mod">
+          <ac:chgData name="Noelle Ferrari" userId="a847421d777b2bc0" providerId="LiveId" clId="{C438439B-0BE1-46A4-BB36-796C843DE454}" dt="2021-10-12T16:52:16.864" v="3045" actId="20577"/>
+          <ac:spMkLst>
+            <pc:docMk/>
+            <pc:sldMk cId="1182057865" sldId="271"/>
+            <ac:spMk id="2" creationId="{F61D019D-541C-47CE-A5DC-1F9CCB19DC6B}"/>
+          </ac:spMkLst>
+        </pc:spChg>
+        <pc:spChg chg="del">
+          <ac:chgData name="Noelle Ferrari" userId="a847421d777b2bc0" providerId="LiveId" clId="{C438439B-0BE1-46A4-BB36-796C843DE454}" dt="2021-10-12T16:52:05.798" v="3016" actId="26606"/>
+          <ac:spMkLst>
+            <pc:docMk/>
+            <pc:sldMk cId="1182057865" sldId="271"/>
+            <ac:spMk id="3" creationId="{1ACCC1B5-4C60-4415-8FDE-81C0705B4F88}"/>
+          </ac:spMkLst>
+        </pc:spChg>
+        <pc:spChg chg="add">
+          <ac:chgData name="Noelle Ferrari" userId="a847421d777b2bc0" providerId="LiveId" clId="{C438439B-0BE1-46A4-BB36-796C843DE454}" dt="2021-10-12T16:52:05.798" v="3016" actId="26606"/>
+          <ac:spMkLst>
+            <pc:docMk/>
+            <pc:sldMk cId="1182057865" sldId="271"/>
+            <ac:spMk id="14" creationId="{33E93247-6229-44AB-A550-739E971E690B}"/>
+          </ac:spMkLst>
+        </pc:spChg>
+        <pc:picChg chg="add mod">
+          <ac:chgData name="Noelle Ferrari" userId="a847421d777b2bc0" providerId="LiveId" clId="{C438439B-0BE1-46A4-BB36-796C843DE454}" dt="2021-10-12T16:52:05.798" v="3016" actId="26606"/>
+          <ac:picMkLst>
+            <pc:docMk/>
+            <pc:sldMk cId="1182057865" sldId="271"/>
+            <ac:picMk id="5" creationId="{1BB6549D-4E3E-47E8-9CE4-04EE3F4A730C}"/>
+          </ac:picMkLst>
+        </pc:picChg>
+        <pc:cxnChg chg="add">
+          <ac:chgData name="Noelle Ferrari" userId="a847421d777b2bc0" providerId="LiveId" clId="{C438439B-0BE1-46A4-BB36-796C843DE454}" dt="2021-10-12T16:52:05.798" v="3016" actId="26606"/>
+          <ac:cxnSpMkLst>
+            <pc:docMk/>
+            <pc:sldMk cId="1182057865" sldId="271"/>
+            <ac:cxnSpMk id="10" creationId="{F64F9B95-9045-48D2-B9F3-2927E98F54AA}"/>
+          </ac:cxnSpMkLst>
+        </pc:cxnChg>
+        <pc:cxnChg chg="add">
+          <ac:chgData name="Noelle Ferrari" userId="a847421d777b2bc0" providerId="LiveId" clId="{C438439B-0BE1-46A4-BB36-796C843DE454}" dt="2021-10-12T16:52:05.798" v="3016" actId="26606"/>
+          <ac:cxnSpMkLst>
+            <pc:docMk/>
+            <pc:sldMk cId="1182057865" sldId="271"/>
+            <ac:cxnSpMk id="12" creationId="{085AA86F-6A4D-4BCB-A045-D992CDC2959B}"/>
+          </ac:cxnSpMkLst>
+        </pc:cxnChg>
+        <pc:cxnChg chg="add">
+          <ac:chgData name="Noelle Ferrari" userId="a847421d777b2bc0" providerId="LiveId" clId="{C438439B-0BE1-46A4-BB36-796C843DE454}" dt="2021-10-12T16:52:05.798" v="3016" actId="26606"/>
+          <ac:cxnSpMkLst>
+            <pc:docMk/>
+            <pc:sldMk cId="1182057865" sldId="271"/>
+            <ac:cxnSpMk id="16" creationId="{EE2E603F-4A95-4FE8-BB06-211DFD75DBEF}"/>
+          </ac:cxnSpMkLst>
+        </pc:cxnChg>
+      </pc:sldChg>
+      <pc:sldChg chg="addSp delSp modSp new mod modNotesTx">
+        <pc:chgData name="Noelle Ferrari" userId="a847421d777b2bc0" providerId="LiveId" clId="{C438439B-0BE1-46A4-BB36-796C843DE454}" dt="2021-10-12T17:34:56.164" v="5061" actId="20577"/>
+        <pc:sldMkLst>
+          <pc:docMk/>
+          <pc:sldMk cId="3680691116" sldId="272"/>
+        </pc:sldMkLst>
+        <pc:spChg chg="add mod">
+          <ac:chgData name="Noelle Ferrari" userId="a847421d777b2bc0" providerId="LiveId" clId="{C438439B-0BE1-46A4-BB36-796C843DE454}" dt="2021-10-12T17:33:18.650" v="4734" actId="255"/>
+          <ac:spMkLst>
+            <pc:docMk/>
+            <pc:sldMk cId="3680691116" sldId="272"/>
+            <ac:spMk id="4" creationId="{C4A8C694-2809-4DC7-9D44-ABF92946812B}"/>
+          </ac:spMkLst>
+        </pc:spChg>
+        <pc:spChg chg="add mod">
+          <ac:chgData name="Noelle Ferrari" userId="a847421d777b2bc0" providerId="LiveId" clId="{C438439B-0BE1-46A4-BB36-796C843DE454}" dt="2021-10-12T17:32:55.607" v="4731" actId="14100"/>
+          <ac:spMkLst>
+            <pc:docMk/>
+            <pc:sldMk cId="3680691116" sldId="272"/>
+            <ac:spMk id="7" creationId="{9510245B-4F80-468B-B9FA-1BC458464E20}"/>
+          </ac:spMkLst>
+        </pc:spChg>
+        <pc:spChg chg="add del">
+          <ac:chgData name="Noelle Ferrari" userId="a847421d777b2bc0" providerId="LiveId" clId="{C438439B-0BE1-46A4-BB36-796C843DE454}" dt="2021-10-12T17:32:45.755" v="4729" actId="478"/>
+          <ac:spMkLst>
+            <pc:docMk/>
+            <pc:sldMk cId="3680691116" sldId="272"/>
+            <ac:spMk id="9" creationId="{89696359-EEFF-45F0-813A-0E50816D32F5}"/>
+          </ac:spMkLst>
+        </pc:spChg>
+        <pc:picChg chg="add mod">
+          <ac:chgData name="Noelle Ferrari" userId="a847421d777b2bc0" providerId="LiveId" clId="{C438439B-0BE1-46A4-BB36-796C843DE454}" dt="2021-10-12T17:33:30.304" v="4759" actId="1035"/>
+          <ac:picMkLst>
+            <pc:docMk/>
+            <pc:sldMk cId="3680691116" sldId="272"/>
+            <ac:picMk id="3" creationId="{8EBB2D10-353B-4F33-8C3E-614A0595EEB3}"/>
+          </ac:picMkLst>
+        </pc:picChg>
+        <pc:picChg chg="add mod modCrop">
+          <ac:chgData name="Noelle Ferrari" userId="a847421d777b2bc0" providerId="LiveId" clId="{C438439B-0BE1-46A4-BB36-796C843DE454}" dt="2021-10-12T17:33:30.304" v="4759" actId="1035"/>
+          <ac:picMkLst>
+            <pc:docMk/>
+            <pc:sldMk cId="3680691116" sldId="272"/>
+            <ac:picMk id="6" creationId="{A7369051-A123-4C56-BE84-55A693C182EE}"/>
+          </ac:picMkLst>
+        </pc:picChg>
+      </pc:sldChg>
+      <pc:sldChg chg="addSp modSp new mod">
+        <pc:chgData name="Noelle Ferrari" userId="a847421d777b2bc0" providerId="LiveId" clId="{C438439B-0BE1-46A4-BB36-796C843DE454}" dt="2021-10-12T17:38:09.608" v="5100" actId="1076"/>
+        <pc:sldMkLst>
+          <pc:docMk/>
+          <pc:sldMk cId="3779069167" sldId="273"/>
+        </pc:sldMkLst>
+        <pc:spChg chg="add mod">
+          <ac:chgData name="Noelle Ferrari" userId="a847421d777b2bc0" providerId="LiveId" clId="{C438439B-0BE1-46A4-BB36-796C843DE454}" dt="2021-10-12T17:38:09.608" v="5100" actId="1076"/>
+          <ac:spMkLst>
+            <pc:docMk/>
+            <pc:sldMk cId="3779069167" sldId="273"/>
+            <ac:spMk id="6" creationId="{F27E1D1A-7FFE-4971-97C6-6F3F9CC2EA17}"/>
+          </ac:spMkLst>
+        </pc:spChg>
+        <pc:spChg chg="add mod">
+          <ac:chgData name="Noelle Ferrari" userId="a847421d777b2bc0" providerId="LiveId" clId="{C438439B-0BE1-46A4-BB36-796C843DE454}" dt="2021-10-12T17:38:03.929" v="5099" actId="14100"/>
+          <ac:spMkLst>
+            <pc:docMk/>
+            <pc:sldMk cId="3779069167" sldId="273"/>
+            <ac:spMk id="7" creationId="{B84EDF6F-E05B-47F8-B306-0B62B643FDBF}"/>
+          </ac:spMkLst>
+        </pc:spChg>
+        <pc:picChg chg="add mod">
+          <ac:chgData name="Noelle Ferrari" userId="a847421d777b2bc0" providerId="LiveId" clId="{C438439B-0BE1-46A4-BB36-796C843DE454}" dt="2021-10-12T17:36:45.469" v="5069" actId="1076"/>
+          <ac:picMkLst>
+            <pc:docMk/>
+            <pc:sldMk cId="3779069167" sldId="273"/>
+            <ac:picMk id="3" creationId="{0942B71C-C0BE-451B-8ECE-560194B1447B}"/>
+          </ac:picMkLst>
+        </pc:picChg>
+        <pc:picChg chg="add mod">
+          <ac:chgData name="Noelle Ferrari" userId="a847421d777b2bc0" providerId="LiveId" clId="{C438439B-0BE1-46A4-BB36-796C843DE454}" dt="2021-10-12T17:36:55.066" v="5070" actId="1076"/>
+          <ac:picMkLst>
+            <pc:docMk/>
+            <pc:sldMk cId="3779069167" sldId="273"/>
+            <ac:picMk id="5" creationId="{D7BA1DDD-4BC8-48F0-9D29-D41840F747BD}"/>
+          </ac:picMkLst>
+        </pc:picChg>
+      </pc:sldChg>
+      <pc:sldChg chg="addSp modSp new mod modClrScheme chgLayout">
+        <pc:chgData name="Noelle Ferrari" userId="a847421d777b2bc0" providerId="LiveId" clId="{C438439B-0BE1-46A4-BB36-796C843DE454}" dt="2021-10-12T17:50:26.634" v="5535" actId="20577"/>
+        <pc:sldMkLst>
+          <pc:docMk/>
+          <pc:sldMk cId="530085150" sldId="274"/>
+        </pc:sldMkLst>
+        <pc:spChg chg="add mod">
+          <ac:chgData name="Noelle Ferrari" userId="a847421d777b2bc0" providerId="LiveId" clId="{C438439B-0BE1-46A4-BB36-796C843DE454}" dt="2021-10-12T17:39:41.924" v="5252" actId="20577"/>
+          <ac:spMkLst>
+            <pc:docMk/>
+            <pc:sldMk cId="530085150" sldId="274"/>
+            <ac:spMk id="2" creationId="{27EBF55A-5B57-4A3A-BE3B-0C16F62BB3DE}"/>
+          </ac:spMkLst>
+        </pc:spChg>
+        <pc:spChg chg="add mod">
+          <ac:chgData name="Noelle Ferrari" userId="a847421d777b2bc0" providerId="LiveId" clId="{C438439B-0BE1-46A4-BB36-796C843DE454}" dt="2021-10-12T17:50:26.634" v="5535" actId="20577"/>
+          <ac:spMkLst>
+            <pc:docMk/>
+            <pc:sldMk cId="530085150" sldId="274"/>
+            <ac:spMk id="3" creationId="{CDF67F26-5688-41CA-ABBD-4759950EF19A}"/>
+          </ac:spMkLst>
+        </pc:spChg>
+      </pc:sldChg>
+      <pc:sldChg chg="modSp new mod">
+        <pc:chgData name="Noelle Ferrari" userId="a847421d777b2bc0" providerId="LiveId" clId="{C438439B-0BE1-46A4-BB36-796C843DE454}" dt="2021-10-12T17:50:43.523" v="5550" actId="20577"/>
+        <pc:sldMkLst>
+          <pc:docMk/>
+          <pc:sldMk cId="4229591335" sldId="275"/>
+        </pc:sldMkLst>
+        <pc:spChg chg="mod">
+          <ac:chgData name="Noelle Ferrari" userId="a847421d777b2bc0" providerId="LiveId" clId="{C438439B-0BE1-46A4-BB36-796C843DE454}" dt="2021-10-12T17:50:43.523" v="5550" actId="20577"/>
+          <ac:spMkLst>
+            <pc:docMk/>
+            <pc:sldMk cId="4229591335" sldId="275"/>
+            <ac:spMk id="2" creationId="{0B5946B2-2BD9-4094-86C4-0B7C91175AE6}"/>
+          </ac:spMkLst>
+        </pc:spChg>
       </pc:sldChg>
       <pc:sldMasterChg chg="add del addSldLayout delSldLayout">
         <pc:chgData name="Noelle Ferrari" userId="a847421d777b2bc0" providerId="LiveId" clId="{C438439B-0BE1-46A4-BB36-796C843DE454}" dt="2021-10-09T20:17:46.460" v="61" actId="26606"/>
@@ -2367,7 +2727,7 @@
         <a:lstStyle/>
         <a:p>
           <a:r>
-            <a:rPr lang="en-US"/>
+            <a:rPr lang="en-US" dirty="0"/>
             <a:t>Reddit:</a:t>
           </a:r>
         </a:p>
@@ -2512,7 +2872,7 @@
         <a:p>
           <a:r>
             <a:rPr lang="en-US" dirty="0"/>
-            <a:t>500k+ comments from about 134k authors</a:t>
+            <a:t>500k+ comments from about 134k author</a:t>
           </a:r>
         </a:p>
       </dgm:t>
@@ -2539,7 +2899,29 @@
         </a:p>
       </dgm:t>
     </dgm:pt>
-    <dgm:pt modelId="{04ACDEC6-2E1D-4577-928B-576B340FC494}">
+    <dgm:pt modelId="{4C0EB1B6-EDF5-4754-BA48-C412D3CB7546}">
+      <dgm:prSet/>
+      <dgm:spPr/>
+      <dgm:t>
+        <a:bodyPr/>
+        <a:lstStyle/>
+        <a:p>
+          <a:r>
+            <a:rPr lang="en-US" dirty="0"/>
+            <a:t>Poll Data from FiveThirtyEight:</a:t>
+          </a:r>
+        </a:p>
+      </dgm:t>
+    </dgm:pt>
+    <dgm:pt modelId="{7FCD2E50-81FB-4B69-BC76-75EC34FFB4F9}" type="parTrans" cxnId="{4F925C81-A3AB-46D7-AF33-0FF45568F4F3}">
+      <dgm:prSet/>
+      <dgm:spPr/>
+    </dgm:pt>
+    <dgm:pt modelId="{E54A1761-1747-46A4-9B45-56945655055E}" type="sibTrans" cxnId="{4F925C81-A3AB-46D7-AF33-0FF45568F4F3}">
+      <dgm:prSet/>
+      <dgm:spPr/>
+    </dgm:pt>
+    <dgm:pt modelId="{09A567DE-DF37-4FA1-B6AC-8E5383BB5487}">
       <dgm:prSet/>
       <dgm:spPr/>
       <dgm:t>
@@ -2548,12 +2930,35 @@
         <a:p>
           <a:r>
             <a:rPr lang="en-US"/>
-            <a:t>Poll Data from FiveThirtyEight:</a:t>
+            <a:t>Presidential approval data from 40+ different pollsters</a:t>
+          </a:r>
+          <a:endParaRPr lang="en-US" dirty="0"/>
+        </a:p>
+      </dgm:t>
+    </dgm:pt>
+    <dgm:pt modelId="{B172BE1C-E821-4B24-A765-6160B00C154F}" type="parTrans" cxnId="{307837B4-37FD-4576-B3B1-5AE625329802}">
+      <dgm:prSet/>
+      <dgm:spPr/>
+    </dgm:pt>
+    <dgm:pt modelId="{0B6028EC-C523-4587-B106-F1B6DA86D6EC}" type="sibTrans" cxnId="{307837B4-37FD-4576-B3B1-5AE625329802}">
+      <dgm:prSet/>
+      <dgm:spPr/>
+    </dgm:pt>
+    <dgm:pt modelId="{9B3F678D-8E86-492B-997D-4997C9D1C167}">
+      <dgm:prSet/>
+      <dgm:spPr/>
+      <dgm:t>
+        <a:bodyPr/>
+        <a:lstStyle/>
+        <a:p>
+          <a:r>
+            <a:rPr lang="en-US" dirty="0"/>
+            <a:t>Date range: Jan 23 – Sept 15, 2021</a:t>
           </a:r>
         </a:p>
       </dgm:t>
     </dgm:pt>
-    <dgm:pt modelId="{8053C4A1-93CC-43F1-8257-18E8D6138CFB}" type="parTrans" cxnId="{979C85CC-E6E9-4D2F-B328-0327A1EF5787}">
+    <dgm:pt modelId="{3E34A7CB-538E-40FC-B205-32334F3511F4}" type="parTrans" cxnId="{B345C85C-A190-4534-B00A-BD423F5513AC}">
       <dgm:prSet/>
       <dgm:spPr/>
       <dgm:t>
@@ -2564,120 +2969,7 @@
         </a:p>
       </dgm:t>
     </dgm:pt>
-    <dgm:pt modelId="{18AFCEF4-BA22-4EEC-AC6A-C0C7DE747164}" type="sibTrans" cxnId="{979C85CC-E6E9-4D2F-B328-0327A1EF5787}">
-      <dgm:prSet/>
-      <dgm:spPr/>
-      <dgm:t>
-        <a:bodyPr/>
-        <a:lstStyle/>
-        <a:p>
-          <a:endParaRPr lang="en-US"/>
-        </a:p>
-      </dgm:t>
-    </dgm:pt>
-    <dgm:pt modelId="{6BA88192-0050-4256-AEE6-72023212E61A}">
-      <dgm:prSet/>
-      <dgm:spPr/>
-      <dgm:t>
-        <a:bodyPr/>
-        <a:lstStyle/>
-        <a:p>
-          <a:r>
-            <a:rPr lang="en-US"/>
-            <a:t>Presidential approval data from 40+ different pollsters</a:t>
-          </a:r>
-        </a:p>
-      </dgm:t>
-    </dgm:pt>
-    <dgm:pt modelId="{266385DB-B347-447E-B6E3-76DE7D0914E6}" type="parTrans" cxnId="{A88407B3-54C8-4CE8-AD6F-2085052BEE27}">
-      <dgm:prSet/>
-      <dgm:spPr/>
-      <dgm:t>
-        <a:bodyPr/>
-        <a:lstStyle/>
-        <a:p>
-          <a:endParaRPr lang="en-US"/>
-        </a:p>
-      </dgm:t>
-    </dgm:pt>
-    <dgm:pt modelId="{8A6CDE0E-26EE-48E6-8956-31AC8B3142F8}" type="sibTrans" cxnId="{A88407B3-54C8-4CE8-AD6F-2085052BEE27}">
-      <dgm:prSet/>
-      <dgm:spPr/>
-      <dgm:t>
-        <a:bodyPr/>
-        <a:lstStyle/>
-        <a:p>
-          <a:endParaRPr lang="en-US"/>
-        </a:p>
-      </dgm:t>
-    </dgm:pt>
-    <dgm:pt modelId="{98AB5D0E-EC9D-49BA-BE45-66A15B972B04}">
-      <dgm:prSet/>
-      <dgm:spPr/>
-      <dgm:t>
-        <a:bodyPr/>
-        <a:lstStyle/>
-        <a:p>
-          <a:r>
-            <a:rPr lang="en-US"/>
-            <a:t>Date range: Jan 23 – Sept 15, 2021</a:t>
-          </a:r>
-        </a:p>
-      </dgm:t>
-    </dgm:pt>
-    <dgm:pt modelId="{26000FA9-B472-4A0A-8AE1-7CE7BBF43084}" type="parTrans" cxnId="{51A09312-1094-4ACB-A8A5-CA77E5A1E91F}">
-      <dgm:prSet/>
-      <dgm:spPr/>
-      <dgm:t>
-        <a:bodyPr/>
-        <a:lstStyle/>
-        <a:p>
-          <a:endParaRPr lang="en-US"/>
-        </a:p>
-      </dgm:t>
-    </dgm:pt>
-    <dgm:pt modelId="{FEEAABC1-F90F-4A1F-8FA6-499819ED33D8}" type="sibTrans" cxnId="{51A09312-1094-4ACB-A8A5-CA77E5A1E91F}">
-      <dgm:prSet/>
-      <dgm:spPr/>
-      <dgm:t>
-        <a:bodyPr/>
-        <a:lstStyle/>
-        <a:p>
-          <a:endParaRPr lang="en-US"/>
-        </a:p>
-      </dgm:t>
-    </dgm:pt>
-    <dgm:pt modelId="{186CCFA6-6212-423B-8BC8-3B05191917B4}">
-      <dgm:prSet/>
-      <dgm:spPr/>
-      <dgm:t>
-        <a:bodyPr/>
-        <a:lstStyle/>
-        <a:p>
-          <a:r>
-            <a:rPr lang="en-US" dirty="0"/>
-            <a:t>Sentiment analysis using </a:t>
-          </a:r>
-          <a:r>
-            <a:rPr lang="en-US" dirty="0" err="1"/>
-            <a:t>TextBlob</a:t>
-          </a:r>
-          <a:endParaRPr lang="en-US" dirty="0"/>
-        </a:p>
-      </dgm:t>
-    </dgm:pt>
-    <dgm:pt modelId="{7BF48CDC-961E-478A-AE76-0C0C9CBAB8B0}" type="parTrans" cxnId="{451E6F8F-9797-4FFF-84F1-93802CFAC33A}">
-      <dgm:prSet/>
-      <dgm:spPr/>
-      <dgm:t>
-        <a:bodyPr/>
-        <a:lstStyle/>
-        <a:p>
-          <a:endParaRPr lang="en-US"/>
-        </a:p>
-      </dgm:t>
-    </dgm:pt>
-    <dgm:pt modelId="{187174B3-6BE4-455D-830F-E65A9E5EEE56}" type="sibTrans" cxnId="{451E6F8F-9797-4FFF-84F1-93802CFAC33A}">
+    <dgm:pt modelId="{B8372D1E-1D02-4595-B4A3-A0282F370FFB}" type="sibTrans" cxnId="{B345C85C-A190-4534-B00A-BD423F5513AC}">
       <dgm:prSet/>
       <dgm:spPr/>
       <dgm:t>
@@ -2698,6 +2990,39 @@
       </dgm:prSet>
       <dgm:spPr/>
     </dgm:pt>
+    <dgm:pt modelId="{D7AC9357-3E4E-4BA7-A231-6BD3959BEEB7}" type="pres">
+      <dgm:prSet presAssocID="{4C0EB1B6-EDF5-4754-BA48-C412D3CB7546}" presName="parentLin" presStyleCnt="0"/>
+      <dgm:spPr/>
+    </dgm:pt>
+    <dgm:pt modelId="{F0D66023-FE9A-48CE-9018-B0D294067BEC}" type="pres">
+      <dgm:prSet presAssocID="{4C0EB1B6-EDF5-4754-BA48-C412D3CB7546}" presName="parentLeftMargin" presStyleLbl="node1" presStyleIdx="0" presStyleCnt="2"/>
+      <dgm:spPr/>
+    </dgm:pt>
+    <dgm:pt modelId="{1460DB8C-1AAA-4F03-AD68-8078900E1328}" type="pres">
+      <dgm:prSet presAssocID="{4C0EB1B6-EDF5-4754-BA48-C412D3CB7546}" presName="parentText" presStyleLbl="node1" presStyleIdx="0" presStyleCnt="2">
+        <dgm:presLayoutVars>
+          <dgm:chMax val="0"/>
+          <dgm:bulletEnabled val="1"/>
+        </dgm:presLayoutVars>
+      </dgm:prSet>
+      <dgm:spPr/>
+    </dgm:pt>
+    <dgm:pt modelId="{9EA36F56-09E5-4F31-9978-A235DBA82F19}" type="pres">
+      <dgm:prSet presAssocID="{4C0EB1B6-EDF5-4754-BA48-C412D3CB7546}" presName="negativeSpace" presStyleCnt="0"/>
+      <dgm:spPr/>
+    </dgm:pt>
+    <dgm:pt modelId="{E9A532D1-9CA9-4AF0-B1BE-CC42E74B7E11}" type="pres">
+      <dgm:prSet presAssocID="{4C0EB1B6-EDF5-4754-BA48-C412D3CB7546}" presName="childText" presStyleLbl="conFgAcc1" presStyleIdx="0" presStyleCnt="2">
+        <dgm:presLayoutVars>
+          <dgm:bulletEnabled val="1"/>
+        </dgm:presLayoutVars>
+      </dgm:prSet>
+      <dgm:spPr/>
+    </dgm:pt>
+    <dgm:pt modelId="{3878D905-D8C7-4488-8B79-7C472680E9A4}" type="pres">
+      <dgm:prSet presAssocID="{E54A1761-1747-46A4-9B45-56945655055E}" presName="spaceBetweenRectangles" presStyleCnt="0"/>
+      <dgm:spPr/>
+    </dgm:pt>
     <dgm:pt modelId="{2672DA21-74B2-4AE1-8ECA-569727381DD2}" type="pres">
       <dgm:prSet presAssocID="{0023FA54-F2AC-4BFE-B02B-B1217E5FCEAA}" presName="parentLin" presStyleCnt="0"/>
       <dgm:spPr/>
@@ -2707,7 +3032,7 @@
       <dgm:spPr/>
     </dgm:pt>
     <dgm:pt modelId="{74007E0E-CDA0-483E-B492-EBB9085A590A}" type="pres">
-      <dgm:prSet presAssocID="{0023FA54-F2AC-4BFE-B02B-B1217E5FCEAA}" presName="parentText" presStyleLbl="node1" presStyleIdx="0" presStyleCnt="2">
+      <dgm:prSet presAssocID="{0023FA54-F2AC-4BFE-B02B-B1217E5FCEAA}" presName="parentText" presStyleLbl="node1" presStyleIdx="1" presStyleCnt="2">
         <dgm:presLayoutVars>
           <dgm:chMax val="0"/>
           <dgm:bulletEnabled val="1"/>
@@ -2720,40 +3045,7 @@
       <dgm:spPr/>
     </dgm:pt>
     <dgm:pt modelId="{B8E1D9EB-D5D8-4695-9728-32EB4BC6D544}" type="pres">
-      <dgm:prSet presAssocID="{0023FA54-F2AC-4BFE-B02B-B1217E5FCEAA}" presName="childText" presStyleLbl="conFgAcc1" presStyleIdx="0" presStyleCnt="2">
-        <dgm:presLayoutVars>
-          <dgm:bulletEnabled val="1"/>
-        </dgm:presLayoutVars>
-      </dgm:prSet>
-      <dgm:spPr/>
-    </dgm:pt>
-    <dgm:pt modelId="{B3A44ABB-E630-4FAB-87FA-B6190C0693DB}" type="pres">
-      <dgm:prSet presAssocID="{711021D9-943E-4836-A55D-2CB1066B3902}" presName="spaceBetweenRectangles" presStyleCnt="0"/>
-      <dgm:spPr/>
-    </dgm:pt>
-    <dgm:pt modelId="{D8156019-B035-44C4-88FA-D1EF46840EC7}" type="pres">
-      <dgm:prSet presAssocID="{04ACDEC6-2E1D-4577-928B-576B340FC494}" presName="parentLin" presStyleCnt="0"/>
-      <dgm:spPr/>
-    </dgm:pt>
-    <dgm:pt modelId="{9DECB2EC-2C8B-4110-B77C-FB1ECD23E418}" type="pres">
-      <dgm:prSet presAssocID="{04ACDEC6-2E1D-4577-928B-576B340FC494}" presName="parentLeftMargin" presStyleLbl="node1" presStyleIdx="0" presStyleCnt="2"/>
-      <dgm:spPr/>
-    </dgm:pt>
-    <dgm:pt modelId="{507BE923-2EE1-4ED5-ACDB-A9495EFC0269}" type="pres">
-      <dgm:prSet presAssocID="{04ACDEC6-2E1D-4577-928B-576B340FC494}" presName="parentText" presStyleLbl="node1" presStyleIdx="1" presStyleCnt="2">
-        <dgm:presLayoutVars>
-          <dgm:chMax val="0"/>
-          <dgm:bulletEnabled val="1"/>
-        </dgm:presLayoutVars>
-      </dgm:prSet>
-      <dgm:spPr/>
-    </dgm:pt>
-    <dgm:pt modelId="{856F7F91-A981-44CD-802E-31B00CA2BA14}" type="pres">
-      <dgm:prSet presAssocID="{04ACDEC6-2E1D-4577-928B-576B340FC494}" presName="negativeSpace" presStyleCnt="0"/>
-      <dgm:spPr/>
-    </dgm:pt>
-    <dgm:pt modelId="{8F93D540-17BF-4CFF-8DF4-651B029F6C68}" type="pres">
-      <dgm:prSet presAssocID="{04ACDEC6-2E1D-4577-928B-576B340FC494}" presName="childText" presStyleLbl="conFgAcc1" presStyleIdx="1" presStyleCnt="2">
+      <dgm:prSet presAssocID="{0023FA54-F2AC-4BFE-B02B-B1217E5FCEAA}" presName="childText" presStyleLbl="conFgAcc1" presStyleIdx="1" presStyleCnt="2">
         <dgm:presLayoutVars>
           <dgm:bulletEnabled val="1"/>
         </dgm:presLayoutVars>
@@ -2762,44 +3054,42 @@
     </dgm:pt>
   </dgm:ptLst>
   <dgm:cxnLst>
-    <dgm:cxn modelId="{1E43B603-5DC9-468F-BE36-EEF8A4DEFBC4}" type="presOf" srcId="{186CCFA6-6212-423B-8BC8-3B05191917B4}" destId="{B8E1D9EB-D5D8-4695-9728-32EB4BC6D544}" srcOrd="0" destOrd="4" presId="urn:microsoft.com/office/officeart/2005/8/layout/list1"/>
-    <dgm:cxn modelId="{C883180E-0FA1-458C-A4AF-0EAF62F9C10B}" type="presOf" srcId="{98AB5D0E-EC9D-49BA-BE45-66A15B972B04}" destId="{8F93D540-17BF-4CFF-8DF4-651B029F6C68}" srcOrd="0" destOrd="1" presId="urn:microsoft.com/office/officeart/2005/8/layout/list1"/>
-    <dgm:cxn modelId="{51A09312-1094-4ACB-A8A5-CA77E5A1E91F}" srcId="{04ACDEC6-2E1D-4577-928B-576B340FC494}" destId="{98AB5D0E-EC9D-49BA-BE45-66A15B972B04}" srcOrd="1" destOrd="0" parTransId="{26000FA9-B472-4A0A-8AE1-7CE7BBF43084}" sibTransId="{FEEAABC1-F90F-4A1F-8FA6-499819ED33D8}"/>
     <dgm:cxn modelId="{9CD73833-C80D-474D-92FF-87008B408AE9}" srcId="{0023FA54-F2AC-4BFE-B02B-B1217E5FCEAA}" destId="{C788C505-B754-4535-9A1F-45F1A218B50D}" srcOrd="2" destOrd="0" parTransId="{4CCCF1A3-00B0-481F-A7E8-24B76C60DE7C}" sibTransId="{1279979D-0384-4E93-B3CA-27E8DE263CFF}"/>
+    <dgm:cxn modelId="{2D29435C-38F1-4639-93C5-45317C474B48}" type="presOf" srcId="{4C0EB1B6-EDF5-4754-BA48-C412D3CB7546}" destId="{1460DB8C-1AAA-4F03-AD68-8078900E1328}" srcOrd="1" destOrd="0" presId="urn:microsoft.com/office/officeart/2005/8/layout/list1"/>
+    <dgm:cxn modelId="{B345C85C-A190-4534-B00A-BD423F5513AC}" srcId="{4C0EB1B6-EDF5-4754-BA48-C412D3CB7546}" destId="{9B3F678D-8E86-492B-997D-4997C9D1C167}" srcOrd="1" destOrd="0" parTransId="{3E34A7CB-538E-40FC-B205-32334F3511F4}" sibTransId="{B8372D1E-1D02-4595-B4A3-A0282F370FFB}"/>
     <dgm:cxn modelId="{18FD3B5F-479C-4F92-971E-EB77FCE2E033}" type="presOf" srcId="{C788C505-B754-4535-9A1F-45F1A218B50D}" destId="{B8E1D9EB-D5D8-4695-9728-32EB4BC6D544}" srcOrd="0" destOrd="2" presId="urn:microsoft.com/office/officeart/2005/8/layout/list1"/>
     <dgm:cxn modelId="{CDE85D47-6268-4937-9F26-5E3ECA658C17}" srcId="{0023FA54-F2AC-4BFE-B02B-B1217E5FCEAA}" destId="{96F44407-3FB4-4CC5-BC6F-912B1010378D}" srcOrd="0" destOrd="0" parTransId="{4A88F9C1-5063-43EE-85B4-84514FC1A922}" sibTransId="{390BA2F3-D3A5-45BC-8053-667993FAF168}"/>
     <dgm:cxn modelId="{1247754A-B34C-4A2C-A8EF-CF0881A0ABCF}" type="presOf" srcId="{96F44407-3FB4-4CC5-BC6F-912B1010378D}" destId="{B8E1D9EB-D5D8-4695-9728-32EB4BC6D544}" srcOrd="0" destOrd="0" presId="urn:microsoft.com/office/officeart/2005/8/layout/list1"/>
-    <dgm:cxn modelId="{30229B72-972C-4CA9-B650-BFCB224F8F63}" type="presOf" srcId="{04ACDEC6-2E1D-4577-928B-576B340FC494}" destId="{507BE923-2EE1-4ED5-ACDB-A9495EFC0269}" srcOrd="1" destOrd="0" presId="urn:microsoft.com/office/officeart/2005/8/layout/list1"/>
+    <dgm:cxn modelId="{95FBC557-0DC1-4F9C-9E32-0EBE46FE75AC}" type="presOf" srcId="{09A567DE-DF37-4FA1-B6AC-8E5383BB5487}" destId="{E9A532D1-9CA9-4AF0-B1BE-CC42E74B7E11}" srcOrd="0" destOrd="0" presId="urn:microsoft.com/office/officeart/2005/8/layout/list1"/>
     <dgm:cxn modelId="{2386A87A-F485-45A2-9989-DDCC24A02B34}" type="presOf" srcId="{A4C8FED9-B51A-4D05-971A-DB5EE6202D2B}" destId="{B8E1D9EB-D5D8-4695-9728-32EB4BC6D544}" srcOrd="0" destOrd="1" presId="urn:microsoft.com/office/officeart/2005/8/layout/list1"/>
     <dgm:cxn modelId="{95E67F7B-EA33-4189-B45E-A23CBDADD20C}" type="presOf" srcId="{0023FA54-F2AC-4BFE-B02B-B1217E5FCEAA}" destId="{D7198750-89F1-4C9E-9E92-1736DECA1699}" srcOrd="0" destOrd="0" presId="urn:microsoft.com/office/officeart/2005/8/layout/list1"/>
+    <dgm:cxn modelId="{4F925C81-A3AB-46D7-AF33-0FF45568F4F3}" srcId="{3FA26E6B-82DA-40C4-A8E6-AA2B12D98E4A}" destId="{4C0EB1B6-EDF5-4754-BA48-C412D3CB7546}" srcOrd="0" destOrd="0" parTransId="{7FCD2E50-81FB-4B69-BC76-75EC34FFB4F9}" sibTransId="{E54A1761-1747-46A4-9B45-56945655055E}"/>
     <dgm:cxn modelId="{011B6082-F1A9-4457-A5A1-1F0C7F40F8B4}" type="presOf" srcId="{0023FA54-F2AC-4BFE-B02B-B1217E5FCEAA}" destId="{74007E0E-CDA0-483E-B492-EBB9085A590A}" srcOrd="1" destOrd="0" presId="urn:microsoft.com/office/officeart/2005/8/layout/list1"/>
-    <dgm:cxn modelId="{451E6F8F-9797-4FFF-84F1-93802CFAC33A}" srcId="{0023FA54-F2AC-4BFE-B02B-B1217E5FCEAA}" destId="{186CCFA6-6212-423B-8BC8-3B05191917B4}" srcOrd="4" destOrd="0" parTransId="{7BF48CDC-961E-478A-AE76-0C0C9CBAB8B0}" sibTransId="{187174B3-6BE4-455D-830F-E65A9E5EEE56}"/>
-    <dgm:cxn modelId="{6FDDDA9F-5D79-445E-A53D-D157FBDDEB5E}" type="presOf" srcId="{04ACDEC6-2E1D-4577-928B-576B340FC494}" destId="{9DECB2EC-2C8B-4110-B77C-FB1ECD23E418}" srcOrd="0" destOrd="0" presId="urn:microsoft.com/office/officeart/2005/8/layout/list1"/>
-    <dgm:cxn modelId="{30AC3AA7-737A-49E5-9853-D52EC6D28181}" srcId="{3FA26E6B-82DA-40C4-A8E6-AA2B12D98E4A}" destId="{0023FA54-F2AC-4BFE-B02B-B1217E5FCEAA}" srcOrd="0" destOrd="0" parTransId="{41D778EF-1BDE-4FC4-83CD-876F05A10D7B}" sibTransId="{711021D9-943E-4836-A55D-2CB1066B3902}"/>
-    <dgm:cxn modelId="{A88407B3-54C8-4CE8-AD6F-2085052BEE27}" srcId="{04ACDEC6-2E1D-4577-928B-576B340FC494}" destId="{6BA88192-0050-4256-AEE6-72023212E61A}" srcOrd="0" destOrd="0" parTransId="{266385DB-B347-447E-B6E3-76DE7D0914E6}" sibTransId="{8A6CDE0E-26EE-48E6-8956-31AC8B3142F8}"/>
+    <dgm:cxn modelId="{6FAB3384-173E-43DD-B1F4-6427F3BA483F}" type="presOf" srcId="{4C0EB1B6-EDF5-4754-BA48-C412D3CB7546}" destId="{F0D66023-FE9A-48CE-9018-B0D294067BEC}" srcOrd="0" destOrd="0" presId="urn:microsoft.com/office/officeart/2005/8/layout/list1"/>
+    <dgm:cxn modelId="{344C0893-5FA7-4A71-B153-101BDCF179D5}" type="presOf" srcId="{9B3F678D-8E86-492B-997D-4997C9D1C167}" destId="{E9A532D1-9CA9-4AF0-B1BE-CC42E74B7E11}" srcOrd="0" destOrd="1" presId="urn:microsoft.com/office/officeart/2005/8/layout/list1"/>
+    <dgm:cxn modelId="{30AC3AA7-737A-49E5-9853-D52EC6D28181}" srcId="{3FA26E6B-82DA-40C4-A8E6-AA2B12D98E4A}" destId="{0023FA54-F2AC-4BFE-B02B-B1217E5FCEAA}" srcOrd="1" destOrd="0" parTransId="{41D778EF-1BDE-4FC4-83CD-876F05A10D7B}" sibTransId="{711021D9-943E-4836-A55D-2CB1066B3902}"/>
+    <dgm:cxn modelId="{307837B4-37FD-4576-B3B1-5AE625329802}" srcId="{4C0EB1B6-EDF5-4754-BA48-C412D3CB7546}" destId="{09A567DE-DF37-4FA1-B6AC-8E5383BB5487}" srcOrd="0" destOrd="0" parTransId="{B172BE1C-E821-4B24-A765-6160B00C154F}" sibTransId="{0B6028EC-C523-4587-B106-F1B6DA86D6EC}"/>
     <dgm:cxn modelId="{73D7DFB7-866C-44DC-B3E8-34AA3EF87EB0}" type="presOf" srcId="{A1776522-ED34-4ED6-99EB-9C208605B1C4}" destId="{B8E1D9EB-D5D8-4695-9728-32EB4BC6D544}" srcOrd="0" destOrd="3" presId="urn:microsoft.com/office/officeart/2005/8/layout/list1"/>
-    <dgm:cxn modelId="{C1EAE6C3-5281-4849-8882-9B8A8493C7F2}" type="presOf" srcId="{6BA88192-0050-4256-AEE6-72023212E61A}" destId="{8F93D540-17BF-4CFF-8DF4-651B029F6C68}" srcOrd="0" destOrd="0" presId="urn:microsoft.com/office/officeart/2005/8/layout/list1"/>
     <dgm:cxn modelId="{A17836CC-256B-41AE-A28D-43394E4C90CA}" srcId="{0023FA54-F2AC-4BFE-B02B-B1217E5FCEAA}" destId="{A4C8FED9-B51A-4D05-971A-DB5EE6202D2B}" srcOrd="1" destOrd="0" parTransId="{F15BF3EE-1DF3-4E57-8F9C-0EF9C6849094}" sibTransId="{E59F7994-BB5D-4AC9-8ADF-13B0A19B345C}"/>
-    <dgm:cxn modelId="{979C85CC-E6E9-4D2F-B328-0327A1EF5787}" srcId="{3FA26E6B-82DA-40C4-A8E6-AA2B12D98E4A}" destId="{04ACDEC6-2E1D-4577-928B-576B340FC494}" srcOrd="1" destOrd="0" parTransId="{8053C4A1-93CC-43F1-8257-18E8D6138CFB}" sibTransId="{18AFCEF4-BA22-4EEC-AC6A-C0C7DE747164}"/>
     <dgm:cxn modelId="{C47F9AE0-C435-49FE-8A26-ABC240751BA0}" srcId="{0023FA54-F2AC-4BFE-B02B-B1217E5FCEAA}" destId="{A1776522-ED34-4ED6-99EB-9C208605B1C4}" srcOrd="3" destOrd="0" parTransId="{79C8827C-453F-4086-8082-5265F93C93F8}" sibTransId="{21C2503C-A8BD-4CCC-BF02-FCECDF744E48}"/>
     <dgm:cxn modelId="{CC7CD5F5-FD34-4D07-B26A-E5BE02E2E715}" type="presOf" srcId="{3FA26E6B-82DA-40C4-A8E6-AA2B12D98E4A}" destId="{09D7F407-6AE8-4677-BA93-C910620CD7D4}" srcOrd="0" destOrd="0" presId="urn:microsoft.com/office/officeart/2005/8/layout/list1"/>
-    <dgm:cxn modelId="{3C85FD8A-F836-46D8-849C-9C2B11E7E0AA}" type="presParOf" srcId="{09D7F407-6AE8-4677-BA93-C910620CD7D4}" destId="{2672DA21-74B2-4AE1-8ECA-569727381DD2}" srcOrd="0" destOrd="0" presId="urn:microsoft.com/office/officeart/2005/8/layout/list1"/>
+    <dgm:cxn modelId="{3ADD232D-414E-4D77-9529-7581BA93561E}" type="presParOf" srcId="{09D7F407-6AE8-4677-BA93-C910620CD7D4}" destId="{D7AC9357-3E4E-4BA7-A231-6BD3959BEEB7}" srcOrd="0" destOrd="0" presId="urn:microsoft.com/office/officeart/2005/8/layout/list1"/>
+    <dgm:cxn modelId="{89851F69-4F0A-4F8E-9B94-0A6275312039}" type="presParOf" srcId="{D7AC9357-3E4E-4BA7-A231-6BD3959BEEB7}" destId="{F0D66023-FE9A-48CE-9018-B0D294067BEC}" srcOrd="0" destOrd="0" presId="urn:microsoft.com/office/officeart/2005/8/layout/list1"/>
+    <dgm:cxn modelId="{61188AAF-4C62-4E96-8BA4-C2C5DBA08DD1}" type="presParOf" srcId="{D7AC9357-3E4E-4BA7-A231-6BD3959BEEB7}" destId="{1460DB8C-1AAA-4F03-AD68-8078900E1328}" srcOrd="1" destOrd="0" presId="urn:microsoft.com/office/officeart/2005/8/layout/list1"/>
+    <dgm:cxn modelId="{32BBBCAE-5DE1-4764-A63A-9ACFB06B973C}" type="presParOf" srcId="{09D7F407-6AE8-4677-BA93-C910620CD7D4}" destId="{9EA36F56-09E5-4F31-9978-A235DBA82F19}" srcOrd="1" destOrd="0" presId="urn:microsoft.com/office/officeart/2005/8/layout/list1"/>
+    <dgm:cxn modelId="{67E2ADC4-E023-464F-B000-2B29E6AE40DB}" type="presParOf" srcId="{09D7F407-6AE8-4677-BA93-C910620CD7D4}" destId="{E9A532D1-9CA9-4AF0-B1BE-CC42E74B7E11}" srcOrd="2" destOrd="0" presId="urn:microsoft.com/office/officeart/2005/8/layout/list1"/>
+    <dgm:cxn modelId="{E31434FD-F413-4DC4-A523-FCBBBE0B8199}" type="presParOf" srcId="{09D7F407-6AE8-4677-BA93-C910620CD7D4}" destId="{3878D905-D8C7-4488-8B79-7C472680E9A4}" srcOrd="3" destOrd="0" presId="urn:microsoft.com/office/officeart/2005/8/layout/list1"/>
+    <dgm:cxn modelId="{3C85FD8A-F836-46D8-849C-9C2B11E7E0AA}" type="presParOf" srcId="{09D7F407-6AE8-4677-BA93-C910620CD7D4}" destId="{2672DA21-74B2-4AE1-8ECA-569727381DD2}" srcOrd="4" destOrd="0" presId="urn:microsoft.com/office/officeart/2005/8/layout/list1"/>
     <dgm:cxn modelId="{E8BE6A59-0631-46BD-A300-0ECDAC373C91}" type="presParOf" srcId="{2672DA21-74B2-4AE1-8ECA-569727381DD2}" destId="{D7198750-89F1-4C9E-9E92-1736DECA1699}" srcOrd="0" destOrd="0" presId="urn:microsoft.com/office/officeart/2005/8/layout/list1"/>
     <dgm:cxn modelId="{34EE4E91-CFA9-499C-BC05-B3A85C9285B5}" type="presParOf" srcId="{2672DA21-74B2-4AE1-8ECA-569727381DD2}" destId="{74007E0E-CDA0-483E-B492-EBB9085A590A}" srcOrd="1" destOrd="0" presId="urn:microsoft.com/office/officeart/2005/8/layout/list1"/>
-    <dgm:cxn modelId="{D36D00C1-7EF3-4F84-B9D2-CF90EB8636BD}" type="presParOf" srcId="{09D7F407-6AE8-4677-BA93-C910620CD7D4}" destId="{736E17B6-95E4-4727-A464-D14E9BEF7336}" srcOrd="1" destOrd="0" presId="urn:microsoft.com/office/officeart/2005/8/layout/list1"/>
-    <dgm:cxn modelId="{0C5AB7A6-EA81-45F5-A03D-17E195ECD072}" type="presParOf" srcId="{09D7F407-6AE8-4677-BA93-C910620CD7D4}" destId="{B8E1D9EB-D5D8-4695-9728-32EB4BC6D544}" srcOrd="2" destOrd="0" presId="urn:microsoft.com/office/officeart/2005/8/layout/list1"/>
-    <dgm:cxn modelId="{25ACC550-09C9-457F-9CB9-E4CF8C4387D3}" type="presParOf" srcId="{09D7F407-6AE8-4677-BA93-C910620CD7D4}" destId="{B3A44ABB-E630-4FAB-87FA-B6190C0693DB}" srcOrd="3" destOrd="0" presId="urn:microsoft.com/office/officeart/2005/8/layout/list1"/>
-    <dgm:cxn modelId="{3394C1A4-F1E5-48DB-A7A7-2F7CD9A1033D}" type="presParOf" srcId="{09D7F407-6AE8-4677-BA93-C910620CD7D4}" destId="{D8156019-B035-44C4-88FA-D1EF46840EC7}" srcOrd="4" destOrd="0" presId="urn:microsoft.com/office/officeart/2005/8/layout/list1"/>
-    <dgm:cxn modelId="{7E5B4B96-C51C-43CE-B6B6-BE810B5408EA}" type="presParOf" srcId="{D8156019-B035-44C4-88FA-D1EF46840EC7}" destId="{9DECB2EC-2C8B-4110-B77C-FB1ECD23E418}" srcOrd="0" destOrd="0" presId="urn:microsoft.com/office/officeart/2005/8/layout/list1"/>
-    <dgm:cxn modelId="{626ADDA2-1170-445F-AE2D-DD2325DAD3A5}" type="presParOf" srcId="{D8156019-B035-44C4-88FA-D1EF46840EC7}" destId="{507BE923-2EE1-4ED5-ACDB-A9495EFC0269}" srcOrd="1" destOrd="0" presId="urn:microsoft.com/office/officeart/2005/8/layout/list1"/>
-    <dgm:cxn modelId="{EBB8B345-8BFA-4240-B223-0ABE54C034A6}" type="presParOf" srcId="{09D7F407-6AE8-4677-BA93-C910620CD7D4}" destId="{856F7F91-A981-44CD-802E-31B00CA2BA14}" srcOrd="5" destOrd="0" presId="urn:microsoft.com/office/officeart/2005/8/layout/list1"/>
-    <dgm:cxn modelId="{C2F0404E-DBAE-4F52-B7ED-2412120233BB}" type="presParOf" srcId="{09D7F407-6AE8-4677-BA93-C910620CD7D4}" destId="{8F93D540-17BF-4CFF-8DF4-651B029F6C68}" srcOrd="6" destOrd="0" presId="urn:microsoft.com/office/officeart/2005/8/layout/list1"/>
+    <dgm:cxn modelId="{D36D00C1-7EF3-4F84-B9D2-CF90EB8636BD}" type="presParOf" srcId="{09D7F407-6AE8-4677-BA93-C910620CD7D4}" destId="{736E17B6-95E4-4727-A464-D14E9BEF7336}" srcOrd="5" destOrd="0" presId="urn:microsoft.com/office/officeart/2005/8/layout/list1"/>
+    <dgm:cxn modelId="{0C5AB7A6-EA81-45F5-A03D-17E195ECD072}" type="presParOf" srcId="{09D7F407-6AE8-4677-BA93-C910620CD7D4}" destId="{B8E1D9EB-D5D8-4695-9728-32EB4BC6D544}" srcOrd="6" destOrd="0" presId="urn:microsoft.com/office/officeart/2005/8/layout/list1"/>
   </dgm:cxnLst>
   <dgm:bg/>
   <dgm:whole/>
   <dgm:extLst>
     <a:ext uri="http://schemas.microsoft.com/office/drawing/2008/diagram">
-      <dsp:dataModelExt xmlns:dsp="http://schemas.microsoft.com/office/drawing/2008/diagram" relId="rId6" minVer="http://schemas.openxmlformats.org/drawingml/2006/diagram"/>
+      <dsp:dataModelExt xmlns:dsp="http://schemas.microsoft.com/office/drawing/2008/diagram" relId="rId7" minVer="http://schemas.openxmlformats.org/drawingml/2006/diagram"/>
     </a:ext>
   </dgm:extLst>
 </dgm:dataModel>
@@ -2813,15 +3103,15 @@
       <dsp:cNvGrpSpPr/>
     </dsp:nvGrpSpPr>
     <dsp:grpSpPr/>
-    <dsp:sp modelId="{B8E1D9EB-D5D8-4695-9728-32EB4BC6D544}">
+    <dsp:sp modelId="{E9A532D1-9CA9-4AF0-B1BE-CC42E74B7E11}">
       <dsp:nvSpPr>
         <dsp:cNvPr id="0" name=""/>
         <dsp:cNvSpPr/>
       </dsp:nvSpPr>
       <dsp:spPr>
         <a:xfrm>
-          <a:off x="0" y="367349"/>
-          <a:ext cx="5676900" cy="3150000"/>
+          <a:off x="0" y="415837"/>
+          <a:ext cx="5676900" cy="1488374"/>
         </a:xfrm>
         <a:prstGeom prst="rect">
           <a:avLst/>
@@ -2862,12 +3152,12 @@
         <a:fontRef idx="minor"/>
       </dsp:style>
       <dsp:txBody>
-        <a:bodyPr spcFirstLastPara="0" vert="horz" wrap="square" lIns="440591" tIns="416560" rIns="440591" bIns="142240" numCol="1" spcCol="1270" anchor="t" anchorCtr="0">
+        <a:bodyPr spcFirstLastPara="0" vert="horz" wrap="square" lIns="440591" tIns="437388" rIns="440591" bIns="149352" numCol="1" spcCol="1270" anchor="t" anchorCtr="0">
           <a:noAutofit/>
         </a:bodyPr>
         <a:lstStyle/>
         <a:p>
-          <a:pPr marL="228600" lvl="1" indent="-228600" algn="l" defTabSz="889000">
+          <a:pPr marL="228600" lvl="1" indent="-228600" algn="l" defTabSz="933450">
             <a:lnSpc>
               <a:spcPct val="90000"/>
             </a:lnSpc>
@@ -2880,12 +3170,13 @@
             <a:buChar char="•"/>
           </a:pPr>
           <a:r>
-            <a:rPr lang="en-US" sz="2000" kern="1200"/>
-            <a:t>r/politics and r/news: two largest general political subreddits</a:t>
+            <a:rPr lang="en-US" sz="2100" kern="1200"/>
+            <a:t>Presidential approval data from 40+ different pollsters</a:t>
           </a:r>
+          <a:endParaRPr lang="en-US" sz="2100" kern="1200" dirty="0"/>
         </a:p>
         <a:p>
-          <a:pPr marL="228600" lvl="1" indent="-228600" algn="l" defTabSz="889000">
+          <a:pPr marL="228600" lvl="1" indent="-228600" algn="l" defTabSz="933450">
             <a:lnSpc>
               <a:spcPct val="90000"/>
             </a:lnSpc>
@@ -2898,84 +3189,25 @@
             <a:buChar char="•"/>
           </a:pPr>
           <a:r>
-            <a:rPr lang="en-US" sz="2000" kern="1200"/>
-            <a:t>r/Conservative and r/Libertarian: two largest right-leaning subreddits</a:t>
+            <a:rPr lang="en-US" sz="2100" kern="1200" dirty="0"/>
+            <a:t>Date range: Jan 23 – Sept 15, 2021</a:t>
           </a:r>
-        </a:p>
-        <a:p>
-          <a:pPr marL="228600" lvl="1" indent="-228600" algn="l" defTabSz="889000">
-            <a:lnSpc>
-              <a:spcPct val="90000"/>
-            </a:lnSpc>
-            <a:spcBef>
-              <a:spcPct val="0"/>
-            </a:spcBef>
-            <a:spcAft>
-              <a:spcPct val="15000"/>
-            </a:spcAft>
-            <a:buChar char="•"/>
-          </a:pPr>
-          <a:r>
-            <a:rPr lang="en-US" sz="2000" kern="1200" dirty="0"/>
-            <a:t>r/democrats and r/Liberal: two largest left-leaning subreddits</a:t>
-          </a:r>
-        </a:p>
-        <a:p>
-          <a:pPr marL="228600" lvl="1" indent="-228600" algn="l" defTabSz="889000">
-            <a:lnSpc>
-              <a:spcPct val="90000"/>
-            </a:lnSpc>
-            <a:spcBef>
-              <a:spcPct val="0"/>
-            </a:spcBef>
-            <a:spcAft>
-              <a:spcPct val="15000"/>
-            </a:spcAft>
-            <a:buChar char="•"/>
-          </a:pPr>
-          <a:r>
-            <a:rPr lang="en-US" sz="2000" kern="1200" dirty="0"/>
-            <a:t>500k+ comments from about 134k authors</a:t>
-          </a:r>
-        </a:p>
-        <a:p>
-          <a:pPr marL="228600" lvl="1" indent="-228600" algn="l" defTabSz="889000">
-            <a:lnSpc>
-              <a:spcPct val="90000"/>
-            </a:lnSpc>
-            <a:spcBef>
-              <a:spcPct val="0"/>
-            </a:spcBef>
-            <a:spcAft>
-              <a:spcPct val="15000"/>
-            </a:spcAft>
-            <a:buChar char="•"/>
-          </a:pPr>
-          <a:r>
-            <a:rPr lang="en-US" sz="2000" kern="1200" dirty="0"/>
-            <a:t>Sentiment analysis using </a:t>
-          </a:r>
-          <a:r>
-            <a:rPr lang="en-US" sz="2000" kern="1200" dirty="0" err="1"/>
-            <a:t>TextBlob</a:t>
-          </a:r>
-          <a:endParaRPr lang="en-US" sz="2000" kern="1200" dirty="0"/>
         </a:p>
       </dsp:txBody>
       <dsp:txXfrm>
-        <a:off x="0" y="367349"/>
-        <a:ext cx="5676900" cy="3150000"/>
+        <a:off x="0" y="415837"/>
+        <a:ext cx="5676900" cy="1488374"/>
       </dsp:txXfrm>
     </dsp:sp>
-    <dsp:sp modelId="{74007E0E-CDA0-483E-B492-EBB9085A590A}">
+    <dsp:sp modelId="{1460DB8C-1AAA-4F03-AD68-8078900E1328}">
       <dsp:nvSpPr>
         <dsp:cNvPr id="0" name=""/>
         <dsp:cNvSpPr/>
       </dsp:nvSpPr>
       <dsp:spPr>
         <a:xfrm>
-          <a:off x="283845" y="72149"/>
-          <a:ext cx="3973830" cy="590400"/>
+          <a:off x="283845" y="105877"/>
+          <a:ext cx="3973830" cy="619920"/>
         </a:xfrm>
         <a:prstGeom prst="roundRect">
           <a:avLst/>
@@ -3022,7 +3254,7 @@
         </a:bodyPr>
         <a:lstStyle/>
         <a:p>
-          <a:pPr marL="0" lvl="0" indent="0" algn="l" defTabSz="889000">
+          <a:pPr marL="0" lvl="0" indent="0" algn="l" defTabSz="933450">
             <a:lnSpc>
               <a:spcPct val="90000"/>
             </a:lnSpc>
@@ -3035,25 +3267,25 @@
             <a:buNone/>
           </a:pPr>
           <a:r>
-            <a:rPr lang="en-US" sz="2000" kern="1200"/>
-            <a:t>Reddit:</a:t>
+            <a:rPr lang="en-US" sz="2100" kern="1200" dirty="0"/>
+            <a:t>Poll Data from FiveThirtyEight:</a:t>
           </a:r>
         </a:p>
       </dsp:txBody>
       <dsp:txXfrm>
-        <a:off x="312666" y="100970"/>
-        <a:ext cx="3916188" cy="532758"/>
+        <a:off x="314107" y="136139"/>
+        <a:ext cx="3913306" cy="559396"/>
       </dsp:txXfrm>
     </dsp:sp>
-    <dsp:sp modelId="{8F93D540-17BF-4CFF-8DF4-651B029F6C68}">
+    <dsp:sp modelId="{B8E1D9EB-D5D8-4695-9728-32EB4BC6D544}">
       <dsp:nvSpPr>
         <dsp:cNvPr id="0" name=""/>
         <dsp:cNvSpPr/>
       </dsp:nvSpPr>
       <dsp:spPr>
         <a:xfrm>
-          <a:off x="0" y="3920550"/>
-          <a:ext cx="5676900" cy="1417500"/>
+          <a:off x="0" y="2327572"/>
+          <a:ext cx="5676900" cy="2976749"/>
         </a:xfrm>
         <a:prstGeom prst="rect">
           <a:avLst/>
@@ -3094,12 +3326,12 @@
         <a:fontRef idx="minor"/>
       </dsp:style>
       <dsp:txBody>
-        <a:bodyPr spcFirstLastPara="0" vert="horz" wrap="square" lIns="440591" tIns="416560" rIns="440591" bIns="142240" numCol="1" spcCol="1270" anchor="t" anchorCtr="0">
+        <a:bodyPr spcFirstLastPara="0" vert="horz" wrap="square" lIns="440591" tIns="437388" rIns="440591" bIns="149352" numCol="1" spcCol="1270" anchor="t" anchorCtr="0">
           <a:noAutofit/>
         </a:bodyPr>
         <a:lstStyle/>
         <a:p>
-          <a:pPr marL="228600" lvl="1" indent="-228600" algn="l" defTabSz="889000">
+          <a:pPr marL="228600" lvl="1" indent="-228600" algn="l" defTabSz="933450">
             <a:lnSpc>
               <a:spcPct val="90000"/>
             </a:lnSpc>
@@ -3112,12 +3344,12 @@
             <a:buChar char="•"/>
           </a:pPr>
           <a:r>
-            <a:rPr lang="en-US" sz="2000" kern="1200"/>
-            <a:t>Presidential approval data from 40+ different pollsters</a:t>
+            <a:rPr lang="en-US" sz="2100" kern="1200"/>
+            <a:t>r/politics and r/news: two largest general political subreddits</a:t>
           </a:r>
         </a:p>
         <a:p>
-          <a:pPr marL="228600" lvl="1" indent="-228600" algn="l" defTabSz="889000">
+          <a:pPr marL="228600" lvl="1" indent="-228600" algn="l" defTabSz="933450">
             <a:lnSpc>
               <a:spcPct val="90000"/>
             </a:lnSpc>
@@ -3130,25 +3362,61 @@
             <a:buChar char="•"/>
           </a:pPr>
           <a:r>
-            <a:rPr lang="en-US" sz="2000" kern="1200"/>
-            <a:t>Date range: Jan 23 – Sept 15, 2021</a:t>
+            <a:rPr lang="en-US" sz="2100" kern="1200"/>
+            <a:t>r/Conservative and r/Libertarian: two largest right-leaning subreddits</a:t>
+          </a:r>
+        </a:p>
+        <a:p>
+          <a:pPr marL="228600" lvl="1" indent="-228600" algn="l" defTabSz="933450">
+            <a:lnSpc>
+              <a:spcPct val="90000"/>
+            </a:lnSpc>
+            <a:spcBef>
+              <a:spcPct val="0"/>
+            </a:spcBef>
+            <a:spcAft>
+              <a:spcPct val="15000"/>
+            </a:spcAft>
+            <a:buChar char="•"/>
+          </a:pPr>
+          <a:r>
+            <a:rPr lang="en-US" sz="2100" kern="1200" dirty="0"/>
+            <a:t>r/democrats and r/Liberal: two largest left-leaning subreddits</a:t>
+          </a:r>
+        </a:p>
+        <a:p>
+          <a:pPr marL="228600" lvl="1" indent="-228600" algn="l" defTabSz="933450">
+            <a:lnSpc>
+              <a:spcPct val="90000"/>
+            </a:lnSpc>
+            <a:spcBef>
+              <a:spcPct val="0"/>
+            </a:spcBef>
+            <a:spcAft>
+              <a:spcPct val="15000"/>
+            </a:spcAft>
+            <a:buChar char="•"/>
+          </a:pPr>
+          <a:r>
+            <a:rPr lang="en-US" sz="2100" kern="1200" dirty="0"/>
+            <a:t>500k+ comments from about 134k author</a:t>
           </a:r>
         </a:p>
       </dsp:txBody>
       <dsp:txXfrm>
-        <a:off x="0" y="3920550"/>
-        <a:ext cx="5676900" cy="1417500"/>
+        <a:off x="0" y="2327572"/>
+        <a:ext cx="5676900" cy="2976749"/>
       </dsp:txXfrm>
     </dsp:sp>
-    <dsp:sp modelId="{507BE923-2EE1-4ED5-ACDB-A9495EFC0269}">
+    <dsp:sp modelId="{74007E0E-CDA0-483E-B492-EBB9085A590A}">
       <dsp:nvSpPr>
         <dsp:cNvPr id="0" name=""/>
         <dsp:cNvSpPr/>
       </dsp:nvSpPr>
       <dsp:spPr>
         <a:xfrm>
-          <a:off x="283845" y="3625350"/>
-          <a:ext cx="3973830" cy="590400"/>
+          <a:off x="283845" y="2017612"/>
+          <a:ext cx="3973830" cy="619920"/>
         </a:xfrm>
         <a:prstGeom prst="roundRect">
           <a:avLst/>
@@ -3195,7 +3463,7 @@
         </a:bodyPr>
         <a:lstStyle/>
         <a:p>
-          <a:pPr marL="0" lvl="0" indent="0" algn="l" defTabSz="889000">
+          <a:pPr marL="0" lvl="0" indent="0" algn="l" defTabSz="933450">
             <a:lnSpc>
               <a:spcPct val="90000"/>
             </a:lnSpc>
@@ -3208,14 +3476,14 @@
             <a:buNone/>
           </a:pPr>
           <a:r>
-            <a:rPr lang="en-US" sz="2000" kern="1200"/>
-            <a:t>Poll Data from FiveThirtyEight:</a:t>
+            <a:rPr lang="en-US" sz="2100" kern="1200" dirty="0"/>
+            <a:t>Reddit:</a:t>
           </a:r>
         </a:p>
       </dsp:txBody>
       <dsp:txXfrm>
-        <a:off x="312666" y="3654171"/>
-        <a:ext cx="3916188" cy="532758"/>
+        <a:off x="314107" y="2047874"/>
+        <a:ext cx="3913306" cy="559396"/>
       </dsp:txXfrm>
     </dsp:sp>
   </dsp:spTree>
@@ -4563,7 +4831,7 @@
           <a:p>
             <a:fld id="{ECCA41D5-5D45-4901-9C9F-219E6014EC26}" type="datetimeFigureOut">
               <a:rPr lang="en-US" smtClean="0"/>
-              <a:t>10/11/2021</a:t>
+              <a:t>10/12/2021</a:t>
             </a:fld>
             <a:endParaRPr lang="en-US"/>
           </a:p>
@@ -4874,10 +5142,7 @@
           <a:bodyPr/>
           <a:lstStyle/>
           <a:p>
-            <a:r>
-              <a:rPr lang="en-US" dirty="0"/>
-              <a:t>The issue of political polarization on social media is frequently discussed but can be challenging to quantify. </a:t>
-            </a:r>
+            <a:endParaRPr lang="en-US" dirty="0"/>
           </a:p>
         </p:txBody>
       </p:sp>
@@ -4898,7 +5163,7 @@
           <a:p>
             <a:fld id="{E0215937-6A9A-48B7-8C95-B7F6CA68488A}" type="slidenum">
               <a:rPr lang="en-US" smtClean="0"/>
-              <a:t>2</a:t>
+              <a:t>1</a:t>
             </a:fld>
             <a:endParaRPr lang="en-US"/>
           </a:p>
@@ -4907,7 +5172,265 @@
     </p:spTree>
     <p:extLst>
       <p:ext uri="{BB962C8B-B14F-4D97-AF65-F5344CB8AC3E}">
-        <p14:creationId xmlns:p14="http://schemas.microsoft.com/office/powerpoint/2010/main" val="2520107187"/>
+        <p14:creationId xmlns:p14="http://schemas.microsoft.com/office/powerpoint/2010/main" val="1649758179"/>
+      </p:ext>
+    </p:extLst>
+  </p:cSld>
+  <p:clrMapOvr>
+    <a:masterClrMapping/>
+  </p:clrMapOvr>
+</p:notes>
+</file>
+
+<file path=ppt/notesSlides/notesSlide10.xml><?xml version="1.0" encoding="utf-8"?>
+<p:notes xmlns:a="http://schemas.openxmlformats.org/drawingml/2006/main" xmlns:r="http://schemas.openxmlformats.org/officeDocument/2006/relationships" xmlns:p="http://schemas.openxmlformats.org/presentationml/2006/main">
+  <p:cSld>
+    <p:spTree>
+      <p:nvGrpSpPr>
+        <p:cNvPr id="1" name=""/>
+        <p:cNvGrpSpPr/>
+        <p:nvPr/>
+      </p:nvGrpSpPr>
+      <p:grpSpPr>
+        <a:xfrm>
+          <a:off x="0" y="0"/>
+          <a:ext cx="0" cy="0"/>
+          <a:chOff x="0" y="0"/>
+          <a:chExt cx="0" cy="0"/>
+        </a:xfrm>
+      </p:grpSpPr>
+      <p:sp>
+        <p:nvSpPr>
+          <p:cNvPr id="2" name="Slide Image Placeholder 1"/>
+          <p:cNvSpPr>
+            <a:spLocks noGrp="1" noRot="1" noChangeAspect="1"/>
+          </p:cNvSpPr>
+          <p:nvPr>
+            <p:ph type="sldImg"/>
+          </p:nvPr>
+        </p:nvSpPr>
+        <p:spPr/>
+      </p:sp>
+      <p:sp>
+        <p:nvSpPr>
+          <p:cNvPr id="3" name="Notes Placeholder 2"/>
+          <p:cNvSpPr>
+            <a:spLocks noGrp="1"/>
+          </p:cNvSpPr>
+          <p:nvPr>
+            <p:ph type="body" idx="1"/>
+          </p:nvPr>
+        </p:nvSpPr>
+        <p:spPr/>
+        <p:txBody>
+          <a:bodyPr/>
+          <a:lstStyle/>
+          <a:p>
+            <a:r>
+              <a:rPr lang="en-US" dirty="0"/>
+              <a:t>Across all the models I fit, the r-squared is abysmally low—and even negative in some cases – which indicates that there is little to no relationship between our reddit comments and presidential approval ratings</a:t>
+            </a:r>
+          </a:p>
+        </p:txBody>
+      </p:sp>
+      <p:sp>
+        <p:nvSpPr>
+          <p:cNvPr id="4" name="Slide Number Placeholder 3"/>
+          <p:cNvSpPr>
+            <a:spLocks noGrp="1"/>
+          </p:cNvSpPr>
+          <p:nvPr>
+            <p:ph type="sldNum" sz="quarter" idx="5"/>
+          </p:nvPr>
+        </p:nvSpPr>
+        <p:spPr/>
+        <p:txBody>
+          <a:bodyPr/>
+          <a:lstStyle/>
+          <a:p>
+            <a:fld id="{E0215937-6A9A-48B7-8C95-B7F6CA68488A}" type="slidenum">
+              <a:rPr lang="en-US" smtClean="0"/>
+              <a:t>14</a:t>
+            </a:fld>
+            <a:endParaRPr lang="en-US"/>
+          </a:p>
+        </p:txBody>
+      </p:sp>
+    </p:spTree>
+    <p:extLst>
+      <p:ext uri="{BB962C8B-B14F-4D97-AF65-F5344CB8AC3E}">
+        <p14:creationId xmlns:p14="http://schemas.microsoft.com/office/powerpoint/2010/main" val="807423251"/>
+      </p:ext>
+    </p:extLst>
+  </p:cSld>
+  <p:clrMapOvr>
+    <a:masterClrMapping/>
+  </p:clrMapOvr>
+</p:notes>
+</file>
+
+<file path=ppt/notesSlides/notesSlide11.xml><?xml version="1.0" encoding="utf-8"?>
+<p:notes xmlns:a="http://schemas.openxmlformats.org/drawingml/2006/main" xmlns:r="http://schemas.openxmlformats.org/officeDocument/2006/relationships" xmlns:p="http://schemas.openxmlformats.org/presentationml/2006/main">
+  <p:cSld>
+    <p:spTree>
+      <p:nvGrpSpPr>
+        <p:cNvPr id="1" name=""/>
+        <p:cNvGrpSpPr/>
+        <p:nvPr/>
+      </p:nvGrpSpPr>
+      <p:grpSpPr>
+        <a:xfrm>
+          <a:off x="0" y="0"/>
+          <a:ext cx="0" cy="0"/>
+          <a:chOff x="0" y="0"/>
+          <a:chExt cx="0" cy="0"/>
+        </a:xfrm>
+      </p:grpSpPr>
+      <p:sp>
+        <p:nvSpPr>
+          <p:cNvPr id="2" name="Slide Image Placeholder 1"/>
+          <p:cNvSpPr>
+            <a:spLocks noGrp="1" noRot="1" noChangeAspect="1"/>
+          </p:cNvSpPr>
+          <p:nvPr>
+            <p:ph type="sldImg"/>
+          </p:nvPr>
+        </p:nvSpPr>
+        <p:spPr/>
+      </p:sp>
+      <p:sp>
+        <p:nvSpPr>
+          <p:cNvPr id="3" name="Notes Placeholder 2"/>
+          <p:cNvSpPr>
+            <a:spLocks noGrp="1"/>
+          </p:cNvSpPr>
+          <p:nvPr>
+            <p:ph type="body" idx="1"/>
+          </p:nvPr>
+        </p:nvSpPr>
+        <p:spPr/>
+        <p:txBody>
+          <a:bodyPr/>
+          <a:lstStyle/>
+          <a:p>
+            <a:r>
+              <a:rPr lang="en-US" dirty="0"/>
+              <a:t>Which can be seen even more clearly by plotting the actual approval ratings against the predicted approval ratings. If there was any sort of relationship between the two, we would expect to see the points resembling a diagonal line, but that doesn’t happen here.</a:t>
+            </a:r>
+          </a:p>
+        </p:txBody>
+      </p:sp>
+      <p:sp>
+        <p:nvSpPr>
+          <p:cNvPr id="4" name="Slide Number Placeholder 3"/>
+          <p:cNvSpPr>
+            <a:spLocks noGrp="1"/>
+          </p:cNvSpPr>
+          <p:nvPr>
+            <p:ph type="sldNum" sz="quarter" idx="5"/>
+          </p:nvPr>
+        </p:nvSpPr>
+        <p:spPr/>
+        <p:txBody>
+          <a:bodyPr/>
+          <a:lstStyle/>
+          <a:p>
+            <a:fld id="{E0215937-6A9A-48B7-8C95-B7F6CA68488A}" type="slidenum">
+              <a:rPr lang="en-US" smtClean="0"/>
+              <a:t>15</a:t>
+            </a:fld>
+            <a:endParaRPr lang="en-US"/>
+          </a:p>
+        </p:txBody>
+      </p:sp>
+    </p:spTree>
+    <p:extLst>
+      <p:ext uri="{BB962C8B-B14F-4D97-AF65-F5344CB8AC3E}">
+        <p14:creationId xmlns:p14="http://schemas.microsoft.com/office/powerpoint/2010/main" val="3394583735"/>
+      </p:ext>
+    </p:extLst>
+  </p:cSld>
+  <p:clrMapOvr>
+    <a:masterClrMapping/>
+  </p:clrMapOvr>
+</p:notes>
+</file>
+
+<file path=ppt/notesSlides/notesSlide12.xml><?xml version="1.0" encoding="utf-8"?>
+<p:notes xmlns:a="http://schemas.openxmlformats.org/drawingml/2006/main" xmlns:r="http://schemas.openxmlformats.org/officeDocument/2006/relationships" xmlns:p="http://schemas.openxmlformats.org/presentationml/2006/main">
+  <p:cSld>
+    <p:spTree>
+      <p:nvGrpSpPr>
+        <p:cNvPr id="1" name=""/>
+        <p:cNvGrpSpPr/>
+        <p:nvPr/>
+      </p:nvGrpSpPr>
+      <p:grpSpPr>
+        <a:xfrm>
+          <a:off x="0" y="0"/>
+          <a:ext cx="0" cy="0"/>
+          <a:chOff x="0" y="0"/>
+          <a:chExt cx="0" cy="0"/>
+        </a:xfrm>
+      </p:grpSpPr>
+      <p:sp>
+        <p:nvSpPr>
+          <p:cNvPr id="2" name="Slide Image Placeholder 1"/>
+          <p:cNvSpPr>
+            <a:spLocks noGrp="1" noRot="1" noChangeAspect="1"/>
+          </p:cNvSpPr>
+          <p:nvPr>
+            <p:ph type="sldImg"/>
+          </p:nvPr>
+        </p:nvSpPr>
+        <p:spPr/>
+      </p:sp>
+      <p:sp>
+        <p:nvSpPr>
+          <p:cNvPr id="3" name="Notes Placeholder 2"/>
+          <p:cNvSpPr>
+            <a:spLocks noGrp="1"/>
+          </p:cNvSpPr>
+          <p:nvPr>
+            <p:ph type="body" idx="1"/>
+          </p:nvPr>
+        </p:nvSpPr>
+        <p:spPr/>
+        <p:txBody>
+          <a:bodyPr/>
+          <a:lstStyle/>
+          <a:p>
+            <a:endParaRPr lang="en-US" dirty="0"/>
+          </a:p>
+        </p:txBody>
+      </p:sp>
+      <p:sp>
+        <p:nvSpPr>
+          <p:cNvPr id="4" name="Slide Number Placeholder 3"/>
+          <p:cNvSpPr>
+            <a:spLocks noGrp="1"/>
+          </p:cNvSpPr>
+          <p:nvPr>
+            <p:ph type="sldNum" sz="quarter" idx="5"/>
+          </p:nvPr>
+        </p:nvSpPr>
+        <p:spPr/>
+        <p:txBody>
+          <a:bodyPr/>
+          <a:lstStyle/>
+          <a:p>
+            <a:fld id="{E0215937-6A9A-48B7-8C95-B7F6CA68488A}" type="slidenum">
+              <a:rPr lang="en-US" smtClean="0"/>
+              <a:t>16</a:t>
+            </a:fld>
+            <a:endParaRPr lang="en-US"/>
+          </a:p>
+        </p:txBody>
+      </p:sp>
+    </p:spTree>
+    <p:extLst>
+      <p:ext uri="{BB962C8B-B14F-4D97-AF65-F5344CB8AC3E}">
+        <p14:creationId xmlns:p14="http://schemas.microsoft.com/office/powerpoint/2010/main" val="2525359674"/>
       </p:ext>
     </p:extLst>
   </p:cSld>
@@ -4961,7 +5484,10 @@
           <a:bodyPr/>
           <a:lstStyle/>
           <a:p>
-            <a:endParaRPr lang="en-US" dirty="0"/>
+            <a:r>
+              <a:rPr lang="en-US" dirty="0"/>
+              <a:t>The effect of social media on politics is a frequently discussed issue. Claims are often made by media outlets and regulators that social media is having a generally negative effect on political sentiment in the US—that social media creates “echo chambers” of like-minded people that lead to polarization and increasingly extreme views. Naturally, I was curious to see if this effect can be demonstrated. My first challenge was finding some sort of baseline statistic that indicates political sentiment in the US as a whole.</a:t>
+            </a:r>
           </a:p>
         </p:txBody>
       </p:sp>
@@ -4982,7 +5508,7 @@
           <a:p>
             <a:fld id="{E0215937-6A9A-48B7-8C95-B7F6CA68488A}" type="slidenum">
               <a:rPr lang="en-US" smtClean="0"/>
-              <a:t>6</a:t>
+              <a:t>2</a:t>
             </a:fld>
             <a:endParaRPr lang="en-US"/>
           </a:p>
@@ -4991,7 +5517,7 @@
     </p:spTree>
     <p:extLst>
       <p:ext uri="{BB962C8B-B14F-4D97-AF65-F5344CB8AC3E}">
-        <p14:creationId xmlns:p14="http://schemas.microsoft.com/office/powerpoint/2010/main" val="2674757280"/>
+        <p14:creationId xmlns:p14="http://schemas.microsoft.com/office/powerpoint/2010/main" val="2520107187"/>
       </p:ext>
     </p:extLst>
   </p:cSld>
@@ -5045,7 +5571,10 @@
           <a:bodyPr/>
           <a:lstStyle/>
           <a:p>
-            <a:endParaRPr lang="en-US" dirty="0"/>
+            <a:r>
+              <a:rPr lang="en-US" dirty="0"/>
+              <a:t>After considering a few different metrics, I decided to use presidential approval ratings. Approval rating polls have been the main way to measure political sentiment in the US for decades, and polling processes are generally robust enough that we can feel comfortable that we are seeing a representative sampling of viewpoints.</a:t>
+            </a:r>
           </a:p>
         </p:txBody>
       </p:sp>
@@ -5066,7 +5595,7 @@
           <a:p>
             <a:fld id="{E0215937-6A9A-48B7-8C95-B7F6CA68488A}" type="slidenum">
               <a:rPr lang="en-US" smtClean="0"/>
-              <a:t>7</a:t>
+              <a:t>3</a:t>
             </a:fld>
             <a:endParaRPr lang="en-US"/>
           </a:p>
@@ -5075,7 +5604,7 @@
     </p:spTree>
     <p:extLst>
       <p:ext uri="{BB962C8B-B14F-4D97-AF65-F5344CB8AC3E}">
-        <p14:creationId xmlns:p14="http://schemas.microsoft.com/office/powerpoint/2010/main" val="4246441074"/>
+        <p14:creationId xmlns:p14="http://schemas.microsoft.com/office/powerpoint/2010/main" val="2407152298"/>
       </p:ext>
     </p:extLst>
   </p:cSld>
@@ -5150,7 +5679,354 @@
           <a:p>
             <a:fld id="{E0215937-6A9A-48B7-8C95-B7F6CA68488A}" type="slidenum">
               <a:rPr lang="en-US" smtClean="0"/>
-              <a:t>9</a:t>
+              <a:t>4</a:t>
+            </a:fld>
+            <a:endParaRPr lang="en-US"/>
+          </a:p>
+        </p:txBody>
+      </p:sp>
+    </p:spTree>
+    <p:extLst>
+      <p:ext uri="{BB962C8B-B14F-4D97-AF65-F5344CB8AC3E}">
+        <p14:creationId xmlns:p14="http://schemas.microsoft.com/office/powerpoint/2010/main" val="3218530281"/>
+      </p:ext>
+    </p:extLst>
+  </p:cSld>
+  <p:clrMapOvr>
+    <a:masterClrMapping/>
+  </p:clrMapOvr>
+</p:notes>
+</file>
+
+<file path=ppt/notesSlides/notesSlide5.xml><?xml version="1.0" encoding="utf-8"?>
+<p:notes xmlns:a="http://schemas.openxmlformats.org/drawingml/2006/main" xmlns:r="http://schemas.openxmlformats.org/officeDocument/2006/relationships" xmlns:p="http://schemas.openxmlformats.org/presentationml/2006/main">
+  <p:cSld>
+    <p:spTree>
+      <p:nvGrpSpPr>
+        <p:cNvPr id="1" name=""/>
+        <p:cNvGrpSpPr/>
+        <p:nvPr/>
+      </p:nvGrpSpPr>
+      <p:grpSpPr>
+        <a:xfrm>
+          <a:off x="0" y="0"/>
+          <a:ext cx="0" cy="0"/>
+          <a:chOff x="0" y="0"/>
+          <a:chExt cx="0" cy="0"/>
+        </a:xfrm>
+      </p:grpSpPr>
+      <p:sp>
+        <p:nvSpPr>
+          <p:cNvPr id="2" name="Slide Image Placeholder 1"/>
+          <p:cNvSpPr>
+            <a:spLocks noGrp="1" noRot="1" noChangeAspect="1"/>
+          </p:cNvSpPr>
+          <p:nvPr>
+            <p:ph type="sldImg"/>
+          </p:nvPr>
+        </p:nvSpPr>
+        <p:spPr/>
+      </p:sp>
+      <p:sp>
+        <p:nvSpPr>
+          <p:cNvPr id="3" name="Notes Placeholder 2"/>
+          <p:cNvSpPr>
+            <a:spLocks noGrp="1"/>
+          </p:cNvSpPr>
+          <p:nvPr>
+            <p:ph type="body" idx="1"/>
+          </p:nvPr>
+        </p:nvSpPr>
+        <p:spPr/>
+        <p:txBody>
+          <a:bodyPr/>
+          <a:lstStyle/>
+          <a:p>
+            <a:r>
+              <a:rPr lang="en-US" dirty="0"/>
+              <a:t>First, I performed a sentiment analysis using </a:t>
+            </a:r>
+            <a:r>
+              <a:rPr lang="en-US" dirty="0" err="1"/>
+              <a:t>TextBlob</a:t>
+            </a:r>
+            <a:r>
+              <a:rPr lang="en-US" dirty="0"/>
+              <a:t> to get an idea of the sentiment of conversations. And what we see is really a very even distribution across the three classes. We don’t really see evidence that any subreddit is particularly negative</a:t>
+            </a:r>
+          </a:p>
+        </p:txBody>
+      </p:sp>
+      <p:sp>
+        <p:nvSpPr>
+          <p:cNvPr id="4" name="Slide Number Placeholder 3"/>
+          <p:cNvSpPr>
+            <a:spLocks noGrp="1"/>
+          </p:cNvSpPr>
+          <p:nvPr>
+            <p:ph type="sldNum" sz="quarter" idx="5"/>
+          </p:nvPr>
+        </p:nvSpPr>
+        <p:spPr/>
+        <p:txBody>
+          <a:bodyPr/>
+          <a:lstStyle/>
+          <a:p>
+            <a:fld id="{E0215937-6A9A-48B7-8C95-B7F6CA68488A}" type="slidenum">
+              <a:rPr lang="en-US" smtClean="0"/>
+              <a:t>5</a:t>
+            </a:fld>
+            <a:endParaRPr lang="en-US"/>
+          </a:p>
+        </p:txBody>
+      </p:sp>
+    </p:spTree>
+    <p:extLst>
+      <p:ext uri="{BB962C8B-B14F-4D97-AF65-F5344CB8AC3E}">
+        <p14:creationId xmlns:p14="http://schemas.microsoft.com/office/powerpoint/2010/main" val="2453375176"/>
+      </p:ext>
+    </p:extLst>
+  </p:cSld>
+  <p:clrMapOvr>
+    <a:masterClrMapping/>
+  </p:clrMapOvr>
+</p:notes>
+</file>
+
+<file path=ppt/notesSlides/notesSlide6.xml><?xml version="1.0" encoding="utf-8"?>
+<p:notes xmlns:a="http://schemas.openxmlformats.org/drawingml/2006/main" xmlns:r="http://schemas.openxmlformats.org/officeDocument/2006/relationships" xmlns:p="http://schemas.openxmlformats.org/presentationml/2006/main">
+  <p:cSld>
+    <p:spTree>
+      <p:nvGrpSpPr>
+        <p:cNvPr id="1" name=""/>
+        <p:cNvGrpSpPr/>
+        <p:nvPr/>
+      </p:nvGrpSpPr>
+      <p:grpSpPr>
+        <a:xfrm>
+          <a:off x="0" y="0"/>
+          <a:ext cx="0" cy="0"/>
+          <a:chOff x="0" y="0"/>
+          <a:chExt cx="0" cy="0"/>
+        </a:xfrm>
+      </p:grpSpPr>
+      <p:sp>
+        <p:nvSpPr>
+          <p:cNvPr id="2" name="Slide Image Placeholder 1"/>
+          <p:cNvSpPr>
+            <a:spLocks noGrp="1" noRot="1" noChangeAspect="1"/>
+          </p:cNvSpPr>
+          <p:nvPr>
+            <p:ph type="sldImg"/>
+          </p:nvPr>
+        </p:nvSpPr>
+        <p:spPr/>
+      </p:sp>
+      <p:sp>
+        <p:nvSpPr>
+          <p:cNvPr id="3" name="Notes Placeholder 2"/>
+          <p:cNvSpPr>
+            <a:spLocks noGrp="1"/>
+          </p:cNvSpPr>
+          <p:nvPr>
+            <p:ph type="body" idx="1"/>
+          </p:nvPr>
+        </p:nvSpPr>
+        <p:spPr/>
+        <p:txBody>
+          <a:bodyPr/>
+          <a:lstStyle/>
+          <a:p>
+            <a:endParaRPr lang="en-US" dirty="0"/>
+          </a:p>
+        </p:txBody>
+      </p:sp>
+      <p:sp>
+        <p:nvSpPr>
+          <p:cNvPr id="4" name="Slide Number Placeholder 3"/>
+          <p:cNvSpPr>
+            <a:spLocks noGrp="1"/>
+          </p:cNvSpPr>
+          <p:nvPr>
+            <p:ph type="sldNum" sz="quarter" idx="5"/>
+          </p:nvPr>
+        </p:nvSpPr>
+        <p:spPr/>
+        <p:txBody>
+          <a:bodyPr/>
+          <a:lstStyle/>
+          <a:p>
+            <a:fld id="{E0215937-6A9A-48B7-8C95-B7F6CA68488A}" type="slidenum">
+              <a:rPr lang="en-US" smtClean="0"/>
+              <a:t>7</a:t>
+            </a:fld>
+            <a:endParaRPr lang="en-US"/>
+          </a:p>
+        </p:txBody>
+      </p:sp>
+    </p:spTree>
+    <p:extLst>
+      <p:ext uri="{BB962C8B-B14F-4D97-AF65-F5344CB8AC3E}">
+        <p14:creationId xmlns:p14="http://schemas.microsoft.com/office/powerpoint/2010/main" val="2674757280"/>
+      </p:ext>
+    </p:extLst>
+  </p:cSld>
+  <p:clrMapOvr>
+    <a:masterClrMapping/>
+  </p:clrMapOvr>
+</p:notes>
+</file>
+
+<file path=ppt/notesSlides/notesSlide7.xml><?xml version="1.0" encoding="utf-8"?>
+<p:notes xmlns:a="http://schemas.openxmlformats.org/drawingml/2006/main" xmlns:r="http://schemas.openxmlformats.org/officeDocument/2006/relationships" xmlns:p="http://schemas.openxmlformats.org/presentationml/2006/main">
+  <p:cSld>
+    <p:spTree>
+      <p:nvGrpSpPr>
+        <p:cNvPr id="1" name=""/>
+        <p:cNvGrpSpPr/>
+        <p:nvPr/>
+      </p:nvGrpSpPr>
+      <p:grpSpPr>
+        <a:xfrm>
+          <a:off x="0" y="0"/>
+          <a:ext cx="0" cy="0"/>
+          <a:chOff x="0" y="0"/>
+          <a:chExt cx="0" cy="0"/>
+        </a:xfrm>
+      </p:grpSpPr>
+      <p:sp>
+        <p:nvSpPr>
+          <p:cNvPr id="2" name="Slide Image Placeholder 1"/>
+          <p:cNvSpPr>
+            <a:spLocks noGrp="1" noRot="1" noChangeAspect="1"/>
+          </p:cNvSpPr>
+          <p:nvPr>
+            <p:ph type="sldImg"/>
+          </p:nvPr>
+        </p:nvSpPr>
+        <p:spPr/>
+      </p:sp>
+      <p:sp>
+        <p:nvSpPr>
+          <p:cNvPr id="3" name="Notes Placeholder 2"/>
+          <p:cNvSpPr>
+            <a:spLocks noGrp="1"/>
+          </p:cNvSpPr>
+          <p:nvPr>
+            <p:ph type="body" idx="1"/>
+          </p:nvPr>
+        </p:nvSpPr>
+        <p:spPr/>
+        <p:txBody>
+          <a:bodyPr/>
+          <a:lstStyle/>
+          <a:p>
+            <a:endParaRPr lang="en-US" dirty="0"/>
+          </a:p>
+        </p:txBody>
+      </p:sp>
+      <p:sp>
+        <p:nvSpPr>
+          <p:cNvPr id="4" name="Slide Number Placeholder 3"/>
+          <p:cNvSpPr>
+            <a:spLocks noGrp="1"/>
+          </p:cNvSpPr>
+          <p:nvPr>
+            <p:ph type="sldNum" sz="quarter" idx="5"/>
+          </p:nvPr>
+        </p:nvSpPr>
+        <p:spPr/>
+        <p:txBody>
+          <a:bodyPr/>
+          <a:lstStyle/>
+          <a:p>
+            <a:fld id="{E0215937-6A9A-48B7-8C95-B7F6CA68488A}" type="slidenum">
+              <a:rPr lang="en-US" smtClean="0"/>
+              <a:t>8</a:t>
+            </a:fld>
+            <a:endParaRPr lang="en-US"/>
+          </a:p>
+        </p:txBody>
+      </p:sp>
+    </p:spTree>
+    <p:extLst>
+      <p:ext uri="{BB962C8B-B14F-4D97-AF65-F5344CB8AC3E}">
+        <p14:creationId xmlns:p14="http://schemas.microsoft.com/office/powerpoint/2010/main" val="4246441074"/>
+      </p:ext>
+    </p:extLst>
+  </p:cSld>
+  <p:clrMapOvr>
+    <a:masterClrMapping/>
+  </p:clrMapOvr>
+</p:notes>
+</file>
+
+<file path=ppt/notesSlides/notesSlide8.xml><?xml version="1.0" encoding="utf-8"?>
+<p:notes xmlns:a="http://schemas.openxmlformats.org/drawingml/2006/main" xmlns:r="http://schemas.openxmlformats.org/officeDocument/2006/relationships" xmlns:p="http://schemas.openxmlformats.org/presentationml/2006/main">
+  <p:cSld>
+    <p:spTree>
+      <p:nvGrpSpPr>
+        <p:cNvPr id="1" name=""/>
+        <p:cNvGrpSpPr/>
+        <p:nvPr/>
+      </p:nvGrpSpPr>
+      <p:grpSpPr>
+        <a:xfrm>
+          <a:off x="0" y="0"/>
+          <a:ext cx="0" cy="0"/>
+          <a:chOff x="0" y="0"/>
+          <a:chExt cx="0" cy="0"/>
+        </a:xfrm>
+      </p:grpSpPr>
+      <p:sp>
+        <p:nvSpPr>
+          <p:cNvPr id="2" name="Slide Image Placeholder 1"/>
+          <p:cNvSpPr>
+            <a:spLocks noGrp="1" noRot="1" noChangeAspect="1"/>
+          </p:cNvSpPr>
+          <p:nvPr>
+            <p:ph type="sldImg"/>
+          </p:nvPr>
+        </p:nvSpPr>
+        <p:spPr/>
+      </p:sp>
+      <p:sp>
+        <p:nvSpPr>
+          <p:cNvPr id="3" name="Notes Placeholder 2"/>
+          <p:cNvSpPr>
+            <a:spLocks noGrp="1"/>
+          </p:cNvSpPr>
+          <p:nvPr>
+            <p:ph type="body" idx="1"/>
+          </p:nvPr>
+        </p:nvSpPr>
+        <p:spPr/>
+        <p:txBody>
+          <a:bodyPr/>
+          <a:lstStyle/>
+          <a:p>
+            <a:endParaRPr lang="en-US" dirty="0"/>
+          </a:p>
+        </p:txBody>
+      </p:sp>
+      <p:sp>
+        <p:nvSpPr>
+          <p:cNvPr id="4" name="Slide Number Placeholder 3"/>
+          <p:cNvSpPr>
+            <a:spLocks noGrp="1"/>
+          </p:cNvSpPr>
+          <p:nvPr>
+            <p:ph type="sldNum" sz="quarter" idx="5"/>
+          </p:nvPr>
+        </p:nvSpPr>
+        <p:spPr/>
+        <p:txBody>
+          <a:bodyPr/>
+          <a:lstStyle/>
+          <a:p>
+            <a:fld id="{E0215937-6A9A-48B7-8C95-B7F6CA68488A}" type="slidenum">
+              <a:rPr lang="en-US" smtClean="0"/>
+              <a:t>10</a:t>
             </a:fld>
             <a:endParaRPr lang="en-US"/>
           </a:p>
@@ -5160,6 +6036,102 @@
     <p:extLst>
       <p:ext uri="{BB962C8B-B14F-4D97-AF65-F5344CB8AC3E}">
         <p14:creationId xmlns:p14="http://schemas.microsoft.com/office/powerpoint/2010/main" val="3764440152"/>
+      </p:ext>
+    </p:extLst>
+  </p:cSld>
+  <p:clrMapOvr>
+    <a:masterClrMapping/>
+  </p:clrMapOvr>
+</p:notes>
+</file>
+
+<file path=ppt/notesSlides/notesSlide9.xml><?xml version="1.0" encoding="utf-8"?>
+<p:notes xmlns:a="http://schemas.openxmlformats.org/drawingml/2006/main" xmlns:r="http://schemas.openxmlformats.org/officeDocument/2006/relationships" xmlns:p="http://schemas.openxmlformats.org/presentationml/2006/main">
+  <p:cSld>
+    <p:spTree>
+      <p:nvGrpSpPr>
+        <p:cNvPr id="1" name=""/>
+        <p:cNvGrpSpPr/>
+        <p:nvPr/>
+      </p:nvGrpSpPr>
+      <p:grpSpPr>
+        <a:xfrm>
+          <a:off x="0" y="0"/>
+          <a:ext cx="0" cy="0"/>
+          <a:chOff x="0" y="0"/>
+          <a:chExt cx="0" cy="0"/>
+        </a:xfrm>
+      </p:grpSpPr>
+      <p:sp>
+        <p:nvSpPr>
+          <p:cNvPr id="2" name="Slide Image Placeholder 1"/>
+          <p:cNvSpPr>
+            <a:spLocks noGrp="1" noRot="1" noChangeAspect="1"/>
+          </p:cNvSpPr>
+          <p:nvPr>
+            <p:ph type="sldImg"/>
+          </p:nvPr>
+        </p:nvSpPr>
+        <p:spPr/>
+      </p:sp>
+      <p:sp>
+        <p:nvSpPr>
+          <p:cNvPr id="3" name="Notes Placeholder 2"/>
+          <p:cNvSpPr>
+            <a:spLocks noGrp="1"/>
+          </p:cNvSpPr>
+          <p:nvPr>
+            <p:ph type="body" idx="1"/>
+          </p:nvPr>
+        </p:nvSpPr>
+        <p:spPr/>
+        <p:txBody>
+          <a:bodyPr/>
+          <a:lstStyle/>
+          <a:p>
+            <a:r>
+              <a:rPr lang="en-US" dirty="0"/>
+              <a:t>Which brings us to modelling – where we can see if there is any correlation between the sentiment of reddit posts and our presidential approval rating. I considered using a time series model for this project, but ultimately I decided on a standard regression model instead because our approval ratings don’t demonstrate any seasonality.</a:t>
+            </a:r>
+          </a:p>
+          <a:p>
+            <a:endParaRPr lang="en-US" dirty="0"/>
+          </a:p>
+          <a:p>
+            <a:r>
+              <a:rPr lang="en-US" dirty="0"/>
+              <a:t>Due to the sheer size of the dataset, I used only the top 1000 words in the dataset, along with the sentiment scores and the subreddit. And here’s what I found…</a:t>
+            </a:r>
+          </a:p>
+        </p:txBody>
+      </p:sp>
+      <p:sp>
+        <p:nvSpPr>
+          <p:cNvPr id="4" name="Slide Number Placeholder 3"/>
+          <p:cNvSpPr>
+            <a:spLocks noGrp="1"/>
+          </p:cNvSpPr>
+          <p:nvPr>
+            <p:ph type="sldNum" sz="quarter" idx="5"/>
+          </p:nvPr>
+        </p:nvSpPr>
+        <p:spPr/>
+        <p:txBody>
+          <a:bodyPr/>
+          <a:lstStyle/>
+          <a:p>
+            <a:fld id="{E0215937-6A9A-48B7-8C95-B7F6CA68488A}" type="slidenum">
+              <a:rPr lang="en-US" smtClean="0"/>
+              <a:t>13</a:t>
+            </a:fld>
+            <a:endParaRPr lang="en-US"/>
+          </a:p>
+        </p:txBody>
+      </p:sp>
+    </p:spTree>
+    <p:extLst>
+      <p:ext uri="{BB962C8B-B14F-4D97-AF65-F5344CB8AC3E}">
+        <p14:creationId xmlns:p14="http://schemas.microsoft.com/office/powerpoint/2010/main" val="3857987011"/>
       </p:ext>
     </p:extLst>
   </p:cSld>
@@ -5320,7 +6292,7 @@
           <a:p>
             <a:fld id="{2F3E8B1C-86EF-43CF-8304-249481088644}" type="datetimeFigureOut">
               <a:rPr lang="en-US" smtClean="0"/>
-              <a:t>10/11/2021</a:t>
+              <a:t>10/12/2021</a:t>
             </a:fld>
             <a:endParaRPr lang="en-US"/>
           </a:p>
@@ -5518,7 +6490,7 @@
           <a:p>
             <a:fld id="{2F3E8B1C-86EF-43CF-8304-249481088644}" type="datetimeFigureOut">
               <a:rPr lang="en-US" smtClean="0"/>
-              <a:t>10/11/2021</a:t>
+              <a:t>10/12/2021</a:t>
             </a:fld>
             <a:endParaRPr lang="en-US"/>
           </a:p>
@@ -5726,7 +6698,7 @@
           <a:p>
             <a:fld id="{2F3E8B1C-86EF-43CF-8304-249481088644}" type="datetimeFigureOut">
               <a:rPr lang="en-US" smtClean="0"/>
-              <a:t>10/11/2021</a:t>
+              <a:t>10/12/2021</a:t>
             </a:fld>
             <a:endParaRPr lang="en-US"/>
           </a:p>
@@ -5924,7 +6896,7 @@
           <a:p>
             <a:fld id="{2F3E8B1C-86EF-43CF-8304-249481088644}" type="datetimeFigureOut">
               <a:rPr lang="en-US" smtClean="0"/>
-              <a:t>10/11/2021</a:t>
+              <a:t>10/12/2021</a:t>
             </a:fld>
             <a:endParaRPr lang="en-US"/>
           </a:p>
@@ -6199,7 +7171,7 @@
           <a:p>
             <a:fld id="{2F3E8B1C-86EF-43CF-8304-249481088644}" type="datetimeFigureOut">
               <a:rPr lang="en-US" smtClean="0"/>
-              <a:t>10/11/2021</a:t>
+              <a:t>10/12/2021</a:t>
             </a:fld>
             <a:endParaRPr lang="en-US"/>
           </a:p>
@@ -6469,7 +7441,7 @@
           <a:p>
             <a:fld id="{2F3E8B1C-86EF-43CF-8304-249481088644}" type="datetimeFigureOut">
               <a:rPr lang="en-US" smtClean="0"/>
-              <a:t>10/11/2021</a:t>
+              <a:t>10/12/2021</a:t>
             </a:fld>
             <a:endParaRPr lang="en-US"/>
           </a:p>
@@ -6889,7 +7861,7 @@
           <a:p>
             <a:fld id="{2F3E8B1C-86EF-43CF-8304-249481088644}" type="datetimeFigureOut">
               <a:rPr lang="en-US" smtClean="0"/>
-              <a:t>10/11/2021</a:t>
+              <a:t>10/12/2021</a:t>
             </a:fld>
             <a:endParaRPr lang="en-US"/>
           </a:p>
@@ -7030,7 +8002,7 @@
           <a:p>
             <a:fld id="{2F3E8B1C-86EF-43CF-8304-249481088644}" type="datetimeFigureOut">
               <a:rPr lang="en-US" smtClean="0"/>
-              <a:t>10/11/2021</a:t>
+              <a:t>10/12/2021</a:t>
             </a:fld>
             <a:endParaRPr lang="en-US"/>
           </a:p>
@@ -7143,7 +8115,7 @@
           <a:p>
             <a:fld id="{2F3E8B1C-86EF-43CF-8304-249481088644}" type="datetimeFigureOut">
               <a:rPr lang="en-US" smtClean="0"/>
-              <a:t>10/11/2021</a:t>
+              <a:t>10/12/2021</a:t>
             </a:fld>
             <a:endParaRPr lang="en-US"/>
           </a:p>
@@ -7454,7 +8426,7 @@
           <a:p>
             <a:fld id="{2F3E8B1C-86EF-43CF-8304-249481088644}" type="datetimeFigureOut">
               <a:rPr lang="en-US" smtClean="0"/>
-              <a:t>10/11/2021</a:t>
+              <a:t>10/12/2021</a:t>
             </a:fld>
             <a:endParaRPr lang="en-US"/>
           </a:p>
@@ -7742,7 +8714,7 @@
           <a:p>
             <a:fld id="{2F3E8B1C-86EF-43CF-8304-249481088644}" type="datetimeFigureOut">
               <a:rPr lang="en-US" smtClean="0"/>
-              <a:t>10/11/2021</a:t>
+              <a:t>10/12/2021</a:t>
             </a:fld>
             <a:endParaRPr lang="en-US"/>
           </a:p>
@@ -7983,7 +8955,7 @@
             <a:fld id="{2F3E8B1C-86EF-43CF-8304-249481088644}" type="datetimeFigureOut">
               <a:rPr lang="en-US" smtClean="0"/>
               <a:pPr/>
-              <a:t>10/11/2021</a:t>
+              <a:t>10/12/2021</a:t>
             </a:fld>
             <a:endParaRPr lang="en-US" dirty="0"/>
           </a:p>
@@ -8603,38 +9575,6 @@
           </a:p>
         </p:txBody>
       </p:sp>
-      <p:sp>
-        <p:nvSpPr>
-          <p:cNvPr id="3" name="Subtitle 2">
-            <a:extLst>
-              <a:ext uri="{FF2B5EF4-FFF2-40B4-BE49-F238E27FC236}">
-                <a16:creationId xmlns:a16="http://schemas.microsoft.com/office/drawing/2014/main" id="{F45C43FA-1AEE-4FDA-BE17-3D0BAF190017}"/>
-              </a:ext>
-            </a:extLst>
-          </p:cNvPr>
-          <p:cNvSpPr>
-            <a:spLocks noGrp="1"/>
-          </p:cNvSpPr>
-          <p:nvPr>
-            <p:ph type="subTitle" idx="1"/>
-          </p:nvPr>
-        </p:nvSpPr>
-        <p:spPr>
-          <a:xfrm>
-            <a:off x="8115300" y="1208146"/>
-            <a:ext cx="3137031" cy="979680"/>
-          </a:xfrm>
-        </p:spPr>
-        <p:txBody>
-          <a:bodyPr anchor="t">
-            <a:normAutofit/>
-          </a:bodyPr>
-          <a:lstStyle/>
-          <a:p>
-            <a:endParaRPr lang="en-US" sz="1800"/>
-          </a:p>
-        </p:txBody>
-      </p:sp>
       <p:pic>
         <p:nvPicPr>
           <p:cNvPr id="66" name="Picture 3">
@@ -8650,7 +9590,7 @@
           <p:nvPr/>
         </p:nvPicPr>
         <p:blipFill rotWithShape="1">
-          <a:blip r:embed="rId2"/>
+          <a:blip r:embed="rId3"/>
           <a:srcRect l="16933" r="19019"/>
           <a:stretch/>
         </p:blipFill>
@@ -9031,7 +9971,7 @@
           <p:cNvPr id="5" name="Content Placeholder 4">
             <a:extLst>
               <a:ext uri="{FF2B5EF4-FFF2-40B4-BE49-F238E27FC236}">
-                <a16:creationId xmlns:a16="http://schemas.microsoft.com/office/drawing/2014/main" id="{0EB9B57C-E973-4260-B6E8-8C9CE7767CCB}"/>
+                <a16:creationId xmlns:a16="http://schemas.microsoft.com/office/drawing/2014/main" id="{E3C428CD-1587-40EC-99D4-8633296EDC9F}"/>
               </a:ext>
             </a:extLst>
           </p:cNvPr>
@@ -9043,8 +9983,8 @@
           </p:nvPr>
         </p:nvPicPr>
         <p:blipFill rotWithShape="1">
-          <a:blip r:embed="rId2"/>
-          <a:srcRect l="10667" r="-1" b="-1"/>
+          <a:blip r:embed="rId3"/>
+          <a:srcRect l="4391" r="5830" b="-1"/>
           <a:stretch/>
         </p:blipFill>
         <p:spPr>
@@ -9152,7 +10092,7 @@
           <p:cNvPr id="2" name="Title 1">
             <a:extLst>
               <a:ext uri="{FF2B5EF4-FFF2-40B4-BE49-F238E27FC236}">
-                <a16:creationId xmlns:a16="http://schemas.microsoft.com/office/drawing/2014/main" id="{61FAEC78-E3D8-4D14-B683-10E721BA9628}"/>
+                <a16:creationId xmlns:a16="http://schemas.microsoft.com/office/drawing/2014/main" id="{F6195618-C27A-46BF-8D51-388AE26D38E6}"/>
               </a:ext>
             </a:extLst>
           </p:cNvPr>
@@ -9182,7 +10122,7 @@
                   <a:srgbClr val="FFFFFF"/>
                 </a:solidFill>
               </a:rPr>
-              <a:t>r/conservative</a:t>
+              <a:t>r/democrats</a:t>
             </a:r>
           </a:p>
         </p:txBody>
@@ -9249,7 +10189,7 @@
     </p:spTree>
     <p:extLst>
       <p:ext uri="{BB962C8B-B14F-4D97-AF65-F5344CB8AC3E}">
-        <p14:creationId xmlns:p14="http://schemas.microsoft.com/office/powerpoint/2010/main" val="2458940761"/>
+        <p14:creationId xmlns:p14="http://schemas.microsoft.com/office/powerpoint/2010/main" val="116411090"/>
       </p:ext>
     </p:extLst>
   </p:cSld>
@@ -9469,7 +10409,7 @@
           <p:cNvPr id="5" name="Content Placeholder 4">
             <a:extLst>
               <a:ext uri="{FF2B5EF4-FFF2-40B4-BE49-F238E27FC236}">
-                <a16:creationId xmlns:a16="http://schemas.microsoft.com/office/drawing/2014/main" id="{610B6BDA-1EC9-4C43-B24F-F63F069F6104}"/>
+                <a16:creationId xmlns:a16="http://schemas.microsoft.com/office/drawing/2014/main" id="{0EB9B57C-E973-4260-B6E8-8C9CE7767CCB}"/>
               </a:ext>
             </a:extLst>
           </p:cNvPr>
@@ -9482,7 +10422,7 @@
         </p:nvPicPr>
         <p:blipFill rotWithShape="1">
           <a:blip r:embed="rId2"/>
-          <a:srcRect l="2352" r="8314" b="-1"/>
+          <a:srcRect l="10667" r="-1" b="-1"/>
           <a:stretch/>
         </p:blipFill>
         <p:spPr>
@@ -9590,7 +10530,7 @@
           <p:cNvPr id="2" name="Title 1">
             <a:extLst>
               <a:ext uri="{FF2B5EF4-FFF2-40B4-BE49-F238E27FC236}">
-                <a16:creationId xmlns:a16="http://schemas.microsoft.com/office/drawing/2014/main" id="{F5BEEE25-74F6-4024-808D-10960EAA6259}"/>
+                <a16:creationId xmlns:a16="http://schemas.microsoft.com/office/drawing/2014/main" id="{61FAEC78-E3D8-4D14-B683-10E721BA9628}"/>
               </a:ext>
             </a:extLst>
           </p:cNvPr>
@@ -9620,7 +10560,7 @@
                   <a:srgbClr val="FFFFFF"/>
                 </a:solidFill>
               </a:rPr>
-              <a:t>r/libertarian</a:t>
+              <a:t>r/conservative</a:t>
             </a:r>
           </a:p>
         </p:txBody>
@@ -9687,7 +10627,7 @@
     </p:spTree>
     <p:extLst>
       <p:ext uri="{BB962C8B-B14F-4D97-AF65-F5344CB8AC3E}">
-        <p14:creationId xmlns:p14="http://schemas.microsoft.com/office/powerpoint/2010/main" val="3814263031"/>
+        <p14:creationId xmlns:p14="http://schemas.microsoft.com/office/powerpoint/2010/main" val="2458940761"/>
       </p:ext>
     </p:extLst>
   </p:cSld>
@@ -9698,89 +10638,6 @@
 </file>
 
 <file path=ppt/slides/slide12.xml><?xml version="1.0" encoding="utf-8"?>
-<p:sld xmlns:a="http://schemas.openxmlformats.org/drawingml/2006/main" xmlns:r="http://schemas.openxmlformats.org/officeDocument/2006/relationships" xmlns:p="http://schemas.openxmlformats.org/presentationml/2006/main">
-  <p:cSld>
-    <p:spTree>
-      <p:nvGrpSpPr>
-        <p:cNvPr id="1" name=""/>
-        <p:cNvGrpSpPr/>
-        <p:nvPr/>
-      </p:nvGrpSpPr>
-      <p:grpSpPr>
-        <a:xfrm>
-          <a:off x="0" y="0"/>
-          <a:ext cx="0" cy="0"/>
-          <a:chOff x="0" y="0"/>
-          <a:chExt cx="0" cy="0"/>
-        </a:xfrm>
-      </p:grpSpPr>
-      <p:sp>
-        <p:nvSpPr>
-          <p:cNvPr id="4" name="Title 3">
-            <a:extLst>
-              <a:ext uri="{FF2B5EF4-FFF2-40B4-BE49-F238E27FC236}">
-                <a16:creationId xmlns:a16="http://schemas.microsoft.com/office/drawing/2014/main" id="{B18F76CD-056A-4F5A-BC9C-9A85318B12F5}"/>
-              </a:ext>
-            </a:extLst>
-          </p:cNvPr>
-          <p:cNvSpPr>
-            <a:spLocks noGrp="1"/>
-          </p:cNvSpPr>
-          <p:nvPr>
-            <p:ph type="title"/>
-          </p:nvPr>
-        </p:nvSpPr>
-        <p:spPr/>
-        <p:txBody>
-          <a:bodyPr/>
-          <a:lstStyle/>
-          <a:p>
-            <a:r>
-              <a:rPr lang="en-US" dirty="0"/>
-              <a:t>Modelling Results</a:t>
-            </a:r>
-          </a:p>
-        </p:txBody>
-      </p:sp>
-      <p:sp>
-        <p:nvSpPr>
-          <p:cNvPr id="5" name="Text Placeholder 4">
-            <a:extLst>
-              <a:ext uri="{FF2B5EF4-FFF2-40B4-BE49-F238E27FC236}">
-                <a16:creationId xmlns:a16="http://schemas.microsoft.com/office/drawing/2014/main" id="{2D51C9D5-F00D-4F05-A35B-49D25BDC99E4}"/>
-              </a:ext>
-            </a:extLst>
-          </p:cNvPr>
-          <p:cNvSpPr>
-            <a:spLocks noGrp="1"/>
-          </p:cNvSpPr>
-          <p:nvPr>
-            <p:ph type="body" idx="1"/>
-          </p:nvPr>
-        </p:nvSpPr>
-        <p:spPr/>
-        <p:txBody>
-          <a:bodyPr/>
-          <a:lstStyle/>
-          <a:p>
-            <a:endParaRPr lang="en-US"/>
-          </a:p>
-        </p:txBody>
-      </p:sp>
-    </p:spTree>
-    <p:extLst>
-      <p:ext uri="{BB962C8B-B14F-4D97-AF65-F5344CB8AC3E}">
-        <p14:creationId xmlns:p14="http://schemas.microsoft.com/office/powerpoint/2010/main" val="408135899"/>
-      </p:ext>
-    </p:extLst>
-  </p:cSld>
-  <p:clrMapOvr>
-    <a:masterClrMapping/>
-  </p:clrMapOvr>
-</p:sld>
-</file>
-
-<file path=ppt/slides/slide13.xml><?xml version="1.0" encoding="utf-8"?>
 <p:sld xmlns:a="http://schemas.openxmlformats.org/drawingml/2006/main" xmlns:r="http://schemas.openxmlformats.org/officeDocument/2006/relationships" xmlns:p="http://schemas.openxmlformats.org/presentationml/2006/main">
   <p:cSld>
     <p:bg>
@@ -9914,7 +10771,7 @@
           <p:cNvPr id="14" name="Rectangle 13">
             <a:extLst>
               <a:ext uri="{FF2B5EF4-FFF2-40B4-BE49-F238E27FC236}">
-                <a16:creationId xmlns:a16="http://schemas.microsoft.com/office/drawing/2014/main" id="{33E93247-6229-44AB-A550-739E971E690B}"/>
+                <a16:creationId xmlns:a16="http://schemas.microsoft.com/office/drawing/2014/main" id="{85CB65D0-496F-4797-A015-C85839E35D1A}"/>
               </a:ext>
               <a:ext uri="{C183D7F6-B498-43B3-948B-1728B52AA6E4}">
                 <adec:decorative xmlns:adec="http://schemas.microsoft.com/office/drawing/2017/decorative" val="1"/>
@@ -9985,1057 +10842,12 @@
           </a:p>
         </p:txBody>
       </p:sp>
-      <p:sp>
-        <p:nvSpPr>
-          <p:cNvPr id="2" name="Title 1">
-            <a:extLst>
-              <a:ext uri="{FF2B5EF4-FFF2-40B4-BE49-F238E27FC236}">
-                <a16:creationId xmlns:a16="http://schemas.microsoft.com/office/drawing/2014/main" id="{C47C1090-620E-4C42-A27F-4595E37C0D01}"/>
-              </a:ext>
-            </a:extLst>
-          </p:cNvPr>
-          <p:cNvSpPr>
-            <a:spLocks noGrp="1"/>
-          </p:cNvSpPr>
-          <p:nvPr>
-            <p:ph type="title"/>
-          </p:nvPr>
-        </p:nvSpPr>
-        <p:spPr>
-          <a:xfrm>
-            <a:off x="685800" y="899024"/>
-            <a:ext cx="3076032" cy="3914947"/>
-          </a:xfrm>
-        </p:spPr>
-        <p:txBody>
-          <a:bodyPr vert="horz" lIns="91440" tIns="45720" rIns="91440" bIns="45720" rtlCol="0" anchor="t">
-            <a:normAutofit/>
-          </a:bodyPr>
-          <a:lstStyle/>
-          <a:p>
-            <a:endParaRPr lang="en-US" sz="4000"/>
-          </a:p>
-        </p:txBody>
-      </p:sp>
-      <p:sp>
-        <p:nvSpPr>
-          <p:cNvPr id="3" name="Text Placeholder 2">
-            <a:extLst>
-              <a:ext uri="{FF2B5EF4-FFF2-40B4-BE49-F238E27FC236}">
-                <a16:creationId xmlns:a16="http://schemas.microsoft.com/office/drawing/2014/main" id="{A27FBDF8-1359-46BF-84F6-AC8736B7D724}"/>
-              </a:ext>
-            </a:extLst>
-          </p:cNvPr>
-          <p:cNvSpPr>
-            <a:spLocks noGrp="1"/>
-          </p:cNvSpPr>
-          <p:nvPr>
-            <p:ph type="body" idx="1"/>
-          </p:nvPr>
-        </p:nvSpPr>
-        <p:spPr>
-          <a:xfrm>
-            <a:off x="729624" y="4914199"/>
-            <a:ext cx="2703583" cy="965440"/>
-          </a:xfrm>
-        </p:spPr>
-        <p:txBody>
-          <a:bodyPr vert="horz" lIns="91440" tIns="45720" rIns="91440" bIns="45720" rtlCol="0" anchor="b">
-            <a:normAutofit/>
-          </a:bodyPr>
-          <a:lstStyle/>
-          <a:p>
-            <a:endParaRPr lang="en-US" sz="1800">
-              <a:solidFill>
-                <a:schemeClr val="tx1"/>
-              </a:solidFill>
-            </a:endParaRPr>
-          </a:p>
-        </p:txBody>
-      </p:sp>
-      <p:cxnSp>
-        <p:nvCxnSpPr>
-          <p:cNvPr id="16" name="Straight Connector 15">
-            <a:extLst>
-              <a:ext uri="{FF2B5EF4-FFF2-40B4-BE49-F238E27FC236}">
-                <a16:creationId xmlns:a16="http://schemas.microsoft.com/office/drawing/2014/main" id="{EE2E603F-4A95-4FE8-BB06-211DFD75DBEF}"/>
-              </a:ext>
-              <a:ext uri="{C183D7F6-B498-43B3-948B-1728B52AA6E4}">
-                <adec:decorative xmlns:adec="http://schemas.microsoft.com/office/drawing/2017/decorative" val="1"/>
-              </a:ext>
-            </a:extLst>
-          </p:cNvPr>
-          <p:cNvCxnSpPr>
-            <a:cxnSpLocks noGrp="1" noRot="1" noChangeAspect="1" noMove="1" noResize="1" noEditPoints="1" noAdjustHandles="1" noChangeArrowheads="1" noChangeShapeType="1"/>
-          </p:cNvCxnSpPr>
-          <p:nvPr>
-            <p:extLst>
-              <p:ext uri="{386F3935-93C4-4BCD-93E2-E3B085C9AB24}">
-                <p16:designElem xmlns:p16="http://schemas.microsoft.com/office/powerpoint/2015/main" val="1"/>
-              </p:ext>
-            </p:extLst>
-          </p:nvPr>
-        </p:nvCxnSpPr>
-        <p:spPr>
-          <a:xfrm>
-            <a:off x="800100" y="723900"/>
-            <a:ext cx="1371600" cy="0"/>
-          </a:xfrm>
-          <a:prstGeom prst="line">
-            <a:avLst/>
-          </a:prstGeom>
-          <a:ln w="44450">
-            <a:solidFill>
-              <a:schemeClr val="tx1"/>
-            </a:solidFill>
-          </a:ln>
-        </p:spPr>
-        <p:style>
-          <a:lnRef idx="1">
-            <a:schemeClr val="accent1"/>
-          </a:lnRef>
-          <a:fillRef idx="0">
-            <a:schemeClr val="accent1"/>
-          </a:fillRef>
-          <a:effectRef idx="0">
-            <a:schemeClr val="accent1"/>
-          </a:effectRef>
-          <a:fontRef idx="minor">
-            <a:schemeClr val="tx1"/>
-          </a:fontRef>
-        </p:style>
-      </p:cxnSp>
       <p:pic>
         <p:nvPicPr>
-          <p:cNvPr id="5" name="Picture 4">
-            <a:extLst>
-              <a:ext uri="{FF2B5EF4-FFF2-40B4-BE49-F238E27FC236}">
-                <a16:creationId xmlns:a16="http://schemas.microsoft.com/office/drawing/2014/main" id="{44F76E2C-9D21-48F5-9F6A-F43B8052A1B3}"/>
-              </a:ext>
-            </a:extLst>
-          </p:cNvPr>
-          <p:cNvPicPr>
-            <a:picLocks noChangeAspect="1"/>
-          </p:cNvPicPr>
-          <p:nvPr/>
-        </p:nvPicPr>
-        <p:blipFill>
-          <a:blip r:embed="rId2"/>
-          <a:stretch>
-            <a:fillRect/>
-          </a:stretch>
-        </p:blipFill>
-        <p:spPr>
-          <a:xfrm>
-            <a:off x="4349750" y="723901"/>
-            <a:ext cx="6730999" cy="5410200"/>
-          </a:xfrm>
-          <a:prstGeom prst="rect">
-            <a:avLst/>
-          </a:prstGeom>
-        </p:spPr>
-      </p:pic>
-    </p:spTree>
-    <p:extLst>
-      <p:ext uri="{BB962C8B-B14F-4D97-AF65-F5344CB8AC3E}">
-        <p14:creationId xmlns:p14="http://schemas.microsoft.com/office/powerpoint/2010/main" val="1118105567"/>
-      </p:ext>
-    </p:extLst>
-  </p:cSld>
-  <p:clrMapOvr>
-    <a:masterClrMapping/>
-  </p:clrMapOvr>
-</p:sld>
-</file>
-
-<file path=ppt/slides/slide14.xml><?xml version="1.0" encoding="utf-8"?>
-<p:sld xmlns:a="http://schemas.openxmlformats.org/drawingml/2006/main" xmlns:r="http://schemas.openxmlformats.org/officeDocument/2006/relationships" xmlns:p="http://schemas.openxmlformats.org/presentationml/2006/main">
-  <p:cSld>
-    <p:spTree>
-      <p:nvGrpSpPr>
-        <p:cNvPr id="1" name=""/>
-        <p:cNvGrpSpPr/>
-        <p:nvPr/>
-      </p:nvGrpSpPr>
-      <p:grpSpPr>
-        <a:xfrm>
-          <a:off x="0" y="0"/>
-          <a:ext cx="0" cy="0"/>
-          <a:chOff x="0" y="0"/>
-          <a:chExt cx="0" cy="0"/>
-        </a:xfrm>
-      </p:grpSpPr>
-      <p:pic>
-        <p:nvPicPr>
-          <p:cNvPr id="5" name="Picture 4">
-            <a:extLst>
-              <a:ext uri="{FF2B5EF4-FFF2-40B4-BE49-F238E27FC236}">
-                <a16:creationId xmlns:a16="http://schemas.microsoft.com/office/drawing/2014/main" id="{F71E82B0-A3D0-4ED3-AFB1-45BF400CDF8C}"/>
-              </a:ext>
-            </a:extLst>
-          </p:cNvPr>
-          <p:cNvPicPr>
-            <a:picLocks noChangeAspect="1"/>
-          </p:cNvPicPr>
-          <p:nvPr/>
-        </p:nvPicPr>
-        <p:blipFill>
-          <a:blip r:embed="rId2"/>
-          <a:stretch>
-            <a:fillRect/>
-          </a:stretch>
-        </p:blipFill>
-        <p:spPr>
-          <a:xfrm>
-            <a:off x="42877" y="134007"/>
-            <a:ext cx="12106246" cy="6589986"/>
-          </a:xfrm>
-          <a:prstGeom prst="rect">
-            <a:avLst/>
-          </a:prstGeom>
-        </p:spPr>
-      </p:pic>
-    </p:spTree>
-    <p:extLst>
-      <p:ext uri="{BB962C8B-B14F-4D97-AF65-F5344CB8AC3E}">
-        <p14:creationId xmlns:p14="http://schemas.microsoft.com/office/powerpoint/2010/main" val="2746955546"/>
-      </p:ext>
-    </p:extLst>
-  </p:cSld>
-  <p:clrMapOvr>
-    <a:masterClrMapping/>
-  </p:clrMapOvr>
-</p:sld>
-</file>
-
-<file path=ppt/slides/slide2.xml><?xml version="1.0" encoding="utf-8"?>
-<p:sld xmlns:a="http://schemas.openxmlformats.org/drawingml/2006/main" xmlns:r="http://schemas.openxmlformats.org/officeDocument/2006/relationships" xmlns:p="http://schemas.openxmlformats.org/presentationml/2006/main">
-  <p:cSld>
-    <p:spTree>
-      <p:nvGrpSpPr>
-        <p:cNvPr id="1" name=""/>
-        <p:cNvGrpSpPr/>
-        <p:nvPr/>
-      </p:nvGrpSpPr>
-      <p:grpSpPr>
-        <a:xfrm>
-          <a:off x="0" y="0"/>
-          <a:ext cx="0" cy="0"/>
-          <a:chOff x="0" y="0"/>
-          <a:chExt cx="0" cy="0"/>
-        </a:xfrm>
-      </p:grpSpPr>
-      <p:pic>
-        <p:nvPicPr>
-          <p:cNvPr id="5" name="Picture 4">
-            <a:extLst>
-              <a:ext uri="{FF2B5EF4-FFF2-40B4-BE49-F238E27FC236}">
-                <a16:creationId xmlns:a16="http://schemas.microsoft.com/office/drawing/2014/main" id="{A41DA8C3-668A-44EF-91CC-3225C03116F2}"/>
-              </a:ext>
-            </a:extLst>
-          </p:cNvPr>
-          <p:cNvPicPr>
-            <a:picLocks noChangeAspect="1"/>
-          </p:cNvPicPr>
-          <p:nvPr/>
-        </p:nvPicPr>
-        <p:blipFill>
-          <a:blip r:embed="rId3"/>
-          <a:stretch>
-            <a:fillRect/>
-          </a:stretch>
-        </p:blipFill>
-        <p:spPr>
-          <a:xfrm>
-            <a:off x="0" y="1611097"/>
-            <a:ext cx="11946017" cy="2705478"/>
-          </a:xfrm>
-          <a:prstGeom prst="rect">
-            <a:avLst/>
-          </a:prstGeom>
-        </p:spPr>
-      </p:pic>
-      <p:sp>
-        <p:nvSpPr>
-          <p:cNvPr id="2" name="Rectangle 1">
-            <a:extLst>
-              <a:ext uri="{FF2B5EF4-FFF2-40B4-BE49-F238E27FC236}">
-                <a16:creationId xmlns:a16="http://schemas.microsoft.com/office/drawing/2014/main" id="{E213EFEE-7676-4778-9964-0741D215F8F9}"/>
-              </a:ext>
-            </a:extLst>
-          </p:cNvPr>
-          <p:cNvSpPr/>
-          <p:nvPr/>
-        </p:nvSpPr>
-        <p:spPr>
-          <a:xfrm>
-            <a:off x="304800" y="294290"/>
-            <a:ext cx="11487807" cy="826046"/>
-          </a:xfrm>
-          <a:prstGeom prst="rect">
-            <a:avLst/>
-          </a:prstGeom>
-          <a:solidFill>
-            <a:schemeClr val="bg1"/>
-          </a:solidFill>
-          <a:ln>
-            <a:solidFill>
-              <a:schemeClr val="bg1"/>
-            </a:solidFill>
-          </a:ln>
-        </p:spPr>
-        <p:style>
-          <a:lnRef idx="2">
-            <a:schemeClr val="accent1">
-              <a:shade val="50000"/>
-            </a:schemeClr>
-          </a:lnRef>
-          <a:fillRef idx="1">
-            <a:schemeClr val="accent1"/>
-          </a:fillRef>
-          <a:effectRef idx="0">
-            <a:schemeClr val="accent1"/>
-          </a:effectRef>
-          <a:fontRef idx="minor">
-            <a:schemeClr val="lt1"/>
-          </a:fontRef>
-        </p:style>
-        <p:txBody>
-          <a:bodyPr rtlCol="0" anchor="ctr"/>
-          <a:lstStyle/>
-          <a:p>
-            <a:pPr algn="ctr"/>
-            <a:endParaRPr lang="en-US"/>
-          </a:p>
-        </p:txBody>
-      </p:sp>
-      <p:pic>
-        <p:nvPicPr>
-          <p:cNvPr id="7" name="Picture 6">
-            <a:extLst>
-              <a:ext uri="{FF2B5EF4-FFF2-40B4-BE49-F238E27FC236}">
-                <a16:creationId xmlns:a16="http://schemas.microsoft.com/office/drawing/2014/main" id="{40915E82-ECA0-49C6-900B-9E24F4B60543}"/>
-              </a:ext>
-            </a:extLst>
-          </p:cNvPr>
-          <p:cNvPicPr>
-            <a:picLocks noChangeAspect="1"/>
-          </p:cNvPicPr>
-          <p:nvPr/>
-        </p:nvPicPr>
-        <p:blipFill>
-          <a:blip r:embed="rId4"/>
-          <a:stretch>
-            <a:fillRect/>
-          </a:stretch>
-        </p:blipFill>
-        <p:spPr>
-          <a:xfrm>
-            <a:off x="1620306" y="0"/>
-            <a:ext cx="8678486" cy="1390844"/>
-          </a:xfrm>
-          <a:prstGeom prst="rect">
-            <a:avLst/>
-          </a:prstGeom>
-        </p:spPr>
-      </p:pic>
-      <p:pic>
-        <p:nvPicPr>
-          <p:cNvPr id="11" name="Picture 10">
-            <a:extLst>
-              <a:ext uri="{FF2B5EF4-FFF2-40B4-BE49-F238E27FC236}">
-                <a16:creationId xmlns:a16="http://schemas.microsoft.com/office/drawing/2014/main" id="{0F9C72B2-A421-4C0F-8FE3-FD82905C1E89}"/>
-              </a:ext>
-            </a:extLst>
-          </p:cNvPr>
-          <p:cNvPicPr>
-            <a:picLocks noChangeAspect="1"/>
-          </p:cNvPicPr>
-          <p:nvPr/>
-        </p:nvPicPr>
-        <p:blipFill>
-          <a:blip r:embed="rId5"/>
-          <a:stretch>
-            <a:fillRect/>
-          </a:stretch>
-        </p:blipFill>
-        <p:spPr>
-          <a:xfrm>
-            <a:off x="0" y="3766551"/>
-            <a:ext cx="6249272" cy="2600688"/>
-          </a:xfrm>
-          <a:prstGeom prst="rect">
-            <a:avLst/>
-          </a:prstGeom>
-        </p:spPr>
-      </p:pic>
-      <p:pic>
-        <p:nvPicPr>
-          <p:cNvPr id="9" name="Picture 8">
-            <a:extLst>
-              <a:ext uri="{FF2B5EF4-FFF2-40B4-BE49-F238E27FC236}">
-                <a16:creationId xmlns:a16="http://schemas.microsoft.com/office/drawing/2014/main" id="{C77D6F57-15E5-4006-AA68-16E2B0F40360}"/>
-              </a:ext>
-            </a:extLst>
-          </p:cNvPr>
-          <p:cNvPicPr>
-            <a:picLocks noChangeAspect="1"/>
-          </p:cNvPicPr>
-          <p:nvPr/>
-        </p:nvPicPr>
-        <p:blipFill>
-          <a:blip r:embed="rId6"/>
-          <a:stretch>
-            <a:fillRect/>
-          </a:stretch>
-        </p:blipFill>
-        <p:spPr>
-          <a:xfrm>
-            <a:off x="3561146" y="5429051"/>
-            <a:ext cx="8630854" cy="1428949"/>
-          </a:xfrm>
-          <a:prstGeom prst="rect">
-            <a:avLst/>
-          </a:prstGeom>
-        </p:spPr>
-      </p:pic>
-      <p:pic>
-        <p:nvPicPr>
-          <p:cNvPr id="15" name="Picture 14">
-            <a:extLst>
-              <a:ext uri="{FF2B5EF4-FFF2-40B4-BE49-F238E27FC236}">
-                <a16:creationId xmlns:a16="http://schemas.microsoft.com/office/drawing/2014/main" id="{A51E4B36-6DFB-42A4-8694-DCA6C818B7A5}"/>
-              </a:ext>
-            </a:extLst>
-          </p:cNvPr>
-          <p:cNvPicPr>
-            <a:picLocks noChangeAspect="1"/>
-          </p:cNvPicPr>
-          <p:nvPr/>
-        </p:nvPicPr>
-        <p:blipFill>
-          <a:blip r:embed="rId7"/>
-          <a:stretch>
-            <a:fillRect/>
-          </a:stretch>
-        </p:blipFill>
-        <p:spPr>
-          <a:xfrm>
-            <a:off x="6627899" y="3320715"/>
-            <a:ext cx="5564101" cy="2108335"/>
-          </a:xfrm>
-          <a:prstGeom prst="rect">
-            <a:avLst/>
-          </a:prstGeom>
-        </p:spPr>
-      </p:pic>
-    </p:spTree>
-    <p:extLst>
-      <p:ext uri="{BB962C8B-B14F-4D97-AF65-F5344CB8AC3E}">
-        <p14:creationId xmlns:p14="http://schemas.microsoft.com/office/powerpoint/2010/main" val="2984044718"/>
-      </p:ext>
-    </p:extLst>
-  </p:cSld>
-  <p:clrMapOvr>
-    <a:masterClrMapping/>
-  </p:clrMapOvr>
-</p:sld>
-</file>
-
-<file path=ppt/slides/slide3.xml><?xml version="1.0" encoding="utf-8"?>
-<p:sld xmlns:a="http://schemas.openxmlformats.org/drawingml/2006/main" xmlns:r="http://schemas.openxmlformats.org/officeDocument/2006/relationships" xmlns:p="http://schemas.openxmlformats.org/presentationml/2006/main">
-  <p:cSld>
-    <p:bg>
-      <p:bgPr>
-        <a:solidFill>
-          <a:schemeClr val="bg1"/>
-        </a:solidFill>
-        <a:effectLst/>
-      </p:bgPr>
-    </p:bg>
-    <p:spTree>
-      <p:nvGrpSpPr>
-        <p:cNvPr id="1" name=""/>
-        <p:cNvGrpSpPr/>
-        <p:nvPr/>
-      </p:nvGrpSpPr>
-      <p:grpSpPr>
-        <a:xfrm>
-          <a:off x="0" y="0"/>
-          <a:ext cx="0" cy="0"/>
-          <a:chOff x="0" y="0"/>
-          <a:chExt cx="0" cy="0"/>
-        </a:xfrm>
-      </p:grpSpPr>
-      <p:sp useBgFill="1">
-        <p:nvSpPr>
-          <p:cNvPr id="20" name="Rectangle 8">
-            <a:extLst>
-              <a:ext uri="{FF2B5EF4-FFF2-40B4-BE49-F238E27FC236}">
-                <a16:creationId xmlns:a16="http://schemas.microsoft.com/office/drawing/2014/main" id="{F68B2C62-7648-4430-90D5-AE0F252AF113}"/>
-              </a:ext>
-              <a:ext uri="{C183D7F6-B498-43B3-948B-1728B52AA6E4}">
-                <adec:decorative xmlns:adec="http://schemas.microsoft.com/office/drawing/2017/decorative" val="1"/>
-              </a:ext>
-            </a:extLst>
-          </p:cNvPr>
-          <p:cNvSpPr>
-            <a:spLocks noGrp="1" noRot="1" noChangeAspect="1" noMove="1" noResize="1" noEditPoints="1" noAdjustHandles="1" noChangeArrowheads="1" noChangeShapeType="1" noTextEdit="1"/>
-          </p:cNvSpPr>
-          <p:nvPr>
-            <p:extLst>
-              <p:ext uri="{386F3935-93C4-4BCD-93E2-E3B085C9AB24}">
-                <p16:designElem xmlns:p16="http://schemas.microsoft.com/office/powerpoint/2015/main" val="1"/>
-              </p:ext>
-            </p:extLst>
-          </p:nvPr>
-        </p:nvSpPr>
-        <p:spPr>
-          <a:xfrm>
-            <a:off x="0" y="0"/>
-            <a:ext cx="12192000" cy="6858000"/>
-          </a:xfrm>
-          <a:prstGeom prst="rect">
-            <a:avLst/>
-          </a:prstGeom>
-          <a:ln w="12700" cap="flat" cmpd="sng" algn="ctr">
-            <a:noFill/>
-            <a:prstDash val="solid"/>
-            <a:miter lim="800000"/>
-          </a:ln>
-          <a:effectLst/>
-          <a:extLst>
-            <a:ext uri="{91240B29-F687-4F45-9708-019B960494DF}">
-              <a14:hiddenLine xmlns:a14="http://schemas.microsoft.com/office/drawing/2010/main" w="12700" cap="flat" cmpd="sng" algn="ctr">
-                <a:solidFill>
-                  <a:schemeClr val="accent1">
-                    <a:shade val="50000"/>
-                  </a:schemeClr>
-                </a:solidFill>
-                <a:prstDash val="solid"/>
-                <a:miter lim="800000"/>
-              </a14:hiddenLine>
-            </a:ext>
-          </a:extLst>
-        </p:spPr>
-        <p:style>
-          <a:lnRef idx="2">
-            <a:schemeClr val="accent1">
-              <a:shade val="50000"/>
-            </a:schemeClr>
-          </a:lnRef>
-          <a:fillRef idx="1">
-            <a:schemeClr val="accent1"/>
-          </a:fillRef>
-          <a:effectRef idx="0">
-            <a:schemeClr val="accent1"/>
-          </a:effectRef>
-          <a:fontRef idx="minor">
-            <a:schemeClr val="lt1"/>
-          </a:fontRef>
-        </p:style>
-        <p:txBody>
-          <a:bodyPr rtlCol="0" anchor="ctr"/>
-          <a:lstStyle/>
-          <a:p>
-            <a:pPr algn="ctr"/>
-            <a:endParaRPr lang="en-US"/>
-          </a:p>
-        </p:txBody>
-      </p:sp>
-      <p:sp>
-        <p:nvSpPr>
-          <p:cNvPr id="21" name="Rectangle 10">
-            <a:extLst>
-              <a:ext uri="{FF2B5EF4-FFF2-40B4-BE49-F238E27FC236}">
-                <a16:creationId xmlns:a16="http://schemas.microsoft.com/office/drawing/2014/main" id="{19604516-F583-413C-8C0B-E7944F332B5A}"/>
-              </a:ext>
-              <a:ext uri="{C183D7F6-B498-43B3-948B-1728B52AA6E4}">
-                <adec:decorative xmlns:adec="http://schemas.microsoft.com/office/drawing/2017/decorative" val="1"/>
-              </a:ext>
-            </a:extLst>
-          </p:cNvPr>
-          <p:cNvSpPr>
-            <a:spLocks noGrp="1" noRot="1" noChangeAspect="1" noMove="1" noResize="1" noEditPoints="1" noAdjustHandles="1" noChangeArrowheads="1" noChangeShapeType="1" noTextEdit="1"/>
-          </p:cNvSpPr>
-          <p:nvPr>
-            <p:extLst>
-              <p:ext uri="{386F3935-93C4-4BCD-93E2-E3B085C9AB24}">
-                <p16:designElem xmlns:p16="http://schemas.microsoft.com/office/powerpoint/2015/main" val="1"/>
-              </p:ext>
-            </p:extLst>
-          </p:nvPr>
-        </p:nvSpPr>
-        <p:spPr>
-          <a:xfrm>
-            <a:off x="0" y="11"/>
-            <a:ext cx="4876800" cy="6857989"/>
-          </a:xfrm>
-          <a:prstGeom prst="rect">
-            <a:avLst/>
-          </a:prstGeom>
-          <a:solidFill>
-            <a:schemeClr val="tx1"/>
-          </a:solidFill>
-        </p:spPr>
-        <p:style>
-          <a:lnRef idx="2">
-            <a:schemeClr val="accent1">
-              <a:shade val="50000"/>
-            </a:schemeClr>
-          </a:lnRef>
-          <a:fillRef idx="1">
-            <a:schemeClr val="accent1"/>
-          </a:fillRef>
-          <a:effectRef idx="0">
-            <a:schemeClr val="accent1"/>
-          </a:effectRef>
-          <a:fontRef idx="minor">
-            <a:schemeClr val="lt1"/>
-          </a:fontRef>
-        </p:style>
-        <p:txBody>
-          <a:bodyPr rtlCol="0" anchor="ctr"/>
-          <a:lstStyle/>
-          <a:p>
-            <a:pPr algn="ctr"/>
-            <a:endParaRPr lang="en-US"/>
-          </a:p>
-        </p:txBody>
-      </p:sp>
-      <p:sp>
-        <p:nvSpPr>
-          <p:cNvPr id="2" name="Title 1">
-            <a:extLst>
-              <a:ext uri="{FF2B5EF4-FFF2-40B4-BE49-F238E27FC236}">
-                <a16:creationId xmlns:a16="http://schemas.microsoft.com/office/drawing/2014/main" id="{98D6D8DC-BBEC-4118-AB07-EF2A55F2143C}"/>
-              </a:ext>
-            </a:extLst>
-          </p:cNvPr>
-          <p:cNvSpPr>
-            <a:spLocks noGrp="1"/>
-          </p:cNvSpPr>
-          <p:nvPr>
-            <p:ph type="title"/>
-          </p:nvPr>
-        </p:nvSpPr>
-        <p:spPr>
-          <a:xfrm>
-            <a:off x="695324" y="901702"/>
-            <a:ext cx="3724528" cy="3670298"/>
-          </a:xfrm>
-        </p:spPr>
-        <p:txBody>
-          <a:bodyPr>
-            <a:normAutofit/>
-          </a:bodyPr>
-          <a:lstStyle/>
-          <a:p>
-            <a:r>
-              <a:rPr lang="en-US">
-                <a:solidFill>
-                  <a:schemeClr val="bg1"/>
-                </a:solidFill>
-              </a:rPr>
-              <a:t>The Data</a:t>
-            </a:r>
-          </a:p>
-        </p:txBody>
-      </p:sp>
-      <p:cxnSp>
-        <p:nvCxnSpPr>
-          <p:cNvPr id="22" name="Straight Connector 12">
-            <a:extLst>
-              <a:ext uri="{FF2B5EF4-FFF2-40B4-BE49-F238E27FC236}">
-                <a16:creationId xmlns:a16="http://schemas.microsoft.com/office/drawing/2014/main" id="{4BFD5B9F-5FB6-467D-83D5-DF82F1907354}"/>
-              </a:ext>
-              <a:ext uri="{C183D7F6-B498-43B3-948B-1728B52AA6E4}">
-                <adec:decorative xmlns:adec="http://schemas.microsoft.com/office/drawing/2017/decorative" val="1"/>
-              </a:ext>
-            </a:extLst>
-          </p:cNvPr>
-          <p:cNvCxnSpPr>
-            <a:cxnSpLocks noGrp="1" noRot="1" noChangeAspect="1" noMove="1" noResize="1" noEditPoints="1" noAdjustHandles="1" noChangeArrowheads="1" noChangeShapeType="1"/>
-          </p:cNvCxnSpPr>
-          <p:nvPr>
-            <p:extLst>
-              <p:ext uri="{386F3935-93C4-4BCD-93E2-E3B085C9AB24}">
-                <p16:designElem xmlns:p16="http://schemas.microsoft.com/office/powerpoint/2015/main" val="1"/>
-              </p:ext>
-            </p:extLst>
-          </p:nvPr>
-        </p:nvCxnSpPr>
-        <p:spPr>
-          <a:xfrm>
-            <a:off x="800100" y="723900"/>
-            <a:ext cx="1524000" cy="0"/>
-          </a:xfrm>
-          <a:prstGeom prst="line">
-            <a:avLst/>
-          </a:prstGeom>
-          <a:ln w="44450">
-            <a:solidFill>
-              <a:schemeClr val="bg1"/>
-            </a:solidFill>
-          </a:ln>
-        </p:spPr>
-        <p:style>
-          <a:lnRef idx="1">
-            <a:schemeClr val="accent1"/>
-          </a:lnRef>
-          <a:fillRef idx="0">
-            <a:schemeClr val="accent1"/>
-          </a:fillRef>
-          <a:effectRef idx="0">
-            <a:schemeClr val="accent1"/>
-          </a:effectRef>
-          <a:fontRef idx="minor">
-            <a:schemeClr val="tx1"/>
-          </a:fontRef>
-        </p:style>
-      </p:cxnSp>
-      <p:graphicFrame>
-        <p:nvGraphicFramePr>
-          <p:cNvPr id="23" name="Content Placeholder 2">
-            <a:extLst>
-              <a:ext uri="{FF2B5EF4-FFF2-40B4-BE49-F238E27FC236}">
-                <a16:creationId xmlns:a16="http://schemas.microsoft.com/office/drawing/2014/main" id="{CC0D4A00-BE13-485C-8E6E-F7B4FD9EC5F3}"/>
-              </a:ext>
-            </a:extLst>
-          </p:cNvPr>
-          <p:cNvGraphicFramePr>
-            <a:graphicFrameLocks noGrp="1"/>
-          </p:cNvGraphicFramePr>
-          <p:nvPr>
-            <p:ph idx="1"/>
-            <p:extLst>
-              <p:ext uri="{D42A27DB-BD31-4B8C-83A1-F6EECF244321}">
-                <p14:modId xmlns:p14="http://schemas.microsoft.com/office/powerpoint/2010/main" val="4016814847"/>
-              </p:ext>
-            </p:extLst>
-          </p:nvPr>
-        </p:nvGraphicFramePr>
-        <p:xfrm>
-          <a:off x="5715000" y="723901"/>
-          <a:ext cx="5676900" cy="5410200"/>
-        </p:xfrm>
-        <a:graphic>
-          <a:graphicData uri="http://schemas.openxmlformats.org/drawingml/2006/diagram">
-            <dgm:relIds xmlns:dgm="http://schemas.openxmlformats.org/drawingml/2006/diagram" xmlns:r="http://schemas.openxmlformats.org/officeDocument/2006/relationships" r:dm="rId2" r:lo="rId3" r:qs="rId4" r:cs="rId5"/>
-          </a:graphicData>
-        </a:graphic>
-      </p:graphicFrame>
-    </p:spTree>
-    <p:extLst>
-      <p:ext uri="{BB962C8B-B14F-4D97-AF65-F5344CB8AC3E}">
-        <p14:creationId xmlns:p14="http://schemas.microsoft.com/office/powerpoint/2010/main" val="2639864020"/>
-      </p:ext>
-    </p:extLst>
-  </p:cSld>
-  <p:clrMapOvr>
-    <a:masterClrMapping/>
-  </p:clrMapOvr>
-</p:sld>
-</file>
-
-<file path=ppt/slides/slide4.xml><?xml version="1.0" encoding="utf-8"?>
-<p:sld xmlns:a="http://schemas.openxmlformats.org/drawingml/2006/main" xmlns:r="http://schemas.openxmlformats.org/officeDocument/2006/relationships" xmlns:p="http://schemas.openxmlformats.org/presentationml/2006/main">
-  <p:cSld>
-    <p:bg>
-      <p:bgPr>
-        <a:solidFill>
-          <a:schemeClr val="bg1"/>
-        </a:solidFill>
-        <a:effectLst/>
-      </p:bgPr>
-    </p:bg>
-    <p:spTree>
-      <p:nvGrpSpPr>
-        <p:cNvPr id="1" name=""/>
-        <p:cNvGrpSpPr/>
-        <p:nvPr/>
-      </p:nvGrpSpPr>
-      <p:grpSpPr>
-        <a:xfrm>
-          <a:off x="0" y="0"/>
-          <a:ext cx="0" cy="0"/>
-          <a:chOff x="0" y="0"/>
-          <a:chExt cx="0" cy="0"/>
-        </a:xfrm>
-      </p:grpSpPr>
-      <p:cxnSp>
-        <p:nvCxnSpPr>
-          <p:cNvPr id="21" name="Straight Connector 20">
-            <a:extLst>
-              <a:ext uri="{FF2B5EF4-FFF2-40B4-BE49-F238E27FC236}">
-                <a16:creationId xmlns:a16="http://schemas.microsoft.com/office/drawing/2014/main" id="{F64F9B95-9045-48D2-B9F3-2927E98F54AA}"/>
-              </a:ext>
-              <a:ext uri="{C183D7F6-B498-43B3-948B-1728B52AA6E4}">
-                <adec:decorative xmlns:adec="http://schemas.microsoft.com/office/drawing/2017/decorative" val="1"/>
-              </a:ext>
-            </a:extLst>
-          </p:cNvPr>
-          <p:cNvCxnSpPr>
-            <a:cxnSpLocks noGrp="1" noRot="1" noChangeAspect="1" noMove="1" noResize="1" noEditPoints="1" noAdjustHandles="1" noChangeArrowheads="1" noChangeShapeType="1"/>
-          </p:cNvCxnSpPr>
-          <p:nvPr>
-            <p:extLst>
-              <p:ext uri="{386F3935-93C4-4BCD-93E2-E3B085C9AB24}">
-                <p16:designElem xmlns:p16="http://schemas.microsoft.com/office/powerpoint/2015/main" val="1"/>
-              </p:ext>
-            </p:extLst>
-          </p:nvPr>
-        </p:nvCxnSpPr>
-        <p:spPr>
-          <a:xfrm>
-            <a:off x="800100" y="723900"/>
-            <a:ext cx="10591800" cy="0"/>
-          </a:xfrm>
-          <a:prstGeom prst="line">
-            <a:avLst/>
-          </a:prstGeom>
-          <a:ln w="44450">
-            <a:solidFill>
-              <a:schemeClr val="tx1"/>
-            </a:solidFill>
-          </a:ln>
-        </p:spPr>
-        <p:style>
-          <a:lnRef idx="1">
-            <a:schemeClr val="accent1"/>
-          </a:lnRef>
-          <a:fillRef idx="0">
-            <a:schemeClr val="accent1"/>
-          </a:fillRef>
-          <a:effectRef idx="0">
-            <a:schemeClr val="accent1"/>
-          </a:effectRef>
-          <a:fontRef idx="minor">
-            <a:schemeClr val="tx1"/>
-          </a:fontRef>
-        </p:style>
-      </p:cxnSp>
-      <p:cxnSp>
-        <p:nvCxnSpPr>
-          <p:cNvPr id="23" name="Straight Connector 22">
-            <a:extLst>
-              <a:ext uri="{FF2B5EF4-FFF2-40B4-BE49-F238E27FC236}">
-                <a16:creationId xmlns:a16="http://schemas.microsoft.com/office/drawing/2014/main" id="{085AA86F-6A4D-4BCB-A045-D992CDC2959B}"/>
-              </a:ext>
-              <a:ext uri="{C183D7F6-B498-43B3-948B-1728B52AA6E4}">
-                <adec:decorative xmlns:adec="http://schemas.microsoft.com/office/drawing/2017/decorative" val="1"/>
-              </a:ext>
-            </a:extLst>
-          </p:cNvPr>
-          <p:cNvCxnSpPr>
-            <a:cxnSpLocks noGrp="1" noRot="1" noChangeAspect="1" noMove="1" noResize="1" noEditPoints="1" noAdjustHandles="1" noChangeArrowheads="1" noChangeShapeType="1"/>
-          </p:cNvCxnSpPr>
-          <p:nvPr>
-            <p:extLst>
-              <p:ext uri="{386F3935-93C4-4BCD-93E2-E3B085C9AB24}">
-                <p16:designElem xmlns:p16="http://schemas.microsoft.com/office/powerpoint/2015/main" val="1"/>
-              </p:ext>
-            </p:extLst>
-          </p:nvPr>
-        </p:nvCxnSpPr>
-        <p:spPr>
-          <a:xfrm>
-            <a:off x="800100" y="6142781"/>
-            <a:ext cx="10591800" cy="0"/>
-          </a:xfrm>
-          <a:prstGeom prst="line">
-            <a:avLst/>
-          </a:prstGeom>
-          <a:ln w="12700">
-            <a:solidFill>
-              <a:schemeClr val="tx1"/>
-            </a:solidFill>
-          </a:ln>
-        </p:spPr>
-        <p:style>
-          <a:lnRef idx="1">
-            <a:schemeClr val="accent1"/>
-          </a:lnRef>
-          <a:fillRef idx="0">
-            <a:schemeClr val="accent1"/>
-          </a:fillRef>
-          <a:effectRef idx="0">
-            <a:schemeClr val="accent1"/>
-          </a:effectRef>
-          <a:fontRef idx="minor">
-            <a:schemeClr val="tx1"/>
-          </a:fontRef>
-        </p:style>
-      </p:cxnSp>
-      <p:sp useBgFill="1">
-        <p:nvSpPr>
-          <p:cNvPr id="25" name="Rectangle 24">
-            <a:extLst>
-              <a:ext uri="{FF2B5EF4-FFF2-40B4-BE49-F238E27FC236}">
-                <a16:creationId xmlns:a16="http://schemas.microsoft.com/office/drawing/2014/main" id="{33E93247-6229-44AB-A550-739E971E690B}"/>
-              </a:ext>
-              <a:ext uri="{C183D7F6-B498-43B3-948B-1728B52AA6E4}">
-                <adec:decorative xmlns:adec="http://schemas.microsoft.com/office/drawing/2017/decorative" val="1"/>
-              </a:ext>
-            </a:extLst>
-          </p:cNvPr>
-          <p:cNvSpPr>
-            <a:spLocks noGrp="1" noRot="1" noChangeAspect="1" noMove="1" noResize="1" noEditPoints="1" noAdjustHandles="1" noChangeArrowheads="1" noChangeShapeType="1" noTextEdit="1"/>
-          </p:cNvSpPr>
-          <p:nvPr>
-            <p:extLst>
-              <p:ext uri="{386F3935-93C4-4BCD-93E2-E3B085C9AB24}">
-                <p16:designElem xmlns:p16="http://schemas.microsoft.com/office/powerpoint/2015/main" val="1"/>
-              </p:ext>
-            </p:extLst>
-          </p:nvPr>
-        </p:nvSpPr>
-        <p:spPr>
-          <a:xfrm>
-            <a:off x="0" y="0"/>
-            <a:ext cx="12192000" cy="6858000"/>
-          </a:xfrm>
-          <a:prstGeom prst="rect">
-            <a:avLst/>
-          </a:prstGeom>
-          <a:ln w="12700" cap="flat" cmpd="sng" algn="ctr">
-            <a:noFill/>
-            <a:prstDash val="solid"/>
-            <a:miter lim="800000"/>
-          </a:ln>
-          <a:effectLst/>
-          <a:extLst>
-            <a:ext uri="{91240B29-F687-4F45-9708-019B960494DF}">
-              <a14:hiddenLine xmlns:a14="http://schemas.microsoft.com/office/drawing/2010/main" w="12700" cap="flat" cmpd="sng" algn="ctr">
-                <a:solidFill>
-                  <a:schemeClr val="accent1">
-                    <a:shade val="50000"/>
-                  </a:schemeClr>
-                </a:solidFill>
-                <a:prstDash val="solid"/>
-                <a:miter lim="800000"/>
-              </a14:hiddenLine>
-            </a:ext>
-          </a:extLst>
-        </p:spPr>
-        <p:style>
-          <a:lnRef idx="2">
-            <a:schemeClr val="accent1">
-              <a:shade val="50000"/>
-            </a:schemeClr>
-          </a:lnRef>
-          <a:fillRef idx="1">
-            <a:schemeClr val="accent1"/>
-          </a:fillRef>
-          <a:effectRef idx="0">
-            <a:schemeClr val="accent1"/>
-          </a:effectRef>
-          <a:fontRef idx="minor">
-            <a:schemeClr val="lt1"/>
-          </a:fontRef>
-        </p:style>
-        <p:txBody>
-          <a:bodyPr rtlCol="0" anchor="ctr"/>
-          <a:lstStyle/>
-          <a:p>
-            <a:pPr algn="ctr"/>
-            <a:endParaRPr lang="en-US"/>
-          </a:p>
-        </p:txBody>
-      </p:sp>
-      <p:sp>
-        <p:nvSpPr>
-          <p:cNvPr id="4" name="Title 3">
-            <a:extLst>
-              <a:ext uri="{FF2B5EF4-FFF2-40B4-BE49-F238E27FC236}">
-                <a16:creationId xmlns:a16="http://schemas.microsoft.com/office/drawing/2014/main" id="{DD23A985-E245-4833-A627-2D6BC3B62445}"/>
-              </a:ext>
-            </a:extLst>
-          </p:cNvPr>
-          <p:cNvSpPr>
-            <a:spLocks noGrp="1"/>
-          </p:cNvSpPr>
-          <p:nvPr>
-            <p:ph type="title"/>
-          </p:nvPr>
-        </p:nvSpPr>
-        <p:spPr>
-          <a:xfrm>
-            <a:off x="695325" y="914557"/>
-            <a:ext cx="10872665" cy="705780"/>
-          </a:xfrm>
-        </p:spPr>
-        <p:txBody>
-          <a:bodyPr vert="horz" lIns="91440" tIns="45720" rIns="91440" bIns="45720" rtlCol="0" anchor="t">
-            <a:normAutofit/>
-          </a:bodyPr>
-          <a:lstStyle/>
-          <a:p>
-            <a:r>
-              <a:rPr lang="en-US" dirty="0"/>
-              <a:t>Sentiment of Reddit Posts</a:t>
-            </a:r>
-          </a:p>
-        </p:txBody>
-      </p:sp>
-      <p:cxnSp>
-        <p:nvCxnSpPr>
-          <p:cNvPr id="27" name="Straight Connector 26">
-            <a:extLst>
-              <a:ext uri="{FF2B5EF4-FFF2-40B4-BE49-F238E27FC236}">
-                <a16:creationId xmlns:a16="http://schemas.microsoft.com/office/drawing/2014/main" id="{EE2E603F-4A95-4FE8-BB06-211DFD75DBEF}"/>
-              </a:ext>
-              <a:ext uri="{C183D7F6-B498-43B3-948B-1728B52AA6E4}">
-                <adec:decorative xmlns:adec="http://schemas.microsoft.com/office/drawing/2017/decorative" val="1"/>
-              </a:ext>
-            </a:extLst>
-          </p:cNvPr>
-          <p:cNvCxnSpPr>
-            <a:cxnSpLocks noGrp="1" noRot="1" noChangeAspect="1" noMove="1" noResize="1" noEditPoints="1" noAdjustHandles="1" noChangeArrowheads="1" noChangeShapeType="1"/>
-          </p:cNvCxnSpPr>
-          <p:nvPr>
-            <p:extLst>
-              <p:ext uri="{386F3935-93C4-4BCD-93E2-E3B085C9AB24}">
-                <p16:designElem xmlns:p16="http://schemas.microsoft.com/office/powerpoint/2015/main" val="1"/>
-              </p:ext>
-            </p:extLst>
-          </p:nvPr>
-        </p:nvCxnSpPr>
-        <p:spPr>
-          <a:xfrm>
-            <a:off x="800100" y="723900"/>
-            <a:ext cx="1638300" cy="0"/>
-          </a:xfrm>
-          <a:prstGeom prst="line">
-            <a:avLst/>
-          </a:prstGeom>
-          <a:ln w="44450">
-            <a:solidFill>
-              <a:schemeClr val="tx1"/>
-            </a:solidFill>
-          </a:ln>
-        </p:spPr>
-        <p:style>
-          <a:lnRef idx="1">
-            <a:schemeClr val="accent1"/>
-          </a:lnRef>
-          <a:fillRef idx="0">
-            <a:schemeClr val="accent1"/>
-          </a:fillRef>
-          <a:effectRef idx="0">
-            <a:schemeClr val="accent1"/>
-          </a:effectRef>
-          <a:fontRef idx="minor">
-            <a:schemeClr val="tx1"/>
-          </a:fontRef>
-        </p:style>
-      </p:cxnSp>
-      <p:pic>
-        <p:nvPicPr>
-          <p:cNvPr id="3" name="Content Placeholder 2">
-            <a:extLst>
-              <a:ext uri="{FF2B5EF4-FFF2-40B4-BE49-F238E27FC236}">
-                <a16:creationId xmlns:a16="http://schemas.microsoft.com/office/drawing/2014/main" id="{7B742CE7-CA21-470C-AC2B-F89ECEC311CD}"/>
+          <p:cNvPr id="5" name="Content Placeholder 4">
+            <a:extLst>
+              <a:ext uri="{FF2B5EF4-FFF2-40B4-BE49-F238E27FC236}">
+                <a16:creationId xmlns:a16="http://schemas.microsoft.com/office/drawing/2014/main" id="{610B6BDA-1EC9-4C43-B24F-F63F069F6104}"/>
               </a:ext>
             </a:extLst>
           </p:cNvPr>
@@ -11046,319 +10858,9 @@
             <p:ph idx="1"/>
           </p:nvPr>
         </p:nvPicPr>
-        <p:blipFill>
+        <p:blipFill rotWithShape="1">
           <a:blip r:embed="rId2"/>
-          <a:stretch>
-            <a:fillRect/>
-          </a:stretch>
-        </p:blipFill>
-        <p:spPr>
-          <a:xfrm>
-            <a:off x="1607105" y="2292953"/>
-            <a:ext cx="8977789" cy="3860450"/>
-          </a:xfrm>
-          <a:prstGeom prst="rect">
-            <a:avLst/>
-          </a:prstGeom>
-        </p:spPr>
-      </p:pic>
-    </p:spTree>
-    <p:extLst>
-      <p:ext uri="{BB962C8B-B14F-4D97-AF65-F5344CB8AC3E}">
-        <p14:creationId xmlns:p14="http://schemas.microsoft.com/office/powerpoint/2010/main" val="3731193904"/>
-      </p:ext>
-    </p:extLst>
-  </p:cSld>
-  <p:clrMapOvr>
-    <a:masterClrMapping/>
-  </p:clrMapOvr>
-</p:sld>
-</file>
-
-<file path=ppt/slides/slide5.xml><?xml version="1.0" encoding="utf-8"?>
-<p:sld xmlns:a="http://schemas.openxmlformats.org/drawingml/2006/main" xmlns:r="http://schemas.openxmlformats.org/officeDocument/2006/relationships" xmlns:p="http://schemas.openxmlformats.org/presentationml/2006/main">
-  <p:cSld>
-    <p:spTree>
-      <p:nvGrpSpPr>
-        <p:cNvPr id="1" name=""/>
-        <p:cNvGrpSpPr/>
-        <p:nvPr/>
-      </p:nvGrpSpPr>
-      <p:grpSpPr>
-        <a:xfrm>
-          <a:off x="0" y="0"/>
-          <a:ext cx="0" cy="0"/>
-          <a:chOff x="0" y="0"/>
-          <a:chExt cx="0" cy="0"/>
-        </a:xfrm>
-      </p:grpSpPr>
-      <p:pic>
-        <p:nvPicPr>
-          <p:cNvPr id="5" name="Picture 4">
-            <a:extLst>
-              <a:ext uri="{FF2B5EF4-FFF2-40B4-BE49-F238E27FC236}">
-                <a16:creationId xmlns:a16="http://schemas.microsoft.com/office/drawing/2014/main" id="{466B7F85-8459-47C9-8AB7-0098FA161485}"/>
-              </a:ext>
-            </a:extLst>
-          </p:cNvPr>
-          <p:cNvPicPr>
-            <a:picLocks noChangeAspect="1"/>
-          </p:cNvPicPr>
-          <p:nvPr/>
-        </p:nvPicPr>
-        <p:blipFill>
-          <a:blip r:embed="rId2"/>
-          <a:stretch>
-            <a:fillRect/>
-          </a:stretch>
-        </p:blipFill>
-        <p:spPr>
-          <a:xfrm>
-            <a:off x="0" y="0"/>
-            <a:ext cx="12192000" cy="6717438"/>
-          </a:xfrm>
-          <a:prstGeom prst="rect">
-            <a:avLst/>
-          </a:prstGeom>
-        </p:spPr>
-      </p:pic>
-    </p:spTree>
-    <p:extLst>
-      <p:ext uri="{BB962C8B-B14F-4D97-AF65-F5344CB8AC3E}">
-        <p14:creationId xmlns:p14="http://schemas.microsoft.com/office/powerpoint/2010/main" val="2353937424"/>
-      </p:ext>
-    </p:extLst>
-  </p:cSld>
-  <p:clrMapOvr>
-    <a:masterClrMapping/>
-  </p:clrMapOvr>
-</p:sld>
-</file>
-
-<file path=ppt/slides/slide6.xml><?xml version="1.0" encoding="utf-8"?>
-<p:sld xmlns:a="http://schemas.openxmlformats.org/drawingml/2006/main" xmlns:r="http://schemas.openxmlformats.org/officeDocument/2006/relationships" xmlns:p="http://schemas.openxmlformats.org/presentationml/2006/main">
-  <p:cSld>
-    <p:bg>
-      <p:bgPr>
-        <a:solidFill>
-          <a:schemeClr val="bg1"/>
-        </a:solidFill>
-        <a:effectLst/>
-      </p:bgPr>
-    </p:bg>
-    <p:spTree>
-      <p:nvGrpSpPr>
-        <p:cNvPr id="1" name=""/>
-        <p:cNvGrpSpPr/>
-        <p:nvPr/>
-      </p:nvGrpSpPr>
-      <p:grpSpPr>
-        <a:xfrm>
-          <a:off x="0" y="0"/>
-          <a:ext cx="0" cy="0"/>
-          <a:chOff x="0" y="0"/>
-          <a:chExt cx="0" cy="0"/>
-        </a:xfrm>
-      </p:grpSpPr>
-      <p:cxnSp>
-        <p:nvCxnSpPr>
-          <p:cNvPr id="12" name="Straight Connector 11">
-            <a:extLst>
-              <a:ext uri="{FF2B5EF4-FFF2-40B4-BE49-F238E27FC236}">
-                <a16:creationId xmlns:a16="http://schemas.microsoft.com/office/drawing/2014/main" id="{F64F9B95-9045-48D2-B9F3-2927E98F54AA}"/>
-              </a:ext>
-              <a:ext uri="{C183D7F6-B498-43B3-948B-1728B52AA6E4}">
-                <adec:decorative xmlns:adec="http://schemas.microsoft.com/office/drawing/2017/decorative" val="1"/>
-              </a:ext>
-            </a:extLst>
-          </p:cNvPr>
-          <p:cNvCxnSpPr>
-            <a:cxnSpLocks noGrp="1" noRot="1" noChangeAspect="1" noMove="1" noResize="1" noEditPoints="1" noAdjustHandles="1" noChangeArrowheads="1" noChangeShapeType="1"/>
-          </p:cNvCxnSpPr>
-          <p:nvPr>
-            <p:extLst>
-              <p:ext uri="{386F3935-93C4-4BCD-93E2-E3B085C9AB24}">
-                <p16:designElem xmlns:p16="http://schemas.microsoft.com/office/powerpoint/2015/main" val="1"/>
-              </p:ext>
-            </p:extLst>
-          </p:nvPr>
-        </p:nvCxnSpPr>
-        <p:spPr>
-          <a:xfrm>
-            <a:off x="800100" y="723900"/>
-            <a:ext cx="10591800" cy="0"/>
-          </a:xfrm>
-          <a:prstGeom prst="line">
-            <a:avLst/>
-          </a:prstGeom>
-          <a:ln w="44450">
-            <a:solidFill>
-              <a:schemeClr val="tx1"/>
-            </a:solidFill>
-          </a:ln>
-        </p:spPr>
-        <p:style>
-          <a:lnRef idx="1">
-            <a:schemeClr val="accent1"/>
-          </a:lnRef>
-          <a:fillRef idx="0">
-            <a:schemeClr val="accent1"/>
-          </a:fillRef>
-          <a:effectRef idx="0">
-            <a:schemeClr val="accent1"/>
-          </a:effectRef>
-          <a:fontRef idx="minor">
-            <a:schemeClr val="tx1"/>
-          </a:fontRef>
-        </p:style>
-      </p:cxnSp>
-      <p:cxnSp>
-        <p:nvCxnSpPr>
-          <p:cNvPr id="14" name="Straight Connector 13">
-            <a:extLst>
-              <a:ext uri="{FF2B5EF4-FFF2-40B4-BE49-F238E27FC236}">
-                <a16:creationId xmlns:a16="http://schemas.microsoft.com/office/drawing/2014/main" id="{085AA86F-6A4D-4BCB-A045-D992CDC2959B}"/>
-              </a:ext>
-              <a:ext uri="{C183D7F6-B498-43B3-948B-1728B52AA6E4}">
-                <adec:decorative xmlns:adec="http://schemas.microsoft.com/office/drawing/2017/decorative" val="1"/>
-              </a:ext>
-            </a:extLst>
-          </p:cNvPr>
-          <p:cNvCxnSpPr>
-            <a:cxnSpLocks noGrp="1" noRot="1" noChangeAspect="1" noMove="1" noResize="1" noEditPoints="1" noAdjustHandles="1" noChangeArrowheads="1" noChangeShapeType="1"/>
-          </p:cNvCxnSpPr>
-          <p:nvPr>
-            <p:extLst>
-              <p:ext uri="{386F3935-93C4-4BCD-93E2-E3B085C9AB24}">
-                <p16:designElem xmlns:p16="http://schemas.microsoft.com/office/powerpoint/2015/main" val="1"/>
-              </p:ext>
-            </p:extLst>
-          </p:nvPr>
-        </p:nvCxnSpPr>
-        <p:spPr>
-          <a:xfrm>
-            <a:off x="800100" y="6142781"/>
-            <a:ext cx="10591800" cy="0"/>
-          </a:xfrm>
-          <a:prstGeom prst="line">
-            <a:avLst/>
-          </a:prstGeom>
-          <a:ln w="12700">
-            <a:solidFill>
-              <a:schemeClr val="tx1"/>
-            </a:solidFill>
-          </a:ln>
-        </p:spPr>
-        <p:style>
-          <a:lnRef idx="1">
-            <a:schemeClr val="accent1"/>
-          </a:lnRef>
-          <a:fillRef idx="0">
-            <a:schemeClr val="accent1"/>
-          </a:fillRef>
-          <a:effectRef idx="0">
-            <a:schemeClr val="accent1"/>
-          </a:effectRef>
-          <a:fontRef idx="minor">
-            <a:schemeClr val="tx1"/>
-          </a:fontRef>
-        </p:style>
-      </p:cxnSp>
-      <p:sp useBgFill="1">
-        <p:nvSpPr>
-          <p:cNvPr id="16" name="Rectangle 15">
-            <a:extLst>
-              <a:ext uri="{FF2B5EF4-FFF2-40B4-BE49-F238E27FC236}">
-                <a16:creationId xmlns:a16="http://schemas.microsoft.com/office/drawing/2014/main" id="{85CB65D0-496F-4797-A015-C85839E35D1A}"/>
-              </a:ext>
-              <a:ext uri="{C183D7F6-B498-43B3-948B-1728B52AA6E4}">
-                <adec:decorative xmlns:adec="http://schemas.microsoft.com/office/drawing/2017/decorative" val="1"/>
-              </a:ext>
-            </a:extLst>
-          </p:cNvPr>
-          <p:cNvSpPr>
-            <a:spLocks noGrp="1" noRot="1" noChangeAspect="1" noMove="1" noResize="1" noEditPoints="1" noAdjustHandles="1" noChangeArrowheads="1" noChangeShapeType="1" noTextEdit="1"/>
-          </p:cNvSpPr>
-          <p:nvPr>
-            <p:extLst>
-              <p:ext uri="{386F3935-93C4-4BCD-93E2-E3B085C9AB24}">
-                <p16:designElem xmlns:p16="http://schemas.microsoft.com/office/powerpoint/2015/main" val="1"/>
-              </p:ext>
-            </p:extLst>
-          </p:nvPr>
-        </p:nvSpPr>
-        <p:spPr>
-          <a:xfrm>
-            <a:off x="0" y="0"/>
-            <a:ext cx="12192000" cy="6858000"/>
-          </a:xfrm>
-          <a:prstGeom prst="rect">
-            <a:avLst/>
-          </a:prstGeom>
-          <a:ln w="12700" cap="flat" cmpd="sng" algn="ctr">
-            <a:noFill/>
-            <a:prstDash val="solid"/>
-            <a:miter lim="800000"/>
-          </a:ln>
-          <a:effectLst/>
-          <a:extLst>
-            <a:ext uri="{91240B29-F687-4F45-9708-019B960494DF}">
-              <a14:hiddenLine xmlns:a14="http://schemas.microsoft.com/office/drawing/2010/main" w="12700" cap="flat" cmpd="sng" algn="ctr">
-                <a:solidFill>
-                  <a:schemeClr val="accent1">
-                    <a:shade val="50000"/>
-                  </a:schemeClr>
-                </a:solidFill>
-                <a:prstDash val="solid"/>
-                <a:miter lim="800000"/>
-              </a14:hiddenLine>
-            </a:ext>
-          </a:extLst>
-        </p:spPr>
-        <p:style>
-          <a:lnRef idx="2">
-            <a:schemeClr val="accent1">
-              <a:shade val="50000"/>
-            </a:schemeClr>
-          </a:lnRef>
-          <a:fillRef idx="1">
-            <a:schemeClr val="accent1"/>
-          </a:fillRef>
-          <a:effectRef idx="0">
-            <a:schemeClr val="accent1"/>
-          </a:effectRef>
-          <a:fontRef idx="minor">
-            <a:schemeClr val="lt1"/>
-          </a:fontRef>
-        </p:style>
-        <p:txBody>
-          <a:bodyPr rtlCol="0" anchor="ctr"/>
-          <a:lstStyle/>
-          <a:p>
-            <a:pPr algn="ctr"/>
-            <a:endParaRPr lang="en-US"/>
-          </a:p>
-        </p:txBody>
-      </p:sp>
-      <p:pic>
-        <p:nvPicPr>
-          <p:cNvPr id="5" name="Content Placeholder 4">
-            <a:extLst>
-              <a:ext uri="{FF2B5EF4-FFF2-40B4-BE49-F238E27FC236}">
-                <a16:creationId xmlns:a16="http://schemas.microsoft.com/office/drawing/2014/main" id="{E9227A94-8B39-4A38-BDD4-F81C4EF3EDE5}"/>
-              </a:ext>
-            </a:extLst>
-          </p:cNvPr>
-          <p:cNvPicPr>
-            <a:picLocks noGrp="1" noChangeAspect="1"/>
-          </p:cNvPicPr>
-          <p:nvPr>
-            <p:ph idx="1"/>
-          </p:nvPr>
-        </p:nvPicPr>
-        <p:blipFill rotWithShape="1">
-          <a:blip r:embed="rId3"/>
-          <a:srcRect l="9494" r="1617"/>
+          <a:srcRect l="2352" r="8314" b="-1"/>
           <a:stretch/>
         </p:blipFill>
         <p:spPr>
@@ -11373,7 +10875,7 @@
       </p:pic>
       <p:sp>
         <p:nvSpPr>
-          <p:cNvPr id="18" name="Rectangle 17">
+          <p:cNvPr id="16" name="Rectangle 15">
             <a:extLst>
               <a:ext uri="{FF2B5EF4-FFF2-40B4-BE49-F238E27FC236}">
                 <a16:creationId xmlns:a16="http://schemas.microsoft.com/office/drawing/2014/main" id="{95D2C779-8883-4E5F-A170-0F464918C1B7}"/>
@@ -11463,10 +10965,10 @@
       </p:sp>
       <p:sp>
         <p:nvSpPr>
-          <p:cNvPr id="6" name="Title 5">
-            <a:extLst>
-              <a:ext uri="{FF2B5EF4-FFF2-40B4-BE49-F238E27FC236}">
-                <a16:creationId xmlns:a16="http://schemas.microsoft.com/office/drawing/2014/main" id="{C7619A11-F691-4C62-9F18-A4576C89BA5B}"/>
+          <p:cNvPr id="2" name="Title 1">
+            <a:extLst>
+              <a:ext uri="{FF2B5EF4-FFF2-40B4-BE49-F238E27FC236}">
+                <a16:creationId xmlns:a16="http://schemas.microsoft.com/office/drawing/2014/main" id="{F5BEEE25-74F6-4024-808D-10960EAA6259}"/>
               </a:ext>
             </a:extLst>
           </p:cNvPr>
@@ -11491,19 +10993,19 @@
           <a:p>
             <a:pPr algn="r"/>
             <a:r>
-              <a:rPr lang="en-US" sz="5400">
+              <a:rPr lang="en-US" sz="5400" dirty="0">
                 <a:solidFill>
                   <a:srgbClr val="FFFFFF"/>
                 </a:solidFill>
               </a:rPr>
-              <a:t>r/politics</a:t>
+              <a:t>r/libertarian</a:t>
             </a:r>
           </a:p>
         </p:txBody>
       </p:sp>
       <p:cxnSp>
         <p:nvCxnSpPr>
-          <p:cNvPr id="20" name="Straight Connector 19">
+          <p:cNvPr id="18" name="Straight Connector 17">
             <a:extLst>
               <a:ext uri="{FF2B5EF4-FFF2-40B4-BE49-F238E27FC236}">
                 <a16:creationId xmlns:a16="http://schemas.microsoft.com/office/drawing/2014/main" id="{BD96A694-258D-4418-A83C-B9BA72FD44B8}"/>
@@ -11563,7 +11065,7 @@
     </p:spTree>
     <p:extLst>
       <p:ext uri="{BB962C8B-B14F-4D97-AF65-F5344CB8AC3E}">
-        <p14:creationId xmlns:p14="http://schemas.microsoft.com/office/powerpoint/2010/main" val="185075833"/>
+        <p14:creationId xmlns:p14="http://schemas.microsoft.com/office/powerpoint/2010/main" val="3814263031"/>
       </p:ext>
     </p:extLst>
   </p:cSld>
@@ -11573,7 +11075,90 @@
 </p:sld>
 </file>
 
-<file path=ppt/slides/slide7.xml><?xml version="1.0" encoding="utf-8"?>
+<file path=ppt/slides/slide13.xml><?xml version="1.0" encoding="utf-8"?>
+<p:sld xmlns:a="http://schemas.openxmlformats.org/drawingml/2006/main" xmlns:r="http://schemas.openxmlformats.org/officeDocument/2006/relationships" xmlns:p="http://schemas.openxmlformats.org/presentationml/2006/main">
+  <p:cSld>
+    <p:spTree>
+      <p:nvGrpSpPr>
+        <p:cNvPr id="1" name=""/>
+        <p:cNvGrpSpPr/>
+        <p:nvPr/>
+      </p:nvGrpSpPr>
+      <p:grpSpPr>
+        <a:xfrm>
+          <a:off x="0" y="0"/>
+          <a:ext cx="0" cy="0"/>
+          <a:chOff x="0" y="0"/>
+          <a:chExt cx="0" cy="0"/>
+        </a:xfrm>
+      </p:grpSpPr>
+      <p:sp>
+        <p:nvSpPr>
+          <p:cNvPr id="4" name="Title 3">
+            <a:extLst>
+              <a:ext uri="{FF2B5EF4-FFF2-40B4-BE49-F238E27FC236}">
+                <a16:creationId xmlns:a16="http://schemas.microsoft.com/office/drawing/2014/main" id="{B18F76CD-056A-4F5A-BC9C-9A85318B12F5}"/>
+              </a:ext>
+            </a:extLst>
+          </p:cNvPr>
+          <p:cNvSpPr>
+            <a:spLocks noGrp="1"/>
+          </p:cNvSpPr>
+          <p:nvPr>
+            <p:ph type="title"/>
+          </p:nvPr>
+        </p:nvSpPr>
+        <p:spPr/>
+        <p:txBody>
+          <a:bodyPr/>
+          <a:lstStyle/>
+          <a:p>
+            <a:r>
+              <a:rPr lang="en-US" dirty="0"/>
+              <a:t>Modelling Results</a:t>
+            </a:r>
+          </a:p>
+        </p:txBody>
+      </p:sp>
+      <p:sp>
+        <p:nvSpPr>
+          <p:cNvPr id="5" name="Text Placeholder 4">
+            <a:extLst>
+              <a:ext uri="{FF2B5EF4-FFF2-40B4-BE49-F238E27FC236}">
+                <a16:creationId xmlns:a16="http://schemas.microsoft.com/office/drawing/2014/main" id="{2D51C9D5-F00D-4F05-A35B-49D25BDC99E4}"/>
+              </a:ext>
+            </a:extLst>
+          </p:cNvPr>
+          <p:cNvSpPr>
+            <a:spLocks noGrp="1"/>
+          </p:cNvSpPr>
+          <p:nvPr>
+            <p:ph type="body" idx="1"/>
+          </p:nvPr>
+        </p:nvSpPr>
+        <p:spPr/>
+        <p:txBody>
+          <a:bodyPr/>
+          <a:lstStyle/>
+          <a:p>
+            <a:endParaRPr lang="en-US"/>
+          </a:p>
+        </p:txBody>
+      </p:sp>
+    </p:spTree>
+    <p:extLst>
+      <p:ext uri="{BB962C8B-B14F-4D97-AF65-F5344CB8AC3E}">
+        <p14:creationId xmlns:p14="http://schemas.microsoft.com/office/powerpoint/2010/main" val="408135899"/>
+      </p:ext>
+    </p:extLst>
+  </p:cSld>
+  <p:clrMapOvr>
+    <a:masterClrMapping/>
+  </p:clrMapOvr>
+</p:sld>
+</file>
+
+<file path=ppt/slides/slide14.xml><?xml version="1.0" encoding="utf-8"?>
 <p:sld xmlns:a="http://schemas.openxmlformats.org/drawingml/2006/main" xmlns:r="http://schemas.openxmlformats.org/officeDocument/2006/relationships" xmlns:p="http://schemas.openxmlformats.org/presentationml/2006/main">
   <p:cSld>
     <p:bg>
@@ -11707,7 +11292,7 @@
           <p:cNvPr id="14" name="Rectangle 13">
             <a:extLst>
               <a:ext uri="{FF2B5EF4-FFF2-40B4-BE49-F238E27FC236}">
-                <a16:creationId xmlns:a16="http://schemas.microsoft.com/office/drawing/2014/main" id="{85CB65D0-496F-4797-A015-C85839E35D1A}"/>
+                <a16:creationId xmlns:a16="http://schemas.microsoft.com/office/drawing/2014/main" id="{33E93247-6229-44AB-A550-739E971E690B}"/>
               </a:ext>
               <a:ext uri="{C183D7F6-B498-43B3-948B-1728B52AA6E4}">
                 <adec:decorative xmlns:adec="http://schemas.microsoft.com/office/drawing/2017/decorative" val="1"/>
@@ -11778,12 +11363,1798 @@
           </a:p>
         </p:txBody>
       </p:sp>
+      <p:sp>
+        <p:nvSpPr>
+          <p:cNvPr id="2" name="Title 1">
+            <a:extLst>
+              <a:ext uri="{FF2B5EF4-FFF2-40B4-BE49-F238E27FC236}">
+                <a16:creationId xmlns:a16="http://schemas.microsoft.com/office/drawing/2014/main" id="{C47C1090-620E-4C42-A27F-4595E37C0D01}"/>
+              </a:ext>
+            </a:extLst>
+          </p:cNvPr>
+          <p:cNvSpPr>
+            <a:spLocks noGrp="1"/>
+          </p:cNvSpPr>
+          <p:nvPr>
+            <p:ph type="title"/>
+          </p:nvPr>
+        </p:nvSpPr>
+        <p:spPr>
+          <a:xfrm>
+            <a:off x="685800" y="899024"/>
+            <a:ext cx="3076032" cy="3914947"/>
+          </a:xfrm>
+        </p:spPr>
+        <p:txBody>
+          <a:bodyPr vert="horz" lIns="91440" tIns="45720" rIns="91440" bIns="45720" rtlCol="0" anchor="t">
+            <a:normAutofit/>
+          </a:bodyPr>
+          <a:lstStyle/>
+          <a:p>
+            <a:endParaRPr lang="en-US" sz="4000"/>
+          </a:p>
+        </p:txBody>
+      </p:sp>
+      <p:sp>
+        <p:nvSpPr>
+          <p:cNvPr id="3" name="Text Placeholder 2">
+            <a:extLst>
+              <a:ext uri="{FF2B5EF4-FFF2-40B4-BE49-F238E27FC236}">
+                <a16:creationId xmlns:a16="http://schemas.microsoft.com/office/drawing/2014/main" id="{A27FBDF8-1359-46BF-84F6-AC8736B7D724}"/>
+              </a:ext>
+            </a:extLst>
+          </p:cNvPr>
+          <p:cNvSpPr>
+            <a:spLocks noGrp="1"/>
+          </p:cNvSpPr>
+          <p:nvPr>
+            <p:ph type="body" idx="1"/>
+          </p:nvPr>
+        </p:nvSpPr>
+        <p:spPr>
+          <a:xfrm>
+            <a:off x="729624" y="4914199"/>
+            <a:ext cx="2703583" cy="965440"/>
+          </a:xfrm>
+        </p:spPr>
+        <p:txBody>
+          <a:bodyPr vert="horz" lIns="91440" tIns="45720" rIns="91440" bIns="45720" rtlCol="0" anchor="b">
+            <a:normAutofit/>
+          </a:bodyPr>
+          <a:lstStyle/>
+          <a:p>
+            <a:endParaRPr lang="en-US" sz="1800">
+              <a:solidFill>
+                <a:schemeClr val="tx1"/>
+              </a:solidFill>
+            </a:endParaRPr>
+          </a:p>
+        </p:txBody>
+      </p:sp>
+      <p:cxnSp>
+        <p:nvCxnSpPr>
+          <p:cNvPr id="16" name="Straight Connector 15">
+            <a:extLst>
+              <a:ext uri="{FF2B5EF4-FFF2-40B4-BE49-F238E27FC236}">
+                <a16:creationId xmlns:a16="http://schemas.microsoft.com/office/drawing/2014/main" id="{EE2E603F-4A95-4FE8-BB06-211DFD75DBEF}"/>
+              </a:ext>
+              <a:ext uri="{C183D7F6-B498-43B3-948B-1728B52AA6E4}">
+                <adec:decorative xmlns:adec="http://schemas.microsoft.com/office/drawing/2017/decorative" val="1"/>
+              </a:ext>
+            </a:extLst>
+          </p:cNvPr>
+          <p:cNvCxnSpPr>
+            <a:cxnSpLocks noGrp="1" noRot="1" noChangeAspect="1" noMove="1" noResize="1" noEditPoints="1" noAdjustHandles="1" noChangeArrowheads="1" noChangeShapeType="1"/>
+          </p:cNvCxnSpPr>
+          <p:nvPr>
+            <p:extLst>
+              <p:ext uri="{386F3935-93C4-4BCD-93E2-E3B085C9AB24}">
+                <p16:designElem xmlns:p16="http://schemas.microsoft.com/office/powerpoint/2015/main" val="1"/>
+              </p:ext>
+            </p:extLst>
+          </p:nvPr>
+        </p:nvCxnSpPr>
+        <p:spPr>
+          <a:xfrm>
+            <a:off x="800100" y="723900"/>
+            <a:ext cx="1371600" cy="0"/>
+          </a:xfrm>
+          <a:prstGeom prst="line">
+            <a:avLst/>
+          </a:prstGeom>
+          <a:ln w="44450">
+            <a:solidFill>
+              <a:schemeClr val="tx1"/>
+            </a:solidFill>
+          </a:ln>
+        </p:spPr>
+        <p:style>
+          <a:lnRef idx="1">
+            <a:schemeClr val="accent1"/>
+          </a:lnRef>
+          <a:fillRef idx="0">
+            <a:schemeClr val="accent1"/>
+          </a:fillRef>
+          <a:effectRef idx="0">
+            <a:schemeClr val="accent1"/>
+          </a:effectRef>
+          <a:fontRef idx="minor">
+            <a:schemeClr val="tx1"/>
+          </a:fontRef>
+        </p:style>
+      </p:cxnSp>
+      <p:pic>
+        <p:nvPicPr>
+          <p:cNvPr id="5" name="Picture 4">
+            <a:extLst>
+              <a:ext uri="{FF2B5EF4-FFF2-40B4-BE49-F238E27FC236}">
+                <a16:creationId xmlns:a16="http://schemas.microsoft.com/office/drawing/2014/main" id="{44F76E2C-9D21-48F5-9F6A-F43B8052A1B3}"/>
+              </a:ext>
+            </a:extLst>
+          </p:cNvPr>
+          <p:cNvPicPr>
+            <a:picLocks noChangeAspect="1"/>
+          </p:cNvPicPr>
+          <p:nvPr/>
+        </p:nvPicPr>
+        <p:blipFill>
+          <a:blip r:embed="rId3"/>
+          <a:stretch>
+            <a:fillRect/>
+          </a:stretch>
+        </p:blipFill>
+        <p:spPr>
+          <a:xfrm>
+            <a:off x="4349750" y="723901"/>
+            <a:ext cx="6730999" cy="5410200"/>
+          </a:xfrm>
+          <a:prstGeom prst="rect">
+            <a:avLst/>
+          </a:prstGeom>
+        </p:spPr>
+      </p:pic>
+    </p:spTree>
+    <p:extLst>
+      <p:ext uri="{BB962C8B-B14F-4D97-AF65-F5344CB8AC3E}">
+        <p14:creationId xmlns:p14="http://schemas.microsoft.com/office/powerpoint/2010/main" val="1118105567"/>
+      </p:ext>
+    </p:extLst>
+  </p:cSld>
+  <p:clrMapOvr>
+    <a:masterClrMapping/>
+  </p:clrMapOvr>
+</p:sld>
+</file>
+
+<file path=ppt/slides/slide15.xml><?xml version="1.0" encoding="utf-8"?>
+<p:sld xmlns:a="http://schemas.openxmlformats.org/drawingml/2006/main" xmlns:r="http://schemas.openxmlformats.org/officeDocument/2006/relationships" xmlns:p="http://schemas.openxmlformats.org/presentationml/2006/main">
+  <p:cSld>
+    <p:spTree>
+      <p:nvGrpSpPr>
+        <p:cNvPr id="1" name=""/>
+        <p:cNvGrpSpPr/>
+        <p:nvPr/>
+      </p:nvGrpSpPr>
+      <p:grpSpPr>
+        <a:xfrm>
+          <a:off x="0" y="0"/>
+          <a:ext cx="0" cy="0"/>
+          <a:chOff x="0" y="0"/>
+          <a:chExt cx="0" cy="0"/>
+        </a:xfrm>
+      </p:grpSpPr>
+      <p:pic>
+        <p:nvPicPr>
+          <p:cNvPr id="5" name="Picture 4">
+            <a:extLst>
+              <a:ext uri="{FF2B5EF4-FFF2-40B4-BE49-F238E27FC236}">
+                <a16:creationId xmlns:a16="http://schemas.microsoft.com/office/drawing/2014/main" id="{F71E82B0-A3D0-4ED3-AFB1-45BF400CDF8C}"/>
+              </a:ext>
+            </a:extLst>
+          </p:cNvPr>
+          <p:cNvPicPr>
+            <a:picLocks noChangeAspect="1"/>
+          </p:cNvPicPr>
+          <p:nvPr/>
+        </p:nvPicPr>
+        <p:blipFill>
+          <a:blip r:embed="rId3"/>
+          <a:stretch>
+            <a:fillRect/>
+          </a:stretch>
+        </p:blipFill>
+        <p:spPr>
+          <a:xfrm>
+            <a:off x="42877" y="134007"/>
+            <a:ext cx="12106246" cy="6589986"/>
+          </a:xfrm>
+          <a:prstGeom prst="rect">
+            <a:avLst/>
+          </a:prstGeom>
+        </p:spPr>
+      </p:pic>
+    </p:spTree>
+    <p:extLst>
+      <p:ext uri="{BB962C8B-B14F-4D97-AF65-F5344CB8AC3E}">
+        <p14:creationId xmlns:p14="http://schemas.microsoft.com/office/powerpoint/2010/main" val="2746955546"/>
+      </p:ext>
+    </p:extLst>
+  </p:cSld>
+  <p:clrMapOvr>
+    <a:masterClrMapping/>
+  </p:clrMapOvr>
+</p:sld>
+</file>
+
+<file path=ppt/slides/slide16.xml><?xml version="1.0" encoding="utf-8"?>
+<p:sld xmlns:a="http://schemas.openxmlformats.org/drawingml/2006/main" xmlns:r="http://schemas.openxmlformats.org/officeDocument/2006/relationships" xmlns:p="http://schemas.openxmlformats.org/presentationml/2006/main">
+  <p:cSld>
+    <p:spTree>
+      <p:nvGrpSpPr>
+        <p:cNvPr id="1" name=""/>
+        <p:cNvGrpSpPr/>
+        <p:nvPr/>
+      </p:nvGrpSpPr>
+      <p:grpSpPr>
+        <a:xfrm>
+          <a:off x="0" y="0"/>
+          <a:ext cx="0" cy="0"/>
+          <a:chOff x="0" y="0"/>
+          <a:chExt cx="0" cy="0"/>
+        </a:xfrm>
+      </p:grpSpPr>
+      <p:pic>
+        <p:nvPicPr>
+          <p:cNvPr id="3" name="Picture 2">
+            <a:extLst>
+              <a:ext uri="{FF2B5EF4-FFF2-40B4-BE49-F238E27FC236}">
+                <a16:creationId xmlns:a16="http://schemas.microsoft.com/office/drawing/2014/main" id="{8EBB2D10-353B-4F33-8C3E-614A0595EEB3}"/>
+              </a:ext>
+            </a:extLst>
+          </p:cNvPr>
+          <p:cNvPicPr>
+            <a:picLocks noChangeAspect="1"/>
+          </p:cNvPicPr>
+          <p:nvPr/>
+        </p:nvPicPr>
+        <p:blipFill>
+          <a:blip r:embed="rId3"/>
+          <a:stretch>
+            <a:fillRect/>
+          </a:stretch>
+        </p:blipFill>
+        <p:spPr>
+          <a:xfrm>
+            <a:off x="392906" y="1710892"/>
+            <a:ext cx="5642703" cy="4192290"/>
+          </a:xfrm>
+          <a:prstGeom prst="rect">
+            <a:avLst/>
+          </a:prstGeom>
+        </p:spPr>
+      </p:pic>
+      <p:sp>
+        <p:nvSpPr>
+          <p:cNvPr id="4" name="TextBox 3">
+            <a:extLst>
+              <a:ext uri="{FF2B5EF4-FFF2-40B4-BE49-F238E27FC236}">
+                <a16:creationId xmlns:a16="http://schemas.microsoft.com/office/drawing/2014/main" id="{C4A8C694-2809-4DC7-9D44-ABF92946812B}"/>
+              </a:ext>
+            </a:extLst>
+          </p:cNvPr>
+          <p:cNvSpPr txBox="1"/>
+          <p:nvPr/>
+        </p:nvSpPr>
+        <p:spPr>
+          <a:xfrm>
+            <a:off x="392906" y="830317"/>
+            <a:ext cx="5642703" cy="646331"/>
+          </a:xfrm>
+          <a:prstGeom prst="rect">
+            <a:avLst/>
+          </a:prstGeom>
+          <a:noFill/>
+        </p:spPr>
+        <p:txBody>
+          <a:bodyPr wrap="square" rtlCol="0">
+            <a:spAutoFit/>
+          </a:bodyPr>
+          <a:lstStyle/>
+          <a:p>
+            <a:r>
+              <a:rPr lang="en-US" sz="3600" cap="all" spc="30" dirty="0">
+                <a:latin typeface="+mj-lt"/>
+                <a:ea typeface="+mj-ea"/>
+                <a:cs typeface="+mj-cs"/>
+              </a:rPr>
+              <a:t>PCA</a:t>
+            </a:r>
+          </a:p>
+        </p:txBody>
+      </p:sp>
+      <p:pic>
+        <p:nvPicPr>
+          <p:cNvPr id="6" name="Picture 5">
+            <a:extLst>
+              <a:ext uri="{FF2B5EF4-FFF2-40B4-BE49-F238E27FC236}">
+                <a16:creationId xmlns:a16="http://schemas.microsoft.com/office/drawing/2014/main" id="{A7369051-A123-4C56-BE84-55A693C182EE}"/>
+              </a:ext>
+            </a:extLst>
+          </p:cNvPr>
+          <p:cNvPicPr>
+            <a:picLocks noChangeAspect="1"/>
+          </p:cNvPicPr>
+          <p:nvPr/>
+        </p:nvPicPr>
+        <p:blipFill rotWithShape="1">
+          <a:blip r:embed="rId4"/>
+          <a:srcRect b="6805"/>
+          <a:stretch/>
+        </p:blipFill>
+        <p:spPr>
+          <a:xfrm>
+            <a:off x="6428515" y="1660643"/>
+            <a:ext cx="5370580" cy="4292789"/>
+          </a:xfrm>
+          <a:prstGeom prst="rect">
+            <a:avLst/>
+          </a:prstGeom>
+        </p:spPr>
+      </p:pic>
+      <p:sp>
+        <p:nvSpPr>
+          <p:cNvPr id="7" name="TextBox 6">
+            <a:extLst>
+              <a:ext uri="{FF2B5EF4-FFF2-40B4-BE49-F238E27FC236}">
+                <a16:creationId xmlns:a16="http://schemas.microsoft.com/office/drawing/2014/main" id="{9510245B-4F80-468B-B9FA-1BC458464E20}"/>
+              </a:ext>
+            </a:extLst>
+          </p:cNvPr>
+          <p:cNvSpPr txBox="1"/>
+          <p:nvPr/>
+        </p:nvSpPr>
+        <p:spPr>
+          <a:xfrm>
+            <a:off x="6428515" y="830317"/>
+            <a:ext cx="5370579" cy="646331"/>
+          </a:xfrm>
+          <a:prstGeom prst="rect">
+            <a:avLst/>
+          </a:prstGeom>
+          <a:noFill/>
+        </p:spPr>
+        <p:txBody>
+          <a:bodyPr wrap="square" rtlCol="0">
+            <a:spAutoFit/>
+          </a:bodyPr>
+          <a:lstStyle/>
+          <a:p>
+            <a:r>
+              <a:rPr lang="en-US" sz="3600" cap="all" spc="30" dirty="0">
+                <a:latin typeface="+mj-lt"/>
+                <a:ea typeface="+mj-ea"/>
+                <a:cs typeface="+mj-cs"/>
+              </a:rPr>
+              <a:t>K-Means Clustering</a:t>
+            </a:r>
+          </a:p>
+        </p:txBody>
+      </p:sp>
+    </p:spTree>
+    <p:extLst>
+      <p:ext uri="{BB962C8B-B14F-4D97-AF65-F5344CB8AC3E}">
+        <p14:creationId xmlns:p14="http://schemas.microsoft.com/office/powerpoint/2010/main" val="3680691116"/>
+      </p:ext>
+    </p:extLst>
+  </p:cSld>
+  <p:clrMapOvr>
+    <a:masterClrMapping/>
+  </p:clrMapOvr>
+</p:sld>
+</file>
+
+<file path=ppt/slides/slide17.xml><?xml version="1.0" encoding="utf-8"?>
+<p:sld xmlns:a="http://schemas.openxmlformats.org/drawingml/2006/main" xmlns:r="http://schemas.openxmlformats.org/officeDocument/2006/relationships" xmlns:p="http://schemas.openxmlformats.org/presentationml/2006/main">
+  <p:cSld>
+    <p:spTree>
+      <p:nvGrpSpPr>
+        <p:cNvPr id="1" name=""/>
+        <p:cNvGrpSpPr/>
+        <p:nvPr/>
+      </p:nvGrpSpPr>
+      <p:grpSpPr>
+        <a:xfrm>
+          <a:off x="0" y="0"/>
+          <a:ext cx="0" cy="0"/>
+          <a:chOff x="0" y="0"/>
+          <a:chExt cx="0" cy="0"/>
+        </a:xfrm>
+      </p:grpSpPr>
+      <p:pic>
+        <p:nvPicPr>
+          <p:cNvPr id="3" name="Picture 2">
+            <a:extLst>
+              <a:ext uri="{FF2B5EF4-FFF2-40B4-BE49-F238E27FC236}">
+                <a16:creationId xmlns:a16="http://schemas.microsoft.com/office/drawing/2014/main" id="{0942B71C-C0BE-451B-8ECE-560194B1447B}"/>
+              </a:ext>
+            </a:extLst>
+          </p:cNvPr>
+          <p:cNvPicPr>
+            <a:picLocks noChangeAspect="1"/>
+          </p:cNvPicPr>
+          <p:nvPr/>
+        </p:nvPicPr>
+        <p:blipFill>
+          <a:blip r:embed="rId2"/>
+          <a:stretch>
+            <a:fillRect/>
+          </a:stretch>
+        </p:blipFill>
+        <p:spPr>
+          <a:xfrm>
+            <a:off x="0" y="285753"/>
+            <a:ext cx="6810594" cy="3792262"/>
+          </a:xfrm>
+          <a:prstGeom prst="rect">
+            <a:avLst/>
+          </a:prstGeom>
+        </p:spPr>
+      </p:pic>
+      <p:pic>
+        <p:nvPicPr>
+          <p:cNvPr id="5" name="Picture 4">
+            <a:extLst>
+              <a:ext uri="{FF2B5EF4-FFF2-40B4-BE49-F238E27FC236}">
+                <a16:creationId xmlns:a16="http://schemas.microsoft.com/office/drawing/2014/main" id="{D7BA1DDD-4BC8-48F0-9D29-D41840F747BD}"/>
+              </a:ext>
+            </a:extLst>
+          </p:cNvPr>
+          <p:cNvPicPr>
+            <a:picLocks noChangeAspect="1"/>
+          </p:cNvPicPr>
+          <p:nvPr/>
+        </p:nvPicPr>
+        <p:blipFill>
+          <a:blip r:embed="rId3"/>
+          <a:stretch>
+            <a:fillRect/>
+          </a:stretch>
+        </p:blipFill>
+        <p:spPr>
+          <a:xfrm>
+            <a:off x="5077080" y="2913338"/>
+            <a:ext cx="6826071" cy="3792261"/>
+          </a:xfrm>
+          <a:prstGeom prst="rect">
+            <a:avLst/>
+          </a:prstGeom>
+        </p:spPr>
+      </p:pic>
+      <p:sp>
+        <p:nvSpPr>
+          <p:cNvPr id="6" name="TextBox 5">
+            <a:extLst>
+              <a:ext uri="{FF2B5EF4-FFF2-40B4-BE49-F238E27FC236}">
+                <a16:creationId xmlns:a16="http://schemas.microsoft.com/office/drawing/2014/main" id="{F27E1D1A-7FFE-4971-97C6-6F3F9CC2EA17}"/>
+              </a:ext>
+            </a:extLst>
+          </p:cNvPr>
+          <p:cNvSpPr txBox="1"/>
+          <p:nvPr/>
+        </p:nvSpPr>
+        <p:spPr>
+          <a:xfrm>
+            <a:off x="6934584" y="809297"/>
+            <a:ext cx="3111062" cy="646331"/>
+          </a:xfrm>
+          <a:prstGeom prst="rect">
+            <a:avLst/>
+          </a:prstGeom>
+          <a:noFill/>
+        </p:spPr>
+        <p:txBody>
+          <a:bodyPr wrap="square" rtlCol="0">
+            <a:spAutoFit/>
+          </a:bodyPr>
+          <a:lstStyle/>
+          <a:p>
+            <a:r>
+              <a:rPr lang="en-US" sz="3600" cap="all" spc="30" dirty="0">
+                <a:latin typeface="+mj-lt"/>
+                <a:ea typeface="+mj-ea"/>
+                <a:cs typeface="+mj-cs"/>
+              </a:rPr>
+              <a:t>Left-leaning</a:t>
+            </a:r>
+          </a:p>
+        </p:txBody>
+      </p:sp>
+      <p:sp>
+        <p:nvSpPr>
+          <p:cNvPr id="7" name="TextBox 6">
+            <a:extLst>
+              <a:ext uri="{FF2B5EF4-FFF2-40B4-BE49-F238E27FC236}">
+                <a16:creationId xmlns:a16="http://schemas.microsoft.com/office/drawing/2014/main" id="{B84EDF6F-E05B-47F8-B306-0B62B643FDBF}"/>
+              </a:ext>
+            </a:extLst>
+          </p:cNvPr>
+          <p:cNvSpPr txBox="1"/>
+          <p:nvPr/>
+        </p:nvSpPr>
+        <p:spPr>
+          <a:xfrm>
+            <a:off x="1660635" y="5535725"/>
+            <a:ext cx="3416446" cy="646331"/>
+          </a:xfrm>
+          <a:prstGeom prst="rect">
+            <a:avLst/>
+          </a:prstGeom>
+          <a:noFill/>
+        </p:spPr>
+        <p:txBody>
+          <a:bodyPr wrap="square" rtlCol="0">
+            <a:spAutoFit/>
+          </a:bodyPr>
+          <a:lstStyle/>
+          <a:p>
+            <a:r>
+              <a:rPr lang="en-US" sz="3600" cap="all" spc="30" dirty="0">
+                <a:latin typeface="+mj-lt"/>
+                <a:ea typeface="+mj-ea"/>
+                <a:cs typeface="+mj-cs"/>
+              </a:rPr>
+              <a:t>right-leaning</a:t>
+            </a:r>
+          </a:p>
+        </p:txBody>
+      </p:sp>
+    </p:spTree>
+    <p:extLst>
+      <p:ext uri="{BB962C8B-B14F-4D97-AF65-F5344CB8AC3E}">
+        <p14:creationId xmlns:p14="http://schemas.microsoft.com/office/powerpoint/2010/main" val="3779069167"/>
+      </p:ext>
+    </p:extLst>
+  </p:cSld>
+  <p:clrMapOvr>
+    <a:masterClrMapping/>
+  </p:clrMapOvr>
+</p:sld>
+</file>
+
+<file path=ppt/slides/slide18.xml><?xml version="1.0" encoding="utf-8"?>
+<p:sld xmlns:a="http://schemas.openxmlformats.org/drawingml/2006/main" xmlns:r="http://schemas.openxmlformats.org/officeDocument/2006/relationships" xmlns:p="http://schemas.openxmlformats.org/presentationml/2006/main">
+  <p:cSld>
+    <p:spTree>
+      <p:nvGrpSpPr>
+        <p:cNvPr id="1" name=""/>
+        <p:cNvGrpSpPr/>
+        <p:nvPr/>
+      </p:nvGrpSpPr>
+      <p:grpSpPr>
+        <a:xfrm>
+          <a:off x="0" y="0"/>
+          <a:ext cx="0" cy="0"/>
+          <a:chOff x="0" y="0"/>
+          <a:chExt cx="0" cy="0"/>
+        </a:xfrm>
+      </p:grpSpPr>
+      <p:sp>
+        <p:nvSpPr>
+          <p:cNvPr id="2" name="Title 1">
+            <a:extLst>
+              <a:ext uri="{FF2B5EF4-FFF2-40B4-BE49-F238E27FC236}">
+                <a16:creationId xmlns:a16="http://schemas.microsoft.com/office/drawing/2014/main" id="{27EBF55A-5B57-4A3A-BE3B-0C16F62BB3DE}"/>
+              </a:ext>
+            </a:extLst>
+          </p:cNvPr>
+          <p:cNvSpPr>
+            <a:spLocks noGrp="1"/>
+          </p:cNvSpPr>
+          <p:nvPr>
+            <p:ph type="title"/>
+          </p:nvPr>
+        </p:nvSpPr>
+        <p:spPr/>
+        <p:txBody>
+          <a:bodyPr/>
+          <a:lstStyle/>
+          <a:p>
+            <a:r>
+              <a:rPr lang="en-US" dirty="0"/>
+              <a:t>Conclusions and Next Steps</a:t>
+            </a:r>
+          </a:p>
+        </p:txBody>
+      </p:sp>
+      <p:sp>
+        <p:nvSpPr>
+          <p:cNvPr id="3" name="Content Placeholder 2">
+            <a:extLst>
+              <a:ext uri="{FF2B5EF4-FFF2-40B4-BE49-F238E27FC236}">
+                <a16:creationId xmlns:a16="http://schemas.microsoft.com/office/drawing/2014/main" id="{CDF67F26-5688-41CA-ABBD-4759950EF19A}"/>
+              </a:ext>
+            </a:extLst>
+          </p:cNvPr>
+          <p:cNvSpPr>
+            <a:spLocks noGrp="1"/>
+          </p:cNvSpPr>
+          <p:nvPr>
+            <p:ph idx="1"/>
+          </p:nvPr>
+        </p:nvSpPr>
+        <p:spPr/>
+        <p:txBody>
+          <a:bodyPr/>
+          <a:lstStyle/>
+          <a:p>
+            <a:r>
+              <a:rPr lang="en-US" dirty="0"/>
+              <a:t>There is no correlation between political sentiment on Reddit and political sentiment in the US at large, as measured by Presidential Approval Ratings</a:t>
+            </a:r>
+          </a:p>
+          <a:p>
+            <a:r>
+              <a:rPr lang="en-US" dirty="0"/>
+              <a:t>However, Reddit is not the only social media platform out there—analysis of Twitter, Facebook, and other platforms would help build a more robust analysis</a:t>
+            </a:r>
+          </a:p>
+        </p:txBody>
+      </p:sp>
+    </p:spTree>
+    <p:extLst>
+      <p:ext uri="{BB962C8B-B14F-4D97-AF65-F5344CB8AC3E}">
+        <p14:creationId xmlns:p14="http://schemas.microsoft.com/office/powerpoint/2010/main" val="530085150"/>
+      </p:ext>
+    </p:extLst>
+  </p:cSld>
+  <p:clrMapOvr>
+    <a:masterClrMapping/>
+  </p:clrMapOvr>
+</p:sld>
+</file>
+
+<file path=ppt/slides/slide19.xml><?xml version="1.0" encoding="utf-8"?>
+<p:sld xmlns:a="http://schemas.openxmlformats.org/drawingml/2006/main" xmlns:r="http://schemas.openxmlformats.org/officeDocument/2006/relationships" xmlns:p="http://schemas.openxmlformats.org/presentationml/2006/main">
+  <p:cSld>
+    <p:spTree>
+      <p:nvGrpSpPr>
+        <p:cNvPr id="1" name=""/>
+        <p:cNvGrpSpPr/>
+        <p:nvPr/>
+      </p:nvGrpSpPr>
+      <p:grpSpPr>
+        <a:xfrm>
+          <a:off x="0" y="0"/>
+          <a:ext cx="0" cy="0"/>
+          <a:chOff x="0" y="0"/>
+          <a:chExt cx="0" cy="0"/>
+        </a:xfrm>
+      </p:grpSpPr>
+      <p:sp>
+        <p:nvSpPr>
+          <p:cNvPr id="2" name="Title 1">
+            <a:extLst>
+              <a:ext uri="{FF2B5EF4-FFF2-40B4-BE49-F238E27FC236}">
+                <a16:creationId xmlns:a16="http://schemas.microsoft.com/office/drawing/2014/main" id="{0B5946B2-2BD9-4094-86C4-0B7C91175AE6}"/>
+              </a:ext>
+            </a:extLst>
+          </p:cNvPr>
+          <p:cNvSpPr>
+            <a:spLocks noGrp="1"/>
+          </p:cNvSpPr>
+          <p:nvPr>
+            <p:ph type="title"/>
+          </p:nvPr>
+        </p:nvSpPr>
+        <p:spPr/>
+        <p:txBody>
+          <a:bodyPr/>
+          <a:lstStyle/>
+          <a:p>
+            <a:r>
+              <a:rPr lang="en-US" dirty="0"/>
+              <a:t>Thank you!</a:t>
+            </a:r>
+          </a:p>
+        </p:txBody>
+      </p:sp>
+      <p:sp>
+        <p:nvSpPr>
+          <p:cNvPr id="3" name="Text Placeholder 2">
+            <a:extLst>
+              <a:ext uri="{FF2B5EF4-FFF2-40B4-BE49-F238E27FC236}">
+                <a16:creationId xmlns:a16="http://schemas.microsoft.com/office/drawing/2014/main" id="{3EB3C87B-0F0C-461C-8B5F-14DACA37EDE2}"/>
+              </a:ext>
+            </a:extLst>
+          </p:cNvPr>
+          <p:cNvSpPr>
+            <a:spLocks noGrp="1"/>
+          </p:cNvSpPr>
+          <p:nvPr>
+            <p:ph type="body" idx="1"/>
+          </p:nvPr>
+        </p:nvSpPr>
+        <p:spPr/>
+        <p:txBody>
+          <a:bodyPr/>
+          <a:lstStyle/>
+          <a:p>
+            <a:endParaRPr lang="en-US"/>
+          </a:p>
+        </p:txBody>
+      </p:sp>
+    </p:spTree>
+    <p:extLst>
+      <p:ext uri="{BB962C8B-B14F-4D97-AF65-F5344CB8AC3E}">
+        <p14:creationId xmlns:p14="http://schemas.microsoft.com/office/powerpoint/2010/main" val="4229591335"/>
+      </p:ext>
+    </p:extLst>
+  </p:cSld>
+  <p:clrMapOvr>
+    <a:masterClrMapping/>
+  </p:clrMapOvr>
+</p:sld>
+</file>
+
+<file path=ppt/slides/slide2.xml><?xml version="1.0" encoding="utf-8"?>
+<p:sld xmlns:a="http://schemas.openxmlformats.org/drawingml/2006/main" xmlns:r="http://schemas.openxmlformats.org/officeDocument/2006/relationships" xmlns:p="http://schemas.openxmlformats.org/presentationml/2006/main">
+  <p:cSld>
+    <p:spTree>
+      <p:nvGrpSpPr>
+        <p:cNvPr id="1" name=""/>
+        <p:cNvGrpSpPr/>
+        <p:nvPr/>
+      </p:nvGrpSpPr>
+      <p:grpSpPr>
+        <a:xfrm>
+          <a:off x="0" y="0"/>
+          <a:ext cx="0" cy="0"/>
+          <a:chOff x="0" y="0"/>
+          <a:chExt cx="0" cy="0"/>
+        </a:xfrm>
+      </p:grpSpPr>
+      <p:pic>
+        <p:nvPicPr>
+          <p:cNvPr id="5" name="Picture 4">
+            <a:extLst>
+              <a:ext uri="{FF2B5EF4-FFF2-40B4-BE49-F238E27FC236}">
+                <a16:creationId xmlns:a16="http://schemas.microsoft.com/office/drawing/2014/main" id="{A41DA8C3-668A-44EF-91CC-3225C03116F2}"/>
+              </a:ext>
+            </a:extLst>
+          </p:cNvPr>
+          <p:cNvPicPr>
+            <a:picLocks noChangeAspect="1"/>
+          </p:cNvPicPr>
+          <p:nvPr/>
+        </p:nvPicPr>
+        <p:blipFill>
+          <a:blip r:embed="rId3"/>
+          <a:stretch>
+            <a:fillRect/>
+          </a:stretch>
+        </p:blipFill>
+        <p:spPr>
+          <a:xfrm>
+            <a:off x="0" y="1611097"/>
+            <a:ext cx="11946017" cy="2705478"/>
+          </a:xfrm>
+          <a:prstGeom prst="rect">
+            <a:avLst/>
+          </a:prstGeom>
+        </p:spPr>
+      </p:pic>
+      <p:sp>
+        <p:nvSpPr>
+          <p:cNvPr id="2" name="Rectangle 1">
+            <a:extLst>
+              <a:ext uri="{FF2B5EF4-FFF2-40B4-BE49-F238E27FC236}">
+                <a16:creationId xmlns:a16="http://schemas.microsoft.com/office/drawing/2014/main" id="{E213EFEE-7676-4778-9964-0741D215F8F9}"/>
+              </a:ext>
+            </a:extLst>
+          </p:cNvPr>
+          <p:cNvSpPr/>
+          <p:nvPr/>
+        </p:nvSpPr>
+        <p:spPr>
+          <a:xfrm>
+            <a:off x="304800" y="294290"/>
+            <a:ext cx="11487807" cy="826046"/>
+          </a:xfrm>
+          <a:prstGeom prst="rect">
+            <a:avLst/>
+          </a:prstGeom>
+          <a:solidFill>
+            <a:schemeClr val="bg1"/>
+          </a:solidFill>
+          <a:ln>
+            <a:solidFill>
+              <a:schemeClr val="bg1"/>
+            </a:solidFill>
+          </a:ln>
+        </p:spPr>
+        <p:style>
+          <a:lnRef idx="2">
+            <a:schemeClr val="accent1">
+              <a:shade val="50000"/>
+            </a:schemeClr>
+          </a:lnRef>
+          <a:fillRef idx="1">
+            <a:schemeClr val="accent1"/>
+          </a:fillRef>
+          <a:effectRef idx="0">
+            <a:schemeClr val="accent1"/>
+          </a:effectRef>
+          <a:fontRef idx="minor">
+            <a:schemeClr val="lt1"/>
+          </a:fontRef>
+        </p:style>
+        <p:txBody>
+          <a:bodyPr rtlCol="0" anchor="ctr"/>
+          <a:lstStyle/>
+          <a:p>
+            <a:pPr algn="ctr"/>
+            <a:endParaRPr lang="en-US"/>
+          </a:p>
+        </p:txBody>
+      </p:sp>
+      <p:pic>
+        <p:nvPicPr>
+          <p:cNvPr id="7" name="Picture 6">
+            <a:extLst>
+              <a:ext uri="{FF2B5EF4-FFF2-40B4-BE49-F238E27FC236}">
+                <a16:creationId xmlns:a16="http://schemas.microsoft.com/office/drawing/2014/main" id="{40915E82-ECA0-49C6-900B-9E24F4B60543}"/>
+              </a:ext>
+            </a:extLst>
+          </p:cNvPr>
+          <p:cNvPicPr>
+            <a:picLocks noChangeAspect="1"/>
+          </p:cNvPicPr>
+          <p:nvPr/>
+        </p:nvPicPr>
+        <p:blipFill>
+          <a:blip r:embed="rId4"/>
+          <a:stretch>
+            <a:fillRect/>
+          </a:stretch>
+        </p:blipFill>
+        <p:spPr>
+          <a:xfrm>
+            <a:off x="1620306" y="0"/>
+            <a:ext cx="8678486" cy="1390844"/>
+          </a:xfrm>
+          <a:prstGeom prst="rect">
+            <a:avLst/>
+          </a:prstGeom>
+        </p:spPr>
+      </p:pic>
+      <p:pic>
+        <p:nvPicPr>
+          <p:cNvPr id="11" name="Picture 10">
+            <a:extLst>
+              <a:ext uri="{FF2B5EF4-FFF2-40B4-BE49-F238E27FC236}">
+                <a16:creationId xmlns:a16="http://schemas.microsoft.com/office/drawing/2014/main" id="{0F9C72B2-A421-4C0F-8FE3-FD82905C1E89}"/>
+              </a:ext>
+            </a:extLst>
+          </p:cNvPr>
+          <p:cNvPicPr>
+            <a:picLocks noChangeAspect="1"/>
+          </p:cNvPicPr>
+          <p:nvPr/>
+        </p:nvPicPr>
+        <p:blipFill>
+          <a:blip r:embed="rId5"/>
+          <a:stretch>
+            <a:fillRect/>
+          </a:stretch>
+        </p:blipFill>
+        <p:spPr>
+          <a:xfrm>
+            <a:off x="0" y="3766551"/>
+            <a:ext cx="6249272" cy="2600688"/>
+          </a:xfrm>
+          <a:prstGeom prst="rect">
+            <a:avLst/>
+          </a:prstGeom>
+        </p:spPr>
+      </p:pic>
+      <p:pic>
+        <p:nvPicPr>
+          <p:cNvPr id="9" name="Picture 8">
+            <a:extLst>
+              <a:ext uri="{FF2B5EF4-FFF2-40B4-BE49-F238E27FC236}">
+                <a16:creationId xmlns:a16="http://schemas.microsoft.com/office/drawing/2014/main" id="{C77D6F57-15E5-4006-AA68-16E2B0F40360}"/>
+              </a:ext>
+            </a:extLst>
+          </p:cNvPr>
+          <p:cNvPicPr>
+            <a:picLocks noChangeAspect="1"/>
+          </p:cNvPicPr>
+          <p:nvPr/>
+        </p:nvPicPr>
+        <p:blipFill>
+          <a:blip r:embed="rId6"/>
+          <a:stretch>
+            <a:fillRect/>
+          </a:stretch>
+        </p:blipFill>
+        <p:spPr>
+          <a:xfrm>
+            <a:off x="3561146" y="5429051"/>
+            <a:ext cx="8630854" cy="1428949"/>
+          </a:xfrm>
+          <a:prstGeom prst="rect">
+            <a:avLst/>
+          </a:prstGeom>
+        </p:spPr>
+      </p:pic>
+      <p:pic>
+        <p:nvPicPr>
+          <p:cNvPr id="15" name="Picture 14">
+            <a:extLst>
+              <a:ext uri="{FF2B5EF4-FFF2-40B4-BE49-F238E27FC236}">
+                <a16:creationId xmlns:a16="http://schemas.microsoft.com/office/drawing/2014/main" id="{A51E4B36-6DFB-42A4-8694-DCA6C818B7A5}"/>
+              </a:ext>
+            </a:extLst>
+          </p:cNvPr>
+          <p:cNvPicPr>
+            <a:picLocks noChangeAspect="1"/>
+          </p:cNvPicPr>
+          <p:nvPr/>
+        </p:nvPicPr>
+        <p:blipFill>
+          <a:blip r:embed="rId7"/>
+          <a:stretch>
+            <a:fillRect/>
+          </a:stretch>
+        </p:blipFill>
+        <p:spPr>
+          <a:xfrm>
+            <a:off x="6627899" y="3320715"/>
+            <a:ext cx="5564101" cy="2108335"/>
+          </a:xfrm>
+          <a:prstGeom prst="rect">
+            <a:avLst/>
+          </a:prstGeom>
+        </p:spPr>
+      </p:pic>
+    </p:spTree>
+    <p:extLst>
+      <p:ext uri="{BB962C8B-B14F-4D97-AF65-F5344CB8AC3E}">
+        <p14:creationId xmlns:p14="http://schemas.microsoft.com/office/powerpoint/2010/main" val="2984044718"/>
+      </p:ext>
+    </p:extLst>
+  </p:cSld>
+  <p:clrMapOvr>
+    <a:masterClrMapping/>
+  </p:clrMapOvr>
+</p:sld>
+</file>
+
+<file path=ppt/slides/slide3.xml><?xml version="1.0" encoding="utf-8"?>
+<p:sld xmlns:a="http://schemas.openxmlformats.org/drawingml/2006/main" xmlns:r="http://schemas.openxmlformats.org/officeDocument/2006/relationships" xmlns:p="http://schemas.openxmlformats.org/presentationml/2006/main">
+  <p:cSld>
+    <p:bg>
+      <p:bgPr>
+        <a:solidFill>
+          <a:schemeClr val="bg1"/>
+        </a:solidFill>
+        <a:effectLst/>
+      </p:bgPr>
+    </p:bg>
+    <p:spTree>
+      <p:nvGrpSpPr>
+        <p:cNvPr id="1" name=""/>
+        <p:cNvGrpSpPr/>
+        <p:nvPr/>
+      </p:nvGrpSpPr>
+      <p:grpSpPr>
+        <a:xfrm>
+          <a:off x="0" y="0"/>
+          <a:ext cx="0" cy="0"/>
+          <a:chOff x="0" y="0"/>
+          <a:chExt cx="0" cy="0"/>
+        </a:xfrm>
+      </p:grpSpPr>
+      <p:sp useBgFill="1">
+        <p:nvSpPr>
+          <p:cNvPr id="39" name="Rectangle 22">
+            <a:extLst>
+              <a:ext uri="{FF2B5EF4-FFF2-40B4-BE49-F238E27FC236}">
+                <a16:creationId xmlns:a16="http://schemas.microsoft.com/office/drawing/2014/main" id="{E49D7415-2F11-44C2-B6AA-13A25B6814B9}"/>
+              </a:ext>
+              <a:ext uri="{C183D7F6-B498-43B3-948B-1728B52AA6E4}">
+                <adec:decorative xmlns:adec="http://schemas.microsoft.com/office/drawing/2017/decorative" val="1"/>
+              </a:ext>
+            </a:extLst>
+          </p:cNvPr>
+          <p:cNvSpPr>
+            <a:spLocks noGrp="1" noRot="1" noChangeAspect="1" noMove="1" noResize="1" noEditPoints="1" noAdjustHandles="1" noChangeArrowheads="1" noChangeShapeType="1" noTextEdit="1"/>
+          </p:cNvSpPr>
+          <p:nvPr>
+            <p:extLst>
+              <p:ext uri="{386F3935-93C4-4BCD-93E2-E3B085C9AB24}">
+                <p16:designElem xmlns:p16="http://schemas.microsoft.com/office/powerpoint/2015/main" val="1"/>
+              </p:ext>
+            </p:extLst>
+          </p:nvPr>
+        </p:nvSpPr>
+        <p:spPr>
+          <a:xfrm>
+            <a:off x="0" y="0"/>
+            <a:ext cx="12192000" cy="6858000"/>
+          </a:xfrm>
+          <a:prstGeom prst="rect">
+            <a:avLst/>
+          </a:prstGeom>
+          <a:ln w="12700" cap="flat" cmpd="sng" algn="ctr">
+            <a:noFill/>
+            <a:prstDash val="solid"/>
+            <a:miter lim="800000"/>
+          </a:ln>
+          <a:effectLst/>
+          <a:extLst>
+            <a:ext uri="{91240B29-F687-4F45-9708-019B960494DF}">
+              <a14:hiddenLine xmlns:a14="http://schemas.microsoft.com/office/drawing/2010/main" w="12700" cap="flat" cmpd="sng" algn="ctr">
+                <a:solidFill>
+                  <a:schemeClr val="accent1">
+                    <a:shade val="50000"/>
+                  </a:schemeClr>
+                </a:solidFill>
+                <a:prstDash val="solid"/>
+                <a:miter lim="800000"/>
+              </a14:hiddenLine>
+            </a:ext>
+          </a:extLst>
+        </p:spPr>
+        <p:style>
+          <a:lnRef idx="2">
+            <a:schemeClr val="accent1">
+              <a:shade val="50000"/>
+            </a:schemeClr>
+          </a:lnRef>
+          <a:fillRef idx="1">
+            <a:schemeClr val="accent1"/>
+          </a:fillRef>
+          <a:effectRef idx="0">
+            <a:schemeClr val="accent1"/>
+          </a:effectRef>
+          <a:fontRef idx="minor">
+            <a:schemeClr val="lt1"/>
+          </a:fontRef>
+        </p:style>
+        <p:txBody>
+          <a:bodyPr rtlCol="0" anchor="ctr"/>
+          <a:lstStyle/>
+          <a:p>
+            <a:pPr algn="ctr"/>
+            <a:endParaRPr lang="en-US"/>
+          </a:p>
+        </p:txBody>
+      </p:sp>
+      <p:sp>
+        <p:nvSpPr>
+          <p:cNvPr id="2" name="Title 1">
+            <a:extLst>
+              <a:ext uri="{FF2B5EF4-FFF2-40B4-BE49-F238E27FC236}">
+                <a16:creationId xmlns:a16="http://schemas.microsoft.com/office/drawing/2014/main" id="{0275036D-58C6-4BD8-9A78-43D5DE32CC49}"/>
+              </a:ext>
+            </a:extLst>
+          </p:cNvPr>
+          <p:cNvSpPr>
+            <a:spLocks noGrp="1"/>
+          </p:cNvSpPr>
+          <p:nvPr>
+            <p:ph type="title"/>
+          </p:nvPr>
+        </p:nvSpPr>
+        <p:spPr>
+          <a:xfrm>
+            <a:off x="695325" y="607115"/>
+            <a:ext cx="2364043" cy="5566857"/>
+          </a:xfrm>
+        </p:spPr>
+        <p:txBody>
+          <a:bodyPr vert="horz" lIns="91440" tIns="45720" rIns="91440" bIns="45720" rtlCol="0">
+            <a:normAutofit/>
+          </a:bodyPr>
+          <a:lstStyle/>
+          <a:p>
+            <a:r>
+              <a:rPr lang="en-US" sz="2400"/>
+              <a:t>Presidential Approval Ratings</a:t>
+            </a:r>
+          </a:p>
+        </p:txBody>
+      </p:sp>
+      <p:cxnSp>
+        <p:nvCxnSpPr>
+          <p:cNvPr id="40" name="Straight Connector 24">
+            <a:extLst>
+              <a:ext uri="{FF2B5EF4-FFF2-40B4-BE49-F238E27FC236}">
+                <a16:creationId xmlns:a16="http://schemas.microsoft.com/office/drawing/2014/main" id="{8E0104E4-99BC-494F-8342-F250828E574F}"/>
+              </a:ext>
+              <a:ext uri="{C183D7F6-B498-43B3-948B-1728B52AA6E4}">
+                <adec:decorative xmlns:adec="http://schemas.microsoft.com/office/drawing/2017/decorative" val="1"/>
+              </a:ext>
+            </a:extLst>
+          </p:cNvPr>
+          <p:cNvCxnSpPr>
+            <a:cxnSpLocks noGrp="1" noRot="1" noChangeAspect="1" noMove="1" noResize="1" noEditPoints="1" noAdjustHandles="1" noChangeArrowheads="1" noChangeShapeType="1"/>
+          </p:cNvCxnSpPr>
+          <p:nvPr>
+            <p:extLst>
+              <p:ext uri="{386F3935-93C4-4BCD-93E2-E3B085C9AB24}">
+                <p16:designElem xmlns:p16="http://schemas.microsoft.com/office/powerpoint/2015/main" val="1"/>
+              </p:ext>
+            </p:extLst>
+          </p:nvPr>
+        </p:nvCxnSpPr>
+        <p:spPr>
+          <a:xfrm flipV="1">
+            <a:off x="3230209" y="723900"/>
+            <a:ext cx="15948" cy="5450072"/>
+          </a:xfrm>
+          <a:prstGeom prst="line">
+            <a:avLst/>
+          </a:prstGeom>
+          <a:ln w="12700">
+            <a:solidFill>
+              <a:schemeClr val="tx1"/>
+            </a:solidFill>
+          </a:ln>
+        </p:spPr>
+        <p:style>
+          <a:lnRef idx="1">
+            <a:schemeClr val="accent1"/>
+          </a:lnRef>
+          <a:fillRef idx="0">
+            <a:schemeClr val="accent1"/>
+          </a:fillRef>
+          <a:effectRef idx="0">
+            <a:schemeClr val="accent1"/>
+          </a:effectRef>
+          <a:fontRef idx="minor">
+            <a:schemeClr val="tx1"/>
+          </a:fontRef>
+        </p:style>
+      </p:cxnSp>
       <p:pic>
         <p:nvPicPr>
           <p:cNvPr id="5" name="Content Placeholder 4">
             <a:extLst>
               <a:ext uri="{FF2B5EF4-FFF2-40B4-BE49-F238E27FC236}">
-                <a16:creationId xmlns:a16="http://schemas.microsoft.com/office/drawing/2014/main" id="{D171452C-020D-461C-8040-EE9B54B2C199}"/>
+                <a16:creationId xmlns:a16="http://schemas.microsoft.com/office/drawing/2014/main" id="{466B7F85-8459-47C9-8AB7-0098FA161485}"/>
+              </a:ext>
+            </a:extLst>
+          </p:cNvPr>
+          <p:cNvPicPr>
+            <a:picLocks noChangeAspect="1"/>
+          </p:cNvPicPr>
+          <p:nvPr/>
+        </p:nvPicPr>
+        <p:blipFill>
+          <a:blip r:embed="rId3"/>
+          <a:stretch>
+            <a:fillRect/>
+          </a:stretch>
+        </p:blipFill>
+        <p:spPr>
+          <a:xfrm>
+            <a:off x="3534539" y="1207469"/>
+            <a:ext cx="8078297" cy="4443063"/>
+          </a:xfrm>
+          <a:prstGeom prst="rect">
+            <a:avLst/>
+          </a:prstGeom>
+        </p:spPr>
+      </p:pic>
+    </p:spTree>
+    <p:extLst>
+      <p:ext uri="{BB962C8B-B14F-4D97-AF65-F5344CB8AC3E}">
+        <p14:creationId xmlns:p14="http://schemas.microsoft.com/office/powerpoint/2010/main" val="2353937424"/>
+      </p:ext>
+    </p:extLst>
+  </p:cSld>
+  <p:clrMapOvr>
+    <a:masterClrMapping/>
+  </p:clrMapOvr>
+</p:sld>
+</file>
+
+<file path=ppt/slides/slide4.xml><?xml version="1.0" encoding="utf-8"?>
+<p:sld xmlns:a="http://schemas.openxmlformats.org/drawingml/2006/main" xmlns:r="http://schemas.openxmlformats.org/officeDocument/2006/relationships" xmlns:p="http://schemas.openxmlformats.org/presentationml/2006/main">
+  <p:cSld>
+    <p:bg>
+      <p:bgPr>
+        <a:solidFill>
+          <a:schemeClr val="bg1"/>
+        </a:solidFill>
+        <a:effectLst/>
+      </p:bgPr>
+    </p:bg>
+    <p:spTree>
+      <p:nvGrpSpPr>
+        <p:cNvPr id="1" name=""/>
+        <p:cNvGrpSpPr/>
+        <p:nvPr/>
+      </p:nvGrpSpPr>
+      <p:grpSpPr>
+        <a:xfrm>
+          <a:off x="0" y="0"/>
+          <a:ext cx="0" cy="0"/>
+          <a:chOff x="0" y="0"/>
+          <a:chExt cx="0" cy="0"/>
+        </a:xfrm>
+      </p:grpSpPr>
+      <p:sp useBgFill="1">
+        <p:nvSpPr>
+          <p:cNvPr id="20" name="Rectangle 8">
+            <a:extLst>
+              <a:ext uri="{FF2B5EF4-FFF2-40B4-BE49-F238E27FC236}">
+                <a16:creationId xmlns:a16="http://schemas.microsoft.com/office/drawing/2014/main" id="{F68B2C62-7648-4430-90D5-AE0F252AF113}"/>
+              </a:ext>
+              <a:ext uri="{C183D7F6-B498-43B3-948B-1728B52AA6E4}">
+                <adec:decorative xmlns:adec="http://schemas.microsoft.com/office/drawing/2017/decorative" val="1"/>
+              </a:ext>
+            </a:extLst>
+          </p:cNvPr>
+          <p:cNvSpPr>
+            <a:spLocks noGrp="1" noRot="1" noChangeAspect="1" noMove="1" noResize="1" noEditPoints="1" noAdjustHandles="1" noChangeArrowheads="1" noChangeShapeType="1" noTextEdit="1"/>
+          </p:cNvSpPr>
+          <p:nvPr>
+            <p:extLst>
+              <p:ext uri="{386F3935-93C4-4BCD-93E2-E3B085C9AB24}">
+                <p16:designElem xmlns:p16="http://schemas.microsoft.com/office/powerpoint/2015/main" val="1"/>
+              </p:ext>
+            </p:extLst>
+          </p:nvPr>
+        </p:nvSpPr>
+        <p:spPr>
+          <a:xfrm>
+            <a:off x="0" y="0"/>
+            <a:ext cx="12192000" cy="6858000"/>
+          </a:xfrm>
+          <a:prstGeom prst="rect">
+            <a:avLst/>
+          </a:prstGeom>
+          <a:ln w="12700" cap="flat" cmpd="sng" algn="ctr">
+            <a:noFill/>
+            <a:prstDash val="solid"/>
+            <a:miter lim="800000"/>
+          </a:ln>
+          <a:effectLst/>
+          <a:extLst>
+            <a:ext uri="{91240B29-F687-4F45-9708-019B960494DF}">
+              <a14:hiddenLine xmlns:a14="http://schemas.microsoft.com/office/drawing/2010/main" w="12700" cap="flat" cmpd="sng" algn="ctr">
+                <a:solidFill>
+                  <a:schemeClr val="accent1">
+                    <a:shade val="50000"/>
+                  </a:schemeClr>
+                </a:solidFill>
+                <a:prstDash val="solid"/>
+                <a:miter lim="800000"/>
+              </a14:hiddenLine>
+            </a:ext>
+          </a:extLst>
+        </p:spPr>
+        <p:style>
+          <a:lnRef idx="2">
+            <a:schemeClr val="accent1">
+              <a:shade val="50000"/>
+            </a:schemeClr>
+          </a:lnRef>
+          <a:fillRef idx="1">
+            <a:schemeClr val="accent1"/>
+          </a:fillRef>
+          <a:effectRef idx="0">
+            <a:schemeClr val="accent1"/>
+          </a:effectRef>
+          <a:fontRef idx="minor">
+            <a:schemeClr val="lt1"/>
+          </a:fontRef>
+        </p:style>
+        <p:txBody>
+          <a:bodyPr rtlCol="0" anchor="ctr"/>
+          <a:lstStyle/>
+          <a:p>
+            <a:pPr algn="ctr"/>
+            <a:endParaRPr lang="en-US"/>
+          </a:p>
+        </p:txBody>
+      </p:sp>
+      <p:sp>
+        <p:nvSpPr>
+          <p:cNvPr id="21" name="Rectangle 10">
+            <a:extLst>
+              <a:ext uri="{FF2B5EF4-FFF2-40B4-BE49-F238E27FC236}">
+                <a16:creationId xmlns:a16="http://schemas.microsoft.com/office/drawing/2014/main" id="{19604516-F583-413C-8C0B-E7944F332B5A}"/>
+              </a:ext>
+              <a:ext uri="{C183D7F6-B498-43B3-948B-1728B52AA6E4}">
+                <adec:decorative xmlns:adec="http://schemas.microsoft.com/office/drawing/2017/decorative" val="1"/>
+              </a:ext>
+            </a:extLst>
+          </p:cNvPr>
+          <p:cNvSpPr>
+            <a:spLocks noGrp="1" noRot="1" noChangeAspect="1" noMove="1" noResize="1" noEditPoints="1" noAdjustHandles="1" noChangeArrowheads="1" noChangeShapeType="1" noTextEdit="1"/>
+          </p:cNvSpPr>
+          <p:nvPr>
+            <p:extLst>
+              <p:ext uri="{386F3935-93C4-4BCD-93E2-E3B085C9AB24}">
+                <p16:designElem xmlns:p16="http://schemas.microsoft.com/office/powerpoint/2015/main" val="1"/>
+              </p:ext>
+            </p:extLst>
+          </p:nvPr>
+        </p:nvSpPr>
+        <p:spPr>
+          <a:xfrm>
+            <a:off x="0" y="11"/>
+            <a:ext cx="4876800" cy="6857989"/>
+          </a:xfrm>
+          <a:prstGeom prst="rect">
+            <a:avLst/>
+          </a:prstGeom>
+          <a:solidFill>
+            <a:schemeClr val="tx1"/>
+          </a:solidFill>
+        </p:spPr>
+        <p:style>
+          <a:lnRef idx="2">
+            <a:schemeClr val="accent1">
+              <a:shade val="50000"/>
+            </a:schemeClr>
+          </a:lnRef>
+          <a:fillRef idx="1">
+            <a:schemeClr val="accent1"/>
+          </a:fillRef>
+          <a:effectRef idx="0">
+            <a:schemeClr val="accent1"/>
+          </a:effectRef>
+          <a:fontRef idx="minor">
+            <a:schemeClr val="lt1"/>
+          </a:fontRef>
+        </p:style>
+        <p:txBody>
+          <a:bodyPr rtlCol="0" anchor="ctr"/>
+          <a:lstStyle/>
+          <a:p>
+            <a:pPr algn="ctr"/>
+            <a:endParaRPr lang="en-US"/>
+          </a:p>
+        </p:txBody>
+      </p:sp>
+      <p:sp>
+        <p:nvSpPr>
+          <p:cNvPr id="2" name="Title 1">
+            <a:extLst>
+              <a:ext uri="{FF2B5EF4-FFF2-40B4-BE49-F238E27FC236}">
+                <a16:creationId xmlns:a16="http://schemas.microsoft.com/office/drawing/2014/main" id="{98D6D8DC-BBEC-4118-AB07-EF2A55F2143C}"/>
+              </a:ext>
+            </a:extLst>
+          </p:cNvPr>
+          <p:cNvSpPr>
+            <a:spLocks noGrp="1"/>
+          </p:cNvSpPr>
+          <p:nvPr>
+            <p:ph type="title"/>
+          </p:nvPr>
+        </p:nvSpPr>
+        <p:spPr>
+          <a:xfrm>
+            <a:off x="695324" y="901702"/>
+            <a:ext cx="3724528" cy="3670298"/>
+          </a:xfrm>
+        </p:spPr>
+        <p:txBody>
+          <a:bodyPr>
+            <a:normAutofit/>
+          </a:bodyPr>
+          <a:lstStyle/>
+          <a:p>
+            <a:r>
+              <a:rPr lang="en-US">
+                <a:solidFill>
+                  <a:schemeClr val="bg1"/>
+                </a:solidFill>
+              </a:rPr>
+              <a:t>The Data</a:t>
+            </a:r>
+          </a:p>
+        </p:txBody>
+      </p:sp>
+      <p:cxnSp>
+        <p:nvCxnSpPr>
+          <p:cNvPr id="22" name="Straight Connector 12">
+            <a:extLst>
+              <a:ext uri="{FF2B5EF4-FFF2-40B4-BE49-F238E27FC236}">
+                <a16:creationId xmlns:a16="http://schemas.microsoft.com/office/drawing/2014/main" id="{4BFD5B9F-5FB6-467D-83D5-DF82F1907354}"/>
+              </a:ext>
+              <a:ext uri="{C183D7F6-B498-43B3-948B-1728B52AA6E4}">
+                <adec:decorative xmlns:adec="http://schemas.microsoft.com/office/drawing/2017/decorative" val="1"/>
+              </a:ext>
+            </a:extLst>
+          </p:cNvPr>
+          <p:cNvCxnSpPr>
+            <a:cxnSpLocks noGrp="1" noRot="1" noChangeAspect="1" noMove="1" noResize="1" noEditPoints="1" noAdjustHandles="1" noChangeArrowheads="1" noChangeShapeType="1"/>
+          </p:cNvCxnSpPr>
+          <p:nvPr>
+            <p:extLst>
+              <p:ext uri="{386F3935-93C4-4BCD-93E2-E3B085C9AB24}">
+                <p16:designElem xmlns:p16="http://schemas.microsoft.com/office/powerpoint/2015/main" val="1"/>
+              </p:ext>
+            </p:extLst>
+          </p:nvPr>
+        </p:nvCxnSpPr>
+        <p:spPr>
+          <a:xfrm>
+            <a:off x="800100" y="723900"/>
+            <a:ext cx="1524000" cy="0"/>
+          </a:xfrm>
+          <a:prstGeom prst="line">
+            <a:avLst/>
+          </a:prstGeom>
+          <a:ln w="44450">
+            <a:solidFill>
+              <a:schemeClr val="bg1"/>
+            </a:solidFill>
+          </a:ln>
+        </p:spPr>
+        <p:style>
+          <a:lnRef idx="1">
+            <a:schemeClr val="accent1"/>
+          </a:lnRef>
+          <a:fillRef idx="0">
+            <a:schemeClr val="accent1"/>
+          </a:fillRef>
+          <a:effectRef idx="0">
+            <a:schemeClr val="accent1"/>
+          </a:effectRef>
+          <a:fontRef idx="minor">
+            <a:schemeClr val="tx1"/>
+          </a:fontRef>
+        </p:style>
+      </p:cxnSp>
+      <p:graphicFrame>
+        <p:nvGraphicFramePr>
+          <p:cNvPr id="23" name="Content Placeholder 2">
+            <a:extLst>
+              <a:ext uri="{FF2B5EF4-FFF2-40B4-BE49-F238E27FC236}">
+                <a16:creationId xmlns:a16="http://schemas.microsoft.com/office/drawing/2014/main" id="{CC0D4A00-BE13-485C-8E6E-F7B4FD9EC5F3}"/>
+              </a:ext>
+            </a:extLst>
+          </p:cNvPr>
+          <p:cNvGraphicFramePr>
+            <a:graphicFrameLocks noGrp="1"/>
+          </p:cNvGraphicFramePr>
+          <p:nvPr>
+            <p:ph idx="1"/>
+            <p:extLst>
+              <p:ext uri="{D42A27DB-BD31-4B8C-83A1-F6EECF244321}">
+                <p14:modId xmlns:p14="http://schemas.microsoft.com/office/powerpoint/2010/main" val="1610225526"/>
+              </p:ext>
+            </p:extLst>
+          </p:nvPr>
+        </p:nvGraphicFramePr>
+        <p:xfrm>
+          <a:off x="5715000" y="723901"/>
+          <a:ext cx="5676900" cy="5410200"/>
+        </p:xfrm>
+        <a:graphic>
+          <a:graphicData uri="http://schemas.openxmlformats.org/drawingml/2006/diagram">
+            <dgm:relIds xmlns:dgm="http://schemas.openxmlformats.org/drawingml/2006/diagram" xmlns:r="http://schemas.openxmlformats.org/officeDocument/2006/relationships" r:dm="rId3" r:lo="rId4" r:qs="rId5" r:cs="rId6"/>
+          </a:graphicData>
+        </a:graphic>
+      </p:graphicFrame>
+    </p:spTree>
+    <p:extLst>
+      <p:ext uri="{BB962C8B-B14F-4D97-AF65-F5344CB8AC3E}">
+        <p14:creationId xmlns:p14="http://schemas.microsoft.com/office/powerpoint/2010/main" val="2639864020"/>
+      </p:ext>
+    </p:extLst>
+  </p:cSld>
+  <p:clrMapOvr>
+    <a:masterClrMapping/>
+  </p:clrMapOvr>
+</p:sld>
+</file>
+
+<file path=ppt/slides/slide5.xml><?xml version="1.0" encoding="utf-8"?>
+<p:sld xmlns:a="http://schemas.openxmlformats.org/drawingml/2006/main" xmlns:r="http://schemas.openxmlformats.org/officeDocument/2006/relationships" xmlns:p="http://schemas.openxmlformats.org/presentationml/2006/main">
+  <p:cSld>
+    <p:bg>
+      <p:bgPr>
+        <a:solidFill>
+          <a:schemeClr val="bg1"/>
+        </a:solidFill>
+        <a:effectLst/>
+      </p:bgPr>
+    </p:bg>
+    <p:spTree>
+      <p:nvGrpSpPr>
+        <p:cNvPr id="1" name=""/>
+        <p:cNvGrpSpPr/>
+        <p:nvPr/>
+      </p:nvGrpSpPr>
+      <p:grpSpPr>
+        <a:xfrm>
+          <a:off x="0" y="0"/>
+          <a:ext cx="0" cy="0"/>
+          <a:chOff x="0" y="0"/>
+          <a:chExt cx="0" cy="0"/>
+        </a:xfrm>
+      </p:grpSpPr>
+      <p:cxnSp>
+        <p:nvCxnSpPr>
+          <p:cNvPr id="21" name="Straight Connector 20">
+            <a:extLst>
+              <a:ext uri="{FF2B5EF4-FFF2-40B4-BE49-F238E27FC236}">
+                <a16:creationId xmlns:a16="http://schemas.microsoft.com/office/drawing/2014/main" id="{F64F9B95-9045-48D2-B9F3-2927E98F54AA}"/>
+              </a:ext>
+              <a:ext uri="{C183D7F6-B498-43B3-948B-1728B52AA6E4}">
+                <adec:decorative xmlns:adec="http://schemas.microsoft.com/office/drawing/2017/decorative" val="1"/>
+              </a:ext>
+            </a:extLst>
+          </p:cNvPr>
+          <p:cNvCxnSpPr>
+            <a:cxnSpLocks noGrp="1" noRot="1" noChangeAspect="1" noMove="1" noResize="1" noEditPoints="1" noAdjustHandles="1" noChangeArrowheads="1" noChangeShapeType="1"/>
+          </p:cNvCxnSpPr>
+          <p:nvPr>
+            <p:extLst>
+              <p:ext uri="{386F3935-93C4-4BCD-93E2-E3B085C9AB24}">
+                <p16:designElem xmlns:p16="http://schemas.microsoft.com/office/powerpoint/2015/main" val="1"/>
+              </p:ext>
+            </p:extLst>
+          </p:nvPr>
+        </p:nvCxnSpPr>
+        <p:spPr>
+          <a:xfrm>
+            <a:off x="800100" y="723900"/>
+            <a:ext cx="10591800" cy="0"/>
+          </a:xfrm>
+          <a:prstGeom prst="line">
+            <a:avLst/>
+          </a:prstGeom>
+          <a:ln w="44450">
+            <a:solidFill>
+              <a:schemeClr val="tx1"/>
+            </a:solidFill>
+          </a:ln>
+        </p:spPr>
+        <p:style>
+          <a:lnRef idx="1">
+            <a:schemeClr val="accent1"/>
+          </a:lnRef>
+          <a:fillRef idx="0">
+            <a:schemeClr val="accent1"/>
+          </a:fillRef>
+          <a:effectRef idx="0">
+            <a:schemeClr val="accent1"/>
+          </a:effectRef>
+          <a:fontRef idx="minor">
+            <a:schemeClr val="tx1"/>
+          </a:fontRef>
+        </p:style>
+      </p:cxnSp>
+      <p:cxnSp>
+        <p:nvCxnSpPr>
+          <p:cNvPr id="23" name="Straight Connector 22">
+            <a:extLst>
+              <a:ext uri="{FF2B5EF4-FFF2-40B4-BE49-F238E27FC236}">
+                <a16:creationId xmlns:a16="http://schemas.microsoft.com/office/drawing/2014/main" id="{085AA86F-6A4D-4BCB-A045-D992CDC2959B}"/>
+              </a:ext>
+              <a:ext uri="{C183D7F6-B498-43B3-948B-1728B52AA6E4}">
+                <adec:decorative xmlns:adec="http://schemas.microsoft.com/office/drawing/2017/decorative" val="1"/>
+              </a:ext>
+            </a:extLst>
+          </p:cNvPr>
+          <p:cNvCxnSpPr>
+            <a:cxnSpLocks noGrp="1" noRot="1" noChangeAspect="1" noMove="1" noResize="1" noEditPoints="1" noAdjustHandles="1" noChangeArrowheads="1" noChangeShapeType="1"/>
+          </p:cNvCxnSpPr>
+          <p:nvPr>
+            <p:extLst>
+              <p:ext uri="{386F3935-93C4-4BCD-93E2-E3B085C9AB24}">
+                <p16:designElem xmlns:p16="http://schemas.microsoft.com/office/powerpoint/2015/main" val="1"/>
+              </p:ext>
+            </p:extLst>
+          </p:nvPr>
+        </p:nvCxnSpPr>
+        <p:spPr>
+          <a:xfrm>
+            <a:off x="800100" y="6142781"/>
+            <a:ext cx="10591800" cy="0"/>
+          </a:xfrm>
+          <a:prstGeom prst="line">
+            <a:avLst/>
+          </a:prstGeom>
+          <a:ln w="12700">
+            <a:solidFill>
+              <a:schemeClr val="tx1"/>
+            </a:solidFill>
+          </a:ln>
+        </p:spPr>
+        <p:style>
+          <a:lnRef idx="1">
+            <a:schemeClr val="accent1"/>
+          </a:lnRef>
+          <a:fillRef idx="0">
+            <a:schemeClr val="accent1"/>
+          </a:fillRef>
+          <a:effectRef idx="0">
+            <a:schemeClr val="accent1"/>
+          </a:effectRef>
+          <a:fontRef idx="minor">
+            <a:schemeClr val="tx1"/>
+          </a:fontRef>
+        </p:style>
+      </p:cxnSp>
+      <p:sp useBgFill="1">
+        <p:nvSpPr>
+          <p:cNvPr id="25" name="Rectangle 24">
+            <a:extLst>
+              <a:ext uri="{FF2B5EF4-FFF2-40B4-BE49-F238E27FC236}">
+                <a16:creationId xmlns:a16="http://schemas.microsoft.com/office/drawing/2014/main" id="{33E93247-6229-44AB-A550-739E971E690B}"/>
+              </a:ext>
+              <a:ext uri="{C183D7F6-B498-43B3-948B-1728B52AA6E4}">
+                <adec:decorative xmlns:adec="http://schemas.microsoft.com/office/drawing/2017/decorative" val="1"/>
+              </a:ext>
+            </a:extLst>
+          </p:cNvPr>
+          <p:cNvSpPr>
+            <a:spLocks noGrp="1" noRot="1" noChangeAspect="1" noMove="1" noResize="1" noEditPoints="1" noAdjustHandles="1" noChangeArrowheads="1" noChangeShapeType="1" noTextEdit="1"/>
+          </p:cNvSpPr>
+          <p:nvPr>
+            <p:extLst>
+              <p:ext uri="{386F3935-93C4-4BCD-93E2-E3B085C9AB24}">
+                <p16:designElem xmlns:p16="http://schemas.microsoft.com/office/powerpoint/2015/main" val="1"/>
+              </p:ext>
+            </p:extLst>
+          </p:nvPr>
+        </p:nvSpPr>
+        <p:spPr>
+          <a:xfrm>
+            <a:off x="0" y="0"/>
+            <a:ext cx="12192000" cy="6858000"/>
+          </a:xfrm>
+          <a:prstGeom prst="rect">
+            <a:avLst/>
+          </a:prstGeom>
+          <a:ln w="12700" cap="flat" cmpd="sng" algn="ctr">
+            <a:noFill/>
+            <a:prstDash val="solid"/>
+            <a:miter lim="800000"/>
+          </a:ln>
+          <a:effectLst/>
+          <a:extLst>
+            <a:ext uri="{91240B29-F687-4F45-9708-019B960494DF}">
+              <a14:hiddenLine xmlns:a14="http://schemas.microsoft.com/office/drawing/2010/main" w="12700" cap="flat" cmpd="sng" algn="ctr">
+                <a:solidFill>
+                  <a:schemeClr val="accent1">
+                    <a:shade val="50000"/>
+                  </a:schemeClr>
+                </a:solidFill>
+                <a:prstDash val="solid"/>
+                <a:miter lim="800000"/>
+              </a14:hiddenLine>
+            </a:ext>
+          </a:extLst>
+        </p:spPr>
+        <p:style>
+          <a:lnRef idx="2">
+            <a:schemeClr val="accent1">
+              <a:shade val="50000"/>
+            </a:schemeClr>
+          </a:lnRef>
+          <a:fillRef idx="1">
+            <a:schemeClr val="accent1"/>
+          </a:fillRef>
+          <a:effectRef idx="0">
+            <a:schemeClr val="accent1"/>
+          </a:effectRef>
+          <a:fontRef idx="minor">
+            <a:schemeClr val="lt1"/>
+          </a:fontRef>
+        </p:style>
+        <p:txBody>
+          <a:bodyPr rtlCol="0" anchor="ctr"/>
+          <a:lstStyle/>
+          <a:p>
+            <a:pPr algn="ctr"/>
+            <a:endParaRPr lang="en-US"/>
+          </a:p>
+        </p:txBody>
+      </p:sp>
+      <p:sp>
+        <p:nvSpPr>
+          <p:cNvPr id="4" name="Title 3">
+            <a:extLst>
+              <a:ext uri="{FF2B5EF4-FFF2-40B4-BE49-F238E27FC236}">
+                <a16:creationId xmlns:a16="http://schemas.microsoft.com/office/drawing/2014/main" id="{DD23A985-E245-4833-A627-2D6BC3B62445}"/>
+              </a:ext>
+            </a:extLst>
+          </p:cNvPr>
+          <p:cNvSpPr>
+            <a:spLocks noGrp="1"/>
+          </p:cNvSpPr>
+          <p:nvPr>
+            <p:ph type="title"/>
+          </p:nvPr>
+        </p:nvSpPr>
+        <p:spPr>
+          <a:xfrm>
+            <a:off x="695325" y="914557"/>
+            <a:ext cx="10872665" cy="705780"/>
+          </a:xfrm>
+        </p:spPr>
+        <p:txBody>
+          <a:bodyPr vert="horz" lIns="91440" tIns="45720" rIns="91440" bIns="45720" rtlCol="0" anchor="t">
+            <a:normAutofit/>
+          </a:bodyPr>
+          <a:lstStyle/>
+          <a:p>
+            <a:r>
+              <a:rPr lang="en-US" dirty="0"/>
+              <a:t>Sentiment of Reddit Posts</a:t>
+            </a:r>
+          </a:p>
+        </p:txBody>
+      </p:sp>
+      <p:cxnSp>
+        <p:nvCxnSpPr>
+          <p:cNvPr id="27" name="Straight Connector 26">
+            <a:extLst>
+              <a:ext uri="{FF2B5EF4-FFF2-40B4-BE49-F238E27FC236}">
+                <a16:creationId xmlns:a16="http://schemas.microsoft.com/office/drawing/2014/main" id="{EE2E603F-4A95-4FE8-BB06-211DFD75DBEF}"/>
+              </a:ext>
+              <a:ext uri="{C183D7F6-B498-43B3-948B-1728B52AA6E4}">
+                <adec:decorative xmlns:adec="http://schemas.microsoft.com/office/drawing/2017/decorative" val="1"/>
+              </a:ext>
+            </a:extLst>
+          </p:cNvPr>
+          <p:cNvCxnSpPr>
+            <a:cxnSpLocks noGrp="1" noRot="1" noChangeAspect="1" noMove="1" noResize="1" noEditPoints="1" noAdjustHandles="1" noChangeArrowheads="1" noChangeShapeType="1"/>
+          </p:cNvCxnSpPr>
+          <p:nvPr>
+            <p:extLst>
+              <p:ext uri="{386F3935-93C4-4BCD-93E2-E3B085C9AB24}">
+                <p16:designElem xmlns:p16="http://schemas.microsoft.com/office/powerpoint/2015/main" val="1"/>
+              </p:ext>
+            </p:extLst>
+          </p:nvPr>
+        </p:nvCxnSpPr>
+        <p:spPr>
+          <a:xfrm>
+            <a:off x="800100" y="723900"/>
+            <a:ext cx="1638300" cy="0"/>
+          </a:xfrm>
+          <a:prstGeom prst="line">
+            <a:avLst/>
+          </a:prstGeom>
+          <a:ln w="44450">
+            <a:solidFill>
+              <a:schemeClr val="tx1"/>
+            </a:solidFill>
+          </a:ln>
+        </p:spPr>
+        <p:style>
+          <a:lnRef idx="1">
+            <a:schemeClr val="accent1"/>
+          </a:lnRef>
+          <a:fillRef idx="0">
+            <a:schemeClr val="accent1"/>
+          </a:fillRef>
+          <a:effectRef idx="0">
+            <a:schemeClr val="accent1"/>
+          </a:effectRef>
+          <a:fontRef idx="minor">
+            <a:schemeClr val="tx1"/>
+          </a:fontRef>
+        </p:style>
+      </p:cxnSp>
+      <p:pic>
+        <p:nvPicPr>
+          <p:cNvPr id="3" name="Content Placeholder 2">
+            <a:extLst>
+              <a:ext uri="{FF2B5EF4-FFF2-40B4-BE49-F238E27FC236}">
+                <a16:creationId xmlns:a16="http://schemas.microsoft.com/office/drawing/2014/main" id="{7B742CE7-CA21-470C-AC2B-F89ECEC311CD}"/>
               </a:ext>
             </a:extLst>
           </p:cNvPr>
@@ -11794,9 +13165,596 @@
             <p:ph idx="1"/>
           </p:nvPr>
         </p:nvPicPr>
+        <p:blipFill>
+          <a:blip r:embed="rId3"/>
+          <a:stretch>
+            <a:fillRect/>
+          </a:stretch>
+        </p:blipFill>
+        <p:spPr>
+          <a:xfrm>
+            <a:off x="1607105" y="2292953"/>
+            <a:ext cx="8977789" cy="3860450"/>
+          </a:xfrm>
+          <a:prstGeom prst="rect">
+            <a:avLst/>
+          </a:prstGeom>
+        </p:spPr>
+      </p:pic>
+    </p:spTree>
+    <p:extLst>
+      <p:ext uri="{BB962C8B-B14F-4D97-AF65-F5344CB8AC3E}">
+        <p14:creationId xmlns:p14="http://schemas.microsoft.com/office/powerpoint/2010/main" val="3731193904"/>
+      </p:ext>
+    </p:extLst>
+  </p:cSld>
+  <p:clrMapOvr>
+    <a:masterClrMapping/>
+  </p:clrMapOvr>
+</p:sld>
+</file>
+
+<file path=ppt/slides/slide6.xml><?xml version="1.0" encoding="utf-8"?>
+<p:sld xmlns:a="http://schemas.openxmlformats.org/drawingml/2006/main" xmlns:r="http://schemas.openxmlformats.org/officeDocument/2006/relationships" xmlns:p="http://schemas.openxmlformats.org/presentationml/2006/main">
+  <p:cSld>
+    <p:bg>
+      <p:bgPr>
+        <a:solidFill>
+          <a:schemeClr val="bg1"/>
+        </a:solidFill>
+        <a:effectLst/>
+      </p:bgPr>
+    </p:bg>
+    <p:spTree>
+      <p:nvGrpSpPr>
+        <p:cNvPr id="1" name=""/>
+        <p:cNvGrpSpPr/>
+        <p:nvPr/>
+      </p:nvGrpSpPr>
+      <p:grpSpPr>
+        <a:xfrm>
+          <a:off x="0" y="0"/>
+          <a:ext cx="0" cy="0"/>
+          <a:chOff x="0" y="0"/>
+          <a:chExt cx="0" cy="0"/>
+        </a:xfrm>
+      </p:grpSpPr>
+      <p:cxnSp>
+        <p:nvCxnSpPr>
+          <p:cNvPr id="10" name="Straight Connector 9">
+            <a:extLst>
+              <a:ext uri="{FF2B5EF4-FFF2-40B4-BE49-F238E27FC236}">
+                <a16:creationId xmlns:a16="http://schemas.microsoft.com/office/drawing/2014/main" id="{F64F9B95-9045-48D2-B9F3-2927E98F54AA}"/>
+              </a:ext>
+              <a:ext uri="{C183D7F6-B498-43B3-948B-1728B52AA6E4}">
+                <adec:decorative xmlns:adec="http://schemas.microsoft.com/office/drawing/2017/decorative" val="1"/>
+              </a:ext>
+            </a:extLst>
+          </p:cNvPr>
+          <p:cNvCxnSpPr>
+            <a:cxnSpLocks noGrp="1" noRot="1" noChangeAspect="1" noMove="1" noResize="1" noEditPoints="1" noAdjustHandles="1" noChangeArrowheads="1" noChangeShapeType="1"/>
+          </p:cNvCxnSpPr>
+          <p:nvPr>
+            <p:extLst>
+              <p:ext uri="{386F3935-93C4-4BCD-93E2-E3B085C9AB24}">
+                <p16:designElem xmlns:p16="http://schemas.microsoft.com/office/powerpoint/2015/main" val="1"/>
+              </p:ext>
+            </p:extLst>
+          </p:nvPr>
+        </p:nvCxnSpPr>
+        <p:spPr>
+          <a:xfrm>
+            <a:off x="800100" y="723900"/>
+            <a:ext cx="10591800" cy="0"/>
+          </a:xfrm>
+          <a:prstGeom prst="line">
+            <a:avLst/>
+          </a:prstGeom>
+          <a:ln w="44450">
+            <a:solidFill>
+              <a:schemeClr val="tx1"/>
+            </a:solidFill>
+          </a:ln>
+        </p:spPr>
+        <p:style>
+          <a:lnRef idx="1">
+            <a:schemeClr val="accent1"/>
+          </a:lnRef>
+          <a:fillRef idx="0">
+            <a:schemeClr val="accent1"/>
+          </a:fillRef>
+          <a:effectRef idx="0">
+            <a:schemeClr val="accent1"/>
+          </a:effectRef>
+          <a:fontRef idx="minor">
+            <a:schemeClr val="tx1"/>
+          </a:fontRef>
+        </p:style>
+      </p:cxnSp>
+      <p:cxnSp>
+        <p:nvCxnSpPr>
+          <p:cNvPr id="12" name="Straight Connector 11">
+            <a:extLst>
+              <a:ext uri="{FF2B5EF4-FFF2-40B4-BE49-F238E27FC236}">
+                <a16:creationId xmlns:a16="http://schemas.microsoft.com/office/drawing/2014/main" id="{085AA86F-6A4D-4BCB-A045-D992CDC2959B}"/>
+              </a:ext>
+              <a:ext uri="{C183D7F6-B498-43B3-948B-1728B52AA6E4}">
+                <adec:decorative xmlns:adec="http://schemas.microsoft.com/office/drawing/2017/decorative" val="1"/>
+              </a:ext>
+            </a:extLst>
+          </p:cNvPr>
+          <p:cNvCxnSpPr>
+            <a:cxnSpLocks noGrp="1" noRot="1" noChangeAspect="1" noMove="1" noResize="1" noEditPoints="1" noAdjustHandles="1" noChangeArrowheads="1" noChangeShapeType="1"/>
+          </p:cNvCxnSpPr>
+          <p:nvPr>
+            <p:extLst>
+              <p:ext uri="{386F3935-93C4-4BCD-93E2-E3B085C9AB24}">
+                <p16:designElem xmlns:p16="http://schemas.microsoft.com/office/powerpoint/2015/main" val="1"/>
+              </p:ext>
+            </p:extLst>
+          </p:nvPr>
+        </p:nvCxnSpPr>
+        <p:spPr>
+          <a:xfrm>
+            <a:off x="800100" y="6142781"/>
+            <a:ext cx="10591800" cy="0"/>
+          </a:xfrm>
+          <a:prstGeom prst="line">
+            <a:avLst/>
+          </a:prstGeom>
+          <a:ln w="12700">
+            <a:solidFill>
+              <a:schemeClr val="tx1"/>
+            </a:solidFill>
+          </a:ln>
+        </p:spPr>
+        <p:style>
+          <a:lnRef idx="1">
+            <a:schemeClr val="accent1"/>
+          </a:lnRef>
+          <a:fillRef idx="0">
+            <a:schemeClr val="accent1"/>
+          </a:fillRef>
+          <a:effectRef idx="0">
+            <a:schemeClr val="accent1"/>
+          </a:effectRef>
+          <a:fontRef idx="minor">
+            <a:schemeClr val="tx1"/>
+          </a:fontRef>
+        </p:style>
+      </p:cxnSp>
+      <p:sp useBgFill="1">
+        <p:nvSpPr>
+          <p:cNvPr id="14" name="Rectangle 13">
+            <a:extLst>
+              <a:ext uri="{FF2B5EF4-FFF2-40B4-BE49-F238E27FC236}">
+                <a16:creationId xmlns:a16="http://schemas.microsoft.com/office/drawing/2014/main" id="{33E93247-6229-44AB-A550-739E971E690B}"/>
+              </a:ext>
+              <a:ext uri="{C183D7F6-B498-43B3-948B-1728B52AA6E4}">
+                <adec:decorative xmlns:adec="http://schemas.microsoft.com/office/drawing/2017/decorative" val="1"/>
+              </a:ext>
+            </a:extLst>
+          </p:cNvPr>
+          <p:cNvSpPr>
+            <a:spLocks noGrp="1" noRot="1" noChangeAspect="1" noMove="1" noResize="1" noEditPoints="1" noAdjustHandles="1" noChangeArrowheads="1" noChangeShapeType="1" noTextEdit="1"/>
+          </p:cNvSpPr>
+          <p:nvPr>
+            <p:extLst>
+              <p:ext uri="{386F3935-93C4-4BCD-93E2-E3B085C9AB24}">
+                <p16:designElem xmlns:p16="http://schemas.microsoft.com/office/powerpoint/2015/main" val="1"/>
+              </p:ext>
+            </p:extLst>
+          </p:nvPr>
+        </p:nvSpPr>
+        <p:spPr>
+          <a:xfrm>
+            <a:off x="0" y="0"/>
+            <a:ext cx="12192000" cy="6858000"/>
+          </a:xfrm>
+          <a:prstGeom prst="rect">
+            <a:avLst/>
+          </a:prstGeom>
+          <a:ln w="12700" cap="flat" cmpd="sng" algn="ctr">
+            <a:noFill/>
+            <a:prstDash val="solid"/>
+            <a:miter lim="800000"/>
+          </a:ln>
+          <a:effectLst/>
+          <a:extLst>
+            <a:ext uri="{91240B29-F687-4F45-9708-019B960494DF}">
+              <a14:hiddenLine xmlns:a14="http://schemas.microsoft.com/office/drawing/2010/main" w="12700" cap="flat" cmpd="sng" algn="ctr">
+                <a:solidFill>
+                  <a:schemeClr val="accent1">
+                    <a:shade val="50000"/>
+                  </a:schemeClr>
+                </a:solidFill>
+                <a:prstDash val="solid"/>
+                <a:miter lim="800000"/>
+              </a14:hiddenLine>
+            </a:ext>
+          </a:extLst>
+        </p:spPr>
+        <p:style>
+          <a:lnRef idx="2">
+            <a:schemeClr val="accent1">
+              <a:shade val="50000"/>
+            </a:schemeClr>
+          </a:lnRef>
+          <a:fillRef idx="1">
+            <a:schemeClr val="accent1"/>
+          </a:fillRef>
+          <a:effectRef idx="0">
+            <a:schemeClr val="accent1"/>
+          </a:effectRef>
+          <a:fontRef idx="minor">
+            <a:schemeClr val="lt1"/>
+          </a:fontRef>
+        </p:style>
+        <p:txBody>
+          <a:bodyPr rtlCol="0" anchor="ctr"/>
+          <a:lstStyle/>
+          <a:p>
+            <a:pPr algn="ctr"/>
+            <a:endParaRPr lang="en-US"/>
+          </a:p>
+        </p:txBody>
+      </p:sp>
+      <p:sp>
+        <p:nvSpPr>
+          <p:cNvPr id="2" name="Title 1">
+            <a:extLst>
+              <a:ext uri="{FF2B5EF4-FFF2-40B4-BE49-F238E27FC236}">
+                <a16:creationId xmlns:a16="http://schemas.microsoft.com/office/drawing/2014/main" id="{F61D019D-541C-47CE-A5DC-1F9CCB19DC6B}"/>
+              </a:ext>
+            </a:extLst>
+          </p:cNvPr>
+          <p:cNvSpPr>
+            <a:spLocks noGrp="1"/>
+          </p:cNvSpPr>
+          <p:nvPr>
+            <p:ph type="title"/>
+          </p:nvPr>
+        </p:nvSpPr>
+        <p:spPr>
+          <a:xfrm>
+            <a:off x="695325" y="914557"/>
+            <a:ext cx="10872665" cy="705780"/>
+          </a:xfrm>
+        </p:spPr>
+        <p:txBody>
+          <a:bodyPr vert="horz" lIns="91440" tIns="45720" rIns="91440" bIns="45720" rtlCol="0" anchor="t">
+            <a:normAutofit/>
+          </a:bodyPr>
+          <a:lstStyle/>
+          <a:p>
+            <a:r>
+              <a:rPr lang="en-US" dirty="0"/>
+              <a:t>Sentiment of Reddit Posts</a:t>
+            </a:r>
+          </a:p>
+        </p:txBody>
+      </p:sp>
+      <p:cxnSp>
+        <p:nvCxnSpPr>
+          <p:cNvPr id="16" name="Straight Connector 15">
+            <a:extLst>
+              <a:ext uri="{FF2B5EF4-FFF2-40B4-BE49-F238E27FC236}">
+                <a16:creationId xmlns:a16="http://schemas.microsoft.com/office/drawing/2014/main" id="{EE2E603F-4A95-4FE8-BB06-211DFD75DBEF}"/>
+              </a:ext>
+              <a:ext uri="{C183D7F6-B498-43B3-948B-1728B52AA6E4}">
+                <adec:decorative xmlns:adec="http://schemas.microsoft.com/office/drawing/2017/decorative" val="1"/>
+              </a:ext>
+            </a:extLst>
+          </p:cNvPr>
+          <p:cNvCxnSpPr>
+            <a:cxnSpLocks noGrp="1" noRot="1" noChangeAspect="1" noMove="1" noResize="1" noEditPoints="1" noAdjustHandles="1" noChangeArrowheads="1" noChangeShapeType="1"/>
+          </p:cNvCxnSpPr>
+          <p:nvPr>
+            <p:extLst>
+              <p:ext uri="{386F3935-93C4-4BCD-93E2-E3B085C9AB24}">
+                <p16:designElem xmlns:p16="http://schemas.microsoft.com/office/powerpoint/2015/main" val="1"/>
+              </p:ext>
+            </p:extLst>
+          </p:nvPr>
+        </p:nvCxnSpPr>
+        <p:spPr>
+          <a:xfrm>
+            <a:off x="800100" y="723900"/>
+            <a:ext cx="1638300" cy="0"/>
+          </a:xfrm>
+          <a:prstGeom prst="line">
+            <a:avLst/>
+          </a:prstGeom>
+          <a:ln w="44450">
+            <a:solidFill>
+              <a:schemeClr val="tx1"/>
+            </a:solidFill>
+          </a:ln>
+        </p:spPr>
+        <p:style>
+          <a:lnRef idx="1">
+            <a:schemeClr val="accent1"/>
+          </a:lnRef>
+          <a:fillRef idx="0">
+            <a:schemeClr val="accent1"/>
+          </a:fillRef>
+          <a:effectRef idx="0">
+            <a:schemeClr val="accent1"/>
+          </a:effectRef>
+          <a:fontRef idx="minor">
+            <a:schemeClr val="tx1"/>
+          </a:fontRef>
+        </p:style>
+      </p:cxnSp>
+      <p:pic>
+        <p:nvPicPr>
+          <p:cNvPr id="5" name="Content Placeholder 4">
+            <a:extLst>
+              <a:ext uri="{FF2B5EF4-FFF2-40B4-BE49-F238E27FC236}">
+                <a16:creationId xmlns:a16="http://schemas.microsoft.com/office/drawing/2014/main" id="{1BB6549D-4E3E-47E8-9CE4-04EE3F4A730C}"/>
+              </a:ext>
+            </a:extLst>
+          </p:cNvPr>
+          <p:cNvPicPr>
+            <a:picLocks noGrp="1" noChangeAspect="1"/>
+          </p:cNvPicPr>
+          <p:nvPr>
+            <p:ph idx="1"/>
+          </p:nvPr>
+        </p:nvPicPr>
+        <p:blipFill>
+          <a:blip r:embed="rId2"/>
+          <a:stretch>
+            <a:fillRect/>
+          </a:stretch>
+        </p:blipFill>
+        <p:spPr>
+          <a:xfrm>
+            <a:off x="2196555" y="2292953"/>
+            <a:ext cx="7798890" cy="3860450"/>
+          </a:xfrm>
+          <a:prstGeom prst="rect">
+            <a:avLst/>
+          </a:prstGeom>
+        </p:spPr>
+      </p:pic>
+    </p:spTree>
+    <p:extLst>
+      <p:ext uri="{BB962C8B-B14F-4D97-AF65-F5344CB8AC3E}">
+        <p14:creationId xmlns:p14="http://schemas.microsoft.com/office/powerpoint/2010/main" val="1182057865"/>
+      </p:ext>
+    </p:extLst>
+  </p:cSld>
+  <p:clrMapOvr>
+    <a:masterClrMapping/>
+  </p:clrMapOvr>
+</p:sld>
+</file>
+
+<file path=ppt/slides/slide7.xml><?xml version="1.0" encoding="utf-8"?>
+<p:sld xmlns:a="http://schemas.openxmlformats.org/drawingml/2006/main" xmlns:r="http://schemas.openxmlformats.org/officeDocument/2006/relationships" xmlns:p="http://schemas.openxmlformats.org/presentationml/2006/main">
+  <p:cSld>
+    <p:bg>
+      <p:bgPr>
+        <a:solidFill>
+          <a:schemeClr val="bg1"/>
+        </a:solidFill>
+        <a:effectLst/>
+      </p:bgPr>
+    </p:bg>
+    <p:spTree>
+      <p:nvGrpSpPr>
+        <p:cNvPr id="1" name=""/>
+        <p:cNvGrpSpPr/>
+        <p:nvPr/>
+      </p:nvGrpSpPr>
+      <p:grpSpPr>
+        <a:xfrm>
+          <a:off x="0" y="0"/>
+          <a:ext cx="0" cy="0"/>
+          <a:chOff x="0" y="0"/>
+          <a:chExt cx="0" cy="0"/>
+        </a:xfrm>
+      </p:grpSpPr>
+      <p:cxnSp>
+        <p:nvCxnSpPr>
+          <p:cNvPr id="12" name="Straight Connector 11">
+            <a:extLst>
+              <a:ext uri="{FF2B5EF4-FFF2-40B4-BE49-F238E27FC236}">
+                <a16:creationId xmlns:a16="http://schemas.microsoft.com/office/drawing/2014/main" id="{F64F9B95-9045-48D2-B9F3-2927E98F54AA}"/>
+              </a:ext>
+              <a:ext uri="{C183D7F6-B498-43B3-948B-1728B52AA6E4}">
+                <adec:decorative xmlns:adec="http://schemas.microsoft.com/office/drawing/2017/decorative" val="1"/>
+              </a:ext>
+            </a:extLst>
+          </p:cNvPr>
+          <p:cNvCxnSpPr>
+            <a:cxnSpLocks noGrp="1" noRot="1" noChangeAspect="1" noMove="1" noResize="1" noEditPoints="1" noAdjustHandles="1" noChangeArrowheads="1" noChangeShapeType="1"/>
+          </p:cNvCxnSpPr>
+          <p:nvPr>
+            <p:extLst>
+              <p:ext uri="{386F3935-93C4-4BCD-93E2-E3B085C9AB24}">
+                <p16:designElem xmlns:p16="http://schemas.microsoft.com/office/powerpoint/2015/main" val="1"/>
+              </p:ext>
+            </p:extLst>
+          </p:nvPr>
+        </p:nvCxnSpPr>
+        <p:spPr>
+          <a:xfrm>
+            <a:off x="800100" y="723900"/>
+            <a:ext cx="10591800" cy="0"/>
+          </a:xfrm>
+          <a:prstGeom prst="line">
+            <a:avLst/>
+          </a:prstGeom>
+          <a:ln w="44450">
+            <a:solidFill>
+              <a:schemeClr val="tx1"/>
+            </a:solidFill>
+          </a:ln>
+        </p:spPr>
+        <p:style>
+          <a:lnRef idx="1">
+            <a:schemeClr val="accent1"/>
+          </a:lnRef>
+          <a:fillRef idx="0">
+            <a:schemeClr val="accent1"/>
+          </a:fillRef>
+          <a:effectRef idx="0">
+            <a:schemeClr val="accent1"/>
+          </a:effectRef>
+          <a:fontRef idx="minor">
+            <a:schemeClr val="tx1"/>
+          </a:fontRef>
+        </p:style>
+      </p:cxnSp>
+      <p:cxnSp>
+        <p:nvCxnSpPr>
+          <p:cNvPr id="14" name="Straight Connector 13">
+            <a:extLst>
+              <a:ext uri="{FF2B5EF4-FFF2-40B4-BE49-F238E27FC236}">
+                <a16:creationId xmlns:a16="http://schemas.microsoft.com/office/drawing/2014/main" id="{085AA86F-6A4D-4BCB-A045-D992CDC2959B}"/>
+              </a:ext>
+              <a:ext uri="{C183D7F6-B498-43B3-948B-1728B52AA6E4}">
+                <adec:decorative xmlns:adec="http://schemas.microsoft.com/office/drawing/2017/decorative" val="1"/>
+              </a:ext>
+            </a:extLst>
+          </p:cNvPr>
+          <p:cNvCxnSpPr>
+            <a:cxnSpLocks noGrp="1" noRot="1" noChangeAspect="1" noMove="1" noResize="1" noEditPoints="1" noAdjustHandles="1" noChangeArrowheads="1" noChangeShapeType="1"/>
+          </p:cNvCxnSpPr>
+          <p:nvPr>
+            <p:extLst>
+              <p:ext uri="{386F3935-93C4-4BCD-93E2-E3B085C9AB24}">
+                <p16:designElem xmlns:p16="http://schemas.microsoft.com/office/powerpoint/2015/main" val="1"/>
+              </p:ext>
+            </p:extLst>
+          </p:nvPr>
+        </p:nvCxnSpPr>
+        <p:spPr>
+          <a:xfrm>
+            <a:off x="800100" y="6142781"/>
+            <a:ext cx="10591800" cy="0"/>
+          </a:xfrm>
+          <a:prstGeom prst="line">
+            <a:avLst/>
+          </a:prstGeom>
+          <a:ln w="12700">
+            <a:solidFill>
+              <a:schemeClr val="tx1"/>
+            </a:solidFill>
+          </a:ln>
+        </p:spPr>
+        <p:style>
+          <a:lnRef idx="1">
+            <a:schemeClr val="accent1"/>
+          </a:lnRef>
+          <a:fillRef idx="0">
+            <a:schemeClr val="accent1"/>
+          </a:fillRef>
+          <a:effectRef idx="0">
+            <a:schemeClr val="accent1"/>
+          </a:effectRef>
+          <a:fontRef idx="minor">
+            <a:schemeClr val="tx1"/>
+          </a:fontRef>
+        </p:style>
+      </p:cxnSp>
+      <p:sp useBgFill="1">
+        <p:nvSpPr>
+          <p:cNvPr id="16" name="Rectangle 15">
+            <a:extLst>
+              <a:ext uri="{FF2B5EF4-FFF2-40B4-BE49-F238E27FC236}">
+                <a16:creationId xmlns:a16="http://schemas.microsoft.com/office/drawing/2014/main" id="{85CB65D0-496F-4797-A015-C85839E35D1A}"/>
+              </a:ext>
+              <a:ext uri="{C183D7F6-B498-43B3-948B-1728B52AA6E4}">
+                <adec:decorative xmlns:adec="http://schemas.microsoft.com/office/drawing/2017/decorative" val="1"/>
+              </a:ext>
+            </a:extLst>
+          </p:cNvPr>
+          <p:cNvSpPr>
+            <a:spLocks noGrp="1" noRot="1" noChangeAspect="1" noMove="1" noResize="1" noEditPoints="1" noAdjustHandles="1" noChangeArrowheads="1" noChangeShapeType="1" noTextEdit="1"/>
+          </p:cNvSpPr>
+          <p:nvPr>
+            <p:extLst>
+              <p:ext uri="{386F3935-93C4-4BCD-93E2-E3B085C9AB24}">
+                <p16:designElem xmlns:p16="http://schemas.microsoft.com/office/powerpoint/2015/main" val="1"/>
+              </p:ext>
+            </p:extLst>
+          </p:nvPr>
+        </p:nvSpPr>
+        <p:spPr>
+          <a:xfrm>
+            <a:off x="0" y="0"/>
+            <a:ext cx="12192000" cy="6858000"/>
+          </a:xfrm>
+          <a:prstGeom prst="rect">
+            <a:avLst/>
+          </a:prstGeom>
+          <a:ln w="12700" cap="flat" cmpd="sng" algn="ctr">
+            <a:noFill/>
+            <a:prstDash val="solid"/>
+            <a:miter lim="800000"/>
+          </a:ln>
+          <a:effectLst/>
+          <a:extLst>
+            <a:ext uri="{91240B29-F687-4F45-9708-019B960494DF}">
+              <a14:hiddenLine xmlns:a14="http://schemas.microsoft.com/office/drawing/2010/main" w="12700" cap="flat" cmpd="sng" algn="ctr">
+                <a:solidFill>
+                  <a:schemeClr val="accent1">
+                    <a:shade val="50000"/>
+                  </a:schemeClr>
+                </a:solidFill>
+                <a:prstDash val="solid"/>
+                <a:miter lim="800000"/>
+              </a14:hiddenLine>
+            </a:ext>
+          </a:extLst>
+        </p:spPr>
+        <p:style>
+          <a:lnRef idx="2">
+            <a:schemeClr val="accent1">
+              <a:shade val="50000"/>
+            </a:schemeClr>
+          </a:lnRef>
+          <a:fillRef idx="1">
+            <a:schemeClr val="accent1"/>
+          </a:fillRef>
+          <a:effectRef idx="0">
+            <a:schemeClr val="accent1"/>
+          </a:effectRef>
+          <a:fontRef idx="minor">
+            <a:schemeClr val="lt1"/>
+          </a:fontRef>
+        </p:style>
+        <p:txBody>
+          <a:bodyPr rtlCol="0" anchor="ctr"/>
+          <a:lstStyle/>
+          <a:p>
+            <a:pPr algn="ctr"/>
+            <a:endParaRPr lang="en-US"/>
+          </a:p>
+        </p:txBody>
+      </p:sp>
+      <p:pic>
+        <p:nvPicPr>
+          <p:cNvPr id="5" name="Content Placeholder 4">
+            <a:extLst>
+              <a:ext uri="{FF2B5EF4-FFF2-40B4-BE49-F238E27FC236}">
+                <a16:creationId xmlns:a16="http://schemas.microsoft.com/office/drawing/2014/main" id="{E9227A94-8B39-4A38-BDD4-F81C4EF3EDE5}"/>
+              </a:ext>
+            </a:extLst>
+          </p:cNvPr>
+          <p:cNvPicPr>
+            <a:picLocks noGrp="1" noChangeAspect="1"/>
+          </p:cNvPicPr>
+          <p:nvPr>
+            <p:ph idx="1"/>
+          </p:nvPr>
+        </p:nvPicPr>
         <p:blipFill rotWithShape="1">
           <a:blip r:embed="rId3"/>
-          <a:srcRect l="5733" r="2711" b="-1"/>
+          <a:srcRect l="9494" r="1617"/>
           <a:stretch/>
         </p:blipFill>
         <p:spPr>
@@ -11811,7 +13769,7 @@
       </p:pic>
       <p:sp>
         <p:nvSpPr>
-          <p:cNvPr id="16" name="Rectangle 15">
+          <p:cNvPr id="18" name="Rectangle 17">
             <a:extLst>
               <a:ext uri="{FF2B5EF4-FFF2-40B4-BE49-F238E27FC236}">
                 <a16:creationId xmlns:a16="http://schemas.microsoft.com/office/drawing/2014/main" id="{95D2C779-8883-4E5F-A170-0F464918C1B7}"/>
@@ -11901,10 +13859,10 @@
       </p:sp>
       <p:sp>
         <p:nvSpPr>
-          <p:cNvPr id="2" name="Title 1">
-            <a:extLst>
-              <a:ext uri="{FF2B5EF4-FFF2-40B4-BE49-F238E27FC236}">
-                <a16:creationId xmlns:a16="http://schemas.microsoft.com/office/drawing/2014/main" id="{E642C27B-7A49-4953-A99E-7AA3126B3357}"/>
+          <p:cNvPr id="6" name="Title 5">
+            <a:extLst>
+              <a:ext uri="{FF2B5EF4-FFF2-40B4-BE49-F238E27FC236}">
+                <a16:creationId xmlns:a16="http://schemas.microsoft.com/office/drawing/2014/main" id="{C7619A11-F691-4C62-9F18-A4576C89BA5B}"/>
               </a:ext>
             </a:extLst>
           </p:cNvPr>
@@ -11929,19 +13887,19 @@
           <a:p>
             <a:pPr algn="r"/>
             <a:r>
-              <a:rPr lang="en-US" sz="5400" dirty="0">
+              <a:rPr lang="en-US" sz="5400">
                 <a:solidFill>
                   <a:srgbClr val="FFFFFF"/>
                 </a:solidFill>
               </a:rPr>
-              <a:t>r/news</a:t>
+              <a:t>r/politics</a:t>
             </a:r>
           </a:p>
         </p:txBody>
       </p:sp>
       <p:cxnSp>
         <p:nvCxnSpPr>
-          <p:cNvPr id="18" name="Straight Connector 17">
+          <p:cNvPr id="20" name="Straight Connector 19">
             <a:extLst>
               <a:ext uri="{FF2B5EF4-FFF2-40B4-BE49-F238E27FC236}">
                 <a16:creationId xmlns:a16="http://schemas.microsoft.com/office/drawing/2014/main" id="{BD96A694-258D-4418-A83C-B9BA72FD44B8}"/>
@@ -12001,7 +13959,7 @@
     </p:spTree>
     <p:extLst>
       <p:ext uri="{BB962C8B-B14F-4D97-AF65-F5344CB8AC3E}">
-        <p14:creationId xmlns:p14="http://schemas.microsoft.com/office/powerpoint/2010/main" val="3751760142"/>
+        <p14:creationId xmlns:p14="http://schemas.microsoft.com/office/powerpoint/2010/main" val="185075833"/>
       </p:ext>
     </p:extLst>
   </p:cSld>
@@ -12221,7 +14179,7 @@
           <p:cNvPr id="5" name="Content Placeholder 4">
             <a:extLst>
               <a:ext uri="{FF2B5EF4-FFF2-40B4-BE49-F238E27FC236}">
-                <a16:creationId xmlns:a16="http://schemas.microsoft.com/office/drawing/2014/main" id="{E9E2F786-45E7-4D30-AC7C-E660DEF4B05D}"/>
+                <a16:creationId xmlns:a16="http://schemas.microsoft.com/office/drawing/2014/main" id="{D171452C-020D-461C-8040-EE9B54B2C199}"/>
               </a:ext>
             </a:extLst>
           </p:cNvPr>
@@ -12233,8 +14191,8 @@
           </p:nvPr>
         </p:nvPicPr>
         <p:blipFill rotWithShape="1">
-          <a:blip r:embed="rId2"/>
-          <a:srcRect l="5838" r="3496" b="1"/>
+          <a:blip r:embed="rId3"/>
+          <a:srcRect l="5733" r="2711" b="-1"/>
           <a:stretch/>
         </p:blipFill>
         <p:spPr>
@@ -12342,7 +14300,7 @@
           <p:cNvPr id="2" name="Title 1">
             <a:extLst>
               <a:ext uri="{FF2B5EF4-FFF2-40B4-BE49-F238E27FC236}">
-                <a16:creationId xmlns:a16="http://schemas.microsoft.com/office/drawing/2014/main" id="{D1FA2D0F-B8D1-421E-B23B-D78AE6F77E62}"/>
+                <a16:creationId xmlns:a16="http://schemas.microsoft.com/office/drawing/2014/main" id="{E642C27B-7A49-4953-A99E-7AA3126B3357}"/>
               </a:ext>
             </a:extLst>
           </p:cNvPr>
@@ -12372,7 +14330,7 @@
                   <a:srgbClr val="FFFFFF"/>
                 </a:solidFill>
               </a:rPr>
-              <a:t>r/liberal</a:t>
+              <a:t>r/news</a:t>
             </a:r>
           </a:p>
         </p:txBody>
@@ -12439,7 +14397,7 @@
     </p:spTree>
     <p:extLst>
       <p:ext uri="{BB962C8B-B14F-4D97-AF65-F5344CB8AC3E}">
-        <p14:creationId xmlns:p14="http://schemas.microsoft.com/office/powerpoint/2010/main" val="1616218481"/>
+        <p14:creationId xmlns:p14="http://schemas.microsoft.com/office/powerpoint/2010/main" val="3751760142"/>
       </p:ext>
     </p:extLst>
   </p:cSld>
@@ -12659,7 +14617,7 @@
           <p:cNvPr id="5" name="Content Placeholder 4">
             <a:extLst>
               <a:ext uri="{FF2B5EF4-FFF2-40B4-BE49-F238E27FC236}">
-                <a16:creationId xmlns:a16="http://schemas.microsoft.com/office/drawing/2014/main" id="{E3C428CD-1587-40EC-99D4-8633296EDC9F}"/>
+                <a16:creationId xmlns:a16="http://schemas.microsoft.com/office/drawing/2014/main" id="{E9E2F786-45E7-4D30-AC7C-E660DEF4B05D}"/>
               </a:ext>
             </a:extLst>
           </p:cNvPr>
@@ -12671,8 +14629,8 @@
           </p:nvPr>
         </p:nvPicPr>
         <p:blipFill rotWithShape="1">
-          <a:blip r:embed="rId3"/>
-          <a:srcRect l="4391" r="5830" b="-1"/>
+          <a:blip r:embed="rId2"/>
+          <a:srcRect l="5838" r="3496" b="1"/>
           <a:stretch/>
         </p:blipFill>
         <p:spPr>
@@ -12780,7 +14738,7 @@
           <p:cNvPr id="2" name="Title 1">
             <a:extLst>
               <a:ext uri="{FF2B5EF4-FFF2-40B4-BE49-F238E27FC236}">
-                <a16:creationId xmlns:a16="http://schemas.microsoft.com/office/drawing/2014/main" id="{F6195618-C27A-46BF-8D51-388AE26D38E6}"/>
+                <a16:creationId xmlns:a16="http://schemas.microsoft.com/office/drawing/2014/main" id="{D1FA2D0F-B8D1-421E-B23B-D78AE6F77E62}"/>
               </a:ext>
             </a:extLst>
           </p:cNvPr>
@@ -12810,7 +14768,7 @@
                   <a:srgbClr val="FFFFFF"/>
                 </a:solidFill>
               </a:rPr>
-              <a:t>r/democrats</a:t>
+              <a:t>r/liberal</a:t>
             </a:r>
           </a:p>
         </p:txBody>
@@ -12877,7 +14835,7 @@
     </p:spTree>
     <p:extLst>
       <p:ext uri="{BB962C8B-B14F-4D97-AF65-F5344CB8AC3E}">
-        <p14:creationId xmlns:p14="http://schemas.microsoft.com/office/powerpoint/2010/main" val="116411090"/>
+        <p14:creationId xmlns:p14="http://schemas.microsoft.com/office/powerpoint/2010/main" val="1616218481"/>
       </p:ext>
     </p:extLst>
   </p:cSld>
